--- a/Documents/Tuan5/Nhom_3_Tuan_5.pptx
+++ b/Documents/Tuan5/Nhom_3_Tuan_5.pptx
@@ -16,8 +16,12 @@
     <p:sldId id="326" r:id="rId10"/>
     <p:sldId id="327" r:id="rId11"/>
     <p:sldId id="328" r:id="rId12"/>
-    <p:sldId id="329" r:id="rId13"/>
-    <p:sldId id="321" r:id="rId14"/>
+    <p:sldId id="331" r:id="rId13"/>
+    <p:sldId id="332" r:id="rId14"/>
+    <p:sldId id="333" r:id="rId15"/>
+    <p:sldId id="334" r:id="rId16"/>
+    <p:sldId id="335" r:id="rId17"/>
+    <p:sldId id="321" r:id="rId18"/>
   </p:sldIdLst>
   <p:sldSz cx="12192000" cy="6858000"/>
   <p:notesSz cx="6858000" cy="9144000"/>
@@ -255,7 +259,7 @@
           <a:p>
             <a:fld id="{9184DA70-C731-4C70-880D-CCD4705E623C}" type="datetime1">
               <a:rPr lang="en-US" smtClean="0"/>
-              <a:t>11/26/2019</a:t>
+              <a:t>11/30/2019</a:t>
             </a:fld>
             <a:endParaRPr lang="en-US" dirty="0"/>
           </a:p>
@@ -425,7 +429,7 @@
           <a:p>
             <a:fld id="{B612A279-0833-481D-8C56-F67FD0AC6C50}" type="datetime1">
               <a:rPr lang="en-US" smtClean="0"/>
-              <a:t>11/26/2019</a:t>
+              <a:t>11/30/2019</a:t>
             </a:fld>
             <a:endParaRPr lang="en-US" dirty="0"/>
           </a:p>
@@ -605,7 +609,7 @@
           <a:p>
             <a:fld id="{6587DA83-5663-4C9C-B9AA-0B40A3DAFF81}" type="datetime1">
               <a:rPr lang="en-US" smtClean="0"/>
-              <a:t>11/26/2019</a:t>
+              <a:t>11/30/2019</a:t>
             </a:fld>
             <a:endParaRPr lang="en-US" dirty="0"/>
           </a:p>
@@ -775,7 +779,7 @@
           <a:p>
             <a:fld id="{4BE1D723-8F53-4F53-90B0-1982A396982E}" type="datetime1">
               <a:rPr lang="en-US" smtClean="0"/>
-              <a:t>11/26/2019</a:t>
+              <a:t>11/30/2019</a:t>
             </a:fld>
             <a:endParaRPr lang="en-US" dirty="0"/>
           </a:p>
@@ -1021,7 +1025,7 @@
           <a:p>
             <a:fld id="{97669AF7-7BEB-44E4-9852-375E34362B5B}" type="datetime1">
               <a:rPr lang="en-US" smtClean="0"/>
-              <a:t>11/26/2019</a:t>
+              <a:t>11/30/2019</a:t>
             </a:fld>
             <a:endParaRPr lang="en-US" dirty="0"/>
           </a:p>
@@ -1253,7 +1257,7 @@
           <a:p>
             <a:fld id="{BAAAC38D-0552-4C82-B593-E6124DFADBE2}" type="datetime1">
               <a:rPr lang="en-US" smtClean="0"/>
-              <a:t>11/26/2019</a:t>
+              <a:t>11/30/2019</a:t>
             </a:fld>
             <a:endParaRPr lang="en-US" dirty="0"/>
           </a:p>
@@ -1620,7 +1624,7 @@
           <a:p>
             <a:fld id="{D9DF0F1C-5577-4ACB-BB62-DF8F3C494C7E}" type="datetime1">
               <a:rPr lang="en-US" smtClean="0"/>
-              <a:t>11/26/2019</a:t>
+              <a:t>11/30/2019</a:t>
             </a:fld>
             <a:endParaRPr lang="en-US" dirty="0"/>
           </a:p>
@@ -1738,7 +1742,7 @@
           <a:p>
             <a:fld id="{1775B394-D9F9-4F0C-B15D-605F45CB9E9F}" type="datetime1">
               <a:rPr lang="en-US" smtClean="0"/>
-              <a:t>11/26/2019</a:t>
+              <a:t>11/30/2019</a:t>
             </a:fld>
             <a:endParaRPr lang="en-US" dirty="0"/>
           </a:p>
@@ -1833,7 +1837,7 @@
           <a:p>
             <a:fld id="{39667345-2558-425A-8533-9BFDBCE15005}" type="datetime1">
               <a:rPr lang="en-US" smtClean="0"/>
-              <a:t>11/26/2019</a:t>
+              <a:t>11/30/2019</a:t>
             </a:fld>
             <a:endParaRPr lang="en-US" dirty="0"/>
           </a:p>
@@ -2110,7 +2114,7 @@
           <a:p>
             <a:fld id="{92BEA474-078D-4E9B-9B14-09A87B19DC46}" type="datetime1">
               <a:rPr lang="en-US" smtClean="0"/>
-              <a:t>11/26/2019</a:t>
+              <a:t>11/30/2019</a:t>
             </a:fld>
             <a:endParaRPr lang="en-US" dirty="0"/>
           </a:p>
@@ -2364,7 +2368,7 @@
           <a:p>
             <a:fld id="{4907D986-8816-4272-A432-0437A28A9828}" type="datetime1">
               <a:rPr lang="en-US" smtClean="0"/>
-              <a:t>11/26/2019</a:t>
+              <a:t>11/30/2019</a:t>
             </a:fld>
             <a:endParaRPr lang="en-US" dirty="0"/>
           </a:p>
@@ -2578,7 +2582,7 @@
           <a:p>
             <a:fld id="{62D6E202-B606-4609-B914-27C9371A1F6D}" type="datetime1">
               <a:rPr lang="en-US" smtClean="0"/>
-              <a:t>11/26/2019</a:t>
+              <a:t>11/30/2019</a:t>
             </a:fld>
             <a:endParaRPr lang="en-US" dirty="0"/>
           </a:p>
@@ -3479,25 +3483,66 @@
           </a:p>
         </p:txBody>
       </p:sp>
-      <p:sp>
-        <p:nvSpPr>
-          <p:cNvPr id="3" name="Content Placeholder 2"/>
-          <p:cNvSpPr>
-            <a:spLocks noGrp="1"/>
-          </p:cNvSpPr>
-          <p:nvPr>
-            <p:ph idx="1"/>
-          </p:nvPr>
-        </p:nvSpPr>
-        <p:spPr/>
-        <p:txBody>
-          <a:bodyPr/>
-          <a:lstStyle/>
-          <a:p>
-            <a:endParaRPr lang="en-US" dirty="0"/>
-          </a:p>
-        </p:txBody>
-      </p:sp>
+      <p:pic>
+        <p:nvPicPr>
+          <p:cNvPr id="4" name="Picture 3"/>
+          <p:cNvPicPr>
+            <a:picLocks noChangeAspect="1"/>
+          </p:cNvPicPr>
+          <p:nvPr/>
+        </p:nvPicPr>
+        <p:blipFill>
+          <a:blip r:embed="rId2">
+            <a:extLst>
+              <a:ext uri="{28A0092B-C50C-407E-A947-70E740481C1C}">
+                <a14:useLocalDpi xmlns:a14="http://schemas.microsoft.com/office/drawing/2010/main" val="0"/>
+              </a:ext>
+            </a:extLst>
+          </a:blip>
+          <a:stretch>
+            <a:fillRect/>
+          </a:stretch>
+        </p:blipFill>
+        <p:spPr>
+          <a:xfrm>
+            <a:off x="6327818" y="2377731"/>
+            <a:ext cx="5768388" cy="3500551"/>
+          </a:xfrm>
+          <a:prstGeom prst="rect">
+            <a:avLst/>
+          </a:prstGeom>
+        </p:spPr>
+      </p:pic>
+      <p:pic>
+        <p:nvPicPr>
+          <p:cNvPr id="6" name="Picture 5"/>
+          <p:cNvPicPr>
+            <a:picLocks noChangeAspect="1"/>
+          </p:cNvPicPr>
+          <p:nvPr/>
+        </p:nvPicPr>
+        <p:blipFill>
+          <a:blip r:embed="rId3">
+            <a:extLst>
+              <a:ext uri="{28A0092B-C50C-407E-A947-70E740481C1C}">
+                <a14:useLocalDpi xmlns:a14="http://schemas.microsoft.com/office/drawing/2010/main" val="0"/>
+              </a:ext>
+            </a:extLst>
+          </a:blip>
+          <a:stretch>
+            <a:fillRect/>
+          </a:stretch>
+        </p:blipFill>
+        <p:spPr>
+          <a:xfrm>
+            <a:off x="156754" y="2377732"/>
+            <a:ext cx="6011907" cy="3500551"/>
+          </a:xfrm>
+          <a:prstGeom prst="rect">
+            <a:avLst/>
+          </a:prstGeom>
+        </p:spPr>
+      </p:pic>
     </p:spTree>
     <p:extLst>
       <p:ext uri="{BB962C8B-B14F-4D97-AF65-F5344CB8AC3E}">
@@ -3544,10 +3589,16 @@
           <a:lstStyle/>
           <a:p>
             <a:r>
-              <a:rPr lang="en-US" dirty="0" smtClean="0"/>
-              <a:t>3.</a:t>
-            </a:r>
-            <a:endParaRPr lang="en-US" dirty="0"/>
+              <a:rPr lang="en-US" dirty="0" smtClean="0">
+                <a:latin typeface="Times New Roman" panose="02020603050405020304" pitchFamily="18" charset="0"/>
+                <a:cs typeface="Times New Roman" panose="02020603050405020304" pitchFamily="18" charset="0"/>
+              </a:rPr>
+              <a:t>3.Trình bày sản phẩm</a:t>
+            </a:r>
+            <a:endParaRPr lang="en-US" dirty="0">
+              <a:latin typeface="Times New Roman" panose="02020603050405020304" pitchFamily="18" charset="0"/>
+              <a:cs typeface="Times New Roman" panose="02020603050405020304" pitchFamily="18" charset="0"/>
+            </a:endParaRPr>
           </a:p>
         </p:txBody>
       </p:sp>
@@ -3561,15 +3612,56 @@
             <p:ph idx="1"/>
           </p:nvPr>
         </p:nvSpPr>
-        <p:spPr/>
+        <p:spPr>
+          <a:xfrm>
+            <a:off x="838200" y="1825625"/>
+            <a:ext cx="3568337" cy="3460478"/>
+          </a:xfrm>
+        </p:spPr>
         <p:txBody>
           <a:bodyPr/>
           <a:lstStyle/>
           <a:p>
-            <a:endParaRPr lang="en-US"/>
+            <a:r>
+              <a:rPr lang="en-US" dirty="0" smtClean="0">
+                <a:latin typeface="Times New Roman" panose="02020603050405020304" pitchFamily="18" charset="0"/>
+                <a:cs typeface="Times New Roman" panose="02020603050405020304" pitchFamily="18" charset="0"/>
+              </a:rPr>
+              <a:t>Release burn down chart</a:t>
+            </a:r>
           </a:p>
         </p:txBody>
       </p:sp>
+      <p:pic>
+        <p:nvPicPr>
+          <p:cNvPr id="4" name="Picture 3">
+            <a:extLst>
+              <a:ext uri="{FF2B5EF4-FFF2-40B4-BE49-F238E27FC236}">
+                <a16:creationId xmlns:a16="http://schemas.microsoft.com/office/drawing/2014/main" id="{71AECA97-C69B-4819-8843-46F4B9C8C2CC}"/>
+              </a:ext>
+            </a:extLst>
+          </p:cNvPr>
+          <p:cNvPicPr>
+            <a:picLocks noChangeAspect="1"/>
+          </p:cNvPicPr>
+          <p:nvPr/>
+        </p:nvPicPr>
+        <p:blipFill>
+          <a:blip r:embed="rId2"/>
+          <a:stretch>
+            <a:fillRect/>
+          </a:stretch>
+        </p:blipFill>
+        <p:spPr>
+          <a:xfrm>
+            <a:off x="4792784" y="1596882"/>
+            <a:ext cx="6892560" cy="3963222"/>
+          </a:xfrm>
+          <a:prstGeom prst="rect">
+            <a:avLst/>
+          </a:prstGeom>
+        </p:spPr>
+      </p:pic>
     </p:spTree>
     <p:extLst>
       <p:ext uri="{BB962C8B-B14F-4D97-AF65-F5344CB8AC3E}">
@@ -3602,7 +3694,13 @@
       </p:grpSpPr>
       <p:sp>
         <p:nvSpPr>
-          <p:cNvPr id="2" name="Title 1"/>
+          <p:cNvPr id="2" name="Title 1">
+            <a:extLst>
+              <a:ext uri="{FF2B5EF4-FFF2-40B4-BE49-F238E27FC236}">
+                <a16:creationId xmlns:a16="http://schemas.microsoft.com/office/drawing/2014/main" id="{86C02F25-49BE-43EF-968D-BF9390D981EC}"/>
+              </a:ext>
+            </a:extLst>
+          </p:cNvPr>
           <p:cNvSpPr>
             <a:spLocks noGrp="1"/>
           </p:cNvSpPr>
@@ -3610,7 +3708,3230 @@
             <p:ph type="title"/>
           </p:nvPr>
         </p:nvSpPr>
-        <p:spPr/>
+        <p:spPr>
+          <a:xfrm>
+            <a:off x="1097280" y="286603"/>
+            <a:ext cx="10058400" cy="825021"/>
+          </a:xfrm>
+        </p:spPr>
+        <p:txBody>
+          <a:bodyPr>
+            <a:normAutofit/>
+          </a:bodyPr>
+          <a:lstStyle/>
+          <a:p>
+            <a:r>
+              <a:rPr lang="en-US" dirty="0">
+                <a:latin typeface="Times New Roman" panose="02020603050405020304" pitchFamily="18" charset="0"/>
+                <a:cs typeface="Times New Roman" panose="02020603050405020304" pitchFamily="18" charset="0"/>
+              </a:rPr>
+              <a:t>Product Backlog </a:t>
+            </a:r>
+            <a:r>
+              <a:rPr lang="en-US" dirty="0" err="1">
+                <a:latin typeface="Times New Roman" panose="02020603050405020304" pitchFamily="18" charset="0"/>
+                <a:cs typeface="Times New Roman" panose="02020603050405020304" pitchFamily="18" charset="0"/>
+              </a:rPr>
+              <a:t>cập</a:t>
+            </a:r>
+            <a:r>
+              <a:rPr lang="en-US" dirty="0">
+                <a:latin typeface="Times New Roman" panose="02020603050405020304" pitchFamily="18" charset="0"/>
+                <a:cs typeface="Times New Roman" panose="02020603050405020304" pitchFamily="18" charset="0"/>
+              </a:rPr>
+              <a:t> </a:t>
+            </a:r>
+            <a:r>
+              <a:rPr lang="en-US" dirty="0" err="1">
+                <a:latin typeface="Times New Roman" panose="02020603050405020304" pitchFamily="18" charset="0"/>
+                <a:cs typeface="Times New Roman" panose="02020603050405020304" pitchFamily="18" charset="0"/>
+              </a:rPr>
+              <a:t>nhật</a:t>
+            </a:r>
+            <a:r>
+              <a:rPr lang="en-US" dirty="0">
+                <a:latin typeface="Times New Roman" panose="02020603050405020304" pitchFamily="18" charset="0"/>
+                <a:cs typeface="Times New Roman" panose="02020603050405020304" pitchFamily="18" charset="0"/>
+              </a:rPr>
+              <a:t>(user)</a:t>
+            </a:r>
+          </a:p>
+        </p:txBody>
+      </p:sp>
+      <p:graphicFrame>
+        <p:nvGraphicFramePr>
+          <p:cNvPr id="4" name="Table 3">
+            <a:extLst>
+              <a:ext uri="{FF2B5EF4-FFF2-40B4-BE49-F238E27FC236}">
+                <a16:creationId xmlns:a16="http://schemas.microsoft.com/office/drawing/2014/main" id="{4B6FA17A-19EF-44FF-A2F6-EED098146B3F}"/>
+              </a:ext>
+            </a:extLst>
+          </p:cNvPr>
+          <p:cNvGraphicFramePr>
+            <a:graphicFrameLocks noGrp="1"/>
+          </p:cNvGraphicFramePr>
+          <p:nvPr>
+            <p:extLst/>
+          </p:nvPr>
+        </p:nvGraphicFramePr>
+        <p:xfrm>
+          <a:off x="1088572" y="1271447"/>
+          <a:ext cx="10305568" cy="4735978"/>
+        </p:xfrm>
+        <a:graphic>
+          <a:graphicData uri="http://schemas.openxmlformats.org/drawingml/2006/table">
+            <a:tbl>
+              <a:tblPr firstRow="1" firstCol="1" bandRow="1">
+                <a:tableStyleId>{616DA210-FB5B-4158-B5E0-FEB733F419BA}</a:tableStyleId>
+              </a:tblPr>
+              <a:tblGrid>
+                <a:gridCol w="2293204">
+                  <a:extLst>
+                    <a:ext uri="{9D8B030D-6E8A-4147-A177-3AD203B41FA5}">
+                      <a16:colId xmlns:a16="http://schemas.microsoft.com/office/drawing/2014/main" val="4019912762"/>
+                    </a:ext>
+                  </a:extLst>
+                </a:gridCol>
+                <a:gridCol w="2837613">
+                  <a:extLst>
+                    <a:ext uri="{9D8B030D-6E8A-4147-A177-3AD203B41FA5}">
+                      <a16:colId xmlns:a16="http://schemas.microsoft.com/office/drawing/2014/main" val="3530574021"/>
+                    </a:ext>
+                  </a:extLst>
+                </a:gridCol>
+                <a:gridCol w="1566369">
+                  <a:extLst>
+                    <a:ext uri="{9D8B030D-6E8A-4147-A177-3AD203B41FA5}">
+                      <a16:colId xmlns:a16="http://schemas.microsoft.com/office/drawing/2014/main" val="4243186815"/>
+                    </a:ext>
+                  </a:extLst>
+                </a:gridCol>
+                <a:gridCol w="949372">
+                  <a:extLst>
+                    <a:ext uri="{9D8B030D-6E8A-4147-A177-3AD203B41FA5}">
+                      <a16:colId xmlns:a16="http://schemas.microsoft.com/office/drawing/2014/main" val="3694842888"/>
+                    </a:ext>
+                  </a:extLst>
+                </a:gridCol>
+                <a:gridCol w="1384901">
+                  <a:extLst>
+                    <a:ext uri="{9D8B030D-6E8A-4147-A177-3AD203B41FA5}">
+                      <a16:colId xmlns:a16="http://schemas.microsoft.com/office/drawing/2014/main" val="893589088"/>
+                    </a:ext>
+                  </a:extLst>
+                </a:gridCol>
+                <a:gridCol w="1274109">
+                  <a:extLst>
+                    <a:ext uri="{9D8B030D-6E8A-4147-A177-3AD203B41FA5}">
+                      <a16:colId xmlns:a16="http://schemas.microsoft.com/office/drawing/2014/main" val="2403145774"/>
+                    </a:ext>
+                  </a:extLst>
+                </a:gridCol>
+              </a:tblGrid>
+              <a:tr h="333150">
+                <a:tc>
+                  <a:txBody>
+                    <a:bodyPr/>
+                    <a:lstStyle/>
+                    <a:p>
+                      <a:pPr marL="457200" marR="0" algn="ctr">
+                        <a:lnSpc>
+                          <a:spcPct val="107000"/>
+                        </a:lnSpc>
+                        <a:spcBef>
+                          <a:spcPts val="0"/>
+                        </a:spcBef>
+                        <a:spcAft>
+                          <a:spcPts val="0"/>
+                        </a:spcAft>
+                      </a:pPr>
+                      <a:r>
+                        <a:rPr lang="en-US" sz="1200" dirty="0">
+                          <a:effectLst/>
+                        </a:rPr>
+                        <a:t>Tôi muốn</a:t>
+                      </a:r>
+                      <a:endParaRPr lang="en-US" sz="1100" dirty="0">
+                        <a:effectLst/>
+                        <a:latin typeface="Calibri" panose="020F0502020204030204" pitchFamily="34" charset="0"/>
+                        <a:ea typeface="Calibri" panose="020F0502020204030204" pitchFamily="34" charset="0"/>
+                        <a:cs typeface="Times New Roman" panose="02020603050405020304" pitchFamily="18" charset="0"/>
+                      </a:endParaRPr>
+                    </a:p>
+                  </a:txBody>
+                  <a:tcPr marL="35971" marR="35971" marT="0" marB="0"/>
+                </a:tc>
+                <a:tc>
+                  <a:txBody>
+                    <a:bodyPr/>
+                    <a:lstStyle/>
+                    <a:p>
+                      <a:pPr marL="0" marR="0" algn="ctr">
+                        <a:lnSpc>
+                          <a:spcPct val="107000"/>
+                        </a:lnSpc>
+                        <a:spcBef>
+                          <a:spcPts val="0"/>
+                        </a:spcBef>
+                        <a:spcAft>
+                          <a:spcPts val="0"/>
+                        </a:spcAft>
+                      </a:pPr>
+                      <a:r>
+                        <a:rPr lang="en-US" sz="1200">
+                          <a:effectLst/>
+                        </a:rPr>
+                        <a:t>Để</a:t>
+                      </a:r>
+                      <a:endParaRPr lang="en-US" sz="1100">
+                        <a:effectLst/>
+                        <a:latin typeface="Calibri" panose="020F0502020204030204" pitchFamily="34" charset="0"/>
+                        <a:ea typeface="Calibri" panose="020F0502020204030204" pitchFamily="34" charset="0"/>
+                        <a:cs typeface="Times New Roman" panose="02020603050405020304" pitchFamily="18" charset="0"/>
+                      </a:endParaRPr>
+                    </a:p>
+                  </a:txBody>
+                  <a:tcPr marL="35971" marR="35971" marT="0" marB="0"/>
+                </a:tc>
+                <a:tc>
+                  <a:txBody>
+                    <a:bodyPr/>
+                    <a:lstStyle/>
+                    <a:p>
+                      <a:pPr marL="0" marR="0" algn="ctr">
+                        <a:lnSpc>
+                          <a:spcPct val="107000"/>
+                        </a:lnSpc>
+                        <a:spcBef>
+                          <a:spcPts val="0"/>
+                        </a:spcBef>
+                        <a:spcAft>
+                          <a:spcPts val="0"/>
+                        </a:spcAft>
+                      </a:pPr>
+                      <a:r>
+                        <a:rPr lang="en-US" sz="1200">
+                          <a:effectLst/>
+                        </a:rPr>
+                        <a:t>Ghi chú</a:t>
+                      </a:r>
+                      <a:endParaRPr lang="en-US" sz="1100">
+                        <a:effectLst/>
+                        <a:latin typeface="Calibri" panose="020F0502020204030204" pitchFamily="34" charset="0"/>
+                        <a:ea typeface="Calibri" panose="020F0502020204030204" pitchFamily="34" charset="0"/>
+                        <a:cs typeface="Times New Roman" panose="02020603050405020304" pitchFamily="18" charset="0"/>
+                      </a:endParaRPr>
+                    </a:p>
+                  </a:txBody>
+                  <a:tcPr marL="35971" marR="35971" marT="0" marB="0"/>
+                </a:tc>
+                <a:tc>
+                  <a:txBody>
+                    <a:bodyPr/>
+                    <a:lstStyle/>
+                    <a:p>
+                      <a:pPr marL="0" marR="0" algn="ctr">
+                        <a:lnSpc>
+                          <a:spcPct val="107000"/>
+                        </a:lnSpc>
+                        <a:spcBef>
+                          <a:spcPts val="0"/>
+                        </a:spcBef>
+                        <a:spcAft>
+                          <a:spcPts val="0"/>
+                        </a:spcAft>
+                      </a:pPr>
+                      <a:r>
+                        <a:rPr lang="en-US" sz="1200">
+                          <a:effectLst/>
+                        </a:rPr>
+                        <a:t>Ưu tiên</a:t>
+                      </a:r>
+                      <a:endParaRPr lang="en-US" sz="1100">
+                        <a:effectLst/>
+                        <a:latin typeface="Calibri" panose="020F0502020204030204" pitchFamily="34" charset="0"/>
+                        <a:ea typeface="Calibri" panose="020F0502020204030204" pitchFamily="34" charset="0"/>
+                        <a:cs typeface="Times New Roman" panose="02020603050405020304" pitchFamily="18" charset="0"/>
+                      </a:endParaRPr>
+                    </a:p>
+                  </a:txBody>
+                  <a:tcPr marL="35971" marR="35971" marT="0" marB="0"/>
+                </a:tc>
+                <a:tc>
+                  <a:txBody>
+                    <a:bodyPr/>
+                    <a:lstStyle/>
+                    <a:p>
+                      <a:pPr marL="0" marR="0" algn="ctr">
+                        <a:lnSpc>
+                          <a:spcPct val="107000"/>
+                        </a:lnSpc>
+                        <a:spcBef>
+                          <a:spcPts val="0"/>
+                        </a:spcBef>
+                        <a:spcAft>
+                          <a:spcPts val="0"/>
+                        </a:spcAft>
+                      </a:pPr>
+                      <a:r>
+                        <a:rPr lang="en-US" sz="1200">
+                          <a:effectLst/>
+                        </a:rPr>
+                        <a:t>Tình trạng</a:t>
+                      </a:r>
+                      <a:endParaRPr lang="en-US" sz="1100">
+                        <a:effectLst/>
+                        <a:latin typeface="Calibri" panose="020F0502020204030204" pitchFamily="34" charset="0"/>
+                        <a:ea typeface="Calibri" panose="020F0502020204030204" pitchFamily="34" charset="0"/>
+                        <a:cs typeface="Times New Roman" panose="02020603050405020304" pitchFamily="18" charset="0"/>
+                      </a:endParaRPr>
+                    </a:p>
+                  </a:txBody>
+                  <a:tcPr marL="35971" marR="35971" marT="0" marB="0"/>
+                </a:tc>
+                <a:tc>
+                  <a:txBody>
+                    <a:bodyPr/>
+                    <a:lstStyle/>
+                    <a:p>
+                      <a:pPr marL="0" marR="0" algn="ctr">
+                        <a:lnSpc>
+                          <a:spcPct val="107000"/>
+                        </a:lnSpc>
+                        <a:spcBef>
+                          <a:spcPts val="0"/>
+                        </a:spcBef>
+                        <a:spcAft>
+                          <a:spcPts val="0"/>
+                        </a:spcAft>
+                      </a:pPr>
+                      <a:r>
+                        <a:rPr lang="en-US" sz="1200">
+                          <a:effectLst/>
+                        </a:rPr>
+                        <a:t>Tiến độ</a:t>
+                      </a:r>
+                      <a:endParaRPr lang="en-US" sz="1100">
+                        <a:effectLst/>
+                        <a:latin typeface="Calibri" panose="020F0502020204030204" pitchFamily="34" charset="0"/>
+                        <a:ea typeface="Calibri" panose="020F0502020204030204" pitchFamily="34" charset="0"/>
+                        <a:cs typeface="Times New Roman" panose="02020603050405020304" pitchFamily="18" charset="0"/>
+                      </a:endParaRPr>
+                    </a:p>
+                  </a:txBody>
+                  <a:tcPr marL="35971" marR="35971" marT="0" marB="0"/>
+                </a:tc>
+                <a:extLst>
+                  <a:ext uri="{0D108BD9-81ED-4DB2-BD59-A6C34878D82A}">
+                    <a16:rowId xmlns:a16="http://schemas.microsoft.com/office/drawing/2014/main" val="3998843446"/>
+                  </a:ext>
+                </a:extLst>
+              </a:tr>
+              <a:tr h="291560">
+                <a:tc>
+                  <a:txBody>
+                    <a:bodyPr/>
+                    <a:lstStyle/>
+                    <a:p>
+                      <a:pPr marL="457200" marR="0">
+                        <a:lnSpc>
+                          <a:spcPct val="107000"/>
+                        </a:lnSpc>
+                        <a:spcBef>
+                          <a:spcPts val="0"/>
+                        </a:spcBef>
+                        <a:spcAft>
+                          <a:spcPts val="0"/>
+                        </a:spcAft>
+                      </a:pPr>
+                      <a:r>
+                        <a:rPr lang="en-US" sz="1200" dirty="0" err="1">
+                          <a:effectLst/>
+                        </a:rPr>
+                        <a:t>Đăng</a:t>
+                      </a:r>
+                      <a:r>
+                        <a:rPr lang="en-US" sz="1200" dirty="0">
+                          <a:effectLst/>
+                        </a:rPr>
+                        <a:t> </a:t>
+                      </a:r>
+                      <a:r>
+                        <a:rPr lang="en-US" sz="1200" dirty="0" err="1">
+                          <a:effectLst/>
+                        </a:rPr>
+                        <a:t>ký</a:t>
+                      </a:r>
+                      <a:r>
+                        <a:rPr lang="en-US" sz="1200" dirty="0">
+                          <a:effectLst/>
+                        </a:rPr>
+                        <a:t> </a:t>
+                      </a:r>
+                      <a:r>
+                        <a:rPr lang="en-US" sz="1200" dirty="0" err="1">
+                          <a:effectLst/>
+                        </a:rPr>
+                        <a:t>tài</a:t>
+                      </a:r>
+                      <a:r>
+                        <a:rPr lang="en-US" sz="1200" dirty="0">
+                          <a:effectLst/>
+                        </a:rPr>
+                        <a:t> </a:t>
+                      </a:r>
+                      <a:r>
+                        <a:rPr lang="en-US" sz="1200" dirty="0" err="1">
+                          <a:effectLst/>
+                        </a:rPr>
+                        <a:t>khoản</a:t>
+                      </a:r>
+                      <a:endParaRPr lang="en-US" sz="1100" dirty="0">
+                        <a:effectLst/>
+                        <a:latin typeface="Calibri" panose="020F0502020204030204" pitchFamily="34" charset="0"/>
+                        <a:ea typeface="Calibri" panose="020F0502020204030204" pitchFamily="34" charset="0"/>
+                        <a:cs typeface="Times New Roman" panose="02020603050405020304" pitchFamily="18" charset="0"/>
+                      </a:endParaRPr>
+                    </a:p>
+                  </a:txBody>
+                  <a:tcPr marL="35971" marR="35971" marT="0" marB="0" anchor="ctr"/>
+                </a:tc>
+                <a:tc>
+                  <a:txBody>
+                    <a:bodyPr/>
+                    <a:lstStyle/>
+                    <a:p>
+                      <a:pPr marL="0" marR="0">
+                        <a:lnSpc>
+                          <a:spcPct val="107000"/>
+                        </a:lnSpc>
+                        <a:spcBef>
+                          <a:spcPts val="0"/>
+                        </a:spcBef>
+                        <a:spcAft>
+                          <a:spcPts val="0"/>
+                        </a:spcAft>
+                      </a:pPr>
+                      <a:r>
+                        <a:rPr lang="en-US" sz="1200" dirty="0" err="1">
+                          <a:effectLst/>
+                        </a:rPr>
+                        <a:t>Bắt</a:t>
+                      </a:r>
+                      <a:r>
+                        <a:rPr lang="en-US" sz="1200" dirty="0">
+                          <a:effectLst/>
+                        </a:rPr>
+                        <a:t> </a:t>
+                      </a:r>
+                      <a:r>
+                        <a:rPr lang="en-US" sz="1200" dirty="0" err="1">
+                          <a:effectLst/>
+                        </a:rPr>
+                        <a:t>đầu</a:t>
+                      </a:r>
+                      <a:r>
+                        <a:rPr lang="en-US" sz="1200" dirty="0">
+                          <a:effectLst/>
+                        </a:rPr>
+                        <a:t> </a:t>
+                      </a:r>
+                      <a:r>
+                        <a:rPr lang="en-US" sz="1200" dirty="0" err="1">
+                          <a:effectLst/>
+                        </a:rPr>
+                        <a:t>theo</a:t>
+                      </a:r>
+                      <a:r>
+                        <a:rPr lang="en-US" sz="1200" dirty="0">
+                          <a:effectLst/>
+                        </a:rPr>
+                        <a:t> </a:t>
+                      </a:r>
+                      <a:r>
+                        <a:rPr lang="en-US" sz="1200" dirty="0" err="1">
+                          <a:effectLst/>
+                        </a:rPr>
+                        <a:t>dõi</a:t>
+                      </a:r>
+                      <a:r>
+                        <a:rPr lang="en-US" sz="1200" dirty="0">
+                          <a:effectLst/>
+                        </a:rPr>
+                        <a:t> </a:t>
+                      </a:r>
+                      <a:r>
+                        <a:rPr lang="en-US" sz="1200" dirty="0" err="1">
+                          <a:effectLst/>
+                        </a:rPr>
+                        <a:t>quá</a:t>
+                      </a:r>
+                      <a:r>
+                        <a:rPr lang="en-US" sz="1200" dirty="0">
+                          <a:effectLst/>
+                        </a:rPr>
+                        <a:t> </a:t>
+                      </a:r>
+                      <a:r>
+                        <a:rPr lang="en-US" sz="1200" dirty="0" err="1">
+                          <a:effectLst/>
+                        </a:rPr>
+                        <a:t>trình</a:t>
+                      </a:r>
+                      <a:r>
+                        <a:rPr lang="en-US" sz="1200" dirty="0">
+                          <a:effectLst/>
+                        </a:rPr>
+                        <a:t> </a:t>
+                      </a:r>
+                      <a:r>
+                        <a:rPr lang="en-US" sz="1200" dirty="0" err="1">
+                          <a:effectLst/>
+                        </a:rPr>
+                        <a:t>học</a:t>
+                      </a:r>
+                      <a:endParaRPr lang="en-US" sz="1100" dirty="0">
+                        <a:effectLst/>
+                        <a:latin typeface="Calibri" panose="020F0502020204030204" pitchFamily="34" charset="0"/>
+                        <a:ea typeface="Calibri" panose="020F0502020204030204" pitchFamily="34" charset="0"/>
+                        <a:cs typeface="Times New Roman" panose="02020603050405020304" pitchFamily="18" charset="0"/>
+                      </a:endParaRPr>
+                    </a:p>
+                  </a:txBody>
+                  <a:tcPr marL="35971" marR="35971" marT="0" marB="0"/>
+                </a:tc>
+                <a:tc>
+                  <a:txBody>
+                    <a:bodyPr/>
+                    <a:lstStyle/>
+                    <a:p>
+                      <a:pPr marL="0" marR="0">
+                        <a:lnSpc>
+                          <a:spcPct val="107000"/>
+                        </a:lnSpc>
+                        <a:spcBef>
+                          <a:spcPts val="0"/>
+                        </a:spcBef>
+                        <a:spcAft>
+                          <a:spcPts val="0"/>
+                        </a:spcAft>
+                      </a:pPr>
+                      <a:r>
+                        <a:rPr lang="en-US" sz="1200">
+                          <a:effectLst/>
+                        </a:rPr>
+                        <a:t> </a:t>
+                      </a:r>
+                      <a:endParaRPr lang="en-US" sz="1100">
+                        <a:effectLst/>
+                        <a:latin typeface="Calibri" panose="020F0502020204030204" pitchFamily="34" charset="0"/>
+                        <a:ea typeface="Calibri" panose="020F0502020204030204" pitchFamily="34" charset="0"/>
+                        <a:cs typeface="Times New Roman" panose="02020603050405020304" pitchFamily="18" charset="0"/>
+                      </a:endParaRPr>
+                    </a:p>
+                  </a:txBody>
+                  <a:tcPr marL="35971" marR="35971" marT="0" marB="0"/>
+                </a:tc>
+                <a:tc>
+                  <a:txBody>
+                    <a:bodyPr/>
+                    <a:lstStyle/>
+                    <a:p>
+                      <a:pPr marL="0" marR="0">
+                        <a:lnSpc>
+                          <a:spcPct val="107000"/>
+                        </a:lnSpc>
+                        <a:spcBef>
+                          <a:spcPts val="0"/>
+                        </a:spcBef>
+                        <a:spcAft>
+                          <a:spcPts val="0"/>
+                        </a:spcAft>
+                      </a:pPr>
+                      <a:r>
+                        <a:rPr lang="en-US" sz="1200">
+                          <a:effectLst/>
+                        </a:rPr>
+                        <a:t>1</a:t>
+                      </a:r>
+                      <a:endParaRPr lang="en-US" sz="1100">
+                        <a:effectLst/>
+                        <a:latin typeface="Calibri" panose="020F0502020204030204" pitchFamily="34" charset="0"/>
+                        <a:ea typeface="Calibri" panose="020F0502020204030204" pitchFamily="34" charset="0"/>
+                        <a:cs typeface="Times New Roman" panose="02020603050405020304" pitchFamily="18" charset="0"/>
+                      </a:endParaRPr>
+                    </a:p>
+                  </a:txBody>
+                  <a:tcPr marL="35971" marR="35971" marT="0" marB="0"/>
+                </a:tc>
+                <a:tc>
+                  <a:txBody>
+                    <a:bodyPr/>
+                    <a:lstStyle/>
+                    <a:p>
+                      <a:pPr marL="0" marR="0">
+                        <a:lnSpc>
+                          <a:spcPct val="107000"/>
+                        </a:lnSpc>
+                        <a:spcBef>
+                          <a:spcPts val="0"/>
+                        </a:spcBef>
+                        <a:spcAft>
+                          <a:spcPts val="0"/>
+                        </a:spcAft>
+                      </a:pPr>
+                      <a:r>
+                        <a:rPr lang="en-US" sz="1200" dirty="0" err="1">
+                          <a:effectLst/>
+                          <a:latin typeface="Calibri" panose="020F0502020204030204" pitchFamily="34" charset="0"/>
+                          <a:ea typeface="Calibri" panose="020F0502020204030204" pitchFamily="34" charset="0"/>
+                          <a:cs typeface="Times New Roman" panose="02020603050405020304" pitchFamily="18" charset="0"/>
+                        </a:rPr>
+                        <a:t>Hoàn</a:t>
+                      </a:r>
+                      <a:r>
+                        <a:rPr lang="en-US" sz="1200" dirty="0">
+                          <a:effectLst/>
+                          <a:latin typeface="Calibri" panose="020F0502020204030204" pitchFamily="34" charset="0"/>
+                          <a:ea typeface="Calibri" panose="020F0502020204030204" pitchFamily="34" charset="0"/>
+                          <a:cs typeface="Times New Roman" panose="02020603050405020304" pitchFamily="18" charset="0"/>
+                        </a:rPr>
+                        <a:t> </a:t>
+                      </a:r>
+                      <a:r>
+                        <a:rPr lang="en-US" sz="1200" dirty="0" err="1">
+                          <a:effectLst/>
+                          <a:latin typeface="Calibri" panose="020F0502020204030204" pitchFamily="34" charset="0"/>
+                          <a:ea typeface="Calibri" panose="020F0502020204030204" pitchFamily="34" charset="0"/>
+                          <a:cs typeface="Times New Roman" panose="02020603050405020304" pitchFamily="18" charset="0"/>
+                        </a:rPr>
+                        <a:t>thành</a:t>
+                      </a:r>
+                      <a:endParaRPr lang="en-US" sz="1100" dirty="0">
+                        <a:effectLst/>
+                        <a:latin typeface="Calibri" panose="020F0502020204030204" pitchFamily="34" charset="0"/>
+                        <a:ea typeface="Calibri" panose="020F0502020204030204" pitchFamily="34" charset="0"/>
+                        <a:cs typeface="Times New Roman" panose="02020603050405020304" pitchFamily="18" charset="0"/>
+                      </a:endParaRPr>
+                    </a:p>
+                  </a:txBody>
+                  <a:tcPr marL="35971" marR="35971" marT="0" marB="0"/>
+                </a:tc>
+                <a:tc>
+                  <a:txBody>
+                    <a:bodyPr/>
+                    <a:lstStyle/>
+                    <a:p>
+                      <a:pPr marL="0" marR="0">
+                        <a:lnSpc>
+                          <a:spcPct val="107000"/>
+                        </a:lnSpc>
+                        <a:spcBef>
+                          <a:spcPts val="0"/>
+                        </a:spcBef>
+                        <a:spcAft>
+                          <a:spcPts val="0"/>
+                        </a:spcAft>
+                      </a:pPr>
+                      <a:r>
+                        <a:rPr lang="en-US" sz="1200" dirty="0">
+                          <a:effectLst/>
+                        </a:rPr>
+                        <a:t>100%</a:t>
+                      </a:r>
+                      <a:endParaRPr lang="en-US" sz="1100" dirty="0">
+                        <a:effectLst/>
+                        <a:latin typeface="Calibri" panose="020F0502020204030204" pitchFamily="34" charset="0"/>
+                        <a:ea typeface="Calibri" panose="020F0502020204030204" pitchFamily="34" charset="0"/>
+                        <a:cs typeface="Times New Roman" panose="02020603050405020304" pitchFamily="18" charset="0"/>
+                      </a:endParaRPr>
+                    </a:p>
+                  </a:txBody>
+                  <a:tcPr marL="35971" marR="35971" marT="0" marB="0"/>
+                </a:tc>
+                <a:extLst>
+                  <a:ext uri="{0D108BD9-81ED-4DB2-BD59-A6C34878D82A}">
+                    <a16:rowId xmlns:a16="http://schemas.microsoft.com/office/drawing/2014/main" val="5866243"/>
+                  </a:ext>
+                </a:extLst>
+              </a:tr>
+              <a:tr h="291560">
+                <a:tc>
+                  <a:txBody>
+                    <a:bodyPr/>
+                    <a:lstStyle/>
+                    <a:p>
+                      <a:pPr marL="457200" marR="0">
+                        <a:lnSpc>
+                          <a:spcPct val="107000"/>
+                        </a:lnSpc>
+                        <a:spcBef>
+                          <a:spcPts val="0"/>
+                        </a:spcBef>
+                        <a:spcAft>
+                          <a:spcPts val="0"/>
+                        </a:spcAft>
+                      </a:pPr>
+                      <a:r>
+                        <a:rPr lang="en-US" sz="1200" dirty="0" err="1">
+                          <a:effectLst/>
+                        </a:rPr>
+                        <a:t>Đăng</a:t>
+                      </a:r>
+                      <a:r>
+                        <a:rPr lang="en-US" sz="1200" dirty="0">
+                          <a:effectLst/>
+                        </a:rPr>
+                        <a:t> </a:t>
+                      </a:r>
+                      <a:r>
+                        <a:rPr lang="en-US" sz="1200" dirty="0" err="1">
+                          <a:effectLst/>
+                        </a:rPr>
+                        <a:t>nhập</a:t>
+                      </a:r>
+                      <a:r>
+                        <a:rPr lang="en-US" sz="1200" dirty="0">
+                          <a:effectLst/>
+                        </a:rPr>
+                        <a:t> </a:t>
+                      </a:r>
+                      <a:r>
+                        <a:rPr lang="en-US" sz="1200" dirty="0" err="1">
+                          <a:effectLst/>
+                        </a:rPr>
+                        <a:t>tài</a:t>
+                      </a:r>
+                      <a:r>
+                        <a:rPr lang="en-US" sz="1200" dirty="0">
+                          <a:effectLst/>
+                        </a:rPr>
+                        <a:t> </a:t>
+                      </a:r>
+                      <a:r>
+                        <a:rPr lang="en-US" sz="1200" dirty="0" err="1">
+                          <a:effectLst/>
+                        </a:rPr>
+                        <a:t>khoản</a:t>
+                      </a:r>
+                      <a:endParaRPr lang="en-US" sz="1100" dirty="0">
+                        <a:effectLst/>
+                        <a:latin typeface="Calibri" panose="020F0502020204030204" pitchFamily="34" charset="0"/>
+                        <a:ea typeface="Calibri" panose="020F0502020204030204" pitchFamily="34" charset="0"/>
+                        <a:cs typeface="Times New Roman" panose="02020603050405020304" pitchFamily="18" charset="0"/>
+                      </a:endParaRPr>
+                    </a:p>
+                  </a:txBody>
+                  <a:tcPr marL="35971" marR="35971" marT="0" marB="0" anchor="ctr"/>
+                </a:tc>
+                <a:tc>
+                  <a:txBody>
+                    <a:bodyPr/>
+                    <a:lstStyle/>
+                    <a:p>
+                      <a:pPr marL="0" marR="0">
+                        <a:lnSpc>
+                          <a:spcPct val="107000"/>
+                        </a:lnSpc>
+                        <a:spcBef>
+                          <a:spcPts val="0"/>
+                        </a:spcBef>
+                        <a:spcAft>
+                          <a:spcPts val="0"/>
+                        </a:spcAft>
+                      </a:pPr>
+                      <a:r>
+                        <a:rPr lang="en-US" sz="1200" dirty="0">
+                          <a:effectLst/>
+                        </a:rPr>
+                        <a:t>Thực hiện các tính năng của người dùng</a:t>
+                      </a:r>
+                      <a:endParaRPr lang="en-US" sz="1100" dirty="0">
+                        <a:effectLst/>
+                        <a:latin typeface="Calibri" panose="020F0502020204030204" pitchFamily="34" charset="0"/>
+                        <a:ea typeface="Calibri" panose="020F0502020204030204" pitchFamily="34" charset="0"/>
+                        <a:cs typeface="Times New Roman" panose="02020603050405020304" pitchFamily="18" charset="0"/>
+                      </a:endParaRPr>
+                    </a:p>
+                  </a:txBody>
+                  <a:tcPr marL="35971" marR="35971" marT="0" marB="0"/>
+                </a:tc>
+                <a:tc>
+                  <a:txBody>
+                    <a:bodyPr/>
+                    <a:lstStyle/>
+                    <a:p>
+                      <a:pPr marL="0" marR="0">
+                        <a:lnSpc>
+                          <a:spcPct val="107000"/>
+                        </a:lnSpc>
+                        <a:spcBef>
+                          <a:spcPts val="0"/>
+                        </a:spcBef>
+                        <a:spcAft>
+                          <a:spcPts val="0"/>
+                        </a:spcAft>
+                      </a:pPr>
+                      <a:r>
+                        <a:rPr lang="en-US" sz="1200">
+                          <a:effectLst/>
+                        </a:rPr>
+                        <a:t> </a:t>
+                      </a:r>
+                      <a:endParaRPr lang="en-US" sz="1100">
+                        <a:effectLst/>
+                        <a:latin typeface="Calibri" panose="020F0502020204030204" pitchFamily="34" charset="0"/>
+                        <a:ea typeface="Calibri" panose="020F0502020204030204" pitchFamily="34" charset="0"/>
+                        <a:cs typeface="Times New Roman" panose="02020603050405020304" pitchFamily="18" charset="0"/>
+                      </a:endParaRPr>
+                    </a:p>
+                  </a:txBody>
+                  <a:tcPr marL="35971" marR="35971" marT="0" marB="0"/>
+                </a:tc>
+                <a:tc>
+                  <a:txBody>
+                    <a:bodyPr/>
+                    <a:lstStyle/>
+                    <a:p>
+                      <a:pPr marL="0" marR="0">
+                        <a:lnSpc>
+                          <a:spcPct val="107000"/>
+                        </a:lnSpc>
+                        <a:spcBef>
+                          <a:spcPts val="0"/>
+                        </a:spcBef>
+                        <a:spcAft>
+                          <a:spcPts val="0"/>
+                        </a:spcAft>
+                      </a:pPr>
+                      <a:r>
+                        <a:rPr lang="en-US" sz="1200">
+                          <a:effectLst/>
+                        </a:rPr>
+                        <a:t>1</a:t>
+                      </a:r>
+                      <a:endParaRPr lang="en-US" sz="1100">
+                        <a:effectLst/>
+                        <a:latin typeface="Calibri" panose="020F0502020204030204" pitchFamily="34" charset="0"/>
+                        <a:ea typeface="Calibri" panose="020F0502020204030204" pitchFamily="34" charset="0"/>
+                        <a:cs typeface="Times New Roman" panose="02020603050405020304" pitchFamily="18" charset="0"/>
+                      </a:endParaRPr>
+                    </a:p>
+                  </a:txBody>
+                  <a:tcPr marL="35971" marR="35971" marT="0" marB="0"/>
+                </a:tc>
+                <a:tc>
+                  <a:txBody>
+                    <a:bodyPr/>
+                    <a:lstStyle/>
+                    <a:p>
+                      <a:pPr marL="0" marR="0">
+                        <a:lnSpc>
+                          <a:spcPct val="107000"/>
+                        </a:lnSpc>
+                        <a:spcBef>
+                          <a:spcPts val="0"/>
+                        </a:spcBef>
+                        <a:spcAft>
+                          <a:spcPts val="0"/>
+                        </a:spcAft>
+                      </a:pPr>
+                      <a:r>
+                        <a:rPr lang="en-US" sz="1200" dirty="0" err="1">
+                          <a:effectLst/>
+                        </a:rPr>
+                        <a:t>Đang</a:t>
+                      </a:r>
+                      <a:r>
+                        <a:rPr lang="en-US" sz="1200" dirty="0">
+                          <a:effectLst/>
+                        </a:rPr>
+                        <a:t> </a:t>
+                      </a:r>
+                      <a:r>
+                        <a:rPr lang="en-US" sz="1200" dirty="0" err="1">
+                          <a:effectLst/>
+                        </a:rPr>
+                        <a:t>làm</a:t>
+                      </a:r>
+                      <a:endParaRPr lang="en-US" sz="1100" dirty="0">
+                        <a:effectLst/>
+                        <a:latin typeface="Calibri" panose="020F0502020204030204" pitchFamily="34" charset="0"/>
+                        <a:ea typeface="Calibri" panose="020F0502020204030204" pitchFamily="34" charset="0"/>
+                        <a:cs typeface="Times New Roman" panose="02020603050405020304" pitchFamily="18" charset="0"/>
+                      </a:endParaRPr>
+                    </a:p>
+                  </a:txBody>
+                  <a:tcPr marL="35971" marR="35971" marT="0" marB="0"/>
+                </a:tc>
+                <a:tc>
+                  <a:txBody>
+                    <a:bodyPr/>
+                    <a:lstStyle/>
+                    <a:p>
+                      <a:pPr marL="0" marR="0">
+                        <a:lnSpc>
+                          <a:spcPct val="107000"/>
+                        </a:lnSpc>
+                        <a:spcBef>
+                          <a:spcPts val="0"/>
+                        </a:spcBef>
+                        <a:spcAft>
+                          <a:spcPts val="0"/>
+                        </a:spcAft>
+                      </a:pPr>
+                      <a:r>
+                        <a:rPr lang="en-US" sz="1200">
+                          <a:effectLst/>
+                        </a:rPr>
+                        <a:t>30%</a:t>
+                      </a:r>
+                      <a:endParaRPr lang="en-US" sz="1100">
+                        <a:effectLst/>
+                        <a:latin typeface="Calibri" panose="020F0502020204030204" pitchFamily="34" charset="0"/>
+                        <a:ea typeface="Calibri" panose="020F0502020204030204" pitchFamily="34" charset="0"/>
+                        <a:cs typeface="Times New Roman" panose="02020603050405020304" pitchFamily="18" charset="0"/>
+                      </a:endParaRPr>
+                    </a:p>
+                  </a:txBody>
+                  <a:tcPr marL="35971" marR="35971" marT="0" marB="0"/>
+                </a:tc>
+                <a:extLst>
+                  <a:ext uri="{0D108BD9-81ED-4DB2-BD59-A6C34878D82A}">
+                    <a16:rowId xmlns:a16="http://schemas.microsoft.com/office/drawing/2014/main" val="61954665"/>
+                  </a:ext>
+                </a:extLst>
+              </a:tr>
+              <a:tr h="291560">
+                <a:tc>
+                  <a:txBody>
+                    <a:bodyPr/>
+                    <a:lstStyle/>
+                    <a:p>
+                      <a:pPr marL="457200" marR="0">
+                        <a:lnSpc>
+                          <a:spcPct val="107000"/>
+                        </a:lnSpc>
+                        <a:spcBef>
+                          <a:spcPts val="0"/>
+                        </a:spcBef>
+                        <a:spcAft>
+                          <a:spcPts val="0"/>
+                        </a:spcAft>
+                      </a:pPr>
+                      <a:r>
+                        <a:rPr lang="en-US" sz="1200" dirty="0" err="1">
+                          <a:effectLst/>
+                        </a:rPr>
+                        <a:t>Đổi</a:t>
+                      </a:r>
+                      <a:r>
+                        <a:rPr lang="en-US" sz="1200" dirty="0">
+                          <a:effectLst/>
+                        </a:rPr>
+                        <a:t> </a:t>
+                      </a:r>
+                      <a:r>
+                        <a:rPr lang="en-US" sz="1200" dirty="0" err="1">
+                          <a:effectLst/>
+                        </a:rPr>
+                        <a:t>mật</a:t>
+                      </a:r>
+                      <a:r>
+                        <a:rPr lang="en-US" sz="1200" dirty="0">
+                          <a:effectLst/>
+                        </a:rPr>
+                        <a:t> </a:t>
+                      </a:r>
+                      <a:r>
+                        <a:rPr lang="en-US" sz="1200" dirty="0" err="1">
+                          <a:effectLst/>
+                        </a:rPr>
+                        <a:t>khẩu</a:t>
+                      </a:r>
+                      <a:endParaRPr lang="en-US" sz="1100" dirty="0">
+                        <a:effectLst/>
+                        <a:latin typeface="Calibri" panose="020F0502020204030204" pitchFamily="34" charset="0"/>
+                        <a:ea typeface="Calibri" panose="020F0502020204030204" pitchFamily="34" charset="0"/>
+                        <a:cs typeface="Times New Roman" panose="02020603050405020304" pitchFamily="18" charset="0"/>
+                      </a:endParaRPr>
+                    </a:p>
+                  </a:txBody>
+                  <a:tcPr marL="35971" marR="35971" marT="0" marB="0" anchor="ctr"/>
+                </a:tc>
+                <a:tc>
+                  <a:txBody>
+                    <a:bodyPr/>
+                    <a:lstStyle/>
+                    <a:p>
+                      <a:pPr marL="0" marR="0">
+                        <a:lnSpc>
+                          <a:spcPct val="107000"/>
+                        </a:lnSpc>
+                        <a:spcBef>
+                          <a:spcPts val="0"/>
+                        </a:spcBef>
+                        <a:spcAft>
+                          <a:spcPts val="0"/>
+                        </a:spcAft>
+                      </a:pPr>
+                      <a:r>
+                        <a:rPr lang="en-US" sz="1200" dirty="0" err="1">
+                          <a:effectLst/>
+                        </a:rPr>
+                        <a:t>Thay</a:t>
+                      </a:r>
+                      <a:r>
+                        <a:rPr lang="en-US" sz="1200" dirty="0">
+                          <a:effectLst/>
+                        </a:rPr>
+                        <a:t> </a:t>
+                      </a:r>
+                      <a:r>
+                        <a:rPr lang="en-US" sz="1200" dirty="0" err="1">
+                          <a:effectLst/>
+                        </a:rPr>
+                        <a:t>đổi</a:t>
+                      </a:r>
+                      <a:r>
+                        <a:rPr lang="en-US" sz="1200" dirty="0">
+                          <a:effectLst/>
+                        </a:rPr>
+                        <a:t> </a:t>
+                      </a:r>
+                      <a:r>
+                        <a:rPr lang="en-US" sz="1200" dirty="0" err="1">
+                          <a:effectLst/>
+                        </a:rPr>
+                        <a:t>thông</a:t>
+                      </a:r>
+                      <a:r>
+                        <a:rPr lang="en-US" sz="1200" dirty="0">
+                          <a:effectLst/>
+                        </a:rPr>
+                        <a:t> tin </a:t>
+                      </a:r>
+                      <a:r>
+                        <a:rPr lang="en-US" sz="1200" dirty="0" err="1">
+                          <a:effectLst/>
+                        </a:rPr>
+                        <a:t>tài</a:t>
+                      </a:r>
+                      <a:r>
+                        <a:rPr lang="en-US" sz="1200" dirty="0">
+                          <a:effectLst/>
+                        </a:rPr>
+                        <a:t> </a:t>
+                      </a:r>
+                      <a:r>
+                        <a:rPr lang="en-US" sz="1200" dirty="0" err="1">
+                          <a:effectLst/>
+                        </a:rPr>
+                        <a:t>khoản</a:t>
+                      </a:r>
+                      <a:r>
+                        <a:rPr lang="en-US" sz="1200" dirty="0">
+                          <a:effectLst/>
+                        </a:rPr>
+                        <a:t> </a:t>
+                      </a:r>
+                      <a:r>
+                        <a:rPr lang="en-US" sz="1200" dirty="0" err="1">
+                          <a:effectLst/>
+                        </a:rPr>
+                        <a:t>nếu</a:t>
+                      </a:r>
+                      <a:r>
+                        <a:rPr lang="en-US" sz="1200" dirty="0">
+                          <a:effectLst/>
+                        </a:rPr>
+                        <a:t> </a:t>
+                      </a:r>
+                      <a:r>
+                        <a:rPr lang="en-US" sz="1200" dirty="0" err="1">
+                          <a:effectLst/>
+                        </a:rPr>
+                        <a:t>muốn</a:t>
+                      </a:r>
+                      <a:endParaRPr lang="en-US" sz="1100" dirty="0">
+                        <a:effectLst/>
+                        <a:latin typeface="Calibri" panose="020F0502020204030204" pitchFamily="34" charset="0"/>
+                        <a:ea typeface="Calibri" panose="020F0502020204030204" pitchFamily="34" charset="0"/>
+                        <a:cs typeface="Times New Roman" panose="02020603050405020304" pitchFamily="18" charset="0"/>
+                      </a:endParaRPr>
+                    </a:p>
+                  </a:txBody>
+                  <a:tcPr marL="35971" marR="35971" marT="0" marB="0"/>
+                </a:tc>
+                <a:tc>
+                  <a:txBody>
+                    <a:bodyPr/>
+                    <a:lstStyle/>
+                    <a:p>
+                      <a:pPr marL="0" marR="0">
+                        <a:lnSpc>
+                          <a:spcPct val="107000"/>
+                        </a:lnSpc>
+                        <a:spcBef>
+                          <a:spcPts val="0"/>
+                        </a:spcBef>
+                        <a:spcAft>
+                          <a:spcPts val="0"/>
+                        </a:spcAft>
+                      </a:pPr>
+                      <a:r>
+                        <a:rPr lang="en-US" sz="1200">
+                          <a:effectLst/>
+                        </a:rPr>
+                        <a:t> </a:t>
+                      </a:r>
+                      <a:endParaRPr lang="en-US" sz="1100">
+                        <a:effectLst/>
+                        <a:latin typeface="Calibri" panose="020F0502020204030204" pitchFamily="34" charset="0"/>
+                        <a:ea typeface="Calibri" panose="020F0502020204030204" pitchFamily="34" charset="0"/>
+                        <a:cs typeface="Times New Roman" panose="02020603050405020304" pitchFamily="18" charset="0"/>
+                      </a:endParaRPr>
+                    </a:p>
+                  </a:txBody>
+                  <a:tcPr marL="35971" marR="35971" marT="0" marB="0"/>
+                </a:tc>
+                <a:tc>
+                  <a:txBody>
+                    <a:bodyPr/>
+                    <a:lstStyle/>
+                    <a:p>
+                      <a:pPr marL="0" marR="0">
+                        <a:lnSpc>
+                          <a:spcPct val="107000"/>
+                        </a:lnSpc>
+                        <a:spcBef>
+                          <a:spcPts val="0"/>
+                        </a:spcBef>
+                        <a:spcAft>
+                          <a:spcPts val="0"/>
+                        </a:spcAft>
+                      </a:pPr>
+                      <a:r>
+                        <a:rPr lang="en-US" sz="1200" dirty="0">
+                          <a:effectLst/>
+                        </a:rPr>
+                        <a:t>1</a:t>
+                      </a:r>
+                      <a:endParaRPr lang="en-US" sz="1100" dirty="0">
+                        <a:effectLst/>
+                        <a:latin typeface="Calibri" panose="020F0502020204030204" pitchFamily="34" charset="0"/>
+                        <a:ea typeface="Calibri" panose="020F0502020204030204" pitchFamily="34" charset="0"/>
+                        <a:cs typeface="Times New Roman" panose="02020603050405020304" pitchFamily="18" charset="0"/>
+                      </a:endParaRPr>
+                    </a:p>
+                  </a:txBody>
+                  <a:tcPr marL="35971" marR="35971" marT="0" marB="0"/>
+                </a:tc>
+                <a:tc>
+                  <a:txBody>
+                    <a:bodyPr/>
+                    <a:lstStyle/>
+                    <a:p>
+                      <a:pPr marL="0" marR="0">
+                        <a:lnSpc>
+                          <a:spcPct val="107000"/>
+                        </a:lnSpc>
+                        <a:spcBef>
+                          <a:spcPts val="0"/>
+                        </a:spcBef>
+                        <a:spcAft>
+                          <a:spcPts val="0"/>
+                        </a:spcAft>
+                      </a:pPr>
+                      <a:r>
+                        <a:rPr lang="en-US" sz="1200" dirty="0" err="1">
+                          <a:effectLst/>
+                        </a:rPr>
+                        <a:t>Đang</a:t>
+                      </a:r>
+                      <a:r>
+                        <a:rPr lang="en-US" sz="1200" dirty="0">
+                          <a:effectLst/>
+                        </a:rPr>
+                        <a:t> </a:t>
+                      </a:r>
+                      <a:r>
+                        <a:rPr lang="en-US" sz="1200" dirty="0" err="1">
+                          <a:effectLst/>
+                        </a:rPr>
+                        <a:t>làm</a:t>
+                      </a:r>
+                      <a:endParaRPr lang="en-US" sz="1100" dirty="0">
+                        <a:effectLst/>
+                        <a:latin typeface="Calibri" panose="020F0502020204030204" pitchFamily="34" charset="0"/>
+                        <a:ea typeface="Calibri" panose="020F0502020204030204" pitchFamily="34" charset="0"/>
+                        <a:cs typeface="Times New Roman" panose="02020603050405020304" pitchFamily="18" charset="0"/>
+                      </a:endParaRPr>
+                    </a:p>
+                  </a:txBody>
+                  <a:tcPr marL="35971" marR="35971" marT="0" marB="0"/>
+                </a:tc>
+                <a:tc>
+                  <a:txBody>
+                    <a:bodyPr/>
+                    <a:lstStyle/>
+                    <a:p>
+                      <a:pPr marL="0" marR="0">
+                        <a:lnSpc>
+                          <a:spcPct val="107000"/>
+                        </a:lnSpc>
+                        <a:spcBef>
+                          <a:spcPts val="0"/>
+                        </a:spcBef>
+                        <a:spcAft>
+                          <a:spcPts val="0"/>
+                        </a:spcAft>
+                      </a:pPr>
+                      <a:r>
+                        <a:rPr lang="en-US" sz="1200">
+                          <a:effectLst/>
+                        </a:rPr>
+                        <a:t>30%</a:t>
+                      </a:r>
+                      <a:endParaRPr lang="en-US" sz="1100">
+                        <a:effectLst/>
+                        <a:latin typeface="Calibri" panose="020F0502020204030204" pitchFamily="34" charset="0"/>
+                        <a:ea typeface="Calibri" panose="020F0502020204030204" pitchFamily="34" charset="0"/>
+                        <a:cs typeface="Times New Roman" panose="02020603050405020304" pitchFamily="18" charset="0"/>
+                      </a:endParaRPr>
+                    </a:p>
+                  </a:txBody>
+                  <a:tcPr marL="35971" marR="35971" marT="0" marB="0"/>
+                </a:tc>
+                <a:extLst>
+                  <a:ext uri="{0D108BD9-81ED-4DB2-BD59-A6C34878D82A}">
+                    <a16:rowId xmlns:a16="http://schemas.microsoft.com/office/drawing/2014/main" val="1331898826"/>
+                  </a:ext>
+                </a:extLst>
+              </a:tr>
+              <a:tr h="291560">
+                <a:tc>
+                  <a:txBody>
+                    <a:bodyPr/>
+                    <a:lstStyle/>
+                    <a:p>
+                      <a:pPr marL="457200" marR="0">
+                        <a:lnSpc>
+                          <a:spcPct val="107000"/>
+                        </a:lnSpc>
+                        <a:spcBef>
+                          <a:spcPts val="0"/>
+                        </a:spcBef>
+                        <a:spcAft>
+                          <a:spcPts val="0"/>
+                        </a:spcAft>
+                      </a:pPr>
+                      <a:r>
+                        <a:rPr lang="en-US" sz="1200" dirty="0" err="1">
+                          <a:effectLst/>
+                        </a:rPr>
+                        <a:t>Đăng</a:t>
+                      </a:r>
+                      <a:r>
+                        <a:rPr lang="en-US" sz="1200" dirty="0">
+                          <a:effectLst/>
+                        </a:rPr>
+                        <a:t> </a:t>
+                      </a:r>
+                      <a:r>
+                        <a:rPr lang="en-US" sz="1200" dirty="0" err="1">
+                          <a:effectLst/>
+                        </a:rPr>
+                        <a:t>xuất</a:t>
+                      </a:r>
+                      <a:r>
+                        <a:rPr lang="en-US" sz="1200" dirty="0">
+                          <a:effectLst/>
+                        </a:rPr>
+                        <a:t> </a:t>
+                      </a:r>
+                      <a:r>
+                        <a:rPr lang="en-US" sz="1200" dirty="0" err="1">
+                          <a:effectLst/>
+                        </a:rPr>
+                        <a:t>tài</a:t>
+                      </a:r>
+                      <a:r>
+                        <a:rPr lang="en-US" sz="1200" dirty="0">
+                          <a:effectLst/>
+                        </a:rPr>
+                        <a:t> </a:t>
+                      </a:r>
+                      <a:r>
+                        <a:rPr lang="en-US" sz="1200" dirty="0" err="1">
+                          <a:effectLst/>
+                        </a:rPr>
+                        <a:t>khoản</a:t>
+                      </a:r>
+                      <a:endParaRPr lang="en-US" sz="1100" dirty="0">
+                        <a:effectLst/>
+                        <a:latin typeface="Calibri" panose="020F0502020204030204" pitchFamily="34" charset="0"/>
+                        <a:ea typeface="Calibri" panose="020F0502020204030204" pitchFamily="34" charset="0"/>
+                        <a:cs typeface="Times New Roman" panose="02020603050405020304" pitchFamily="18" charset="0"/>
+                      </a:endParaRPr>
+                    </a:p>
+                  </a:txBody>
+                  <a:tcPr marL="35971" marR="35971" marT="0" marB="0" anchor="ctr"/>
+                </a:tc>
+                <a:tc>
+                  <a:txBody>
+                    <a:bodyPr/>
+                    <a:lstStyle/>
+                    <a:p>
+                      <a:pPr marL="0" marR="0">
+                        <a:lnSpc>
+                          <a:spcPct val="107000"/>
+                        </a:lnSpc>
+                        <a:spcBef>
+                          <a:spcPts val="0"/>
+                        </a:spcBef>
+                        <a:spcAft>
+                          <a:spcPts val="0"/>
+                        </a:spcAft>
+                      </a:pPr>
+                      <a:r>
+                        <a:rPr lang="en-US" sz="1200" dirty="0">
+                          <a:effectLst/>
+                        </a:rPr>
+                        <a:t>Không ai khác sử dụng tài khoản cúa tôi</a:t>
+                      </a:r>
+                      <a:endParaRPr lang="en-US" sz="1100" dirty="0">
+                        <a:effectLst/>
+                        <a:latin typeface="Calibri" panose="020F0502020204030204" pitchFamily="34" charset="0"/>
+                        <a:ea typeface="Calibri" panose="020F0502020204030204" pitchFamily="34" charset="0"/>
+                        <a:cs typeface="Times New Roman" panose="02020603050405020304" pitchFamily="18" charset="0"/>
+                      </a:endParaRPr>
+                    </a:p>
+                  </a:txBody>
+                  <a:tcPr marL="35971" marR="35971" marT="0" marB="0"/>
+                </a:tc>
+                <a:tc>
+                  <a:txBody>
+                    <a:bodyPr/>
+                    <a:lstStyle/>
+                    <a:p>
+                      <a:pPr marL="0" marR="0">
+                        <a:lnSpc>
+                          <a:spcPct val="107000"/>
+                        </a:lnSpc>
+                        <a:spcBef>
+                          <a:spcPts val="0"/>
+                        </a:spcBef>
+                        <a:spcAft>
+                          <a:spcPts val="0"/>
+                        </a:spcAft>
+                      </a:pPr>
+                      <a:r>
+                        <a:rPr lang="en-US" sz="1200">
+                          <a:effectLst/>
+                        </a:rPr>
+                        <a:t> </a:t>
+                      </a:r>
+                      <a:endParaRPr lang="en-US" sz="1100">
+                        <a:effectLst/>
+                        <a:latin typeface="Calibri" panose="020F0502020204030204" pitchFamily="34" charset="0"/>
+                        <a:ea typeface="Calibri" panose="020F0502020204030204" pitchFamily="34" charset="0"/>
+                        <a:cs typeface="Times New Roman" panose="02020603050405020304" pitchFamily="18" charset="0"/>
+                      </a:endParaRPr>
+                    </a:p>
+                  </a:txBody>
+                  <a:tcPr marL="35971" marR="35971" marT="0" marB="0"/>
+                </a:tc>
+                <a:tc>
+                  <a:txBody>
+                    <a:bodyPr/>
+                    <a:lstStyle/>
+                    <a:p>
+                      <a:pPr marL="0" marR="0">
+                        <a:lnSpc>
+                          <a:spcPct val="107000"/>
+                        </a:lnSpc>
+                        <a:spcBef>
+                          <a:spcPts val="0"/>
+                        </a:spcBef>
+                        <a:spcAft>
+                          <a:spcPts val="0"/>
+                        </a:spcAft>
+                      </a:pPr>
+                      <a:r>
+                        <a:rPr lang="en-US" sz="1200">
+                          <a:effectLst/>
+                        </a:rPr>
+                        <a:t>1</a:t>
+                      </a:r>
+                      <a:endParaRPr lang="en-US" sz="1100">
+                        <a:effectLst/>
+                        <a:latin typeface="Calibri" panose="020F0502020204030204" pitchFamily="34" charset="0"/>
+                        <a:ea typeface="Calibri" panose="020F0502020204030204" pitchFamily="34" charset="0"/>
+                        <a:cs typeface="Times New Roman" panose="02020603050405020304" pitchFamily="18" charset="0"/>
+                      </a:endParaRPr>
+                    </a:p>
+                  </a:txBody>
+                  <a:tcPr marL="35971" marR="35971" marT="0" marB="0"/>
+                </a:tc>
+                <a:tc>
+                  <a:txBody>
+                    <a:bodyPr/>
+                    <a:lstStyle/>
+                    <a:p>
+                      <a:pPr marL="0" marR="0">
+                        <a:lnSpc>
+                          <a:spcPct val="107000"/>
+                        </a:lnSpc>
+                        <a:spcBef>
+                          <a:spcPts val="0"/>
+                        </a:spcBef>
+                        <a:spcAft>
+                          <a:spcPts val="0"/>
+                        </a:spcAft>
+                      </a:pPr>
+                      <a:r>
+                        <a:rPr lang="en-US" sz="1200" dirty="0" err="1">
+                          <a:effectLst/>
+                          <a:latin typeface="Calibri" panose="020F0502020204030204" pitchFamily="34" charset="0"/>
+                          <a:ea typeface="Calibri" panose="020F0502020204030204" pitchFamily="34" charset="0"/>
+                          <a:cs typeface="Times New Roman" panose="02020603050405020304" pitchFamily="18" charset="0"/>
+                        </a:rPr>
+                        <a:t>Hoàn</a:t>
+                      </a:r>
+                      <a:r>
+                        <a:rPr lang="en-US" sz="1200" dirty="0">
+                          <a:effectLst/>
+                          <a:latin typeface="Calibri" panose="020F0502020204030204" pitchFamily="34" charset="0"/>
+                          <a:ea typeface="Calibri" panose="020F0502020204030204" pitchFamily="34" charset="0"/>
+                          <a:cs typeface="Times New Roman" panose="02020603050405020304" pitchFamily="18" charset="0"/>
+                        </a:rPr>
+                        <a:t> </a:t>
+                      </a:r>
+                      <a:r>
+                        <a:rPr lang="en-US" sz="1200" dirty="0" err="1">
+                          <a:effectLst/>
+                          <a:latin typeface="Calibri" panose="020F0502020204030204" pitchFamily="34" charset="0"/>
+                          <a:ea typeface="Calibri" panose="020F0502020204030204" pitchFamily="34" charset="0"/>
+                          <a:cs typeface="Times New Roman" panose="02020603050405020304" pitchFamily="18" charset="0"/>
+                        </a:rPr>
+                        <a:t>thành</a:t>
+                      </a:r>
+                      <a:endParaRPr lang="en-US" sz="1100" dirty="0">
+                        <a:effectLst/>
+                        <a:latin typeface="Calibri" panose="020F0502020204030204" pitchFamily="34" charset="0"/>
+                        <a:ea typeface="Calibri" panose="020F0502020204030204" pitchFamily="34" charset="0"/>
+                        <a:cs typeface="Times New Roman" panose="02020603050405020304" pitchFamily="18" charset="0"/>
+                      </a:endParaRPr>
+                    </a:p>
+                  </a:txBody>
+                  <a:tcPr marL="35971" marR="35971" marT="0" marB="0"/>
+                </a:tc>
+                <a:tc>
+                  <a:txBody>
+                    <a:bodyPr/>
+                    <a:lstStyle/>
+                    <a:p>
+                      <a:pPr marL="0" marR="0">
+                        <a:lnSpc>
+                          <a:spcPct val="107000"/>
+                        </a:lnSpc>
+                        <a:spcBef>
+                          <a:spcPts val="0"/>
+                        </a:spcBef>
+                        <a:spcAft>
+                          <a:spcPts val="0"/>
+                        </a:spcAft>
+                      </a:pPr>
+                      <a:r>
+                        <a:rPr lang="en-US" sz="1200" dirty="0">
+                          <a:effectLst/>
+                        </a:rPr>
+                        <a:t>100%</a:t>
+                      </a:r>
+                      <a:endParaRPr lang="en-US" sz="1100" dirty="0">
+                        <a:effectLst/>
+                        <a:latin typeface="Calibri" panose="020F0502020204030204" pitchFamily="34" charset="0"/>
+                        <a:ea typeface="Calibri" panose="020F0502020204030204" pitchFamily="34" charset="0"/>
+                        <a:cs typeface="Times New Roman" panose="02020603050405020304" pitchFamily="18" charset="0"/>
+                      </a:endParaRPr>
+                    </a:p>
+                  </a:txBody>
+                  <a:tcPr marL="35971" marR="35971" marT="0" marB="0"/>
+                </a:tc>
+                <a:extLst>
+                  <a:ext uri="{0D108BD9-81ED-4DB2-BD59-A6C34878D82A}">
+                    <a16:rowId xmlns:a16="http://schemas.microsoft.com/office/drawing/2014/main" val="1510093576"/>
+                  </a:ext>
+                </a:extLst>
+              </a:tr>
+              <a:tr h="291560">
+                <a:tc>
+                  <a:txBody>
+                    <a:bodyPr/>
+                    <a:lstStyle/>
+                    <a:p>
+                      <a:pPr marL="457200" marR="0">
+                        <a:lnSpc>
+                          <a:spcPct val="107000"/>
+                        </a:lnSpc>
+                        <a:spcBef>
+                          <a:spcPts val="0"/>
+                        </a:spcBef>
+                        <a:spcAft>
+                          <a:spcPts val="0"/>
+                        </a:spcAft>
+                      </a:pPr>
+                      <a:r>
+                        <a:rPr lang="en-US" sz="1200" dirty="0" err="1">
+                          <a:effectLst/>
+                        </a:rPr>
+                        <a:t>Hiển</a:t>
+                      </a:r>
+                      <a:r>
+                        <a:rPr lang="en-US" sz="1200" dirty="0">
+                          <a:effectLst/>
+                        </a:rPr>
+                        <a:t> </a:t>
+                      </a:r>
+                      <a:r>
+                        <a:rPr lang="en-US" sz="1200" dirty="0" err="1">
+                          <a:effectLst/>
+                        </a:rPr>
+                        <a:t>thị</a:t>
+                      </a:r>
+                      <a:r>
+                        <a:rPr lang="en-US" sz="1200" dirty="0">
+                          <a:effectLst/>
+                        </a:rPr>
+                        <a:t> </a:t>
+                      </a:r>
+                      <a:r>
+                        <a:rPr lang="en-US" sz="1200" dirty="0" err="1">
+                          <a:effectLst/>
+                        </a:rPr>
+                        <a:t>bài</a:t>
+                      </a:r>
+                      <a:r>
+                        <a:rPr lang="en-US" sz="1200" dirty="0">
+                          <a:effectLst/>
+                        </a:rPr>
+                        <a:t> </a:t>
+                      </a:r>
+                      <a:r>
+                        <a:rPr lang="en-US" sz="1200" dirty="0" err="1">
+                          <a:effectLst/>
+                        </a:rPr>
+                        <a:t>tập</a:t>
+                      </a:r>
+                      <a:endParaRPr lang="en-US" sz="1100" dirty="0">
+                        <a:effectLst/>
+                        <a:latin typeface="Calibri" panose="020F0502020204030204" pitchFamily="34" charset="0"/>
+                        <a:ea typeface="Calibri" panose="020F0502020204030204" pitchFamily="34" charset="0"/>
+                        <a:cs typeface="Times New Roman" panose="02020603050405020304" pitchFamily="18" charset="0"/>
+                      </a:endParaRPr>
+                    </a:p>
+                  </a:txBody>
+                  <a:tcPr marL="35971" marR="35971" marT="0" marB="0" anchor="ctr"/>
+                </a:tc>
+                <a:tc>
+                  <a:txBody>
+                    <a:bodyPr/>
+                    <a:lstStyle/>
+                    <a:p>
+                      <a:pPr marL="0" marR="0">
+                        <a:lnSpc>
+                          <a:spcPct val="107000"/>
+                        </a:lnSpc>
+                        <a:spcBef>
+                          <a:spcPts val="0"/>
+                        </a:spcBef>
+                        <a:spcAft>
+                          <a:spcPts val="0"/>
+                        </a:spcAft>
+                      </a:pPr>
+                      <a:r>
+                        <a:rPr lang="en-US" sz="1200" dirty="0">
+                          <a:effectLst/>
+                        </a:rPr>
+                        <a:t>Kiểm tra kiến thức bản thân </a:t>
+                      </a:r>
+                      <a:endParaRPr lang="en-US" sz="1100" dirty="0">
+                        <a:effectLst/>
+                        <a:latin typeface="Calibri" panose="020F0502020204030204" pitchFamily="34" charset="0"/>
+                        <a:ea typeface="Calibri" panose="020F0502020204030204" pitchFamily="34" charset="0"/>
+                        <a:cs typeface="Times New Roman" panose="02020603050405020304" pitchFamily="18" charset="0"/>
+                      </a:endParaRPr>
+                    </a:p>
+                  </a:txBody>
+                  <a:tcPr marL="35971" marR="35971" marT="0" marB="0"/>
+                </a:tc>
+                <a:tc>
+                  <a:txBody>
+                    <a:bodyPr/>
+                    <a:lstStyle/>
+                    <a:p>
+                      <a:pPr marL="0" marR="0">
+                        <a:lnSpc>
+                          <a:spcPct val="107000"/>
+                        </a:lnSpc>
+                        <a:spcBef>
+                          <a:spcPts val="0"/>
+                        </a:spcBef>
+                        <a:spcAft>
+                          <a:spcPts val="0"/>
+                        </a:spcAft>
+                      </a:pPr>
+                      <a:r>
+                        <a:rPr lang="en-US" sz="1200">
+                          <a:effectLst/>
+                        </a:rPr>
+                        <a:t> </a:t>
+                      </a:r>
+                      <a:endParaRPr lang="en-US" sz="1100">
+                        <a:effectLst/>
+                        <a:latin typeface="Calibri" panose="020F0502020204030204" pitchFamily="34" charset="0"/>
+                        <a:ea typeface="Calibri" panose="020F0502020204030204" pitchFamily="34" charset="0"/>
+                        <a:cs typeface="Times New Roman" panose="02020603050405020304" pitchFamily="18" charset="0"/>
+                      </a:endParaRPr>
+                    </a:p>
+                  </a:txBody>
+                  <a:tcPr marL="35971" marR="35971" marT="0" marB="0"/>
+                </a:tc>
+                <a:tc>
+                  <a:txBody>
+                    <a:bodyPr/>
+                    <a:lstStyle/>
+                    <a:p>
+                      <a:pPr marL="0" marR="0">
+                        <a:lnSpc>
+                          <a:spcPct val="107000"/>
+                        </a:lnSpc>
+                        <a:spcBef>
+                          <a:spcPts val="0"/>
+                        </a:spcBef>
+                        <a:spcAft>
+                          <a:spcPts val="0"/>
+                        </a:spcAft>
+                      </a:pPr>
+                      <a:r>
+                        <a:rPr lang="en-US" sz="1200">
+                          <a:effectLst/>
+                        </a:rPr>
+                        <a:t>1</a:t>
+                      </a:r>
+                      <a:endParaRPr lang="en-US" sz="1100">
+                        <a:effectLst/>
+                        <a:latin typeface="Calibri" panose="020F0502020204030204" pitchFamily="34" charset="0"/>
+                        <a:ea typeface="Calibri" panose="020F0502020204030204" pitchFamily="34" charset="0"/>
+                        <a:cs typeface="Times New Roman" panose="02020603050405020304" pitchFamily="18" charset="0"/>
+                      </a:endParaRPr>
+                    </a:p>
+                  </a:txBody>
+                  <a:tcPr marL="35971" marR="35971" marT="0" marB="0"/>
+                </a:tc>
+                <a:tc>
+                  <a:txBody>
+                    <a:bodyPr/>
+                    <a:lstStyle/>
+                    <a:p>
+                      <a:pPr marL="0" marR="0">
+                        <a:lnSpc>
+                          <a:spcPct val="107000"/>
+                        </a:lnSpc>
+                        <a:spcBef>
+                          <a:spcPts val="0"/>
+                        </a:spcBef>
+                        <a:spcAft>
+                          <a:spcPts val="0"/>
+                        </a:spcAft>
+                      </a:pPr>
+                      <a:r>
+                        <a:rPr lang="en-US" sz="1200">
+                          <a:effectLst/>
+                        </a:rPr>
+                        <a:t>Đang làm</a:t>
+                      </a:r>
+                      <a:endParaRPr lang="en-US" sz="1100">
+                        <a:effectLst/>
+                        <a:latin typeface="Calibri" panose="020F0502020204030204" pitchFamily="34" charset="0"/>
+                        <a:ea typeface="Calibri" panose="020F0502020204030204" pitchFamily="34" charset="0"/>
+                        <a:cs typeface="Times New Roman" panose="02020603050405020304" pitchFamily="18" charset="0"/>
+                      </a:endParaRPr>
+                    </a:p>
+                  </a:txBody>
+                  <a:tcPr marL="35971" marR="35971" marT="0" marB="0"/>
+                </a:tc>
+                <a:tc>
+                  <a:txBody>
+                    <a:bodyPr/>
+                    <a:lstStyle/>
+                    <a:p>
+                      <a:pPr marL="0" marR="0">
+                        <a:lnSpc>
+                          <a:spcPct val="107000"/>
+                        </a:lnSpc>
+                        <a:spcBef>
+                          <a:spcPts val="0"/>
+                        </a:spcBef>
+                        <a:spcAft>
+                          <a:spcPts val="0"/>
+                        </a:spcAft>
+                      </a:pPr>
+                      <a:r>
+                        <a:rPr lang="en-US" sz="1200">
+                          <a:effectLst/>
+                        </a:rPr>
+                        <a:t>30%</a:t>
+                      </a:r>
+                      <a:endParaRPr lang="en-US" sz="1100">
+                        <a:effectLst/>
+                        <a:latin typeface="Calibri" panose="020F0502020204030204" pitchFamily="34" charset="0"/>
+                        <a:ea typeface="Calibri" panose="020F0502020204030204" pitchFamily="34" charset="0"/>
+                        <a:cs typeface="Times New Roman" panose="02020603050405020304" pitchFamily="18" charset="0"/>
+                      </a:endParaRPr>
+                    </a:p>
+                  </a:txBody>
+                  <a:tcPr marL="35971" marR="35971" marT="0" marB="0"/>
+                </a:tc>
+                <a:extLst>
+                  <a:ext uri="{0D108BD9-81ED-4DB2-BD59-A6C34878D82A}">
+                    <a16:rowId xmlns:a16="http://schemas.microsoft.com/office/drawing/2014/main" val="616512810"/>
+                  </a:ext>
+                </a:extLst>
+              </a:tr>
+              <a:tr h="291560">
+                <a:tc>
+                  <a:txBody>
+                    <a:bodyPr/>
+                    <a:lstStyle/>
+                    <a:p>
+                      <a:pPr marL="457200" marR="0">
+                        <a:lnSpc>
+                          <a:spcPct val="107000"/>
+                        </a:lnSpc>
+                        <a:spcBef>
+                          <a:spcPts val="0"/>
+                        </a:spcBef>
+                        <a:spcAft>
+                          <a:spcPts val="0"/>
+                        </a:spcAft>
+                      </a:pPr>
+                      <a:r>
+                        <a:rPr lang="en-US" sz="1200" dirty="0" err="1">
+                          <a:effectLst/>
+                        </a:rPr>
+                        <a:t>Chấm</a:t>
+                      </a:r>
+                      <a:r>
+                        <a:rPr lang="en-US" sz="1200" dirty="0">
+                          <a:effectLst/>
+                        </a:rPr>
+                        <a:t> </a:t>
+                      </a:r>
+                      <a:r>
+                        <a:rPr lang="en-US" sz="1200" dirty="0" err="1">
+                          <a:effectLst/>
+                        </a:rPr>
+                        <a:t>điểm</a:t>
+                      </a:r>
+                      <a:r>
+                        <a:rPr lang="en-US" sz="1200" dirty="0">
+                          <a:effectLst/>
+                        </a:rPr>
+                        <a:t> </a:t>
+                      </a:r>
+                      <a:r>
+                        <a:rPr lang="en-US" sz="1200" dirty="0" err="1">
+                          <a:effectLst/>
+                        </a:rPr>
+                        <a:t>tự</a:t>
+                      </a:r>
+                      <a:r>
+                        <a:rPr lang="en-US" sz="1200" dirty="0">
+                          <a:effectLst/>
+                        </a:rPr>
+                        <a:t> </a:t>
+                      </a:r>
+                      <a:r>
+                        <a:rPr lang="en-US" sz="1200" dirty="0" err="1">
+                          <a:effectLst/>
+                        </a:rPr>
+                        <a:t>động</a:t>
+                      </a:r>
+                      <a:endParaRPr lang="en-US" sz="1100" dirty="0">
+                        <a:effectLst/>
+                        <a:latin typeface="Calibri" panose="020F0502020204030204" pitchFamily="34" charset="0"/>
+                        <a:ea typeface="Calibri" panose="020F0502020204030204" pitchFamily="34" charset="0"/>
+                        <a:cs typeface="Times New Roman" panose="02020603050405020304" pitchFamily="18" charset="0"/>
+                      </a:endParaRPr>
+                    </a:p>
+                  </a:txBody>
+                  <a:tcPr marL="35971" marR="35971" marT="0" marB="0" anchor="ctr"/>
+                </a:tc>
+                <a:tc>
+                  <a:txBody>
+                    <a:bodyPr/>
+                    <a:lstStyle/>
+                    <a:p>
+                      <a:pPr marL="0" marR="0">
+                        <a:lnSpc>
+                          <a:spcPct val="107000"/>
+                        </a:lnSpc>
+                        <a:spcBef>
+                          <a:spcPts val="0"/>
+                        </a:spcBef>
+                        <a:spcAft>
+                          <a:spcPts val="0"/>
+                        </a:spcAft>
+                      </a:pPr>
+                      <a:r>
+                        <a:rPr lang="en-US" sz="1200" dirty="0">
+                          <a:effectLst/>
+                        </a:rPr>
+                        <a:t>Biết kết quả bài tập khi tôi làm xong</a:t>
+                      </a:r>
+                      <a:endParaRPr lang="en-US" sz="1100" dirty="0">
+                        <a:effectLst/>
+                        <a:latin typeface="Calibri" panose="020F0502020204030204" pitchFamily="34" charset="0"/>
+                        <a:ea typeface="Calibri" panose="020F0502020204030204" pitchFamily="34" charset="0"/>
+                        <a:cs typeface="Times New Roman" panose="02020603050405020304" pitchFamily="18" charset="0"/>
+                      </a:endParaRPr>
+                    </a:p>
+                  </a:txBody>
+                  <a:tcPr marL="35971" marR="35971" marT="0" marB="0"/>
+                </a:tc>
+                <a:tc>
+                  <a:txBody>
+                    <a:bodyPr/>
+                    <a:lstStyle/>
+                    <a:p>
+                      <a:pPr marL="0" marR="0">
+                        <a:lnSpc>
+                          <a:spcPct val="107000"/>
+                        </a:lnSpc>
+                        <a:spcBef>
+                          <a:spcPts val="0"/>
+                        </a:spcBef>
+                        <a:spcAft>
+                          <a:spcPts val="0"/>
+                        </a:spcAft>
+                      </a:pPr>
+                      <a:r>
+                        <a:rPr lang="en-US" sz="1200">
+                          <a:effectLst/>
+                        </a:rPr>
+                        <a:t> </a:t>
+                      </a:r>
+                      <a:endParaRPr lang="en-US" sz="1100">
+                        <a:effectLst/>
+                        <a:latin typeface="Calibri" panose="020F0502020204030204" pitchFamily="34" charset="0"/>
+                        <a:ea typeface="Calibri" panose="020F0502020204030204" pitchFamily="34" charset="0"/>
+                        <a:cs typeface="Times New Roman" panose="02020603050405020304" pitchFamily="18" charset="0"/>
+                      </a:endParaRPr>
+                    </a:p>
+                  </a:txBody>
+                  <a:tcPr marL="35971" marR="35971" marT="0" marB="0"/>
+                </a:tc>
+                <a:tc>
+                  <a:txBody>
+                    <a:bodyPr/>
+                    <a:lstStyle/>
+                    <a:p>
+                      <a:pPr marL="0" marR="0">
+                        <a:lnSpc>
+                          <a:spcPct val="107000"/>
+                        </a:lnSpc>
+                        <a:spcBef>
+                          <a:spcPts val="0"/>
+                        </a:spcBef>
+                        <a:spcAft>
+                          <a:spcPts val="0"/>
+                        </a:spcAft>
+                      </a:pPr>
+                      <a:r>
+                        <a:rPr lang="en-US" sz="1200">
+                          <a:effectLst/>
+                        </a:rPr>
+                        <a:t>1</a:t>
+                      </a:r>
+                      <a:endParaRPr lang="en-US" sz="1100">
+                        <a:effectLst/>
+                        <a:latin typeface="Calibri" panose="020F0502020204030204" pitchFamily="34" charset="0"/>
+                        <a:ea typeface="Calibri" panose="020F0502020204030204" pitchFamily="34" charset="0"/>
+                        <a:cs typeface="Times New Roman" panose="02020603050405020304" pitchFamily="18" charset="0"/>
+                      </a:endParaRPr>
+                    </a:p>
+                  </a:txBody>
+                  <a:tcPr marL="35971" marR="35971" marT="0" marB="0"/>
+                </a:tc>
+                <a:tc>
+                  <a:txBody>
+                    <a:bodyPr/>
+                    <a:lstStyle/>
+                    <a:p>
+                      <a:pPr marL="0" marR="0">
+                        <a:lnSpc>
+                          <a:spcPct val="107000"/>
+                        </a:lnSpc>
+                        <a:spcBef>
+                          <a:spcPts val="0"/>
+                        </a:spcBef>
+                        <a:spcAft>
+                          <a:spcPts val="0"/>
+                        </a:spcAft>
+                      </a:pPr>
+                      <a:r>
+                        <a:rPr lang="en-US" sz="1200" dirty="0" err="1">
+                          <a:effectLst/>
+                        </a:rPr>
+                        <a:t>Đang</a:t>
+                      </a:r>
+                      <a:r>
+                        <a:rPr lang="en-US" sz="1200" dirty="0">
+                          <a:effectLst/>
+                        </a:rPr>
+                        <a:t> </a:t>
+                      </a:r>
+                      <a:r>
+                        <a:rPr lang="en-US" sz="1200" dirty="0" err="1">
+                          <a:effectLst/>
+                        </a:rPr>
+                        <a:t>làm</a:t>
+                      </a:r>
+                      <a:endParaRPr lang="en-US" sz="1100" dirty="0">
+                        <a:effectLst/>
+                        <a:latin typeface="Calibri" panose="020F0502020204030204" pitchFamily="34" charset="0"/>
+                        <a:ea typeface="Calibri" panose="020F0502020204030204" pitchFamily="34" charset="0"/>
+                        <a:cs typeface="Times New Roman" panose="02020603050405020304" pitchFamily="18" charset="0"/>
+                      </a:endParaRPr>
+                    </a:p>
+                  </a:txBody>
+                  <a:tcPr marL="35971" marR="35971" marT="0" marB="0"/>
+                </a:tc>
+                <a:tc>
+                  <a:txBody>
+                    <a:bodyPr/>
+                    <a:lstStyle/>
+                    <a:p>
+                      <a:pPr marL="0" marR="0">
+                        <a:lnSpc>
+                          <a:spcPct val="107000"/>
+                        </a:lnSpc>
+                        <a:spcBef>
+                          <a:spcPts val="0"/>
+                        </a:spcBef>
+                        <a:spcAft>
+                          <a:spcPts val="0"/>
+                        </a:spcAft>
+                      </a:pPr>
+                      <a:r>
+                        <a:rPr lang="en-US" sz="1200">
+                          <a:effectLst/>
+                        </a:rPr>
+                        <a:t>10%</a:t>
+                      </a:r>
+                      <a:endParaRPr lang="en-US" sz="1100">
+                        <a:effectLst/>
+                        <a:latin typeface="Calibri" panose="020F0502020204030204" pitchFamily="34" charset="0"/>
+                        <a:ea typeface="Calibri" panose="020F0502020204030204" pitchFamily="34" charset="0"/>
+                        <a:cs typeface="Times New Roman" panose="02020603050405020304" pitchFamily="18" charset="0"/>
+                      </a:endParaRPr>
+                    </a:p>
+                  </a:txBody>
+                  <a:tcPr marL="35971" marR="35971" marT="0" marB="0"/>
+                </a:tc>
+                <a:extLst>
+                  <a:ext uri="{0D108BD9-81ED-4DB2-BD59-A6C34878D82A}">
+                    <a16:rowId xmlns:a16="http://schemas.microsoft.com/office/drawing/2014/main" val="591232882"/>
+                  </a:ext>
+                </a:extLst>
+              </a:tr>
+              <a:tr h="291560">
+                <a:tc>
+                  <a:txBody>
+                    <a:bodyPr/>
+                    <a:lstStyle/>
+                    <a:p>
+                      <a:pPr marL="457200" marR="0">
+                        <a:lnSpc>
+                          <a:spcPct val="107000"/>
+                        </a:lnSpc>
+                        <a:spcBef>
+                          <a:spcPts val="0"/>
+                        </a:spcBef>
+                        <a:spcAft>
+                          <a:spcPts val="0"/>
+                        </a:spcAft>
+                      </a:pPr>
+                      <a:r>
+                        <a:rPr lang="en-US" sz="1200" dirty="0" err="1">
+                          <a:effectLst/>
+                        </a:rPr>
+                        <a:t>Hiện</a:t>
+                      </a:r>
+                      <a:r>
+                        <a:rPr lang="en-US" sz="1200" dirty="0">
+                          <a:effectLst/>
+                        </a:rPr>
+                        <a:t> </a:t>
+                      </a:r>
+                      <a:r>
+                        <a:rPr lang="en-US" sz="1200" dirty="0" err="1">
+                          <a:effectLst/>
+                        </a:rPr>
+                        <a:t>thị</a:t>
+                      </a:r>
+                      <a:r>
+                        <a:rPr lang="en-US" sz="1200" dirty="0">
+                          <a:effectLst/>
+                        </a:rPr>
+                        <a:t> </a:t>
+                      </a:r>
+                      <a:r>
+                        <a:rPr lang="en-US" sz="1200" dirty="0" err="1">
+                          <a:effectLst/>
+                        </a:rPr>
+                        <a:t>kết</a:t>
+                      </a:r>
+                      <a:r>
+                        <a:rPr lang="en-US" sz="1200" dirty="0">
+                          <a:effectLst/>
+                        </a:rPr>
+                        <a:t> </a:t>
+                      </a:r>
+                      <a:r>
+                        <a:rPr lang="en-US" sz="1200" dirty="0" err="1">
+                          <a:effectLst/>
+                        </a:rPr>
+                        <a:t>quả</a:t>
+                      </a:r>
+                      <a:r>
+                        <a:rPr lang="en-US" sz="1200" dirty="0">
+                          <a:effectLst/>
+                        </a:rPr>
+                        <a:t> </a:t>
+                      </a:r>
+                      <a:r>
+                        <a:rPr lang="en-US" sz="1200" dirty="0" err="1">
+                          <a:effectLst/>
+                        </a:rPr>
+                        <a:t>đúng</a:t>
+                      </a:r>
+                      <a:r>
+                        <a:rPr lang="en-US" sz="1200" dirty="0">
+                          <a:effectLst/>
+                        </a:rPr>
+                        <a:t> </a:t>
+                      </a:r>
+                      <a:r>
+                        <a:rPr lang="en-US" sz="1200" dirty="0" err="1">
+                          <a:effectLst/>
+                        </a:rPr>
+                        <a:t>sai</a:t>
+                      </a:r>
+                      <a:endParaRPr lang="en-US" sz="1100" dirty="0">
+                        <a:effectLst/>
+                        <a:latin typeface="Calibri" panose="020F0502020204030204" pitchFamily="34" charset="0"/>
+                        <a:ea typeface="Calibri" panose="020F0502020204030204" pitchFamily="34" charset="0"/>
+                        <a:cs typeface="Times New Roman" panose="02020603050405020304" pitchFamily="18" charset="0"/>
+                      </a:endParaRPr>
+                    </a:p>
+                  </a:txBody>
+                  <a:tcPr marL="35971" marR="35971" marT="0" marB="0" anchor="ctr"/>
+                </a:tc>
+                <a:tc>
+                  <a:txBody>
+                    <a:bodyPr/>
+                    <a:lstStyle/>
+                    <a:p>
+                      <a:pPr marL="0" marR="0">
+                        <a:lnSpc>
+                          <a:spcPct val="107000"/>
+                        </a:lnSpc>
+                        <a:spcBef>
+                          <a:spcPts val="0"/>
+                        </a:spcBef>
+                        <a:spcAft>
+                          <a:spcPts val="0"/>
+                        </a:spcAft>
+                      </a:pPr>
+                      <a:r>
+                        <a:rPr lang="en-US" sz="1200" dirty="0">
+                          <a:effectLst/>
+                        </a:rPr>
+                        <a:t>Tôi biết câu nào làm đúng, câu nào làm sai</a:t>
+                      </a:r>
+                      <a:endParaRPr lang="en-US" sz="1100" dirty="0">
+                        <a:effectLst/>
+                        <a:latin typeface="Calibri" panose="020F0502020204030204" pitchFamily="34" charset="0"/>
+                        <a:ea typeface="Calibri" panose="020F0502020204030204" pitchFamily="34" charset="0"/>
+                        <a:cs typeface="Times New Roman" panose="02020603050405020304" pitchFamily="18" charset="0"/>
+                      </a:endParaRPr>
+                    </a:p>
+                  </a:txBody>
+                  <a:tcPr marL="35971" marR="35971" marT="0" marB="0"/>
+                </a:tc>
+                <a:tc>
+                  <a:txBody>
+                    <a:bodyPr/>
+                    <a:lstStyle/>
+                    <a:p>
+                      <a:pPr marL="0" marR="0">
+                        <a:lnSpc>
+                          <a:spcPct val="107000"/>
+                        </a:lnSpc>
+                        <a:spcBef>
+                          <a:spcPts val="0"/>
+                        </a:spcBef>
+                        <a:spcAft>
+                          <a:spcPts val="0"/>
+                        </a:spcAft>
+                      </a:pPr>
+                      <a:r>
+                        <a:rPr lang="en-US" sz="1200">
+                          <a:effectLst/>
+                        </a:rPr>
+                        <a:t> </a:t>
+                      </a:r>
+                      <a:endParaRPr lang="en-US" sz="1100">
+                        <a:effectLst/>
+                        <a:latin typeface="Calibri" panose="020F0502020204030204" pitchFamily="34" charset="0"/>
+                        <a:ea typeface="Calibri" panose="020F0502020204030204" pitchFamily="34" charset="0"/>
+                        <a:cs typeface="Times New Roman" panose="02020603050405020304" pitchFamily="18" charset="0"/>
+                      </a:endParaRPr>
+                    </a:p>
+                  </a:txBody>
+                  <a:tcPr marL="35971" marR="35971" marT="0" marB="0"/>
+                </a:tc>
+                <a:tc>
+                  <a:txBody>
+                    <a:bodyPr/>
+                    <a:lstStyle/>
+                    <a:p>
+                      <a:pPr marL="0" marR="0">
+                        <a:lnSpc>
+                          <a:spcPct val="107000"/>
+                        </a:lnSpc>
+                        <a:spcBef>
+                          <a:spcPts val="0"/>
+                        </a:spcBef>
+                        <a:spcAft>
+                          <a:spcPts val="0"/>
+                        </a:spcAft>
+                      </a:pPr>
+                      <a:r>
+                        <a:rPr lang="en-US" sz="1200">
+                          <a:effectLst/>
+                        </a:rPr>
+                        <a:t>2</a:t>
+                      </a:r>
+                      <a:endParaRPr lang="en-US" sz="1100">
+                        <a:effectLst/>
+                        <a:latin typeface="Calibri" panose="020F0502020204030204" pitchFamily="34" charset="0"/>
+                        <a:ea typeface="Calibri" panose="020F0502020204030204" pitchFamily="34" charset="0"/>
+                        <a:cs typeface="Times New Roman" panose="02020603050405020304" pitchFamily="18" charset="0"/>
+                      </a:endParaRPr>
+                    </a:p>
+                  </a:txBody>
+                  <a:tcPr marL="35971" marR="35971" marT="0" marB="0"/>
+                </a:tc>
+                <a:tc>
+                  <a:txBody>
+                    <a:bodyPr/>
+                    <a:lstStyle/>
+                    <a:p>
+                      <a:pPr marL="0" marR="0">
+                        <a:lnSpc>
+                          <a:spcPct val="107000"/>
+                        </a:lnSpc>
+                        <a:spcBef>
+                          <a:spcPts val="0"/>
+                        </a:spcBef>
+                        <a:spcAft>
+                          <a:spcPts val="0"/>
+                        </a:spcAft>
+                      </a:pPr>
+                      <a:r>
+                        <a:rPr lang="en-US" sz="1200" dirty="0" err="1">
+                          <a:effectLst/>
+                        </a:rPr>
+                        <a:t>Đang</a:t>
+                      </a:r>
+                      <a:r>
+                        <a:rPr lang="en-US" sz="1200" dirty="0">
+                          <a:effectLst/>
+                        </a:rPr>
+                        <a:t> </a:t>
+                      </a:r>
+                      <a:r>
+                        <a:rPr lang="en-US" sz="1200" dirty="0" err="1">
+                          <a:effectLst/>
+                        </a:rPr>
+                        <a:t>làm</a:t>
+                      </a:r>
+                      <a:endParaRPr lang="en-US" sz="1100" dirty="0">
+                        <a:effectLst/>
+                        <a:latin typeface="Calibri" panose="020F0502020204030204" pitchFamily="34" charset="0"/>
+                        <a:ea typeface="Calibri" panose="020F0502020204030204" pitchFamily="34" charset="0"/>
+                        <a:cs typeface="Times New Roman" panose="02020603050405020304" pitchFamily="18" charset="0"/>
+                      </a:endParaRPr>
+                    </a:p>
+                  </a:txBody>
+                  <a:tcPr marL="35971" marR="35971" marT="0" marB="0"/>
+                </a:tc>
+                <a:tc>
+                  <a:txBody>
+                    <a:bodyPr/>
+                    <a:lstStyle/>
+                    <a:p>
+                      <a:pPr marL="0" marR="0">
+                        <a:lnSpc>
+                          <a:spcPct val="107000"/>
+                        </a:lnSpc>
+                        <a:spcBef>
+                          <a:spcPts val="0"/>
+                        </a:spcBef>
+                        <a:spcAft>
+                          <a:spcPts val="0"/>
+                        </a:spcAft>
+                      </a:pPr>
+                      <a:r>
+                        <a:rPr lang="en-US" sz="1200">
+                          <a:effectLst/>
+                        </a:rPr>
+                        <a:t>30%</a:t>
+                      </a:r>
+                      <a:endParaRPr lang="en-US" sz="1100">
+                        <a:effectLst/>
+                        <a:latin typeface="Calibri" panose="020F0502020204030204" pitchFamily="34" charset="0"/>
+                        <a:ea typeface="Calibri" panose="020F0502020204030204" pitchFamily="34" charset="0"/>
+                        <a:cs typeface="Times New Roman" panose="02020603050405020304" pitchFamily="18" charset="0"/>
+                      </a:endParaRPr>
+                    </a:p>
+                  </a:txBody>
+                  <a:tcPr marL="35971" marR="35971" marT="0" marB="0"/>
+                </a:tc>
+                <a:extLst>
+                  <a:ext uri="{0D108BD9-81ED-4DB2-BD59-A6C34878D82A}">
+                    <a16:rowId xmlns:a16="http://schemas.microsoft.com/office/drawing/2014/main" val="3805238273"/>
+                  </a:ext>
+                </a:extLst>
+              </a:tr>
+              <a:tr h="441019">
+                <a:tc>
+                  <a:txBody>
+                    <a:bodyPr/>
+                    <a:lstStyle/>
+                    <a:p>
+                      <a:pPr marL="457200" marR="0">
+                        <a:lnSpc>
+                          <a:spcPct val="107000"/>
+                        </a:lnSpc>
+                        <a:spcBef>
+                          <a:spcPts val="0"/>
+                        </a:spcBef>
+                        <a:spcAft>
+                          <a:spcPts val="0"/>
+                        </a:spcAft>
+                      </a:pPr>
+                      <a:r>
+                        <a:rPr lang="en-US" sz="1200" dirty="0" err="1">
+                          <a:effectLst/>
+                        </a:rPr>
+                        <a:t>Xếp</a:t>
+                      </a:r>
+                      <a:r>
+                        <a:rPr lang="en-US" sz="1200" dirty="0">
+                          <a:effectLst/>
+                        </a:rPr>
+                        <a:t> </a:t>
+                      </a:r>
+                      <a:r>
+                        <a:rPr lang="en-US" sz="1200" dirty="0" err="1">
+                          <a:effectLst/>
+                        </a:rPr>
+                        <a:t>hạng</a:t>
+                      </a:r>
+                      <a:r>
+                        <a:rPr lang="en-US" sz="1200" dirty="0">
+                          <a:effectLst/>
+                        </a:rPr>
+                        <a:t> qua </a:t>
+                      </a:r>
+                      <a:r>
+                        <a:rPr lang="en-US" sz="1200" dirty="0" err="1">
+                          <a:effectLst/>
+                        </a:rPr>
+                        <a:t>điểm</a:t>
+                      </a:r>
+                      <a:endParaRPr lang="en-US" sz="1100" dirty="0">
+                        <a:effectLst/>
+                        <a:latin typeface="Calibri" panose="020F0502020204030204" pitchFamily="34" charset="0"/>
+                        <a:ea typeface="Calibri" panose="020F0502020204030204" pitchFamily="34" charset="0"/>
+                        <a:cs typeface="Times New Roman" panose="02020603050405020304" pitchFamily="18" charset="0"/>
+                      </a:endParaRPr>
+                    </a:p>
+                  </a:txBody>
+                  <a:tcPr marL="35971" marR="35971" marT="0" marB="0" anchor="ctr"/>
+                </a:tc>
+                <a:tc>
+                  <a:txBody>
+                    <a:bodyPr/>
+                    <a:lstStyle/>
+                    <a:p>
+                      <a:pPr marL="0" marR="0">
+                        <a:lnSpc>
+                          <a:spcPct val="107000"/>
+                        </a:lnSpc>
+                        <a:spcBef>
+                          <a:spcPts val="0"/>
+                        </a:spcBef>
+                        <a:spcAft>
+                          <a:spcPts val="0"/>
+                        </a:spcAft>
+                      </a:pPr>
+                      <a:r>
+                        <a:rPr lang="en-US" sz="1200" dirty="0">
+                          <a:effectLst/>
+                        </a:rPr>
+                        <a:t>Tạo tính cạnh tranh với bạn bè của mình </a:t>
+                      </a:r>
+                      <a:endParaRPr lang="en-US" sz="1100" dirty="0">
+                        <a:effectLst/>
+                        <a:latin typeface="Calibri" panose="020F0502020204030204" pitchFamily="34" charset="0"/>
+                        <a:ea typeface="Calibri" panose="020F0502020204030204" pitchFamily="34" charset="0"/>
+                        <a:cs typeface="Times New Roman" panose="02020603050405020304" pitchFamily="18" charset="0"/>
+                      </a:endParaRPr>
+                    </a:p>
+                  </a:txBody>
+                  <a:tcPr marL="35971" marR="35971" marT="0" marB="0"/>
+                </a:tc>
+                <a:tc>
+                  <a:txBody>
+                    <a:bodyPr/>
+                    <a:lstStyle/>
+                    <a:p>
+                      <a:pPr marL="0" marR="0">
+                        <a:lnSpc>
+                          <a:spcPct val="107000"/>
+                        </a:lnSpc>
+                        <a:spcBef>
+                          <a:spcPts val="0"/>
+                        </a:spcBef>
+                        <a:spcAft>
+                          <a:spcPts val="0"/>
+                        </a:spcAft>
+                      </a:pPr>
+                      <a:r>
+                        <a:rPr lang="en-US" sz="1200">
+                          <a:effectLst/>
+                        </a:rPr>
+                        <a:t>Dựa vào điểm số của tôi</a:t>
+                      </a:r>
+                      <a:endParaRPr lang="en-US" sz="1100">
+                        <a:effectLst/>
+                        <a:latin typeface="Calibri" panose="020F0502020204030204" pitchFamily="34" charset="0"/>
+                        <a:ea typeface="Calibri" panose="020F0502020204030204" pitchFamily="34" charset="0"/>
+                        <a:cs typeface="Times New Roman" panose="02020603050405020304" pitchFamily="18" charset="0"/>
+                      </a:endParaRPr>
+                    </a:p>
+                  </a:txBody>
+                  <a:tcPr marL="35971" marR="35971" marT="0" marB="0"/>
+                </a:tc>
+                <a:tc>
+                  <a:txBody>
+                    <a:bodyPr/>
+                    <a:lstStyle/>
+                    <a:p>
+                      <a:pPr marL="0" marR="0">
+                        <a:lnSpc>
+                          <a:spcPct val="107000"/>
+                        </a:lnSpc>
+                        <a:spcBef>
+                          <a:spcPts val="0"/>
+                        </a:spcBef>
+                        <a:spcAft>
+                          <a:spcPts val="0"/>
+                        </a:spcAft>
+                      </a:pPr>
+                      <a:r>
+                        <a:rPr lang="en-US" sz="1200">
+                          <a:effectLst/>
+                        </a:rPr>
+                        <a:t>3</a:t>
+                      </a:r>
+                      <a:endParaRPr lang="en-US" sz="1100">
+                        <a:effectLst/>
+                        <a:latin typeface="Calibri" panose="020F0502020204030204" pitchFamily="34" charset="0"/>
+                        <a:ea typeface="Calibri" panose="020F0502020204030204" pitchFamily="34" charset="0"/>
+                        <a:cs typeface="Times New Roman" panose="02020603050405020304" pitchFamily="18" charset="0"/>
+                      </a:endParaRPr>
+                    </a:p>
+                  </a:txBody>
+                  <a:tcPr marL="35971" marR="35971" marT="0" marB="0"/>
+                </a:tc>
+                <a:tc>
+                  <a:txBody>
+                    <a:bodyPr/>
+                    <a:lstStyle/>
+                    <a:p>
+                      <a:pPr marL="0" marR="0">
+                        <a:lnSpc>
+                          <a:spcPct val="107000"/>
+                        </a:lnSpc>
+                        <a:spcBef>
+                          <a:spcPts val="0"/>
+                        </a:spcBef>
+                        <a:spcAft>
+                          <a:spcPts val="0"/>
+                        </a:spcAft>
+                      </a:pPr>
+                      <a:r>
+                        <a:rPr lang="en-US" sz="1200">
+                          <a:effectLst/>
+                        </a:rPr>
+                        <a:t>Chưa làm</a:t>
+                      </a:r>
+                      <a:endParaRPr lang="en-US" sz="1100">
+                        <a:effectLst/>
+                        <a:latin typeface="Calibri" panose="020F0502020204030204" pitchFamily="34" charset="0"/>
+                        <a:ea typeface="Calibri" panose="020F0502020204030204" pitchFamily="34" charset="0"/>
+                        <a:cs typeface="Times New Roman" panose="02020603050405020304" pitchFamily="18" charset="0"/>
+                      </a:endParaRPr>
+                    </a:p>
+                  </a:txBody>
+                  <a:tcPr marL="35971" marR="35971" marT="0" marB="0"/>
+                </a:tc>
+                <a:tc>
+                  <a:txBody>
+                    <a:bodyPr/>
+                    <a:lstStyle/>
+                    <a:p>
+                      <a:pPr marL="0" marR="0">
+                        <a:lnSpc>
+                          <a:spcPct val="107000"/>
+                        </a:lnSpc>
+                        <a:spcBef>
+                          <a:spcPts val="0"/>
+                        </a:spcBef>
+                        <a:spcAft>
+                          <a:spcPts val="0"/>
+                        </a:spcAft>
+                      </a:pPr>
+                      <a:r>
+                        <a:rPr lang="en-US" sz="1200">
+                          <a:effectLst/>
+                        </a:rPr>
+                        <a:t> </a:t>
+                      </a:r>
+                      <a:endParaRPr lang="en-US" sz="1100">
+                        <a:effectLst/>
+                        <a:latin typeface="Calibri" panose="020F0502020204030204" pitchFamily="34" charset="0"/>
+                        <a:ea typeface="Calibri" panose="020F0502020204030204" pitchFamily="34" charset="0"/>
+                        <a:cs typeface="Times New Roman" panose="02020603050405020304" pitchFamily="18" charset="0"/>
+                      </a:endParaRPr>
+                    </a:p>
+                  </a:txBody>
+                  <a:tcPr marL="35971" marR="35971" marT="0" marB="0"/>
+                </a:tc>
+                <a:extLst>
+                  <a:ext uri="{0D108BD9-81ED-4DB2-BD59-A6C34878D82A}">
+                    <a16:rowId xmlns:a16="http://schemas.microsoft.com/office/drawing/2014/main" val="2192493287"/>
+                  </a:ext>
+                </a:extLst>
+              </a:tr>
+              <a:tr h="1038851">
+                <a:tc>
+                  <a:txBody>
+                    <a:bodyPr/>
+                    <a:lstStyle/>
+                    <a:p>
+                      <a:pPr marL="457200" marR="0">
+                        <a:lnSpc>
+                          <a:spcPct val="107000"/>
+                        </a:lnSpc>
+                        <a:spcBef>
+                          <a:spcPts val="0"/>
+                        </a:spcBef>
+                        <a:spcAft>
+                          <a:spcPts val="0"/>
+                        </a:spcAft>
+                      </a:pPr>
+                      <a:r>
+                        <a:rPr lang="en-US" sz="1200" dirty="0" err="1">
+                          <a:effectLst/>
+                        </a:rPr>
+                        <a:t>Xem</a:t>
+                      </a:r>
+                      <a:r>
+                        <a:rPr lang="en-US" sz="1200" dirty="0">
+                          <a:effectLst/>
+                        </a:rPr>
+                        <a:t> </a:t>
+                      </a:r>
+                      <a:r>
+                        <a:rPr lang="en-US" sz="1200" dirty="0" err="1">
+                          <a:effectLst/>
+                        </a:rPr>
+                        <a:t>thông</a:t>
+                      </a:r>
+                      <a:r>
+                        <a:rPr lang="en-US" sz="1200" dirty="0">
+                          <a:effectLst/>
+                        </a:rPr>
+                        <a:t> tin </a:t>
+                      </a:r>
+                      <a:r>
+                        <a:rPr lang="en-US" sz="1200" dirty="0" err="1">
+                          <a:effectLst/>
+                        </a:rPr>
+                        <a:t>cá</a:t>
+                      </a:r>
+                      <a:r>
+                        <a:rPr lang="en-US" sz="1200" dirty="0">
+                          <a:effectLst/>
+                        </a:rPr>
+                        <a:t> </a:t>
+                      </a:r>
+                      <a:r>
+                        <a:rPr lang="en-US" sz="1200" dirty="0" err="1">
+                          <a:effectLst/>
+                        </a:rPr>
+                        <a:t>nhân</a:t>
+                      </a:r>
+                      <a:endParaRPr lang="en-US" sz="1100" dirty="0">
+                        <a:effectLst/>
+                        <a:latin typeface="Calibri" panose="020F0502020204030204" pitchFamily="34" charset="0"/>
+                        <a:ea typeface="Calibri" panose="020F0502020204030204" pitchFamily="34" charset="0"/>
+                        <a:cs typeface="Times New Roman" panose="02020603050405020304" pitchFamily="18" charset="0"/>
+                      </a:endParaRPr>
+                    </a:p>
+                  </a:txBody>
+                  <a:tcPr marL="35971" marR="35971" marT="0" marB="0" anchor="ctr"/>
+                </a:tc>
+                <a:tc>
+                  <a:txBody>
+                    <a:bodyPr/>
+                    <a:lstStyle/>
+                    <a:p>
+                      <a:pPr marL="0" marR="0">
+                        <a:lnSpc>
+                          <a:spcPct val="107000"/>
+                        </a:lnSpc>
+                        <a:spcBef>
+                          <a:spcPts val="0"/>
+                        </a:spcBef>
+                        <a:spcAft>
+                          <a:spcPts val="0"/>
+                        </a:spcAft>
+                      </a:pPr>
+                      <a:r>
+                        <a:rPr lang="en-US" sz="1200" dirty="0">
+                          <a:effectLst/>
+                        </a:rPr>
+                        <a:t>Xem thông tin cá nhân, biết được mình học những gì, điểm số, xếp hạng,...</a:t>
+                      </a:r>
+                      <a:endParaRPr lang="en-US" sz="1100" dirty="0">
+                        <a:effectLst/>
+                        <a:latin typeface="Calibri" panose="020F0502020204030204" pitchFamily="34" charset="0"/>
+                        <a:ea typeface="Calibri" panose="020F0502020204030204" pitchFamily="34" charset="0"/>
+                        <a:cs typeface="Times New Roman" panose="02020603050405020304" pitchFamily="18" charset="0"/>
+                      </a:endParaRPr>
+                    </a:p>
+                  </a:txBody>
+                  <a:tcPr marL="35971" marR="35971" marT="0" marB="0"/>
+                </a:tc>
+                <a:tc>
+                  <a:txBody>
+                    <a:bodyPr/>
+                    <a:lstStyle/>
+                    <a:p>
+                      <a:pPr marL="0" marR="0">
+                        <a:lnSpc>
+                          <a:spcPct val="107000"/>
+                        </a:lnSpc>
+                        <a:spcBef>
+                          <a:spcPts val="0"/>
+                        </a:spcBef>
+                        <a:spcAft>
+                          <a:spcPts val="0"/>
+                        </a:spcAft>
+                      </a:pPr>
+                      <a:r>
+                        <a:rPr lang="en-US" sz="1200" dirty="0">
+                          <a:effectLst/>
+                        </a:rPr>
+                        <a:t>Người dùng chỉ có thể sửa thông tin cá nhân, không sửa điểm, xếp hạng</a:t>
+                      </a:r>
+                      <a:endParaRPr lang="en-US" sz="1100" dirty="0">
+                        <a:effectLst/>
+                        <a:latin typeface="Calibri" panose="020F0502020204030204" pitchFamily="34" charset="0"/>
+                        <a:ea typeface="Calibri" panose="020F0502020204030204" pitchFamily="34" charset="0"/>
+                        <a:cs typeface="Times New Roman" panose="02020603050405020304" pitchFamily="18" charset="0"/>
+                      </a:endParaRPr>
+                    </a:p>
+                  </a:txBody>
+                  <a:tcPr marL="35971" marR="35971" marT="0" marB="0"/>
+                </a:tc>
+                <a:tc>
+                  <a:txBody>
+                    <a:bodyPr/>
+                    <a:lstStyle/>
+                    <a:p>
+                      <a:pPr marL="0" marR="0">
+                        <a:lnSpc>
+                          <a:spcPct val="107000"/>
+                        </a:lnSpc>
+                        <a:spcBef>
+                          <a:spcPts val="0"/>
+                        </a:spcBef>
+                        <a:spcAft>
+                          <a:spcPts val="0"/>
+                        </a:spcAft>
+                      </a:pPr>
+                      <a:r>
+                        <a:rPr lang="en-US" sz="1200">
+                          <a:effectLst/>
+                        </a:rPr>
+                        <a:t>3</a:t>
+                      </a:r>
+                      <a:endParaRPr lang="en-US" sz="1100">
+                        <a:effectLst/>
+                        <a:latin typeface="Calibri" panose="020F0502020204030204" pitchFamily="34" charset="0"/>
+                        <a:ea typeface="Calibri" panose="020F0502020204030204" pitchFamily="34" charset="0"/>
+                        <a:cs typeface="Times New Roman" panose="02020603050405020304" pitchFamily="18" charset="0"/>
+                      </a:endParaRPr>
+                    </a:p>
+                  </a:txBody>
+                  <a:tcPr marL="35971" marR="35971" marT="0" marB="0"/>
+                </a:tc>
+                <a:tc>
+                  <a:txBody>
+                    <a:bodyPr/>
+                    <a:lstStyle/>
+                    <a:p>
+                      <a:pPr marL="0" marR="0">
+                        <a:lnSpc>
+                          <a:spcPct val="107000"/>
+                        </a:lnSpc>
+                        <a:spcBef>
+                          <a:spcPts val="0"/>
+                        </a:spcBef>
+                        <a:spcAft>
+                          <a:spcPts val="0"/>
+                        </a:spcAft>
+                      </a:pPr>
+                      <a:r>
+                        <a:rPr lang="en-US" sz="1200" dirty="0">
+                          <a:effectLst/>
+                        </a:rPr>
+                        <a:t>Chưa làm</a:t>
+                      </a:r>
+                      <a:endParaRPr lang="en-US" sz="1100" dirty="0">
+                        <a:effectLst/>
+                        <a:latin typeface="Calibri" panose="020F0502020204030204" pitchFamily="34" charset="0"/>
+                        <a:ea typeface="Calibri" panose="020F0502020204030204" pitchFamily="34" charset="0"/>
+                        <a:cs typeface="Times New Roman" panose="02020603050405020304" pitchFamily="18" charset="0"/>
+                      </a:endParaRPr>
+                    </a:p>
+                  </a:txBody>
+                  <a:tcPr marL="35971" marR="35971" marT="0" marB="0"/>
+                </a:tc>
+                <a:tc>
+                  <a:txBody>
+                    <a:bodyPr/>
+                    <a:lstStyle/>
+                    <a:p>
+                      <a:pPr marL="0" marR="0">
+                        <a:lnSpc>
+                          <a:spcPct val="107000"/>
+                        </a:lnSpc>
+                        <a:spcBef>
+                          <a:spcPts val="0"/>
+                        </a:spcBef>
+                        <a:spcAft>
+                          <a:spcPts val="0"/>
+                        </a:spcAft>
+                      </a:pPr>
+                      <a:r>
+                        <a:rPr lang="en-US" sz="1200">
+                          <a:effectLst/>
+                        </a:rPr>
+                        <a:t> </a:t>
+                      </a:r>
+                      <a:endParaRPr lang="en-US" sz="1100">
+                        <a:effectLst/>
+                        <a:latin typeface="Calibri" panose="020F0502020204030204" pitchFamily="34" charset="0"/>
+                        <a:ea typeface="Calibri" panose="020F0502020204030204" pitchFamily="34" charset="0"/>
+                        <a:cs typeface="Times New Roman" panose="02020603050405020304" pitchFamily="18" charset="0"/>
+                      </a:endParaRPr>
+                    </a:p>
+                  </a:txBody>
+                  <a:tcPr marL="35971" marR="35971" marT="0" marB="0"/>
+                </a:tc>
+                <a:extLst>
+                  <a:ext uri="{0D108BD9-81ED-4DB2-BD59-A6C34878D82A}">
+                    <a16:rowId xmlns:a16="http://schemas.microsoft.com/office/drawing/2014/main" val="2423462658"/>
+                  </a:ext>
+                </a:extLst>
+              </a:tr>
+              <a:tr h="441019">
+                <a:tc>
+                  <a:txBody>
+                    <a:bodyPr/>
+                    <a:lstStyle/>
+                    <a:p>
+                      <a:pPr marL="457200" marR="0">
+                        <a:lnSpc>
+                          <a:spcPct val="107000"/>
+                        </a:lnSpc>
+                        <a:spcBef>
+                          <a:spcPts val="0"/>
+                        </a:spcBef>
+                        <a:spcAft>
+                          <a:spcPts val="0"/>
+                        </a:spcAft>
+                      </a:pPr>
+                      <a:r>
+                        <a:rPr lang="en-US" sz="1200" dirty="0" err="1">
+                          <a:effectLst/>
+                        </a:rPr>
+                        <a:t>Tạo</a:t>
+                      </a:r>
+                      <a:r>
+                        <a:rPr lang="en-US" sz="1200" dirty="0">
+                          <a:effectLst/>
+                        </a:rPr>
+                        <a:t> </a:t>
+                      </a:r>
+                      <a:r>
+                        <a:rPr lang="en-US" sz="1200" dirty="0" err="1">
+                          <a:effectLst/>
+                        </a:rPr>
+                        <a:t>nhóm</a:t>
+                      </a:r>
+                      <a:endParaRPr lang="en-US" sz="1100" dirty="0">
+                        <a:effectLst/>
+                        <a:latin typeface="Calibri" panose="020F0502020204030204" pitchFamily="34" charset="0"/>
+                        <a:ea typeface="Calibri" panose="020F0502020204030204" pitchFamily="34" charset="0"/>
+                        <a:cs typeface="Times New Roman" panose="02020603050405020304" pitchFamily="18" charset="0"/>
+                      </a:endParaRPr>
+                    </a:p>
+                  </a:txBody>
+                  <a:tcPr marL="35971" marR="35971" marT="0" marB="0" anchor="ctr"/>
+                </a:tc>
+                <a:tc>
+                  <a:txBody>
+                    <a:bodyPr/>
+                    <a:lstStyle/>
+                    <a:p>
+                      <a:pPr marL="0" marR="0">
+                        <a:lnSpc>
+                          <a:spcPct val="107000"/>
+                        </a:lnSpc>
+                        <a:spcBef>
+                          <a:spcPts val="0"/>
+                        </a:spcBef>
+                        <a:spcAft>
+                          <a:spcPts val="0"/>
+                        </a:spcAft>
+                      </a:pPr>
+                      <a:r>
+                        <a:rPr lang="en-US" sz="1200">
+                          <a:effectLst/>
+                        </a:rPr>
+                        <a:t>Mời bạn bè cùng học và tạo tính cạnh tranh trong nhóm</a:t>
+                      </a:r>
+                      <a:endParaRPr lang="en-US" sz="1100">
+                        <a:effectLst/>
+                        <a:latin typeface="Calibri" panose="020F0502020204030204" pitchFamily="34" charset="0"/>
+                        <a:ea typeface="Calibri" panose="020F0502020204030204" pitchFamily="34" charset="0"/>
+                        <a:cs typeface="Times New Roman" panose="02020603050405020304" pitchFamily="18" charset="0"/>
+                      </a:endParaRPr>
+                    </a:p>
+                  </a:txBody>
+                  <a:tcPr marL="35971" marR="35971" marT="0" marB="0"/>
+                </a:tc>
+                <a:tc>
+                  <a:txBody>
+                    <a:bodyPr/>
+                    <a:lstStyle/>
+                    <a:p>
+                      <a:pPr marL="0" marR="0">
+                        <a:lnSpc>
+                          <a:spcPct val="107000"/>
+                        </a:lnSpc>
+                        <a:spcBef>
+                          <a:spcPts val="0"/>
+                        </a:spcBef>
+                        <a:spcAft>
+                          <a:spcPts val="0"/>
+                        </a:spcAft>
+                      </a:pPr>
+                      <a:r>
+                        <a:rPr lang="en-US" sz="1200">
+                          <a:effectLst/>
+                        </a:rPr>
+                        <a:t> </a:t>
+                      </a:r>
+                      <a:endParaRPr lang="en-US" sz="1100">
+                        <a:effectLst/>
+                        <a:latin typeface="Calibri" panose="020F0502020204030204" pitchFamily="34" charset="0"/>
+                        <a:ea typeface="Calibri" panose="020F0502020204030204" pitchFamily="34" charset="0"/>
+                        <a:cs typeface="Times New Roman" panose="02020603050405020304" pitchFamily="18" charset="0"/>
+                      </a:endParaRPr>
+                    </a:p>
+                  </a:txBody>
+                  <a:tcPr marL="35971" marR="35971" marT="0" marB="0"/>
+                </a:tc>
+                <a:tc>
+                  <a:txBody>
+                    <a:bodyPr/>
+                    <a:lstStyle/>
+                    <a:p>
+                      <a:pPr marL="0" marR="0">
+                        <a:lnSpc>
+                          <a:spcPct val="107000"/>
+                        </a:lnSpc>
+                        <a:spcBef>
+                          <a:spcPts val="0"/>
+                        </a:spcBef>
+                        <a:spcAft>
+                          <a:spcPts val="0"/>
+                        </a:spcAft>
+                      </a:pPr>
+                      <a:r>
+                        <a:rPr lang="en-US" sz="1200">
+                          <a:effectLst/>
+                        </a:rPr>
+                        <a:t>3</a:t>
+                      </a:r>
+                      <a:endParaRPr lang="en-US" sz="1100">
+                        <a:effectLst/>
+                        <a:latin typeface="Calibri" panose="020F0502020204030204" pitchFamily="34" charset="0"/>
+                        <a:ea typeface="Calibri" panose="020F0502020204030204" pitchFamily="34" charset="0"/>
+                        <a:cs typeface="Times New Roman" panose="02020603050405020304" pitchFamily="18" charset="0"/>
+                      </a:endParaRPr>
+                    </a:p>
+                  </a:txBody>
+                  <a:tcPr marL="35971" marR="35971" marT="0" marB="0"/>
+                </a:tc>
+                <a:tc>
+                  <a:txBody>
+                    <a:bodyPr/>
+                    <a:lstStyle/>
+                    <a:p>
+                      <a:pPr marL="0" marR="0">
+                        <a:lnSpc>
+                          <a:spcPct val="107000"/>
+                        </a:lnSpc>
+                        <a:spcBef>
+                          <a:spcPts val="0"/>
+                        </a:spcBef>
+                        <a:spcAft>
+                          <a:spcPts val="0"/>
+                        </a:spcAft>
+                      </a:pPr>
+                      <a:r>
+                        <a:rPr lang="en-US" sz="1200">
+                          <a:effectLst/>
+                        </a:rPr>
+                        <a:t>Chưa làm</a:t>
+                      </a:r>
+                      <a:endParaRPr lang="en-US" sz="1100">
+                        <a:effectLst/>
+                        <a:latin typeface="Calibri" panose="020F0502020204030204" pitchFamily="34" charset="0"/>
+                        <a:ea typeface="Calibri" panose="020F0502020204030204" pitchFamily="34" charset="0"/>
+                        <a:cs typeface="Times New Roman" panose="02020603050405020304" pitchFamily="18" charset="0"/>
+                      </a:endParaRPr>
+                    </a:p>
+                  </a:txBody>
+                  <a:tcPr marL="35971" marR="35971" marT="0" marB="0"/>
+                </a:tc>
+                <a:tc>
+                  <a:txBody>
+                    <a:bodyPr/>
+                    <a:lstStyle/>
+                    <a:p>
+                      <a:pPr marL="0" marR="0">
+                        <a:lnSpc>
+                          <a:spcPct val="107000"/>
+                        </a:lnSpc>
+                        <a:spcBef>
+                          <a:spcPts val="0"/>
+                        </a:spcBef>
+                        <a:spcAft>
+                          <a:spcPts val="0"/>
+                        </a:spcAft>
+                      </a:pPr>
+                      <a:r>
+                        <a:rPr lang="en-US" sz="1200">
+                          <a:effectLst/>
+                        </a:rPr>
+                        <a:t> </a:t>
+                      </a:r>
+                      <a:endParaRPr lang="en-US" sz="1100">
+                        <a:effectLst/>
+                        <a:latin typeface="Calibri" panose="020F0502020204030204" pitchFamily="34" charset="0"/>
+                        <a:ea typeface="Calibri" panose="020F0502020204030204" pitchFamily="34" charset="0"/>
+                        <a:cs typeface="Times New Roman" panose="02020603050405020304" pitchFamily="18" charset="0"/>
+                      </a:endParaRPr>
+                    </a:p>
+                  </a:txBody>
+                  <a:tcPr marL="35971" marR="35971" marT="0" marB="0"/>
+                </a:tc>
+                <a:extLst>
+                  <a:ext uri="{0D108BD9-81ED-4DB2-BD59-A6C34878D82A}">
+                    <a16:rowId xmlns:a16="http://schemas.microsoft.com/office/drawing/2014/main" val="3774333219"/>
+                  </a:ext>
+                </a:extLst>
+              </a:tr>
+              <a:tr h="441019">
+                <a:tc>
+                  <a:txBody>
+                    <a:bodyPr/>
+                    <a:lstStyle/>
+                    <a:p>
+                      <a:pPr marL="457200" marR="0">
+                        <a:lnSpc>
+                          <a:spcPct val="107000"/>
+                        </a:lnSpc>
+                        <a:spcBef>
+                          <a:spcPts val="0"/>
+                        </a:spcBef>
+                        <a:spcAft>
+                          <a:spcPts val="0"/>
+                        </a:spcAft>
+                      </a:pPr>
+                      <a:r>
+                        <a:rPr lang="en-US" sz="1200" dirty="0">
+                          <a:effectLst/>
+                        </a:rPr>
+                        <a:t>website </a:t>
+                      </a:r>
+                      <a:r>
+                        <a:rPr lang="en-US" sz="1200" dirty="0" err="1">
+                          <a:effectLst/>
+                        </a:rPr>
+                        <a:t>theo</a:t>
+                      </a:r>
+                      <a:r>
+                        <a:rPr lang="en-US" sz="1200" dirty="0">
+                          <a:effectLst/>
+                        </a:rPr>
+                        <a:t> </a:t>
+                      </a:r>
+                      <a:r>
+                        <a:rPr lang="en-US" sz="1200" dirty="0" err="1">
+                          <a:effectLst/>
+                        </a:rPr>
+                        <a:t>dõi</a:t>
+                      </a:r>
+                      <a:r>
+                        <a:rPr lang="en-US" sz="1200" dirty="0">
+                          <a:effectLst/>
+                        </a:rPr>
+                        <a:t> </a:t>
+                      </a:r>
+                      <a:r>
+                        <a:rPr lang="en-US" sz="1200" dirty="0" err="1">
+                          <a:effectLst/>
+                        </a:rPr>
+                        <a:t>quá</a:t>
+                      </a:r>
+                      <a:r>
+                        <a:rPr lang="en-US" sz="1200" dirty="0">
+                          <a:effectLst/>
+                        </a:rPr>
+                        <a:t> </a:t>
+                      </a:r>
+                      <a:r>
+                        <a:rPr lang="en-US" sz="1200" dirty="0" err="1">
+                          <a:effectLst/>
+                        </a:rPr>
+                        <a:t>trình</a:t>
+                      </a:r>
+                      <a:r>
+                        <a:rPr lang="en-US" sz="1200" dirty="0">
+                          <a:effectLst/>
+                        </a:rPr>
+                        <a:t> </a:t>
+                      </a:r>
+                      <a:r>
+                        <a:rPr lang="en-US" sz="1200" dirty="0" err="1">
+                          <a:effectLst/>
+                        </a:rPr>
+                        <a:t>học</a:t>
+                      </a:r>
+                      <a:r>
+                        <a:rPr lang="en-US" sz="1200" dirty="0">
+                          <a:effectLst/>
+                        </a:rPr>
+                        <a:t> </a:t>
+                      </a:r>
+                      <a:r>
+                        <a:rPr lang="en-US" sz="1200" dirty="0" err="1">
+                          <a:effectLst/>
+                        </a:rPr>
+                        <a:t>của</a:t>
+                      </a:r>
+                      <a:r>
+                        <a:rPr lang="en-US" sz="1200" dirty="0">
+                          <a:effectLst/>
+                        </a:rPr>
+                        <a:t> </a:t>
+                      </a:r>
+                      <a:r>
+                        <a:rPr lang="en-US" sz="1200" dirty="0" err="1">
+                          <a:effectLst/>
+                        </a:rPr>
+                        <a:t>tôi</a:t>
+                      </a:r>
+                      <a:endParaRPr lang="en-US" sz="1100" dirty="0">
+                        <a:effectLst/>
+                        <a:latin typeface="Calibri" panose="020F0502020204030204" pitchFamily="34" charset="0"/>
+                        <a:ea typeface="Calibri" panose="020F0502020204030204" pitchFamily="34" charset="0"/>
+                        <a:cs typeface="Times New Roman" panose="02020603050405020304" pitchFamily="18" charset="0"/>
+                      </a:endParaRPr>
+                    </a:p>
+                  </a:txBody>
+                  <a:tcPr marL="35971" marR="35971" marT="0" marB="0" anchor="ctr"/>
+                </a:tc>
+                <a:tc>
+                  <a:txBody>
+                    <a:bodyPr/>
+                    <a:lstStyle/>
+                    <a:p>
+                      <a:pPr marL="0" marR="0">
+                        <a:lnSpc>
+                          <a:spcPct val="107000"/>
+                        </a:lnSpc>
+                        <a:spcBef>
+                          <a:spcPts val="0"/>
+                        </a:spcBef>
+                        <a:spcAft>
+                          <a:spcPts val="0"/>
+                        </a:spcAft>
+                      </a:pPr>
+                      <a:r>
+                        <a:rPr lang="en-US" sz="1200">
+                          <a:effectLst/>
+                        </a:rPr>
+                        <a:t>Để theo dõi tính chuyên cần của tôi</a:t>
+                      </a:r>
+                      <a:endParaRPr lang="en-US" sz="1100">
+                        <a:effectLst/>
+                        <a:latin typeface="Calibri" panose="020F0502020204030204" pitchFamily="34" charset="0"/>
+                        <a:ea typeface="Calibri" panose="020F0502020204030204" pitchFamily="34" charset="0"/>
+                        <a:cs typeface="Times New Roman" panose="02020603050405020304" pitchFamily="18" charset="0"/>
+                      </a:endParaRPr>
+                    </a:p>
+                  </a:txBody>
+                  <a:tcPr marL="35971" marR="35971" marT="0" marB="0"/>
+                </a:tc>
+                <a:tc>
+                  <a:txBody>
+                    <a:bodyPr/>
+                    <a:lstStyle/>
+                    <a:p>
+                      <a:pPr marL="0" marR="0">
+                        <a:lnSpc>
+                          <a:spcPct val="107000"/>
+                        </a:lnSpc>
+                        <a:spcBef>
+                          <a:spcPts val="0"/>
+                        </a:spcBef>
+                        <a:spcAft>
+                          <a:spcPts val="0"/>
+                        </a:spcAft>
+                      </a:pPr>
+                      <a:r>
+                        <a:rPr lang="en-US" sz="1200">
+                          <a:effectLst/>
+                        </a:rPr>
+                        <a:t> </a:t>
+                      </a:r>
+                      <a:endParaRPr lang="en-US" sz="1100">
+                        <a:effectLst/>
+                        <a:latin typeface="Calibri" panose="020F0502020204030204" pitchFamily="34" charset="0"/>
+                        <a:ea typeface="Calibri" panose="020F0502020204030204" pitchFamily="34" charset="0"/>
+                        <a:cs typeface="Times New Roman" panose="02020603050405020304" pitchFamily="18" charset="0"/>
+                      </a:endParaRPr>
+                    </a:p>
+                  </a:txBody>
+                  <a:tcPr marL="35971" marR="35971" marT="0" marB="0"/>
+                </a:tc>
+                <a:tc>
+                  <a:txBody>
+                    <a:bodyPr/>
+                    <a:lstStyle/>
+                    <a:p>
+                      <a:pPr marL="0" marR="0">
+                        <a:lnSpc>
+                          <a:spcPct val="107000"/>
+                        </a:lnSpc>
+                        <a:spcBef>
+                          <a:spcPts val="0"/>
+                        </a:spcBef>
+                        <a:spcAft>
+                          <a:spcPts val="0"/>
+                        </a:spcAft>
+                      </a:pPr>
+                      <a:r>
+                        <a:rPr lang="en-US" sz="1200">
+                          <a:effectLst/>
+                        </a:rPr>
+                        <a:t>3</a:t>
+                      </a:r>
+                      <a:endParaRPr lang="en-US" sz="1100">
+                        <a:effectLst/>
+                        <a:latin typeface="Calibri" panose="020F0502020204030204" pitchFamily="34" charset="0"/>
+                        <a:ea typeface="Calibri" panose="020F0502020204030204" pitchFamily="34" charset="0"/>
+                        <a:cs typeface="Times New Roman" panose="02020603050405020304" pitchFamily="18" charset="0"/>
+                      </a:endParaRPr>
+                    </a:p>
+                  </a:txBody>
+                  <a:tcPr marL="35971" marR="35971" marT="0" marB="0"/>
+                </a:tc>
+                <a:tc>
+                  <a:txBody>
+                    <a:bodyPr/>
+                    <a:lstStyle/>
+                    <a:p>
+                      <a:pPr marL="0" marR="0">
+                        <a:lnSpc>
+                          <a:spcPct val="107000"/>
+                        </a:lnSpc>
+                        <a:spcBef>
+                          <a:spcPts val="0"/>
+                        </a:spcBef>
+                        <a:spcAft>
+                          <a:spcPts val="0"/>
+                        </a:spcAft>
+                      </a:pPr>
+                      <a:r>
+                        <a:rPr lang="en-US" sz="1200">
+                          <a:effectLst/>
+                        </a:rPr>
+                        <a:t>Chưa làm</a:t>
+                      </a:r>
+                      <a:endParaRPr lang="en-US" sz="1100">
+                        <a:effectLst/>
+                        <a:latin typeface="Calibri" panose="020F0502020204030204" pitchFamily="34" charset="0"/>
+                        <a:ea typeface="Calibri" panose="020F0502020204030204" pitchFamily="34" charset="0"/>
+                        <a:cs typeface="Times New Roman" panose="02020603050405020304" pitchFamily="18" charset="0"/>
+                      </a:endParaRPr>
+                    </a:p>
+                  </a:txBody>
+                  <a:tcPr marL="35971" marR="35971" marT="0" marB="0"/>
+                </a:tc>
+                <a:tc>
+                  <a:txBody>
+                    <a:bodyPr/>
+                    <a:lstStyle/>
+                    <a:p>
+                      <a:pPr marL="0" marR="0">
+                        <a:lnSpc>
+                          <a:spcPct val="107000"/>
+                        </a:lnSpc>
+                        <a:spcBef>
+                          <a:spcPts val="0"/>
+                        </a:spcBef>
+                        <a:spcAft>
+                          <a:spcPts val="0"/>
+                        </a:spcAft>
+                      </a:pPr>
+                      <a:r>
+                        <a:rPr lang="en-US" sz="1200" dirty="0">
+                          <a:effectLst/>
+                        </a:rPr>
+                        <a:t> </a:t>
+                      </a:r>
+                      <a:endParaRPr lang="en-US" sz="1100" dirty="0">
+                        <a:effectLst/>
+                        <a:latin typeface="Calibri" panose="020F0502020204030204" pitchFamily="34" charset="0"/>
+                        <a:ea typeface="Calibri" panose="020F0502020204030204" pitchFamily="34" charset="0"/>
+                        <a:cs typeface="Times New Roman" panose="02020603050405020304" pitchFamily="18" charset="0"/>
+                      </a:endParaRPr>
+                    </a:p>
+                  </a:txBody>
+                  <a:tcPr marL="35971" marR="35971" marT="0" marB="0"/>
+                </a:tc>
+                <a:extLst>
+                  <a:ext uri="{0D108BD9-81ED-4DB2-BD59-A6C34878D82A}">
+                    <a16:rowId xmlns:a16="http://schemas.microsoft.com/office/drawing/2014/main" val="3621227492"/>
+                  </a:ext>
+                </a:extLst>
+              </a:tr>
+            </a:tbl>
+          </a:graphicData>
+        </a:graphic>
+      </p:graphicFrame>
+    </p:spTree>
+    <p:extLst>
+      <p:ext uri="{BB962C8B-B14F-4D97-AF65-F5344CB8AC3E}">
+        <p14:creationId xmlns:p14="http://schemas.microsoft.com/office/powerpoint/2010/main" val="2654360883"/>
+      </p:ext>
+    </p:extLst>
+  </p:cSld>
+  <p:clrMapOvr>
+    <a:masterClrMapping/>
+  </p:clrMapOvr>
+  <mc:AlternateContent xmlns:mc="http://schemas.openxmlformats.org/markup-compatibility/2006" xmlns:p14="http://schemas.microsoft.com/office/powerpoint/2010/main">
+    <mc:Choice Requires="p14">
+      <p:transition spd="slow" p14:dur="1500">
+        <p:split orient="vert"/>
+      </p:transition>
+    </mc:Choice>
+    <mc:Fallback xmlns="">
+      <p:transition spd="slow">
+        <p:split orient="vert"/>
+      </p:transition>
+    </mc:Fallback>
+  </mc:AlternateContent>
+</p:sld>
+</file>
+
+<file path=ppt/slides/slide13.xml><?xml version="1.0" encoding="utf-8"?>
+<p:sld xmlns:a="http://schemas.openxmlformats.org/drawingml/2006/main" xmlns:r="http://schemas.openxmlformats.org/officeDocument/2006/relationships" xmlns:p="http://schemas.openxmlformats.org/presentationml/2006/main">
+  <p:cSld>
+    <p:spTree>
+      <p:nvGrpSpPr>
+        <p:cNvPr id="1" name=""/>
+        <p:cNvGrpSpPr/>
+        <p:nvPr/>
+      </p:nvGrpSpPr>
+      <p:grpSpPr>
+        <a:xfrm>
+          <a:off x="0" y="0"/>
+          <a:ext cx="0" cy="0"/>
+          <a:chOff x="0" y="0"/>
+          <a:chExt cx="0" cy="0"/>
+        </a:xfrm>
+      </p:grpSpPr>
+      <p:sp>
+        <p:nvSpPr>
+          <p:cNvPr id="2" name="Title 1">
+            <a:extLst>
+              <a:ext uri="{FF2B5EF4-FFF2-40B4-BE49-F238E27FC236}">
+                <a16:creationId xmlns:a16="http://schemas.microsoft.com/office/drawing/2014/main" id="{86C02F25-49BE-43EF-968D-BF9390D981EC}"/>
+              </a:ext>
+            </a:extLst>
+          </p:cNvPr>
+          <p:cNvSpPr>
+            <a:spLocks noGrp="1"/>
+          </p:cNvSpPr>
+          <p:nvPr>
+            <p:ph type="title"/>
+          </p:nvPr>
+        </p:nvSpPr>
+        <p:spPr>
+          <a:xfrm>
+            <a:off x="1124174" y="250745"/>
+            <a:ext cx="10058400" cy="636762"/>
+          </a:xfrm>
+        </p:spPr>
         <p:txBody>
           <a:bodyPr>
             <a:normAutofit fontScale="90000"/>
@@ -3618,39 +6939,18 @@
           <a:lstStyle/>
           <a:p>
             <a:r>
+              <a:rPr lang="en-US" dirty="0">
+                <a:latin typeface="Times New Roman" panose="02020603050405020304" pitchFamily="18" charset="0"/>
+                <a:cs typeface="Times New Roman" panose="02020603050405020304" pitchFamily="18" charset="0"/>
+              </a:rPr>
+              <a:t>Product Backlog cập </a:t>
+            </a:r>
+            <a:r>
               <a:rPr lang="en-US" dirty="0" smtClean="0">
                 <a:latin typeface="Times New Roman" panose="02020603050405020304" pitchFamily="18" charset="0"/>
                 <a:cs typeface="Times New Roman" panose="02020603050405020304" pitchFamily="18" charset="0"/>
               </a:rPr>
-              <a:t>4.</a:t>
-            </a:r>
-            <a:r>
-              <a:rPr lang="vi-VN" dirty="0">
-                <a:latin typeface="Times New Roman" panose="02020603050405020304" pitchFamily="18" charset="0"/>
-                <a:cs typeface="Times New Roman" panose="02020603050405020304" pitchFamily="18" charset="0"/>
-              </a:rPr>
-              <a:t> Trình bày bản báo cáo tóm tắt tình trạng dự án cho cấp trên của</a:t>
-            </a:r>
-            <a:r>
-              <a:rPr lang="en-US" dirty="0">
-                <a:latin typeface="Times New Roman" panose="02020603050405020304" pitchFamily="18" charset="0"/>
-                <a:cs typeface="Times New Roman" panose="02020603050405020304" pitchFamily="18" charset="0"/>
-              </a:rPr>
-              <a:t> </a:t>
-            </a:r>
-            <a:r>
-              <a:rPr lang="vi-VN" dirty="0">
-                <a:latin typeface="Times New Roman" panose="02020603050405020304" pitchFamily="18" charset="0"/>
-                <a:cs typeface="Times New Roman" panose="02020603050405020304" pitchFamily="18" charset="0"/>
-              </a:rPr>
-              <a:t>nhóm</a:t>
-            </a:r>
-            <a:r>
-              <a:rPr lang="vi-VN" sz="4800" dirty="0" smtClean="0">
-                <a:latin typeface="Times New Roman" panose="02020603050405020304" pitchFamily="18" charset="0"/>
-                <a:cs typeface="Times New Roman" panose="02020603050405020304" pitchFamily="18" charset="0"/>
-              </a:rPr>
-              <a:t> </a:t>
+              <a:t>nhật(Admin)</a:t>
             </a:r>
             <a:endParaRPr lang="en-US" dirty="0">
               <a:latin typeface="Times New Roman" panose="02020603050405020304" pitchFamily="18" charset="0"/>
@@ -3659,9 +6959,2035 @@
           </a:p>
         </p:txBody>
       </p:sp>
+      <p:graphicFrame>
+        <p:nvGraphicFramePr>
+          <p:cNvPr id="5" name="Table 4">
+            <a:extLst>
+              <a:ext uri="{FF2B5EF4-FFF2-40B4-BE49-F238E27FC236}">
+                <a16:creationId xmlns:a16="http://schemas.microsoft.com/office/drawing/2014/main" id="{1F2B934C-EDD4-496A-A9E8-992F6D989FB4}"/>
+              </a:ext>
+            </a:extLst>
+          </p:cNvPr>
+          <p:cNvGraphicFramePr>
+            <a:graphicFrameLocks noGrp="1"/>
+          </p:cNvGraphicFramePr>
+          <p:nvPr>
+            <p:extLst/>
+          </p:nvPr>
+        </p:nvGraphicFramePr>
+        <p:xfrm>
+          <a:off x="1137285" y="887506"/>
+          <a:ext cx="9917430" cy="5422943"/>
+        </p:xfrm>
+        <a:graphic>
+          <a:graphicData uri="http://schemas.openxmlformats.org/drawingml/2006/table">
+            <a:tbl>
+              <a:tblPr firstRow="1" firstCol="1" bandRow="1">
+                <a:tableStyleId>{616DA210-FB5B-4158-B5E0-FEB733F419BA}</a:tableStyleId>
+              </a:tblPr>
+              <a:tblGrid>
+                <a:gridCol w="2206835">
+                  <a:extLst>
+                    <a:ext uri="{9D8B030D-6E8A-4147-A177-3AD203B41FA5}">
+                      <a16:colId xmlns:a16="http://schemas.microsoft.com/office/drawing/2014/main" val="2713021317"/>
+                    </a:ext>
+                  </a:extLst>
+                </a:gridCol>
+                <a:gridCol w="2730739">
+                  <a:extLst>
+                    <a:ext uri="{9D8B030D-6E8A-4147-A177-3AD203B41FA5}">
+                      <a16:colId xmlns:a16="http://schemas.microsoft.com/office/drawing/2014/main" val="277265059"/>
+                    </a:ext>
+                  </a:extLst>
+                </a:gridCol>
+                <a:gridCol w="1507376">
+                  <a:extLst>
+                    <a:ext uri="{9D8B030D-6E8A-4147-A177-3AD203B41FA5}">
+                      <a16:colId xmlns:a16="http://schemas.microsoft.com/office/drawing/2014/main" val="3500690969"/>
+                    </a:ext>
+                  </a:extLst>
+                </a:gridCol>
+                <a:gridCol w="913617">
+                  <a:extLst>
+                    <a:ext uri="{9D8B030D-6E8A-4147-A177-3AD203B41FA5}">
+                      <a16:colId xmlns:a16="http://schemas.microsoft.com/office/drawing/2014/main" val="2804345670"/>
+                    </a:ext>
+                  </a:extLst>
+                </a:gridCol>
+                <a:gridCol w="1332741">
+                  <a:extLst>
+                    <a:ext uri="{9D8B030D-6E8A-4147-A177-3AD203B41FA5}">
+                      <a16:colId xmlns:a16="http://schemas.microsoft.com/office/drawing/2014/main" val="3125353028"/>
+                    </a:ext>
+                  </a:extLst>
+                </a:gridCol>
+                <a:gridCol w="1226122">
+                  <a:extLst>
+                    <a:ext uri="{9D8B030D-6E8A-4147-A177-3AD203B41FA5}">
+                      <a16:colId xmlns:a16="http://schemas.microsoft.com/office/drawing/2014/main" val="1341308140"/>
+                    </a:ext>
+                  </a:extLst>
+                </a:gridCol>
+              </a:tblGrid>
+              <a:tr h="488315">
+                <a:tc>
+                  <a:txBody>
+                    <a:bodyPr/>
+                    <a:lstStyle/>
+                    <a:p>
+                      <a:pPr marL="457200" marR="0" algn="ctr">
+                        <a:lnSpc>
+                          <a:spcPct val="107000"/>
+                        </a:lnSpc>
+                        <a:spcBef>
+                          <a:spcPts val="0"/>
+                        </a:spcBef>
+                        <a:spcAft>
+                          <a:spcPts val="0"/>
+                        </a:spcAft>
+                      </a:pPr>
+                      <a:r>
+                        <a:rPr lang="en-US" sz="1600">
+                          <a:effectLst/>
+                        </a:rPr>
+                        <a:t>Tôi muốn</a:t>
+                      </a:r>
+                      <a:endParaRPr lang="en-US" sz="1050">
+                        <a:effectLst/>
+                        <a:latin typeface="Calibri" panose="020F0502020204030204" pitchFamily="34" charset="0"/>
+                        <a:ea typeface="Calibri" panose="020F0502020204030204" pitchFamily="34" charset="0"/>
+                        <a:cs typeface="Times New Roman" panose="02020603050405020304" pitchFamily="18" charset="0"/>
+                      </a:endParaRPr>
+                    </a:p>
+                  </a:txBody>
+                  <a:tcPr marL="57770" marR="57770" marT="0" marB="0"/>
+                </a:tc>
+                <a:tc>
+                  <a:txBody>
+                    <a:bodyPr/>
+                    <a:lstStyle/>
+                    <a:p>
+                      <a:pPr marL="0" marR="0" algn="ctr">
+                        <a:lnSpc>
+                          <a:spcPct val="107000"/>
+                        </a:lnSpc>
+                        <a:spcBef>
+                          <a:spcPts val="0"/>
+                        </a:spcBef>
+                        <a:spcAft>
+                          <a:spcPts val="0"/>
+                        </a:spcAft>
+                      </a:pPr>
+                      <a:r>
+                        <a:rPr lang="en-US" sz="1600">
+                          <a:effectLst/>
+                        </a:rPr>
+                        <a:t>Để</a:t>
+                      </a:r>
+                      <a:endParaRPr lang="en-US" sz="1050">
+                        <a:effectLst/>
+                        <a:latin typeface="Calibri" panose="020F0502020204030204" pitchFamily="34" charset="0"/>
+                        <a:ea typeface="Calibri" panose="020F0502020204030204" pitchFamily="34" charset="0"/>
+                        <a:cs typeface="Times New Roman" panose="02020603050405020304" pitchFamily="18" charset="0"/>
+                      </a:endParaRPr>
+                    </a:p>
+                  </a:txBody>
+                  <a:tcPr marL="57770" marR="57770" marT="0" marB="0"/>
+                </a:tc>
+                <a:tc>
+                  <a:txBody>
+                    <a:bodyPr/>
+                    <a:lstStyle/>
+                    <a:p>
+                      <a:pPr marL="0" marR="0" algn="ctr">
+                        <a:lnSpc>
+                          <a:spcPct val="107000"/>
+                        </a:lnSpc>
+                        <a:spcBef>
+                          <a:spcPts val="0"/>
+                        </a:spcBef>
+                        <a:spcAft>
+                          <a:spcPts val="0"/>
+                        </a:spcAft>
+                      </a:pPr>
+                      <a:r>
+                        <a:rPr lang="en-US" sz="1600">
+                          <a:effectLst/>
+                        </a:rPr>
+                        <a:t>Ghi chú</a:t>
+                      </a:r>
+                      <a:endParaRPr lang="en-US" sz="1050">
+                        <a:effectLst/>
+                        <a:latin typeface="Calibri" panose="020F0502020204030204" pitchFamily="34" charset="0"/>
+                        <a:ea typeface="Calibri" panose="020F0502020204030204" pitchFamily="34" charset="0"/>
+                        <a:cs typeface="Times New Roman" panose="02020603050405020304" pitchFamily="18" charset="0"/>
+                      </a:endParaRPr>
+                    </a:p>
+                  </a:txBody>
+                  <a:tcPr marL="57770" marR="57770" marT="0" marB="0"/>
+                </a:tc>
+                <a:tc>
+                  <a:txBody>
+                    <a:bodyPr/>
+                    <a:lstStyle/>
+                    <a:p>
+                      <a:pPr marL="0" marR="0" algn="ctr">
+                        <a:lnSpc>
+                          <a:spcPct val="107000"/>
+                        </a:lnSpc>
+                        <a:spcBef>
+                          <a:spcPts val="0"/>
+                        </a:spcBef>
+                        <a:spcAft>
+                          <a:spcPts val="0"/>
+                        </a:spcAft>
+                      </a:pPr>
+                      <a:r>
+                        <a:rPr lang="en-US" sz="1600">
+                          <a:effectLst/>
+                        </a:rPr>
+                        <a:t>Ưu tiên</a:t>
+                      </a:r>
+                      <a:endParaRPr lang="en-US" sz="1050">
+                        <a:effectLst/>
+                        <a:latin typeface="Calibri" panose="020F0502020204030204" pitchFamily="34" charset="0"/>
+                        <a:ea typeface="Calibri" panose="020F0502020204030204" pitchFamily="34" charset="0"/>
+                        <a:cs typeface="Times New Roman" panose="02020603050405020304" pitchFamily="18" charset="0"/>
+                      </a:endParaRPr>
+                    </a:p>
+                  </a:txBody>
+                  <a:tcPr marL="57770" marR="57770" marT="0" marB="0"/>
+                </a:tc>
+                <a:tc>
+                  <a:txBody>
+                    <a:bodyPr/>
+                    <a:lstStyle/>
+                    <a:p>
+                      <a:pPr marL="0" marR="0" algn="ctr">
+                        <a:lnSpc>
+                          <a:spcPct val="107000"/>
+                        </a:lnSpc>
+                        <a:spcBef>
+                          <a:spcPts val="0"/>
+                        </a:spcBef>
+                        <a:spcAft>
+                          <a:spcPts val="0"/>
+                        </a:spcAft>
+                      </a:pPr>
+                      <a:r>
+                        <a:rPr lang="en-US" sz="1600">
+                          <a:effectLst/>
+                        </a:rPr>
+                        <a:t>Tình trạng</a:t>
+                      </a:r>
+                      <a:endParaRPr lang="en-US" sz="1050">
+                        <a:effectLst/>
+                        <a:latin typeface="Calibri" panose="020F0502020204030204" pitchFamily="34" charset="0"/>
+                        <a:ea typeface="Calibri" panose="020F0502020204030204" pitchFamily="34" charset="0"/>
+                        <a:cs typeface="Times New Roman" panose="02020603050405020304" pitchFamily="18" charset="0"/>
+                      </a:endParaRPr>
+                    </a:p>
+                  </a:txBody>
+                  <a:tcPr marL="57770" marR="57770" marT="0" marB="0"/>
+                </a:tc>
+                <a:tc>
+                  <a:txBody>
+                    <a:bodyPr/>
+                    <a:lstStyle/>
+                    <a:p>
+                      <a:pPr marL="0" marR="0" algn="ctr">
+                        <a:lnSpc>
+                          <a:spcPct val="107000"/>
+                        </a:lnSpc>
+                        <a:spcBef>
+                          <a:spcPts val="0"/>
+                        </a:spcBef>
+                        <a:spcAft>
+                          <a:spcPts val="0"/>
+                        </a:spcAft>
+                      </a:pPr>
+                      <a:r>
+                        <a:rPr lang="en-US" sz="1600">
+                          <a:effectLst/>
+                        </a:rPr>
+                        <a:t>Tiến độ</a:t>
+                      </a:r>
+                      <a:endParaRPr lang="en-US" sz="1050">
+                        <a:effectLst/>
+                        <a:latin typeface="Calibri" panose="020F0502020204030204" pitchFamily="34" charset="0"/>
+                        <a:ea typeface="Calibri" panose="020F0502020204030204" pitchFamily="34" charset="0"/>
+                        <a:cs typeface="Times New Roman" panose="02020603050405020304" pitchFamily="18" charset="0"/>
+                      </a:endParaRPr>
+                    </a:p>
+                  </a:txBody>
+                  <a:tcPr marL="57770" marR="57770" marT="0" marB="0"/>
+                </a:tc>
+                <a:extLst>
+                  <a:ext uri="{0D108BD9-81ED-4DB2-BD59-A6C34878D82A}">
+                    <a16:rowId xmlns:a16="http://schemas.microsoft.com/office/drawing/2014/main" val="333257587"/>
+                  </a:ext>
+                </a:extLst>
+              </a:tr>
+              <a:tr h="549151">
+                <a:tc>
+                  <a:txBody>
+                    <a:bodyPr/>
+                    <a:lstStyle/>
+                    <a:p>
+                      <a:pPr marL="457200" marR="0">
+                        <a:lnSpc>
+                          <a:spcPct val="107000"/>
+                        </a:lnSpc>
+                        <a:spcBef>
+                          <a:spcPts val="0"/>
+                        </a:spcBef>
+                        <a:spcAft>
+                          <a:spcPts val="0"/>
+                        </a:spcAft>
+                      </a:pPr>
+                      <a:r>
+                        <a:rPr lang="en-US" sz="1600">
+                          <a:effectLst/>
+                        </a:rPr>
+                        <a:t>Đăng nhập tài khoản</a:t>
+                      </a:r>
+                      <a:endParaRPr lang="en-US" sz="1050">
+                        <a:effectLst/>
+                        <a:latin typeface="Calibri" panose="020F0502020204030204" pitchFamily="34" charset="0"/>
+                        <a:ea typeface="Calibri" panose="020F0502020204030204" pitchFamily="34" charset="0"/>
+                        <a:cs typeface="Times New Roman" panose="02020603050405020304" pitchFamily="18" charset="0"/>
+                      </a:endParaRPr>
+                    </a:p>
+                  </a:txBody>
+                  <a:tcPr marL="57770" marR="57770" marT="0" marB="0"/>
+                </a:tc>
+                <a:tc>
+                  <a:txBody>
+                    <a:bodyPr/>
+                    <a:lstStyle/>
+                    <a:p>
+                      <a:pPr marL="0" marR="0">
+                        <a:lnSpc>
+                          <a:spcPct val="107000"/>
+                        </a:lnSpc>
+                        <a:spcBef>
+                          <a:spcPts val="0"/>
+                        </a:spcBef>
+                        <a:spcAft>
+                          <a:spcPts val="0"/>
+                        </a:spcAft>
+                      </a:pPr>
+                      <a:r>
+                        <a:rPr lang="en-US" sz="1600">
+                          <a:effectLst/>
+                        </a:rPr>
+                        <a:t>Thực hiện các tính năng của Admin</a:t>
+                      </a:r>
+                      <a:endParaRPr lang="en-US" sz="1050">
+                        <a:effectLst/>
+                        <a:latin typeface="Calibri" panose="020F0502020204030204" pitchFamily="34" charset="0"/>
+                        <a:ea typeface="Calibri" panose="020F0502020204030204" pitchFamily="34" charset="0"/>
+                        <a:cs typeface="Times New Roman" panose="02020603050405020304" pitchFamily="18" charset="0"/>
+                      </a:endParaRPr>
+                    </a:p>
+                  </a:txBody>
+                  <a:tcPr marL="57770" marR="57770" marT="0" marB="0"/>
+                </a:tc>
+                <a:tc>
+                  <a:txBody>
+                    <a:bodyPr/>
+                    <a:lstStyle/>
+                    <a:p>
+                      <a:pPr marL="0" marR="0">
+                        <a:lnSpc>
+                          <a:spcPct val="107000"/>
+                        </a:lnSpc>
+                        <a:spcBef>
+                          <a:spcPts val="0"/>
+                        </a:spcBef>
+                        <a:spcAft>
+                          <a:spcPts val="0"/>
+                        </a:spcAft>
+                      </a:pPr>
+                      <a:r>
+                        <a:rPr lang="en-US" sz="1600">
+                          <a:effectLst/>
+                        </a:rPr>
+                        <a:t> </a:t>
+                      </a:r>
+                      <a:endParaRPr lang="en-US" sz="1050">
+                        <a:effectLst/>
+                        <a:latin typeface="Calibri" panose="020F0502020204030204" pitchFamily="34" charset="0"/>
+                        <a:ea typeface="Calibri" panose="020F0502020204030204" pitchFamily="34" charset="0"/>
+                        <a:cs typeface="Times New Roman" panose="02020603050405020304" pitchFamily="18" charset="0"/>
+                      </a:endParaRPr>
+                    </a:p>
+                  </a:txBody>
+                  <a:tcPr marL="57770" marR="57770" marT="0" marB="0"/>
+                </a:tc>
+                <a:tc>
+                  <a:txBody>
+                    <a:bodyPr/>
+                    <a:lstStyle/>
+                    <a:p>
+                      <a:pPr marL="0" marR="0">
+                        <a:lnSpc>
+                          <a:spcPct val="107000"/>
+                        </a:lnSpc>
+                        <a:spcBef>
+                          <a:spcPts val="0"/>
+                        </a:spcBef>
+                        <a:spcAft>
+                          <a:spcPts val="0"/>
+                        </a:spcAft>
+                      </a:pPr>
+                      <a:r>
+                        <a:rPr lang="en-US" sz="1600">
+                          <a:effectLst/>
+                        </a:rPr>
+                        <a:t>1</a:t>
+                      </a:r>
+                      <a:endParaRPr lang="en-US" sz="1050">
+                        <a:effectLst/>
+                        <a:latin typeface="Calibri" panose="020F0502020204030204" pitchFamily="34" charset="0"/>
+                        <a:ea typeface="Calibri" panose="020F0502020204030204" pitchFamily="34" charset="0"/>
+                        <a:cs typeface="Times New Roman" panose="02020603050405020304" pitchFamily="18" charset="0"/>
+                      </a:endParaRPr>
+                    </a:p>
+                  </a:txBody>
+                  <a:tcPr marL="57770" marR="57770" marT="0" marB="0"/>
+                </a:tc>
+                <a:tc>
+                  <a:txBody>
+                    <a:bodyPr/>
+                    <a:lstStyle/>
+                    <a:p>
+                      <a:pPr marL="0" marR="0">
+                        <a:lnSpc>
+                          <a:spcPct val="107000"/>
+                        </a:lnSpc>
+                        <a:spcBef>
+                          <a:spcPts val="0"/>
+                        </a:spcBef>
+                        <a:spcAft>
+                          <a:spcPts val="0"/>
+                        </a:spcAft>
+                      </a:pPr>
+                      <a:r>
+                        <a:rPr lang="en-US" sz="1600">
+                          <a:effectLst/>
+                        </a:rPr>
+                        <a:t>Đang làm</a:t>
+                      </a:r>
+                      <a:endParaRPr lang="en-US" sz="1050">
+                        <a:effectLst/>
+                        <a:latin typeface="Calibri" panose="020F0502020204030204" pitchFamily="34" charset="0"/>
+                        <a:ea typeface="Calibri" panose="020F0502020204030204" pitchFamily="34" charset="0"/>
+                        <a:cs typeface="Times New Roman" panose="02020603050405020304" pitchFamily="18" charset="0"/>
+                      </a:endParaRPr>
+                    </a:p>
+                  </a:txBody>
+                  <a:tcPr marL="57770" marR="57770" marT="0" marB="0"/>
+                </a:tc>
+                <a:tc>
+                  <a:txBody>
+                    <a:bodyPr/>
+                    <a:lstStyle/>
+                    <a:p>
+                      <a:pPr marL="0" marR="0">
+                        <a:lnSpc>
+                          <a:spcPct val="107000"/>
+                        </a:lnSpc>
+                        <a:spcBef>
+                          <a:spcPts val="0"/>
+                        </a:spcBef>
+                        <a:spcAft>
+                          <a:spcPts val="0"/>
+                        </a:spcAft>
+                      </a:pPr>
+                      <a:r>
+                        <a:rPr lang="en-US" sz="1600">
+                          <a:effectLst/>
+                        </a:rPr>
+                        <a:t>30%</a:t>
+                      </a:r>
+                      <a:endParaRPr lang="en-US" sz="1050">
+                        <a:effectLst/>
+                        <a:latin typeface="Calibri" panose="020F0502020204030204" pitchFamily="34" charset="0"/>
+                        <a:ea typeface="Calibri" panose="020F0502020204030204" pitchFamily="34" charset="0"/>
+                        <a:cs typeface="Times New Roman" panose="02020603050405020304" pitchFamily="18" charset="0"/>
+                      </a:endParaRPr>
+                    </a:p>
+                  </a:txBody>
+                  <a:tcPr marL="57770" marR="57770" marT="0" marB="0"/>
+                </a:tc>
+                <a:extLst>
+                  <a:ext uri="{0D108BD9-81ED-4DB2-BD59-A6C34878D82A}">
+                    <a16:rowId xmlns:a16="http://schemas.microsoft.com/office/drawing/2014/main" val="3147837023"/>
+                  </a:ext>
+                </a:extLst>
+              </a:tr>
+              <a:tr h="549151">
+                <a:tc>
+                  <a:txBody>
+                    <a:bodyPr/>
+                    <a:lstStyle/>
+                    <a:p>
+                      <a:pPr marL="457200" marR="0">
+                        <a:lnSpc>
+                          <a:spcPct val="107000"/>
+                        </a:lnSpc>
+                        <a:spcBef>
+                          <a:spcPts val="0"/>
+                        </a:spcBef>
+                        <a:spcAft>
+                          <a:spcPts val="0"/>
+                        </a:spcAft>
+                      </a:pPr>
+                      <a:r>
+                        <a:rPr lang="en-US" sz="1600" dirty="0" err="1">
+                          <a:effectLst/>
+                        </a:rPr>
+                        <a:t>Đổi</a:t>
+                      </a:r>
+                      <a:r>
+                        <a:rPr lang="en-US" sz="1600" dirty="0">
+                          <a:effectLst/>
+                        </a:rPr>
+                        <a:t> </a:t>
+                      </a:r>
+                      <a:r>
+                        <a:rPr lang="en-US" sz="1600" dirty="0" err="1">
+                          <a:effectLst/>
+                        </a:rPr>
+                        <a:t>mật</a:t>
+                      </a:r>
+                      <a:r>
+                        <a:rPr lang="en-US" sz="1600" dirty="0">
+                          <a:effectLst/>
+                        </a:rPr>
+                        <a:t> </a:t>
+                      </a:r>
+                      <a:r>
+                        <a:rPr lang="en-US" sz="1600" dirty="0" err="1">
+                          <a:effectLst/>
+                        </a:rPr>
+                        <a:t>khẩu</a:t>
+                      </a:r>
+                      <a:endParaRPr lang="en-US" sz="1050" dirty="0">
+                        <a:effectLst/>
+                        <a:latin typeface="Calibri" panose="020F0502020204030204" pitchFamily="34" charset="0"/>
+                        <a:ea typeface="Calibri" panose="020F0502020204030204" pitchFamily="34" charset="0"/>
+                        <a:cs typeface="Times New Roman" panose="02020603050405020304" pitchFamily="18" charset="0"/>
+                      </a:endParaRPr>
+                    </a:p>
+                  </a:txBody>
+                  <a:tcPr marL="57770" marR="57770" marT="0" marB="0"/>
+                </a:tc>
+                <a:tc>
+                  <a:txBody>
+                    <a:bodyPr/>
+                    <a:lstStyle/>
+                    <a:p>
+                      <a:pPr marL="0" marR="0">
+                        <a:lnSpc>
+                          <a:spcPct val="107000"/>
+                        </a:lnSpc>
+                        <a:spcBef>
+                          <a:spcPts val="0"/>
+                        </a:spcBef>
+                        <a:spcAft>
+                          <a:spcPts val="0"/>
+                        </a:spcAft>
+                      </a:pPr>
+                      <a:r>
+                        <a:rPr lang="en-US" sz="1600">
+                          <a:effectLst/>
+                        </a:rPr>
+                        <a:t>Thay đổi thông tin tài khoản nếu muốn</a:t>
+                      </a:r>
+                      <a:endParaRPr lang="en-US" sz="1050">
+                        <a:effectLst/>
+                        <a:latin typeface="Calibri" panose="020F0502020204030204" pitchFamily="34" charset="0"/>
+                        <a:ea typeface="Calibri" panose="020F0502020204030204" pitchFamily="34" charset="0"/>
+                        <a:cs typeface="Times New Roman" panose="02020603050405020304" pitchFamily="18" charset="0"/>
+                      </a:endParaRPr>
+                    </a:p>
+                  </a:txBody>
+                  <a:tcPr marL="57770" marR="57770" marT="0" marB="0"/>
+                </a:tc>
+                <a:tc>
+                  <a:txBody>
+                    <a:bodyPr/>
+                    <a:lstStyle/>
+                    <a:p>
+                      <a:pPr marL="0" marR="0">
+                        <a:lnSpc>
+                          <a:spcPct val="107000"/>
+                        </a:lnSpc>
+                        <a:spcBef>
+                          <a:spcPts val="0"/>
+                        </a:spcBef>
+                        <a:spcAft>
+                          <a:spcPts val="0"/>
+                        </a:spcAft>
+                      </a:pPr>
+                      <a:r>
+                        <a:rPr lang="en-US" sz="1600">
+                          <a:effectLst/>
+                        </a:rPr>
+                        <a:t> </a:t>
+                      </a:r>
+                      <a:endParaRPr lang="en-US" sz="1050">
+                        <a:effectLst/>
+                        <a:latin typeface="Calibri" panose="020F0502020204030204" pitchFamily="34" charset="0"/>
+                        <a:ea typeface="Calibri" panose="020F0502020204030204" pitchFamily="34" charset="0"/>
+                        <a:cs typeface="Times New Roman" panose="02020603050405020304" pitchFamily="18" charset="0"/>
+                      </a:endParaRPr>
+                    </a:p>
+                  </a:txBody>
+                  <a:tcPr marL="57770" marR="57770" marT="0" marB="0"/>
+                </a:tc>
+                <a:tc>
+                  <a:txBody>
+                    <a:bodyPr/>
+                    <a:lstStyle/>
+                    <a:p>
+                      <a:pPr marL="0" marR="0">
+                        <a:lnSpc>
+                          <a:spcPct val="107000"/>
+                        </a:lnSpc>
+                        <a:spcBef>
+                          <a:spcPts val="0"/>
+                        </a:spcBef>
+                        <a:spcAft>
+                          <a:spcPts val="0"/>
+                        </a:spcAft>
+                      </a:pPr>
+                      <a:r>
+                        <a:rPr lang="en-US" sz="1600">
+                          <a:effectLst/>
+                        </a:rPr>
+                        <a:t>1</a:t>
+                      </a:r>
+                      <a:endParaRPr lang="en-US" sz="1050">
+                        <a:effectLst/>
+                        <a:latin typeface="Calibri" panose="020F0502020204030204" pitchFamily="34" charset="0"/>
+                        <a:ea typeface="Calibri" panose="020F0502020204030204" pitchFamily="34" charset="0"/>
+                        <a:cs typeface="Times New Roman" panose="02020603050405020304" pitchFamily="18" charset="0"/>
+                      </a:endParaRPr>
+                    </a:p>
+                  </a:txBody>
+                  <a:tcPr marL="57770" marR="57770" marT="0" marB="0"/>
+                </a:tc>
+                <a:tc>
+                  <a:txBody>
+                    <a:bodyPr/>
+                    <a:lstStyle/>
+                    <a:p>
+                      <a:pPr marL="0" marR="0">
+                        <a:lnSpc>
+                          <a:spcPct val="107000"/>
+                        </a:lnSpc>
+                        <a:spcBef>
+                          <a:spcPts val="0"/>
+                        </a:spcBef>
+                        <a:spcAft>
+                          <a:spcPts val="0"/>
+                        </a:spcAft>
+                      </a:pPr>
+                      <a:r>
+                        <a:rPr lang="en-US" sz="1600">
+                          <a:effectLst/>
+                        </a:rPr>
+                        <a:t>Đang làm</a:t>
+                      </a:r>
+                      <a:endParaRPr lang="en-US" sz="1050">
+                        <a:effectLst/>
+                        <a:latin typeface="Calibri" panose="020F0502020204030204" pitchFamily="34" charset="0"/>
+                        <a:ea typeface="Calibri" panose="020F0502020204030204" pitchFamily="34" charset="0"/>
+                        <a:cs typeface="Times New Roman" panose="02020603050405020304" pitchFamily="18" charset="0"/>
+                      </a:endParaRPr>
+                    </a:p>
+                  </a:txBody>
+                  <a:tcPr marL="57770" marR="57770" marT="0" marB="0"/>
+                </a:tc>
+                <a:tc>
+                  <a:txBody>
+                    <a:bodyPr/>
+                    <a:lstStyle/>
+                    <a:p>
+                      <a:pPr marL="0" marR="0">
+                        <a:lnSpc>
+                          <a:spcPct val="107000"/>
+                        </a:lnSpc>
+                        <a:spcBef>
+                          <a:spcPts val="0"/>
+                        </a:spcBef>
+                        <a:spcAft>
+                          <a:spcPts val="0"/>
+                        </a:spcAft>
+                      </a:pPr>
+                      <a:r>
+                        <a:rPr lang="en-US" sz="1600">
+                          <a:effectLst/>
+                        </a:rPr>
+                        <a:t>30%</a:t>
+                      </a:r>
+                      <a:endParaRPr lang="en-US" sz="1050">
+                        <a:effectLst/>
+                        <a:latin typeface="Calibri" panose="020F0502020204030204" pitchFamily="34" charset="0"/>
+                        <a:ea typeface="Calibri" panose="020F0502020204030204" pitchFamily="34" charset="0"/>
+                        <a:cs typeface="Times New Roman" panose="02020603050405020304" pitchFamily="18" charset="0"/>
+                      </a:endParaRPr>
+                    </a:p>
+                  </a:txBody>
+                  <a:tcPr marL="57770" marR="57770" marT="0" marB="0"/>
+                </a:tc>
+                <a:extLst>
+                  <a:ext uri="{0D108BD9-81ED-4DB2-BD59-A6C34878D82A}">
+                    <a16:rowId xmlns:a16="http://schemas.microsoft.com/office/drawing/2014/main" val="2273420755"/>
+                  </a:ext>
+                </a:extLst>
+              </a:tr>
+              <a:tr h="549151">
+                <a:tc>
+                  <a:txBody>
+                    <a:bodyPr/>
+                    <a:lstStyle/>
+                    <a:p>
+                      <a:pPr marL="457200" marR="0">
+                        <a:lnSpc>
+                          <a:spcPct val="107000"/>
+                        </a:lnSpc>
+                        <a:spcBef>
+                          <a:spcPts val="0"/>
+                        </a:spcBef>
+                        <a:spcAft>
+                          <a:spcPts val="0"/>
+                        </a:spcAft>
+                      </a:pPr>
+                      <a:r>
+                        <a:rPr lang="en-US" sz="1600">
+                          <a:effectLst/>
+                        </a:rPr>
+                        <a:t>Đăng xuất</a:t>
+                      </a:r>
+                      <a:endParaRPr lang="en-US" sz="1050">
+                        <a:effectLst/>
+                        <a:latin typeface="Calibri" panose="020F0502020204030204" pitchFamily="34" charset="0"/>
+                        <a:ea typeface="Calibri" panose="020F0502020204030204" pitchFamily="34" charset="0"/>
+                        <a:cs typeface="Times New Roman" panose="02020603050405020304" pitchFamily="18" charset="0"/>
+                      </a:endParaRPr>
+                    </a:p>
+                  </a:txBody>
+                  <a:tcPr marL="57770" marR="57770" marT="0" marB="0"/>
+                </a:tc>
+                <a:tc>
+                  <a:txBody>
+                    <a:bodyPr/>
+                    <a:lstStyle/>
+                    <a:p>
+                      <a:pPr marL="0" marR="0">
+                        <a:lnSpc>
+                          <a:spcPct val="107000"/>
+                        </a:lnSpc>
+                        <a:spcBef>
+                          <a:spcPts val="0"/>
+                        </a:spcBef>
+                        <a:spcAft>
+                          <a:spcPts val="0"/>
+                        </a:spcAft>
+                      </a:pPr>
+                      <a:r>
+                        <a:rPr lang="en-US" sz="1600">
+                          <a:effectLst/>
+                        </a:rPr>
+                        <a:t>Không ai khác sử dụng tài khoản cúa tôi</a:t>
+                      </a:r>
+                      <a:endParaRPr lang="en-US" sz="1050">
+                        <a:effectLst/>
+                        <a:latin typeface="Calibri" panose="020F0502020204030204" pitchFamily="34" charset="0"/>
+                        <a:ea typeface="Calibri" panose="020F0502020204030204" pitchFamily="34" charset="0"/>
+                        <a:cs typeface="Times New Roman" panose="02020603050405020304" pitchFamily="18" charset="0"/>
+                      </a:endParaRPr>
+                    </a:p>
+                  </a:txBody>
+                  <a:tcPr marL="57770" marR="57770" marT="0" marB="0"/>
+                </a:tc>
+                <a:tc>
+                  <a:txBody>
+                    <a:bodyPr/>
+                    <a:lstStyle/>
+                    <a:p>
+                      <a:pPr marL="0" marR="0">
+                        <a:lnSpc>
+                          <a:spcPct val="107000"/>
+                        </a:lnSpc>
+                        <a:spcBef>
+                          <a:spcPts val="0"/>
+                        </a:spcBef>
+                        <a:spcAft>
+                          <a:spcPts val="0"/>
+                        </a:spcAft>
+                      </a:pPr>
+                      <a:r>
+                        <a:rPr lang="en-US" sz="1600">
+                          <a:effectLst/>
+                        </a:rPr>
+                        <a:t> </a:t>
+                      </a:r>
+                      <a:endParaRPr lang="en-US" sz="1050">
+                        <a:effectLst/>
+                        <a:latin typeface="Calibri" panose="020F0502020204030204" pitchFamily="34" charset="0"/>
+                        <a:ea typeface="Calibri" panose="020F0502020204030204" pitchFamily="34" charset="0"/>
+                        <a:cs typeface="Times New Roman" panose="02020603050405020304" pitchFamily="18" charset="0"/>
+                      </a:endParaRPr>
+                    </a:p>
+                  </a:txBody>
+                  <a:tcPr marL="57770" marR="57770" marT="0" marB="0"/>
+                </a:tc>
+                <a:tc>
+                  <a:txBody>
+                    <a:bodyPr/>
+                    <a:lstStyle/>
+                    <a:p>
+                      <a:pPr marL="0" marR="0">
+                        <a:lnSpc>
+                          <a:spcPct val="107000"/>
+                        </a:lnSpc>
+                        <a:spcBef>
+                          <a:spcPts val="0"/>
+                        </a:spcBef>
+                        <a:spcAft>
+                          <a:spcPts val="0"/>
+                        </a:spcAft>
+                      </a:pPr>
+                      <a:r>
+                        <a:rPr lang="en-US" sz="1600">
+                          <a:effectLst/>
+                        </a:rPr>
+                        <a:t>1</a:t>
+                      </a:r>
+                      <a:endParaRPr lang="en-US" sz="1050">
+                        <a:effectLst/>
+                        <a:latin typeface="Calibri" panose="020F0502020204030204" pitchFamily="34" charset="0"/>
+                        <a:ea typeface="Calibri" panose="020F0502020204030204" pitchFamily="34" charset="0"/>
+                        <a:cs typeface="Times New Roman" panose="02020603050405020304" pitchFamily="18" charset="0"/>
+                      </a:endParaRPr>
+                    </a:p>
+                  </a:txBody>
+                  <a:tcPr marL="57770" marR="57770" marT="0" marB="0"/>
+                </a:tc>
+                <a:tc>
+                  <a:txBody>
+                    <a:bodyPr/>
+                    <a:lstStyle/>
+                    <a:p>
+                      <a:pPr marL="0" marR="0">
+                        <a:lnSpc>
+                          <a:spcPct val="107000"/>
+                        </a:lnSpc>
+                        <a:spcBef>
+                          <a:spcPts val="0"/>
+                        </a:spcBef>
+                        <a:spcAft>
+                          <a:spcPts val="0"/>
+                        </a:spcAft>
+                      </a:pPr>
+                      <a:r>
+                        <a:rPr lang="en-US" sz="1600">
+                          <a:effectLst/>
+                        </a:rPr>
+                        <a:t>Đang làm</a:t>
+                      </a:r>
+                      <a:endParaRPr lang="en-US" sz="1050">
+                        <a:effectLst/>
+                        <a:latin typeface="Calibri" panose="020F0502020204030204" pitchFamily="34" charset="0"/>
+                        <a:ea typeface="Calibri" panose="020F0502020204030204" pitchFamily="34" charset="0"/>
+                        <a:cs typeface="Times New Roman" panose="02020603050405020304" pitchFamily="18" charset="0"/>
+                      </a:endParaRPr>
+                    </a:p>
+                  </a:txBody>
+                  <a:tcPr marL="57770" marR="57770" marT="0" marB="0"/>
+                </a:tc>
+                <a:tc>
+                  <a:txBody>
+                    <a:bodyPr/>
+                    <a:lstStyle/>
+                    <a:p>
+                      <a:pPr marL="0" marR="0">
+                        <a:lnSpc>
+                          <a:spcPct val="107000"/>
+                        </a:lnSpc>
+                        <a:spcBef>
+                          <a:spcPts val="0"/>
+                        </a:spcBef>
+                        <a:spcAft>
+                          <a:spcPts val="0"/>
+                        </a:spcAft>
+                      </a:pPr>
+                      <a:r>
+                        <a:rPr lang="en-US" sz="1600">
+                          <a:effectLst/>
+                        </a:rPr>
+                        <a:t>10%</a:t>
+                      </a:r>
+                      <a:endParaRPr lang="en-US" sz="1050">
+                        <a:effectLst/>
+                        <a:latin typeface="Calibri" panose="020F0502020204030204" pitchFamily="34" charset="0"/>
+                        <a:ea typeface="Calibri" panose="020F0502020204030204" pitchFamily="34" charset="0"/>
+                        <a:cs typeface="Times New Roman" panose="02020603050405020304" pitchFamily="18" charset="0"/>
+                      </a:endParaRPr>
+                    </a:p>
+                  </a:txBody>
+                  <a:tcPr marL="57770" marR="57770" marT="0" marB="0"/>
+                </a:tc>
+                <a:extLst>
+                  <a:ext uri="{0D108BD9-81ED-4DB2-BD59-A6C34878D82A}">
+                    <a16:rowId xmlns:a16="http://schemas.microsoft.com/office/drawing/2014/main" val="3967336722"/>
+                  </a:ext>
+                </a:extLst>
+              </a:tr>
+              <a:tr h="488315">
+                <a:tc>
+                  <a:txBody>
+                    <a:bodyPr/>
+                    <a:lstStyle/>
+                    <a:p>
+                      <a:pPr marL="457200" marR="0">
+                        <a:lnSpc>
+                          <a:spcPct val="107000"/>
+                        </a:lnSpc>
+                        <a:spcBef>
+                          <a:spcPts val="0"/>
+                        </a:spcBef>
+                        <a:spcAft>
+                          <a:spcPts val="0"/>
+                        </a:spcAft>
+                      </a:pPr>
+                      <a:r>
+                        <a:rPr lang="en-US" sz="1600">
+                          <a:effectLst/>
+                        </a:rPr>
+                        <a:t>Quản lý khoá học</a:t>
+                      </a:r>
+                      <a:endParaRPr lang="en-US" sz="1050">
+                        <a:effectLst/>
+                        <a:latin typeface="Calibri" panose="020F0502020204030204" pitchFamily="34" charset="0"/>
+                        <a:ea typeface="Calibri" panose="020F0502020204030204" pitchFamily="34" charset="0"/>
+                        <a:cs typeface="Times New Roman" panose="02020603050405020304" pitchFamily="18" charset="0"/>
+                      </a:endParaRPr>
+                    </a:p>
+                  </a:txBody>
+                  <a:tcPr marL="57770" marR="57770" marT="0" marB="0"/>
+                </a:tc>
+                <a:tc>
+                  <a:txBody>
+                    <a:bodyPr/>
+                    <a:lstStyle/>
+                    <a:p>
+                      <a:pPr marL="0" marR="0">
+                        <a:lnSpc>
+                          <a:spcPct val="107000"/>
+                        </a:lnSpc>
+                        <a:spcBef>
+                          <a:spcPts val="0"/>
+                        </a:spcBef>
+                        <a:spcAft>
+                          <a:spcPts val="0"/>
+                        </a:spcAft>
+                      </a:pPr>
+                      <a:r>
+                        <a:rPr lang="en-US" sz="1600">
+                          <a:effectLst/>
+                        </a:rPr>
+                        <a:t>Quản lý các khoá học của website</a:t>
+                      </a:r>
+                      <a:endParaRPr lang="en-US" sz="1050">
+                        <a:effectLst/>
+                        <a:latin typeface="Calibri" panose="020F0502020204030204" pitchFamily="34" charset="0"/>
+                        <a:ea typeface="Calibri" panose="020F0502020204030204" pitchFamily="34" charset="0"/>
+                        <a:cs typeface="Times New Roman" panose="02020603050405020304" pitchFamily="18" charset="0"/>
+                      </a:endParaRPr>
+                    </a:p>
+                  </a:txBody>
+                  <a:tcPr marL="57770" marR="57770" marT="0" marB="0"/>
+                </a:tc>
+                <a:tc>
+                  <a:txBody>
+                    <a:bodyPr/>
+                    <a:lstStyle/>
+                    <a:p>
+                      <a:pPr marL="0" marR="0">
+                        <a:lnSpc>
+                          <a:spcPct val="107000"/>
+                        </a:lnSpc>
+                        <a:spcBef>
+                          <a:spcPts val="0"/>
+                        </a:spcBef>
+                        <a:spcAft>
+                          <a:spcPts val="0"/>
+                        </a:spcAft>
+                      </a:pPr>
+                      <a:r>
+                        <a:rPr lang="en-US" sz="1600">
+                          <a:effectLst/>
+                        </a:rPr>
+                        <a:t> </a:t>
+                      </a:r>
+                      <a:endParaRPr lang="en-US" sz="1050">
+                        <a:effectLst/>
+                        <a:latin typeface="Calibri" panose="020F0502020204030204" pitchFamily="34" charset="0"/>
+                        <a:ea typeface="Calibri" panose="020F0502020204030204" pitchFamily="34" charset="0"/>
+                        <a:cs typeface="Times New Roman" panose="02020603050405020304" pitchFamily="18" charset="0"/>
+                      </a:endParaRPr>
+                    </a:p>
+                  </a:txBody>
+                  <a:tcPr marL="57770" marR="57770" marT="0" marB="0"/>
+                </a:tc>
+                <a:tc>
+                  <a:txBody>
+                    <a:bodyPr/>
+                    <a:lstStyle/>
+                    <a:p>
+                      <a:pPr marL="0" marR="0">
+                        <a:lnSpc>
+                          <a:spcPct val="107000"/>
+                        </a:lnSpc>
+                        <a:spcBef>
+                          <a:spcPts val="0"/>
+                        </a:spcBef>
+                        <a:spcAft>
+                          <a:spcPts val="0"/>
+                        </a:spcAft>
+                      </a:pPr>
+                      <a:r>
+                        <a:rPr lang="en-US" sz="1600">
+                          <a:effectLst/>
+                        </a:rPr>
+                        <a:t>2</a:t>
+                      </a:r>
+                      <a:endParaRPr lang="en-US" sz="1050">
+                        <a:effectLst/>
+                        <a:latin typeface="Calibri" panose="020F0502020204030204" pitchFamily="34" charset="0"/>
+                        <a:ea typeface="Calibri" panose="020F0502020204030204" pitchFamily="34" charset="0"/>
+                        <a:cs typeface="Times New Roman" panose="02020603050405020304" pitchFamily="18" charset="0"/>
+                      </a:endParaRPr>
+                    </a:p>
+                  </a:txBody>
+                  <a:tcPr marL="57770" marR="57770" marT="0" marB="0"/>
+                </a:tc>
+                <a:tc>
+                  <a:txBody>
+                    <a:bodyPr/>
+                    <a:lstStyle/>
+                    <a:p>
+                      <a:pPr marL="0" marR="0">
+                        <a:lnSpc>
+                          <a:spcPct val="107000"/>
+                        </a:lnSpc>
+                        <a:spcBef>
+                          <a:spcPts val="0"/>
+                        </a:spcBef>
+                        <a:spcAft>
+                          <a:spcPts val="0"/>
+                        </a:spcAft>
+                      </a:pPr>
+                      <a:r>
+                        <a:rPr lang="en-US" sz="1600">
+                          <a:effectLst/>
+                        </a:rPr>
+                        <a:t>Chưa làm</a:t>
+                      </a:r>
+                      <a:endParaRPr lang="en-US" sz="1050">
+                        <a:effectLst/>
+                        <a:latin typeface="Calibri" panose="020F0502020204030204" pitchFamily="34" charset="0"/>
+                        <a:ea typeface="Calibri" panose="020F0502020204030204" pitchFamily="34" charset="0"/>
+                        <a:cs typeface="Times New Roman" panose="02020603050405020304" pitchFamily="18" charset="0"/>
+                      </a:endParaRPr>
+                    </a:p>
+                  </a:txBody>
+                  <a:tcPr marL="57770" marR="57770" marT="0" marB="0"/>
+                </a:tc>
+                <a:tc>
+                  <a:txBody>
+                    <a:bodyPr/>
+                    <a:lstStyle/>
+                    <a:p>
+                      <a:pPr marL="0" marR="0">
+                        <a:lnSpc>
+                          <a:spcPct val="107000"/>
+                        </a:lnSpc>
+                        <a:spcBef>
+                          <a:spcPts val="0"/>
+                        </a:spcBef>
+                        <a:spcAft>
+                          <a:spcPts val="0"/>
+                        </a:spcAft>
+                      </a:pPr>
+                      <a:r>
+                        <a:rPr lang="en-US" sz="1600">
+                          <a:effectLst/>
+                        </a:rPr>
+                        <a:t> </a:t>
+                      </a:r>
+                      <a:endParaRPr lang="en-US" sz="1050">
+                        <a:effectLst/>
+                        <a:latin typeface="Calibri" panose="020F0502020204030204" pitchFamily="34" charset="0"/>
+                        <a:ea typeface="Calibri" panose="020F0502020204030204" pitchFamily="34" charset="0"/>
+                        <a:cs typeface="Times New Roman" panose="02020603050405020304" pitchFamily="18" charset="0"/>
+                      </a:endParaRPr>
+                    </a:p>
+                  </a:txBody>
+                  <a:tcPr marL="57770" marR="57770" marT="0" marB="0"/>
+                </a:tc>
+                <a:extLst>
+                  <a:ext uri="{0D108BD9-81ED-4DB2-BD59-A6C34878D82A}">
+                    <a16:rowId xmlns:a16="http://schemas.microsoft.com/office/drawing/2014/main" val="2028846174"/>
+                  </a:ext>
+                </a:extLst>
+              </a:tr>
+              <a:tr h="488315">
+                <a:tc>
+                  <a:txBody>
+                    <a:bodyPr/>
+                    <a:lstStyle/>
+                    <a:p>
+                      <a:pPr marL="457200" marR="0">
+                        <a:lnSpc>
+                          <a:spcPct val="107000"/>
+                        </a:lnSpc>
+                        <a:spcBef>
+                          <a:spcPts val="0"/>
+                        </a:spcBef>
+                        <a:spcAft>
+                          <a:spcPts val="0"/>
+                        </a:spcAft>
+                      </a:pPr>
+                      <a:r>
+                        <a:rPr lang="en-US" sz="1600">
+                          <a:effectLst/>
+                        </a:rPr>
+                        <a:t>Quản lý bài tập</a:t>
+                      </a:r>
+                      <a:endParaRPr lang="en-US" sz="1050">
+                        <a:effectLst/>
+                        <a:latin typeface="Calibri" panose="020F0502020204030204" pitchFamily="34" charset="0"/>
+                        <a:ea typeface="Calibri" panose="020F0502020204030204" pitchFamily="34" charset="0"/>
+                        <a:cs typeface="Times New Roman" panose="02020603050405020304" pitchFamily="18" charset="0"/>
+                      </a:endParaRPr>
+                    </a:p>
+                  </a:txBody>
+                  <a:tcPr marL="57770" marR="57770" marT="0" marB="0"/>
+                </a:tc>
+                <a:tc>
+                  <a:txBody>
+                    <a:bodyPr/>
+                    <a:lstStyle/>
+                    <a:p>
+                      <a:pPr marL="0" marR="0">
+                        <a:lnSpc>
+                          <a:spcPct val="107000"/>
+                        </a:lnSpc>
+                        <a:spcBef>
+                          <a:spcPts val="0"/>
+                        </a:spcBef>
+                        <a:spcAft>
+                          <a:spcPts val="0"/>
+                        </a:spcAft>
+                      </a:pPr>
+                      <a:r>
+                        <a:rPr lang="en-US" sz="1600">
+                          <a:effectLst/>
+                        </a:rPr>
+                        <a:t>Quản lý nội dung bài tập </a:t>
+                      </a:r>
+                      <a:endParaRPr lang="en-US" sz="1050">
+                        <a:effectLst/>
+                        <a:latin typeface="Calibri" panose="020F0502020204030204" pitchFamily="34" charset="0"/>
+                        <a:ea typeface="Calibri" panose="020F0502020204030204" pitchFamily="34" charset="0"/>
+                        <a:cs typeface="Times New Roman" panose="02020603050405020304" pitchFamily="18" charset="0"/>
+                      </a:endParaRPr>
+                    </a:p>
+                  </a:txBody>
+                  <a:tcPr marL="57770" marR="57770" marT="0" marB="0"/>
+                </a:tc>
+                <a:tc>
+                  <a:txBody>
+                    <a:bodyPr/>
+                    <a:lstStyle/>
+                    <a:p>
+                      <a:pPr marL="0" marR="0">
+                        <a:lnSpc>
+                          <a:spcPct val="107000"/>
+                        </a:lnSpc>
+                        <a:spcBef>
+                          <a:spcPts val="0"/>
+                        </a:spcBef>
+                        <a:spcAft>
+                          <a:spcPts val="0"/>
+                        </a:spcAft>
+                      </a:pPr>
+                      <a:r>
+                        <a:rPr lang="en-US" sz="1600">
+                          <a:effectLst/>
+                        </a:rPr>
+                        <a:t> </a:t>
+                      </a:r>
+                      <a:endParaRPr lang="en-US" sz="1050">
+                        <a:effectLst/>
+                        <a:latin typeface="Calibri" panose="020F0502020204030204" pitchFamily="34" charset="0"/>
+                        <a:ea typeface="Calibri" panose="020F0502020204030204" pitchFamily="34" charset="0"/>
+                        <a:cs typeface="Times New Roman" panose="02020603050405020304" pitchFamily="18" charset="0"/>
+                      </a:endParaRPr>
+                    </a:p>
+                  </a:txBody>
+                  <a:tcPr marL="57770" marR="57770" marT="0" marB="0"/>
+                </a:tc>
+                <a:tc>
+                  <a:txBody>
+                    <a:bodyPr/>
+                    <a:lstStyle/>
+                    <a:p>
+                      <a:pPr marL="0" marR="0">
+                        <a:lnSpc>
+                          <a:spcPct val="107000"/>
+                        </a:lnSpc>
+                        <a:spcBef>
+                          <a:spcPts val="0"/>
+                        </a:spcBef>
+                        <a:spcAft>
+                          <a:spcPts val="0"/>
+                        </a:spcAft>
+                      </a:pPr>
+                      <a:r>
+                        <a:rPr lang="en-US" sz="1600">
+                          <a:effectLst/>
+                        </a:rPr>
+                        <a:t>2</a:t>
+                      </a:r>
+                      <a:endParaRPr lang="en-US" sz="1050">
+                        <a:effectLst/>
+                        <a:latin typeface="Calibri" panose="020F0502020204030204" pitchFamily="34" charset="0"/>
+                        <a:ea typeface="Calibri" panose="020F0502020204030204" pitchFamily="34" charset="0"/>
+                        <a:cs typeface="Times New Roman" panose="02020603050405020304" pitchFamily="18" charset="0"/>
+                      </a:endParaRPr>
+                    </a:p>
+                  </a:txBody>
+                  <a:tcPr marL="57770" marR="57770" marT="0" marB="0"/>
+                </a:tc>
+                <a:tc>
+                  <a:txBody>
+                    <a:bodyPr/>
+                    <a:lstStyle/>
+                    <a:p>
+                      <a:pPr marL="0" marR="0">
+                        <a:lnSpc>
+                          <a:spcPct val="107000"/>
+                        </a:lnSpc>
+                        <a:spcBef>
+                          <a:spcPts val="0"/>
+                        </a:spcBef>
+                        <a:spcAft>
+                          <a:spcPts val="0"/>
+                        </a:spcAft>
+                      </a:pPr>
+                      <a:r>
+                        <a:rPr lang="en-US" sz="1600">
+                          <a:effectLst/>
+                        </a:rPr>
+                        <a:t>Chưa làm</a:t>
+                      </a:r>
+                      <a:endParaRPr lang="en-US" sz="1050">
+                        <a:effectLst/>
+                        <a:latin typeface="Calibri" panose="020F0502020204030204" pitchFamily="34" charset="0"/>
+                        <a:ea typeface="Calibri" panose="020F0502020204030204" pitchFamily="34" charset="0"/>
+                        <a:cs typeface="Times New Roman" panose="02020603050405020304" pitchFamily="18" charset="0"/>
+                      </a:endParaRPr>
+                    </a:p>
+                  </a:txBody>
+                  <a:tcPr marL="57770" marR="57770" marT="0" marB="0"/>
+                </a:tc>
+                <a:tc>
+                  <a:txBody>
+                    <a:bodyPr/>
+                    <a:lstStyle/>
+                    <a:p>
+                      <a:pPr marL="0" marR="0">
+                        <a:lnSpc>
+                          <a:spcPct val="107000"/>
+                        </a:lnSpc>
+                        <a:spcBef>
+                          <a:spcPts val="0"/>
+                        </a:spcBef>
+                        <a:spcAft>
+                          <a:spcPts val="0"/>
+                        </a:spcAft>
+                      </a:pPr>
+                      <a:r>
+                        <a:rPr lang="en-US" sz="1600">
+                          <a:effectLst/>
+                        </a:rPr>
+                        <a:t> </a:t>
+                      </a:r>
+                      <a:endParaRPr lang="en-US" sz="1050">
+                        <a:effectLst/>
+                        <a:latin typeface="Calibri" panose="020F0502020204030204" pitchFamily="34" charset="0"/>
+                        <a:ea typeface="Calibri" panose="020F0502020204030204" pitchFamily="34" charset="0"/>
+                        <a:cs typeface="Times New Roman" panose="02020603050405020304" pitchFamily="18" charset="0"/>
+                      </a:endParaRPr>
+                    </a:p>
+                  </a:txBody>
+                  <a:tcPr marL="57770" marR="57770" marT="0" marB="0"/>
+                </a:tc>
+                <a:extLst>
+                  <a:ext uri="{0D108BD9-81ED-4DB2-BD59-A6C34878D82A}">
+                    <a16:rowId xmlns:a16="http://schemas.microsoft.com/office/drawing/2014/main" val="2603446137"/>
+                  </a:ext>
+                </a:extLst>
+              </a:tr>
+              <a:tr h="738727">
+                <a:tc>
+                  <a:txBody>
+                    <a:bodyPr/>
+                    <a:lstStyle/>
+                    <a:p>
+                      <a:pPr marL="457200" marR="0">
+                        <a:lnSpc>
+                          <a:spcPct val="107000"/>
+                        </a:lnSpc>
+                        <a:spcBef>
+                          <a:spcPts val="0"/>
+                        </a:spcBef>
+                        <a:spcAft>
+                          <a:spcPts val="0"/>
+                        </a:spcAft>
+                      </a:pPr>
+                      <a:r>
+                        <a:rPr lang="en-US" sz="1600">
+                          <a:effectLst/>
+                        </a:rPr>
+                        <a:t>Chấm điểm tự động</a:t>
+                      </a:r>
+                      <a:endParaRPr lang="en-US" sz="1050">
+                        <a:effectLst/>
+                        <a:latin typeface="Calibri" panose="020F0502020204030204" pitchFamily="34" charset="0"/>
+                        <a:ea typeface="Calibri" panose="020F0502020204030204" pitchFamily="34" charset="0"/>
+                        <a:cs typeface="Times New Roman" panose="02020603050405020304" pitchFamily="18" charset="0"/>
+                      </a:endParaRPr>
+                    </a:p>
+                  </a:txBody>
+                  <a:tcPr marL="57770" marR="57770" marT="0" marB="0"/>
+                </a:tc>
+                <a:tc>
+                  <a:txBody>
+                    <a:bodyPr/>
+                    <a:lstStyle/>
+                    <a:p>
+                      <a:pPr marL="0" marR="0">
+                        <a:lnSpc>
+                          <a:spcPct val="107000"/>
+                        </a:lnSpc>
+                        <a:spcBef>
+                          <a:spcPts val="0"/>
+                        </a:spcBef>
+                        <a:spcAft>
+                          <a:spcPts val="0"/>
+                        </a:spcAft>
+                      </a:pPr>
+                      <a:r>
+                        <a:rPr lang="en-US" sz="1600" dirty="0">
+                          <a:effectLst/>
+                        </a:rPr>
+                        <a:t>Tự động chấm điểm bài làm khi người dùng làm xong</a:t>
+                      </a:r>
+                      <a:endParaRPr lang="en-US" sz="1050" dirty="0">
+                        <a:effectLst/>
+                        <a:latin typeface="Calibri" panose="020F0502020204030204" pitchFamily="34" charset="0"/>
+                        <a:ea typeface="Calibri" panose="020F0502020204030204" pitchFamily="34" charset="0"/>
+                        <a:cs typeface="Times New Roman" panose="02020603050405020304" pitchFamily="18" charset="0"/>
+                      </a:endParaRPr>
+                    </a:p>
+                  </a:txBody>
+                  <a:tcPr marL="57770" marR="57770" marT="0" marB="0"/>
+                </a:tc>
+                <a:tc>
+                  <a:txBody>
+                    <a:bodyPr/>
+                    <a:lstStyle/>
+                    <a:p>
+                      <a:pPr marL="0" marR="0">
+                        <a:lnSpc>
+                          <a:spcPct val="107000"/>
+                        </a:lnSpc>
+                        <a:spcBef>
+                          <a:spcPts val="0"/>
+                        </a:spcBef>
+                        <a:spcAft>
+                          <a:spcPts val="0"/>
+                        </a:spcAft>
+                      </a:pPr>
+                      <a:r>
+                        <a:rPr lang="en-US" sz="1600">
+                          <a:effectLst/>
+                        </a:rPr>
+                        <a:t> </a:t>
+                      </a:r>
+                      <a:endParaRPr lang="en-US" sz="1050">
+                        <a:effectLst/>
+                        <a:latin typeface="Calibri" panose="020F0502020204030204" pitchFamily="34" charset="0"/>
+                        <a:ea typeface="Calibri" panose="020F0502020204030204" pitchFamily="34" charset="0"/>
+                        <a:cs typeface="Times New Roman" panose="02020603050405020304" pitchFamily="18" charset="0"/>
+                      </a:endParaRPr>
+                    </a:p>
+                  </a:txBody>
+                  <a:tcPr marL="57770" marR="57770" marT="0" marB="0"/>
+                </a:tc>
+                <a:tc>
+                  <a:txBody>
+                    <a:bodyPr/>
+                    <a:lstStyle/>
+                    <a:p>
+                      <a:pPr marL="0" marR="0">
+                        <a:lnSpc>
+                          <a:spcPct val="107000"/>
+                        </a:lnSpc>
+                        <a:spcBef>
+                          <a:spcPts val="0"/>
+                        </a:spcBef>
+                        <a:spcAft>
+                          <a:spcPts val="0"/>
+                        </a:spcAft>
+                      </a:pPr>
+                      <a:r>
+                        <a:rPr lang="en-US" sz="1600">
+                          <a:effectLst/>
+                        </a:rPr>
+                        <a:t>2</a:t>
+                      </a:r>
+                      <a:endParaRPr lang="en-US" sz="1050">
+                        <a:effectLst/>
+                        <a:latin typeface="Calibri" panose="020F0502020204030204" pitchFamily="34" charset="0"/>
+                        <a:ea typeface="Calibri" panose="020F0502020204030204" pitchFamily="34" charset="0"/>
+                        <a:cs typeface="Times New Roman" panose="02020603050405020304" pitchFamily="18" charset="0"/>
+                      </a:endParaRPr>
+                    </a:p>
+                  </a:txBody>
+                  <a:tcPr marL="57770" marR="57770" marT="0" marB="0"/>
+                </a:tc>
+                <a:tc>
+                  <a:txBody>
+                    <a:bodyPr/>
+                    <a:lstStyle/>
+                    <a:p>
+                      <a:pPr marL="0" marR="0">
+                        <a:lnSpc>
+                          <a:spcPct val="107000"/>
+                        </a:lnSpc>
+                        <a:spcBef>
+                          <a:spcPts val="0"/>
+                        </a:spcBef>
+                        <a:spcAft>
+                          <a:spcPts val="0"/>
+                        </a:spcAft>
+                      </a:pPr>
+                      <a:r>
+                        <a:rPr lang="en-US" sz="1600">
+                          <a:effectLst/>
+                        </a:rPr>
+                        <a:t>Đang làm</a:t>
+                      </a:r>
+                      <a:endParaRPr lang="en-US" sz="1050">
+                        <a:effectLst/>
+                        <a:latin typeface="Calibri" panose="020F0502020204030204" pitchFamily="34" charset="0"/>
+                        <a:ea typeface="Calibri" panose="020F0502020204030204" pitchFamily="34" charset="0"/>
+                        <a:cs typeface="Times New Roman" panose="02020603050405020304" pitchFamily="18" charset="0"/>
+                      </a:endParaRPr>
+                    </a:p>
+                  </a:txBody>
+                  <a:tcPr marL="57770" marR="57770" marT="0" marB="0"/>
+                </a:tc>
+                <a:tc>
+                  <a:txBody>
+                    <a:bodyPr/>
+                    <a:lstStyle/>
+                    <a:p>
+                      <a:pPr marL="0" marR="0">
+                        <a:lnSpc>
+                          <a:spcPct val="107000"/>
+                        </a:lnSpc>
+                        <a:spcBef>
+                          <a:spcPts val="0"/>
+                        </a:spcBef>
+                        <a:spcAft>
+                          <a:spcPts val="0"/>
+                        </a:spcAft>
+                      </a:pPr>
+                      <a:r>
+                        <a:rPr lang="en-US" sz="1600">
+                          <a:effectLst/>
+                        </a:rPr>
+                        <a:t>10%</a:t>
+                      </a:r>
+                      <a:endParaRPr lang="en-US" sz="1050">
+                        <a:effectLst/>
+                        <a:latin typeface="Calibri" panose="020F0502020204030204" pitchFamily="34" charset="0"/>
+                        <a:ea typeface="Calibri" panose="020F0502020204030204" pitchFamily="34" charset="0"/>
+                        <a:cs typeface="Times New Roman" panose="02020603050405020304" pitchFamily="18" charset="0"/>
+                      </a:endParaRPr>
+                    </a:p>
+                  </a:txBody>
+                  <a:tcPr marL="57770" marR="57770" marT="0" marB="0"/>
+                </a:tc>
+                <a:extLst>
+                  <a:ext uri="{0D108BD9-81ED-4DB2-BD59-A6C34878D82A}">
+                    <a16:rowId xmlns:a16="http://schemas.microsoft.com/office/drawing/2014/main" val="2240313092"/>
+                  </a:ext>
+                </a:extLst>
+              </a:tr>
+              <a:tr h="989139">
+                <a:tc>
+                  <a:txBody>
+                    <a:bodyPr/>
+                    <a:lstStyle/>
+                    <a:p>
+                      <a:pPr marL="457200" marR="0">
+                        <a:lnSpc>
+                          <a:spcPct val="107000"/>
+                        </a:lnSpc>
+                        <a:spcBef>
+                          <a:spcPts val="0"/>
+                        </a:spcBef>
+                        <a:spcAft>
+                          <a:spcPts val="0"/>
+                        </a:spcAft>
+                      </a:pPr>
+                      <a:r>
+                        <a:rPr lang="en-US" sz="1600">
+                          <a:effectLst/>
+                        </a:rPr>
+                        <a:t>Quản lý tài khoản người dùng</a:t>
+                      </a:r>
+                      <a:endParaRPr lang="en-US" sz="1050">
+                        <a:effectLst/>
+                        <a:latin typeface="Calibri" panose="020F0502020204030204" pitchFamily="34" charset="0"/>
+                        <a:ea typeface="Calibri" panose="020F0502020204030204" pitchFamily="34" charset="0"/>
+                        <a:cs typeface="Times New Roman" panose="02020603050405020304" pitchFamily="18" charset="0"/>
+                      </a:endParaRPr>
+                    </a:p>
+                  </a:txBody>
+                  <a:tcPr marL="57770" marR="57770" marT="0" marB="0"/>
+                </a:tc>
+                <a:tc>
+                  <a:txBody>
+                    <a:bodyPr/>
+                    <a:lstStyle/>
+                    <a:p>
+                      <a:pPr marL="0" marR="0">
+                        <a:lnSpc>
+                          <a:spcPct val="107000"/>
+                        </a:lnSpc>
+                        <a:spcBef>
+                          <a:spcPts val="0"/>
+                        </a:spcBef>
+                        <a:spcAft>
+                          <a:spcPts val="0"/>
+                        </a:spcAft>
+                      </a:pPr>
+                      <a:r>
+                        <a:rPr lang="en-US" sz="1600">
+                          <a:effectLst/>
+                        </a:rPr>
+                        <a:t>Quản lý thông tin tài khoản về thông tin cá nhân, điểm số, xếp hạng</a:t>
+                      </a:r>
+                      <a:endParaRPr lang="en-US" sz="1050">
+                        <a:effectLst/>
+                        <a:latin typeface="Calibri" panose="020F0502020204030204" pitchFamily="34" charset="0"/>
+                        <a:ea typeface="Calibri" panose="020F0502020204030204" pitchFamily="34" charset="0"/>
+                        <a:cs typeface="Times New Roman" panose="02020603050405020304" pitchFamily="18" charset="0"/>
+                      </a:endParaRPr>
+                    </a:p>
+                  </a:txBody>
+                  <a:tcPr marL="57770" marR="57770" marT="0" marB="0"/>
+                </a:tc>
+                <a:tc>
+                  <a:txBody>
+                    <a:bodyPr/>
+                    <a:lstStyle/>
+                    <a:p>
+                      <a:pPr marL="0" marR="0">
+                        <a:lnSpc>
+                          <a:spcPct val="107000"/>
+                        </a:lnSpc>
+                        <a:spcBef>
+                          <a:spcPts val="0"/>
+                        </a:spcBef>
+                        <a:spcAft>
+                          <a:spcPts val="0"/>
+                        </a:spcAft>
+                      </a:pPr>
+                      <a:r>
+                        <a:rPr lang="en-US" sz="1600">
+                          <a:effectLst/>
+                        </a:rPr>
+                        <a:t> </a:t>
+                      </a:r>
+                      <a:endParaRPr lang="en-US" sz="1050">
+                        <a:effectLst/>
+                        <a:latin typeface="Calibri" panose="020F0502020204030204" pitchFamily="34" charset="0"/>
+                        <a:ea typeface="Calibri" panose="020F0502020204030204" pitchFamily="34" charset="0"/>
+                        <a:cs typeface="Times New Roman" panose="02020603050405020304" pitchFamily="18" charset="0"/>
+                      </a:endParaRPr>
+                    </a:p>
+                  </a:txBody>
+                  <a:tcPr marL="57770" marR="57770" marT="0" marB="0"/>
+                </a:tc>
+                <a:tc>
+                  <a:txBody>
+                    <a:bodyPr/>
+                    <a:lstStyle/>
+                    <a:p>
+                      <a:pPr marL="0" marR="0">
+                        <a:lnSpc>
+                          <a:spcPct val="107000"/>
+                        </a:lnSpc>
+                        <a:spcBef>
+                          <a:spcPts val="0"/>
+                        </a:spcBef>
+                        <a:spcAft>
+                          <a:spcPts val="0"/>
+                        </a:spcAft>
+                      </a:pPr>
+                      <a:r>
+                        <a:rPr lang="en-US" sz="1600">
+                          <a:effectLst/>
+                        </a:rPr>
+                        <a:t>2</a:t>
+                      </a:r>
+                      <a:endParaRPr lang="en-US" sz="1050">
+                        <a:effectLst/>
+                        <a:latin typeface="Calibri" panose="020F0502020204030204" pitchFamily="34" charset="0"/>
+                        <a:ea typeface="Calibri" panose="020F0502020204030204" pitchFamily="34" charset="0"/>
+                        <a:cs typeface="Times New Roman" panose="02020603050405020304" pitchFamily="18" charset="0"/>
+                      </a:endParaRPr>
+                    </a:p>
+                  </a:txBody>
+                  <a:tcPr marL="57770" marR="57770" marT="0" marB="0"/>
+                </a:tc>
+                <a:tc>
+                  <a:txBody>
+                    <a:bodyPr/>
+                    <a:lstStyle/>
+                    <a:p>
+                      <a:pPr marL="0" marR="0">
+                        <a:lnSpc>
+                          <a:spcPct val="107000"/>
+                        </a:lnSpc>
+                        <a:spcBef>
+                          <a:spcPts val="0"/>
+                        </a:spcBef>
+                        <a:spcAft>
+                          <a:spcPts val="0"/>
+                        </a:spcAft>
+                      </a:pPr>
+                      <a:r>
+                        <a:rPr lang="en-US" sz="1600">
+                          <a:effectLst/>
+                        </a:rPr>
+                        <a:t>Chưa làm</a:t>
+                      </a:r>
+                      <a:endParaRPr lang="en-US" sz="1050">
+                        <a:effectLst/>
+                        <a:latin typeface="Calibri" panose="020F0502020204030204" pitchFamily="34" charset="0"/>
+                        <a:ea typeface="Calibri" panose="020F0502020204030204" pitchFamily="34" charset="0"/>
+                        <a:cs typeface="Times New Roman" panose="02020603050405020304" pitchFamily="18" charset="0"/>
+                      </a:endParaRPr>
+                    </a:p>
+                  </a:txBody>
+                  <a:tcPr marL="57770" marR="57770" marT="0" marB="0"/>
+                </a:tc>
+                <a:tc>
+                  <a:txBody>
+                    <a:bodyPr/>
+                    <a:lstStyle/>
+                    <a:p>
+                      <a:pPr marL="0" marR="0">
+                        <a:lnSpc>
+                          <a:spcPct val="107000"/>
+                        </a:lnSpc>
+                        <a:spcBef>
+                          <a:spcPts val="0"/>
+                        </a:spcBef>
+                        <a:spcAft>
+                          <a:spcPts val="0"/>
+                        </a:spcAft>
+                      </a:pPr>
+                      <a:r>
+                        <a:rPr lang="en-US" sz="1600">
+                          <a:effectLst/>
+                        </a:rPr>
+                        <a:t> </a:t>
+                      </a:r>
+                      <a:endParaRPr lang="en-US" sz="1050">
+                        <a:effectLst/>
+                        <a:latin typeface="Calibri" panose="020F0502020204030204" pitchFamily="34" charset="0"/>
+                        <a:ea typeface="Calibri" panose="020F0502020204030204" pitchFamily="34" charset="0"/>
+                        <a:cs typeface="Times New Roman" panose="02020603050405020304" pitchFamily="18" charset="0"/>
+                      </a:endParaRPr>
+                    </a:p>
+                  </a:txBody>
+                  <a:tcPr marL="57770" marR="57770" marT="0" marB="0"/>
+                </a:tc>
+                <a:extLst>
+                  <a:ext uri="{0D108BD9-81ED-4DB2-BD59-A6C34878D82A}">
+                    <a16:rowId xmlns:a16="http://schemas.microsoft.com/office/drawing/2014/main" val="365732514"/>
+                  </a:ext>
+                </a:extLst>
+              </a:tr>
+              <a:tr h="549151">
+                <a:tc>
+                  <a:txBody>
+                    <a:bodyPr/>
+                    <a:lstStyle/>
+                    <a:p>
+                      <a:pPr marL="457200" marR="0">
+                        <a:lnSpc>
+                          <a:spcPct val="107000"/>
+                        </a:lnSpc>
+                        <a:spcBef>
+                          <a:spcPts val="0"/>
+                        </a:spcBef>
+                        <a:spcAft>
+                          <a:spcPts val="0"/>
+                        </a:spcAft>
+                      </a:pPr>
+                      <a:r>
+                        <a:rPr lang="en-US" sz="1600">
+                          <a:effectLst/>
+                        </a:rPr>
+                        <a:t>Quản lý nhóm</a:t>
+                      </a:r>
+                      <a:endParaRPr lang="en-US" sz="1050">
+                        <a:effectLst/>
+                        <a:latin typeface="Calibri" panose="020F0502020204030204" pitchFamily="34" charset="0"/>
+                        <a:ea typeface="Calibri" panose="020F0502020204030204" pitchFamily="34" charset="0"/>
+                        <a:cs typeface="Times New Roman" panose="02020603050405020304" pitchFamily="18" charset="0"/>
+                      </a:endParaRPr>
+                    </a:p>
+                  </a:txBody>
+                  <a:tcPr marL="57770" marR="57770" marT="0" marB="0"/>
+                </a:tc>
+                <a:tc>
+                  <a:txBody>
+                    <a:bodyPr/>
+                    <a:lstStyle/>
+                    <a:p>
+                      <a:pPr marL="0" marR="0">
+                        <a:lnSpc>
+                          <a:spcPct val="107000"/>
+                        </a:lnSpc>
+                        <a:spcBef>
+                          <a:spcPts val="0"/>
+                        </a:spcBef>
+                        <a:spcAft>
+                          <a:spcPts val="0"/>
+                        </a:spcAft>
+                      </a:pPr>
+                      <a:r>
+                        <a:rPr lang="en-US" sz="1600">
+                          <a:effectLst/>
+                        </a:rPr>
+                        <a:t>Quản lý nhóm về điểm số, xếp hạng</a:t>
+                      </a:r>
+                      <a:endParaRPr lang="en-US" sz="1050">
+                        <a:effectLst/>
+                        <a:latin typeface="Calibri" panose="020F0502020204030204" pitchFamily="34" charset="0"/>
+                        <a:ea typeface="Calibri" panose="020F0502020204030204" pitchFamily="34" charset="0"/>
+                        <a:cs typeface="Times New Roman" panose="02020603050405020304" pitchFamily="18" charset="0"/>
+                      </a:endParaRPr>
+                    </a:p>
+                  </a:txBody>
+                  <a:tcPr marL="57770" marR="57770" marT="0" marB="0"/>
+                </a:tc>
+                <a:tc>
+                  <a:txBody>
+                    <a:bodyPr/>
+                    <a:lstStyle/>
+                    <a:p>
+                      <a:pPr marL="0" marR="0">
+                        <a:lnSpc>
+                          <a:spcPct val="107000"/>
+                        </a:lnSpc>
+                        <a:spcBef>
+                          <a:spcPts val="0"/>
+                        </a:spcBef>
+                        <a:spcAft>
+                          <a:spcPts val="0"/>
+                        </a:spcAft>
+                      </a:pPr>
+                      <a:r>
+                        <a:rPr lang="en-US" sz="1600">
+                          <a:effectLst/>
+                        </a:rPr>
+                        <a:t> </a:t>
+                      </a:r>
+                      <a:endParaRPr lang="en-US" sz="1050">
+                        <a:effectLst/>
+                        <a:latin typeface="Calibri" panose="020F0502020204030204" pitchFamily="34" charset="0"/>
+                        <a:ea typeface="Calibri" panose="020F0502020204030204" pitchFamily="34" charset="0"/>
+                        <a:cs typeface="Times New Roman" panose="02020603050405020304" pitchFamily="18" charset="0"/>
+                      </a:endParaRPr>
+                    </a:p>
+                  </a:txBody>
+                  <a:tcPr marL="57770" marR="57770" marT="0" marB="0"/>
+                </a:tc>
+                <a:tc>
+                  <a:txBody>
+                    <a:bodyPr/>
+                    <a:lstStyle/>
+                    <a:p>
+                      <a:pPr marL="0" marR="0">
+                        <a:lnSpc>
+                          <a:spcPct val="107000"/>
+                        </a:lnSpc>
+                        <a:spcBef>
+                          <a:spcPts val="0"/>
+                        </a:spcBef>
+                        <a:spcAft>
+                          <a:spcPts val="0"/>
+                        </a:spcAft>
+                      </a:pPr>
+                      <a:r>
+                        <a:rPr lang="en-US" sz="1600">
+                          <a:effectLst/>
+                        </a:rPr>
+                        <a:t>2</a:t>
+                      </a:r>
+                      <a:endParaRPr lang="en-US" sz="1050">
+                        <a:effectLst/>
+                        <a:latin typeface="Calibri" panose="020F0502020204030204" pitchFamily="34" charset="0"/>
+                        <a:ea typeface="Calibri" panose="020F0502020204030204" pitchFamily="34" charset="0"/>
+                        <a:cs typeface="Times New Roman" panose="02020603050405020304" pitchFamily="18" charset="0"/>
+                      </a:endParaRPr>
+                    </a:p>
+                  </a:txBody>
+                  <a:tcPr marL="57770" marR="57770" marT="0" marB="0"/>
+                </a:tc>
+                <a:tc>
+                  <a:txBody>
+                    <a:bodyPr/>
+                    <a:lstStyle/>
+                    <a:p>
+                      <a:pPr marL="0" marR="0">
+                        <a:lnSpc>
+                          <a:spcPct val="107000"/>
+                        </a:lnSpc>
+                        <a:spcBef>
+                          <a:spcPts val="0"/>
+                        </a:spcBef>
+                        <a:spcAft>
+                          <a:spcPts val="0"/>
+                        </a:spcAft>
+                      </a:pPr>
+                      <a:r>
+                        <a:rPr lang="en-US" sz="1600">
+                          <a:effectLst/>
+                        </a:rPr>
+                        <a:t>Chưa làm</a:t>
+                      </a:r>
+                      <a:endParaRPr lang="en-US" sz="1050">
+                        <a:effectLst/>
+                        <a:latin typeface="Calibri" panose="020F0502020204030204" pitchFamily="34" charset="0"/>
+                        <a:ea typeface="Calibri" panose="020F0502020204030204" pitchFamily="34" charset="0"/>
+                        <a:cs typeface="Times New Roman" panose="02020603050405020304" pitchFamily="18" charset="0"/>
+                      </a:endParaRPr>
+                    </a:p>
+                  </a:txBody>
+                  <a:tcPr marL="57770" marR="57770" marT="0" marB="0"/>
+                </a:tc>
+                <a:tc>
+                  <a:txBody>
+                    <a:bodyPr/>
+                    <a:lstStyle/>
+                    <a:p>
+                      <a:pPr marL="0" marR="0">
+                        <a:lnSpc>
+                          <a:spcPct val="107000"/>
+                        </a:lnSpc>
+                        <a:spcBef>
+                          <a:spcPts val="0"/>
+                        </a:spcBef>
+                        <a:spcAft>
+                          <a:spcPts val="0"/>
+                        </a:spcAft>
+                      </a:pPr>
+                      <a:r>
+                        <a:rPr lang="en-US" sz="1600" dirty="0">
+                          <a:effectLst/>
+                        </a:rPr>
+                        <a:t> </a:t>
+                      </a:r>
+                      <a:endParaRPr lang="en-US" sz="1050" dirty="0">
+                        <a:effectLst/>
+                        <a:latin typeface="Calibri" panose="020F0502020204030204" pitchFamily="34" charset="0"/>
+                        <a:ea typeface="Calibri" panose="020F0502020204030204" pitchFamily="34" charset="0"/>
+                        <a:cs typeface="Times New Roman" panose="02020603050405020304" pitchFamily="18" charset="0"/>
+                      </a:endParaRPr>
+                    </a:p>
+                  </a:txBody>
+                  <a:tcPr marL="57770" marR="57770" marT="0" marB="0"/>
+                </a:tc>
+                <a:extLst>
+                  <a:ext uri="{0D108BD9-81ED-4DB2-BD59-A6C34878D82A}">
+                    <a16:rowId xmlns:a16="http://schemas.microsoft.com/office/drawing/2014/main" val="3240126794"/>
+                  </a:ext>
+                </a:extLst>
+              </a:tr>
+            </a:tbl>
+          </a:graphicData>
+        </a:graphic>
+      </p:graphicFrame>
+    </p:spTree>
+    <p:extLst>
+      <p:ext uri="{BB962C8B-B14F-4D97-AF65-F5344CB8AC3E}">
+        <p14:creationId xmlns:p14="http://schemas.microsoft.com/office/powerpoint/2010/main" val="3100062512"/>
+      </p:ext>
+    </p:extLst>
+  </p:cSld>
+  <p:clrMapOvr>
+    <a:masterClrMapping/>
+  </p:clrMapOvr>
+  <mc:AlternateContent xmlns:mc="http://schemas.openxmlformats.org/markup-compatibility/2006" xmlns:p14="http://schemas.microsoft.com/office/powerpoint/2010/main">
+    <mc:Choice Requires="p14">
+      <p:transition spd="slow" p14:dur="1500">
+        <p:split orient="vert"/>
+      </p:transition>
+    </mc:Choice>
+    <mc:Fallback xmlns="">
+      <p:transition spd="slow">
+        <p:split orient="vert"/>
+      </p:transition>
+    </mc:Fallback>
+  </mc:AlternateContent>
+</p:sld>
+</file>
+
+<file path=ppt/slides/slide14.xml><?xml version="1.0" encoding="utf-8"?>
+<p:sld xmlns:a="http://schemas.openxmlformats.org/drawingml/2006/main" xmlns:r="http://schemas.openxmlformats.org/officeDocument/2006/relationships" xmlns:p="http://schemas.openxmlformats.org/presentationml/2006/main">
+  <p:cSld>
+    <p:spTree>
+      <p:nvGrpSpPr>
+        <p:cNvPr id="1" name=""/>
+        <p:cNvGrpSpPr/>
+        <p:nvPr/>
+      </p:nvGrpSpPr>
+      <p:grpSpPr>
+        <a:xfrm>
+          <a:off x="0" y="0"/>
+          <a:ext cx="0" cy="0"/>
+          <a:chOff x="0" y="0"/>
+          <a:chExt cx="0" cy="0"/>
+        </a:xfrm>
+      </p:grpSpPr>
       <p:sp>
         <p:nvSpPr>
-          <p:cNvPr id="3" name="Content Placeholder 2"/>
+          <p:cNvPr id="2" name="Title 1">
+            <a:extLst>
+              <a:ext uri="{FF2B5EF4-FFF2-40B4-BE49-F238E27FC236}">
+                <a16:creationId xmlns:a16="http://schemas.microsoft.com/office/drawing/2014/main" id="{323C768A-D3DF-4EB2-A78C-BA2018CDE498}"/>
+              </a:ext>
+            </a:extLst>
+          </p:cNvPr>
+          <p:cNvSpPr>
+            <a:spLocks noGrp="1"/>
+          </p:cNvSpPr>
+          <p:nvPr>
+            <p:ph type="title"/>
+          </p:nvPr>
+        </p:nvSpPr>
+        <p:spPr>
+          <a:xfrm>
+            <a:off x="1097280" y="286604"/>
+            <a:ext cx="10058400" cy="798126"/>
+          </a:xfrm>
+        </p:spPr>
+        <p:txBody>
+          <a:bodyPr/>
+          <a:lstStyle/>
+          <a:p>
+            <a:r>
+              <a:rPr lang="en-US" dirty="0">
+                <a:latin typeface="Times New Roman" panose="02020603050405020304" pitchFamily="18" charset="0"/>
+                <a:cs typeface="Times New Roman" panose="02020603050405020304" pitchFamily="18" charset="0"/>
+              </a:rPr>
+              <a:t>3. </a:t>
+            </a:r>
+            <a:r>
+              <a:rPr lang="en-US" dirty="0" err="1">
+                <a:latin typeface="Times New Roman" panose="02020603050405020304" pitchFamily="18" charset="0"/>
+                <a:cs typeface="Times New Roman" panose="02020603050405020304" pitchFamily="18" charset="0"/>
+              </a:rPr>
+              <a:t>Trình</a:t>
+            </a:r>
+            <a:r>
+              <a:rPr lang="en-US" dirty="0">
+                <a:latin typeface="Times New Roman" panose="02020603050405020304" pitchFamily="18" charset="0"/>
+                <a:cs typeface="Times New Roman" panose="02020603050405020304" pitchFamily="18" charset="0"/>
+              </a:rPr>
+              <a:t> </a:t>
+            </a:r>
+            <a:r>
+              <a:rPr lang="en-US" dirty="0" err="1">
+                <a:latin typeface="Times New Roman" panose="02020603050405020304" pitchFamily="18" charset="0"/>
+                <a:cs typeface="Times New Roman" panose="02020603050405020304" pitchFamily="18" charset="0"/>
+              </a:rPr>
+              <a:t>bày</a:t>
+            </a:r>
+            <a:r>
+              <a:rPr lang="en-US" dirty="0">
+                <a:latin typeface="Times New Roman" panose="02020603050405020304" pitchFamily="18" charset="0"/>
+                <a:cs typeface="Times New Roman" panose="02020603050405020304" pitchFamily="18" charset="0"/>
+              </a:rPr>
+              <a:t> </a:t>
+            </a:r>
+            <a:r>
+              <a:rPr lang="en-US" dirty="0" err="1">
+                <a:latin typeface="Times New Roman" panose="02020603050405020304" pitchFamily="18" charset="0"/>
+                <a:cs typeface="Times New Roman" panose="02020603050405020304" pitchFamily="18" charset="0"/>
+              </a:rPr>
+              <a:t>sản</a:t>
+            </a:r>
+            <a:r>
+              <a:rPr lang="en-US" dirty="0">
+                <a:latin typeface="Times New Roman" panose="02020603050405020304" pitchFamily="18" charset="0"/>
+                <a:cs typeface="Times New Roman" panose="02020603050405020304" pitchFamily="18" charset="0"/>
+              </a:rPr>
+              <a:t> </a:t>
+            </a:r>
+            <a:r>
+              <a:rPr lang="en-US" dirty="0" err="1">
+                <a:latin typeface="Times New Roman" panose="02020603050405020304" pitchFamily="18" charset="0"/>
+                <a:cs typeface="Times New Roman" panose="02020603050405020304" pitchFamily="18" charset="0"/>
+              </a:rPr>
+              <a:t>phẩm</a:t>
+            </a:r>
+            <a:endParaRPr lang="en-US" dirty="0">
+              <a:latin typeface="Times New Roman" panose="02020603050405020304" pitchFamily="18" charset="0"/>
+              <a:cs typeface="Times New Roman" panose="02020603050405020304" pitchFamily="18" charset="0"/>
+            </a:endParaRPr>
+          </a:p>
+        </p:txBody>
+      </p:sp>
+      <p:sp>
+        <p:nvSpPr>
+          <p:cNvPr id="3" name="Content Placeholder 2">
+            <a:extLst>
+              <a:ext uri="{FF2B5EF4-FFF2-40B4-BE49-F238E27FC236}">
+                <a16:creationId xmlns:a16="http://schemas.microsoft.com/office/drawing/2014/main" id="{3FA59283-35F5-4AD8-8988-F13FF907F789}"/>
+              </a:ext>
+            </a:extLst>
+          </p:cNvPr>
           <p:cNvSpPr>
             <a:spLocks noGrp="1"/>
           </p:cNvSpPr>
@@ -3674,14 +9000,378 @@
           <a:bodyPr/>
           <a:lstStyle/>
           <a:p>
-            <a:endParaRPr lang="en-US"/>
+            <a:r>
+              <a:rPr lang="en-US" sz="2000" dirty="0">
+                <a:latin typeface="Times New Roman" panose="02020603050405020304" pitchFamily="18" charset="0"/>
+                <a:cs typeface="Times New Roman" panose="02020603050405020304" pitchFamily="18" charset="0"/>
+              </a:rPr>
+              <a:t>T</a:t>
+            </a:r>
+            <a:r>
+              <a:rPr lang="en-US" sz="2000" dirty="0" smtClean="0">
+                <a:latin typeface="Times New Roman" panose="02020603050405020304" pitchFamily="18" charset="0"/>
+                <a:cs typeface="Times New Roman" panose="02020603050405020304" pitchFamily="18" charset="0"/>
+              </a:rPr>
+              <a:t>ốc </a:t>
+            </a:r>
+            <a:r>
+              <a:rPr lang="en-US" sz="2000" dirty="0">
+                <a:latin typeface="Times New Roman" panose="02020603050405020304" pitchFamily="18" charset="0"/>
+                <a:cs typeface="Times New Roman" panose="02020603050405020304" pitchFamily="18" charset="0"/>
+              </a:rPr>
+              <a:t>lực (Velocity) của nhóm, năng suất làm việc của nhóm, tình trạng ngân sách và chi phí của nhóm, cập nhập sản phẩm Product Backlog, cập nhập sản phẩm “Kế hoạch phân phối (Release Plan)” của nhóm</a:t>
+            </a:r>
+          </a:p>
+          <a:p>
+            <a:r>
+              <a:rPr lang="en-US" sz="2000" dirty="0">
+                <a:latin typeface="Times New Roman" panose="02020603050405020304" pitchFamily="18" charset="0"/>
+                <a:cs typeface="Times New Roman" panose="02020603050405020304" pitchFamily="18" charset="0"/>
+              </a:rPr>
+              <a:t>Total point: 52</a:t>
+            </a:r>
+          </a:p>
+          <a:p>
+            <a:r>
+              <a:rPr lang="en-US" sz="2000" dirty="0" smtClean="0">
+                <a:latin typeface="Times New Roman" panose="02020603050405020304" pitchFamily="18" charset="0"/>
+                <a:cs typeface="Times New Roman" panose="02020603050405020304" pitchFamily="18" charset="0"/>
+              </a:rPr>
+              <a:t>Velocity: </a:t>
+            </a:r>
+            <a:r>
+              <a:rPr lang="en-US" sz="2000" dirty="0">
+                <a:latin typeface="Times New Roman" panose="02020603050405020304" pitchFamily="18" charset="0"/>
+                <a:cs typeface="Times New Roman" panose="02020603050405020304" pitchFamily="18" charset="0"/>
+              </a:rPr>
+              <a:t>6</a:t>
+            </a:r>
+          </a:p>
+          <a:p>
+            <a:r>
+              <a:rPr lang="en-US" sz="2000" dirty="0" err="1">
+                <a:latin typeface="Times New Roman" panose="02020603050405020304" pitchFamily="18" charset="0"/>
+                <a:cs typeface="Times New Roman" panose="02020603050405020304" pitchFamily="18" charset="0"/>
+              </a:rPr>
+              <a:t>Ngân</a:t>
+            </a:r>
+            <a:r>
+              <a:rPr lang="en-US" sz="2000" dirty="0">
+                <a:latin typeface="Times New Roman" panose="02020603050405020304" pitchFamily="18" charset="0"/>
+                <a:cs typeface="Times New Roman" panose="02020603050405020304" pitchFamily="18" charset="0"/>
+              </a:rPr>
+              <a:t> </a:t>
+            </a:r>
+            <a:r>
+              <a:rPr lang="en-US" sz="2000" dirty="0" err="1">
+                <a:latin typeface="Times New Roman" panose="02020603050405020304" pitchFamily="18" charset="0"/>
+                <a:cs typeface="Times New Roman" panose="02020603050405020304" pitchFamily="18" charset="0"/>
+              </a:rPr>
+              <a:t>sách</a:t>
+            </a:r>
+            <a:r>
+              <a:rPr lang="en-US" sz="2000" dirty="0">
+                <a:latin typeface="Times New Roman" panose="02020603050405020304" pitchFamily="18" charset="0"/>
+                <a:cs typeface="Times New Roman" panose="02020603050405020304" pitchFamily="18" charset="0"/>
+              </a:rPr>
+              <a:t> </a:t>
+            </a:r>
+            <a:r>
+              <a:rPr lang="en-US" sz="2000" dirty="0" err="1">
+                <a:latin typeface="Times New Roman" panose="02020603050405020304" pitchFamily="18" charset="0"/>
+                <a:cs typeface="Times New Roman" panose="02020603050405020304" pitchFamily="18" charset="0"/>
+              </a:rPr>
+              <a:t>và</a:t>
+            </a:r>
+            <a:r>
+              <a:rPr lang="en-US" sz="2000" dirty="0">
+                <a:latin typeface="Times New Roman" panose="02020603050405020304" pitchFamily="18" charset="0"/>
+                <a:cs typeface="Times New Roman" panose="02020603050405020304" pitchFamily="18" charset="0"/>
+              </a:rPr>
+              <a:t> chi </a:t>
+            </a:r>
+            <a:r>
+              <a:rPr lang="en-US" sz="2000" dirty="0" err="1">
+                <a:latin typeface="Times New Roman" panose="02020603050405020304" pitchFamily="18" charset="0"/>
+                <a:cs typeface="Times New Roman" panose="02020603050405020304" pitchFamily="18" charset="0"/>
+              </a:rPr>
+              <a:t>phí:Ngân</a:t>
+            </a:r>
+            <a:r>
+              <a:rPr lang="en-US" sz="2000" dirty="0">
+                <a:latin typeface="Times New Roman" panose="02020603050405020304" pitchFamily="18" charset="0"/>
+                <a:cs typeface="Times New Roman" panose="02020603050405020304" pitchFamily="18" charset="0"/>
+              </a:rPr>
+              <a:t> </a:t>
+            </a:r>
+            <a:r>
+              <a:rPr lang="en-US" sz="2000" dirty="0" err="1">
+                <a:latin typeface="Times New Roman" panose="02020603050405020304" pitchFamily="18" charset="0"/>
+                <a:cs typeface="Times New Roman" panose="02020603050405020304" pitchFamily="18" charset="0"/>
+              </a:rPr>
+              <a:t>sách</a:t>
+            </a:r>
+            <a:r>
+              <a:rPr lang="en-US" sz="2000" dirty="0">
+                <a:latin typeface="Times New Roman" panose="02020603050405020304" pitchFamily="18" charset="0"/>
+                <a:cs typeface="Times New Roman" panose="02020603050405020304" pitchFamily="18" charset="0"/>
+              </a:rPr>
+              <a:t> </a:t>
+            </a:r>
+            <a:r>
+              <a:rPr lang="en-US" sz="2000" dirty="0" err="1">
+                <a:latin typeface="Times New Roman" panose="02020603050405020304" pitchFamily="18" charset="0"/>
+                <a:cs typeface="Times New Roman" panose="02020603050405020304" pitchFamily="18" charset="0"/>
+              </a:rPr>
+              <a:t>hiện</a:t>
+            </a:r>
+            <a:r>
+              <a:rPr lang="en-US" sz="2000" dirty="0">
+                <a:latin typeface="Times New Roman" panose="02020603050405020304" pitchFamily="18" charset="0"/>
+                <a:cs typeface="Times New Roman" panose="02020603050405020304" pitchFamily="18" charset="0"/>
+              </a:rPr>
+              <a:t> </a:t>
+            </a:r>
+            <a:r>
+              <a:rPr lang="en-US" sz="2000" dirty="0" err="1">
+                <a:latin typeface="Times New Roman" panose="02020603050405020304" pitchFamily="18" charset="0"/>
+                <a:cs typeface="Times New Roman" panose="02020603050405020304" pitchFamily="18" charset="0"/>
+              </a:rPr>
+              <a:t>tại</a:t>
+            </a:r>
+            <a:r>
+              <a:rPr lang="en-US" sz="2000" dirty="0">
+                <a:latin typeface="Times New Roman" panose="02020603050405020304" pitchFamily="18" charset="0"/>
+                <a:cs typeface="Times New Roman" panose="02020603050405020304" pitchFamily="18" charset="0"/>
+              </a:rPr>
+              <a:t> </a:t>
+            </a:r>
+            <a:r>
+              <a:rPr lang="en-US" sz="2000" dirty="0" err="1">
+                <a:latin typeface="Times New Roman" panose="02020603050405020304" pitchFamily="18" charset="0"/>
+                <a:cs typeface="Times New Roman" panose="02020603050405020304" pitchFamily="18" charset="0"/>
+              </a:rPr>
+              <a:t>ch</a:t>
+            </a:r>
+            <a:r>
+              <a:rPr lang="vi-VN" sz="2000" dirty="0">
+                <a:latin typeface="Times New Roman" panose="02020603050405020304" pitchFamily="18" charset="0"/>
+                <a:cs typeface="Times New Roman" panose="02020603050405020304" pitchFamily="18" charset="0"/>
+              </a:rPr>
+              <a:t>ư</a:t>
+            </a:r>
+            <a:r>
+              <a:rPr lang="en-US" sz="2000" dirty="0">
+                <a:latin typeface="Times New Roman" panose="02020603050405020304" pitchFamily="18" charset="0"/>
+                <a:cs typeface="Times New Roman" panose="02020603050405020304" pitchFamily="18" charset="0"/>
+              </a:rPr>
+              <a:t>a </a:t>
+            </a:r>
+            <a:r>
+              <a:rPr lang="en-US" sz="2000" dirty="0" err="1">
+                <a:latin typeface="Times New Roman" panose="02020603050405020304" pitchFamily="18" charset="0"/>
+                <a:cs typeface="Times New Roman" panose="02020603050405020304" pitchFamily="18" charset="0"/>
+              </a:rPr>
+              <a:t>có</a:t>
+            </a:r>
+            <a:r>
+              <a:rPr lang="en-US" sz="2000" dirty="0">
+                <a:latin typeface="Times New Roman" panose="02020603050405020304" pitchFamily="18" charset="0"/>
+                <a:cs typeface="Times New Roman" panose="02020603050405020304" pitchFamily="18" charset="0"/>
+              </a:rPr>
+              <a:t> </a:t>
+            </a:r>
+            <a:r>
+              <a:rPr lang="en-US" sz="2000" dirty="0" err="1">
+                <a:latin typeface="Times New Roman" panose="02020603050405020304" pitchFamily="18" charset="0"/>
+                <a:cs typeface="Times New Roman" panose="02020603050405020304" pitchFamily="18" charset="0"/>
+              </a:rPr>
+              <a:t>ngân</a:t>
+            </a:r>
+            <a:r>
+              <a:rPr lang="en-US" sz="2000" dirty="0">
+                <a:latin typeface="Times New Roman" panose="02020603050405020304" pitchFamily="18" charset="0"/>
+                <a:cs typeface="Times New Roman" panose="02020603050405020304" pitchFamily="18" charset="0"/>
+              </a:rPr>
+              <a:t> </a:t>
+            </a:r>
+            <a:r>
+              <a:rPr lang="en-US" sz="2000" dirty="0" err="1">
+                <a:latin typeface="Times New Roman" panose="02020603050405020304" pitchFamily="18" charset="0"/>
+                <a:cs typeface="Times New Roman" panose="02020603050405020304" pitchFamily="18" charset="0"/>
+              </a:rPr>
+              <a:t>sách</a:t>
+            </a:r>
+            <a:r>
+              <a:rPr lang="en-US" sz="2000" dirty="0">
+                <a:latin typeface="Times New Roman" panose="02020603050405020304" pitchFamily="18" charset="0"/>
+                <a:cs typeface="Times New Roman" panose="02020603050405020304" pitchFamily="18" charset="0"/>
+              </a:rPr>
+              <a:t> </a:t>
+            </a:r>
+            <a:r>
+              <a:rPr lang="en-US" sz="2000" dirty="0" err="1">
+                <a:latin typeface="Times New Roman" panose="02020603050405020304" pitchFamily="18" charset="0"/>
+                <a:cs typeface="Times New Roman" panose="02020603050405020304" pitchFamily="18" charset="0"/>
+              </a:rPr>
+              <a:t>nên</a:t>
+            </a:r>
+            <a:r>
+              <a:rPr lang="en-US" sz="2000" dirty="0">
+                <a:latin typeface="Times New Roman" panose="02020603050405020304" pitchFamily="18" charset="0"/>
+                <a:cs typeface="Times New Roman" panose="02020603050405020304" pitchFamily="18" charset="0"/>
+              </a:rPr>
+              <a:t> </a:t>
+            </a:r>
+            <a:r>
+              <a:rPr lang="en-US" sz="2000" dirty="0" err="1">
+                <a:latin typeface="Times New Roman" panose="02020603050405020304" pitchFamily="18" charset="0"/>
+                <a:cs typeface="Times New Roman" panose="02020603050405020304" pitchFamily="18" charset="0"/>
+              </a:rPr>
+              <a:t>các</a:t>
+            </a:r>
+            <a:r>
+              <a:rPr lang="en-US" sz="2000" dirty="0">
+                <a:latin typeface="Times New Roman" panose="02020603050405020304" pitchFamily="18" charset="0"/>
+                <a:cs typeface="Times New Roman" panose="02020603050405020304" pitchFamily="18" charset="0"/>
+              </a:rPr>
+              <a:t> </a:t>
+            </a:r>
+            <a:r>
+              <a:rPr lang="en-US" sz="2000" dirty="0" err="1">
+                <a:latin typeface="Times New Roman" panose="02020603050405020304" pitchFamily="18" charset="0"/>
+                <a:cs typeface="Times New Roman" panose="02020603050405020304" pitchFamily="18" charset="0"/>
+              </a:rPr>
+              <a:t>thành</a:t>
+            </a:r>
+            <a:r>
+              <a:rPr lang="en-US" sz="2000" dirty="0">
+                <a:latin typeface="Times New Roman" panose="02020603050405020304" pitchFamily="18" charset="0"/>
+                <a:cs typeface="Times New Roman" panose="02020603050405020304" pitchFamily="18" charset="0"/>
+              </a:rPr>
+              <a:t> </a:t>
+            </a:r>
+            <a:r>
+              <a:rPr lang="en-US" sz="2000" dirty="0" err="1">
+                <a:latin typeface="Times New Roman" panose="02020603050405020304" pitchFamily="18" charset="0"/>
+                <a:cs typeface="Times New Roman" panose="02020603050405020304" pitchFamily="18" charset="0"/>
+              </a:rPr>
+              <a:t>viên</a:t>
+            </a:r>
+            <a:r>
+              <a:rPr lang="en-US" sz="2000" dirty="0">
+                <a:latin typeface="Times New Roman" panose="02020603050405020304" pitchFamily="18" charset="0"/>
+                <a:cs typeface="Times New Roman" panose="02020603050405020304" pitchFamily="18" charset="0"/>
+              </a:rPr>
+              <a:t> </a:t>
+            </a:r>
+            <a:r>
+              <a:rPr lang="en-US" sz="2000" dirty="0" err="1">
+                <a:latin typeface="Times New Roman" panose="02020603050405020304" pitchFamily="18" charset="0"/>
+                <a:cs typeface="Times New Roman" panose="02020603050405020304" pitchFamily="18" charset="0"/>
+              </a:rPr>
+              <a:t>tự</a:t>
+            </a:r>
+            <a:r>
+              <a:rPr lang="en-US" sz="2000" dirty="0">
+                <a:latin typeface="Times New Roman" panose="02020603050405020304" pitchFamily="18" charset="0"/>
+                <a:cs typeface="Times New Roman" panose="02020603050405020304" pitchFamily="18" charset="0"/>
+              </a:rPr>
+              <a:t> </a:t>
+            </a:r>
+            <a:r>
+              <a:rPr lang="en-US" sz="2000" dirty="0" err="1">
+                <a:latin typeface="Times New Roman" panose="02020603050405020304" pitchFamily="18" charset="0"/>
+                <a:cs typeface="Times New Roman" panose="02020603050405020304" pitchFamily="18" charset="0"/>
+              </a:rPr>
+              <a:t>túc</a:t>
+            </a:r>
+            <a:r>
+              <a:rPr lang="en-US" sz="2000" dirty="0">
+                <a:latin typeface="Times New Roman" panose="02020603050405020304" pitchFamily="18" charset="0"/>
+                <a:cs typeface="Times New Roman" panose="02020603050405020304" pitchFamily="18" charset="0"/>
+              </a:rPr>
+              <a:t> -  Chi </a:t>
+            </a:r>
+            <a:r>
+              <a:rPr lang="en-US" sz="2000" dirty="0" err="1">
+                <a:latin typeface="Times New Roman" panose="02020603050405020304" pitchFamily="18" charset="0"/>
+                <a:cs typeface="Times New Roman" panose="02020603050405020304" pitchFamily="18" charset="0"/>
+              </a:rPr>
+              <a:t>phí</a:t>
+            </a:r>
+            <a:r>
+              <a:rPr lang="en-US" sz="2000" dirty="0">
+                <a:latin typeface="Times New Roman" panose="02020603050405020304" pitchFamily="18" charset="0"/>
+                <a:cs typeface="Times New Roman" panose="02020603050405020304" pitchFamily="18" charset="0"/>
+              </a:rPr>
+              <a:t> </a:t>
+            </a:r>
+            <a:r>
+              <a:rPr lang="en-US" sz="2000" dirty="0" err="1">
+                <a:latin typeface="Times New Roman" panose="02020603050405020304" pitchFamily="18" charset="0"/>
+                <a:cs typeface="Times New Roman" panose="02020603050405020304" pitchFamily="18" charset="0"/>
+              </a:rPr>
+              <a:t>nhóm</a:t>
+            </a:r>
+            <a:r>
+              <a:rPr lang="en-US" sz="2000" dirty="0">
+                <a:latin typeface="Times New Roman" panose="02020603050405020304" pitchFamily="18" charset="0"/>
+                <a:cs typeface="Times New Roman" panose="02020603050405020304" pitchFamily="18" charset="0"/>
+              </a:rPr>
+              <a:t> </a:t>
+            </a:r>
+            <a:r>
+              <a:rPr lang="en-US" sz="2000" dirty="0" err="1">
+                <a:latin typeface="Times New Roman" panose="02020603050405020304" pitchFamily="18" charset="0"/>
+                <a:cs typeface="Times New Roman" panose="02020603050405020304" pitchFamily="18" charset="0"/>
+              </a:rPr>
+              <a:t>là</a:t>
+            </a:r>
+            <a:r>
+              <a:rPr lang="en-US" sz="2000" dirty="0">
+                <a:latin typeface="Times New Roman" panose="02020603050405020304" pitchFamily="18" charset="0"/>
+                <a:cs typeface="Times New Roman" panose="02020603050405020304" pitchFamily="18" charset="0"/>
+              </a:rPr>
+              <a:t> </a:t>
+            </a:r>
+            <a:r>
+              <a:rPr lang="en-US" sz="2000" dirty="0" err="1">
+                <a:latin typeface="Times New Roman" panose="02020603050405020304" pitchFamily="18" charset="0"/>
+                <a:cs typeface="Times New Roman" panose="02020603050405020304" pitchFamily="18" charset="0"/>
+              </a:rPr>
+              <a:t>12tr</a:t>
+            </a:r>
+            <a:r>
+              <a:rPr lang="en-US" sz="2000" dirty="0">
+                <a:latin typeface="Times New Roman" panose="02020603050405020304" pitchFamily="18" charset="0"/>
+                <a:cs typeface="Times New Roman" panose="02020603050405020304" pitchFamily="18" charset="0"/>
+              </a:rPr>
+              <a:t> VND </a:t>
+            </a:r>
+          </a:p>
+          <a:p>
+            <a:pPr marL="0" indent="0">
+              <a:buNone/>
+            </a:pPr>
+            <a:r>
+              <a:rPr lang="vi-VN" dirty="0">
+                <a:latin typeface="Times New Roman" panose="02020603050405020304" pitchFamily="18" charset="0"/>
+                <a:cs typeface="Times New Roman" panose="02020603050405020304" pitchFamily="18" charset="0"/>
+              </a:rPr>
+              <a:t> </a:t>
+            </a:r>
+            <a:endParaRPr lang="en-US" dirty="0">
+              <a:latin typeface="Times New Roman" panose="02020603050405020304" pitchFamily="18" charset="0"/>
+              <a:cs typeface="Times New Roman" panose="02020603050405020304" pitchFamily="18" charset="0"/>
+            </a:endParaRPr>
           </a:p>
         </p:txBody>
       </p:sp>
     </p:spTree>
     <p:extLst>
       <p:ext uri="{BB962C8B-B14F-4D97-AF65-F5344CB8AC3E}">
-        <p14:creationId xmlns:p14="http://schemas.microsoft.com/office/powerpoint/2010/main" val="3802031316"/>
+        <p14:creationId xmlns:p14="http://schemas.microsoft.com/office/powerpoint/2010/main" val="2132085301"/>
       </p:ext>
     </p:extLst>
   </p:cSld>
@@ -3691,7 +9381,1547 @@
 </p:sld>
 </file>
 
-<file path=ppt/slides/slide13.xml><?xml version="1.0" encoding="utf-8"?>
+<file path=ppt/slides/slide15.xml><?xml version="1.0" encoding="utf-8"?>
+<p:sld xmlns:a="http://schemas.openxmlformats.org/drawingml/2006/main" xmlns:r="http://schemas.openxmlformats.org/officeDocument/2006/relationships" xmlns:p="http://schemas.openxmlformats.org/presentationml/2006/main">
+  <p:cSld>
+    <p:spTree>
+      <p:nvGrpSpPr>
+        <p:cNvPr id="1" name=""/>
+        <p:cNvGrpSpPr/>
+        <p:nvPr/>
+      </p:nvGrpSpPr>
+      <p:grpSpPr>
+        <a:xfrm>
+          <a:off x="0" y="0"/>
+          <a:ext cx="0" cy="0"/>
+          <a:chOff x="0" y="0"/>
+          <a:chExt cx="0" cy="0"/>
+        </a:xfrm>
+      </p:grpSpPr>
+      <p:sp>
+        <p:nvSpPr>
+          <p:cNvPr id="2" name="Title 1">
+            <a:extLst>
+              <a:ext uri="{FF2B5EF4-FFF2-40B4-BE49-F238E27FC236}">
+                <a16:creationId xmlns:a16="http://schemas.microsoft.com/office/drawing/2014/main" id="{323C768A-D3DF-4EB2-A78C-BA2018CDE498}"/>
+              </a:ext>
+            </a:extLst>
+          </p:cNvPr>
+          <p:cNvSpPr>
+            <a:spLocks noGrp="1"/>
+          </p:cNvSpPr>
+          <p:nvPr>
+            <p:ph type="title"/>
+          </p:nvPr>
+        </p:nvSpPr>
+        <p:spPr>
+          <a:xfrm>
+            <a:off x="1097280" y="286604"/>
+            <a:ext cx="10058400" cy="798126"/>
+          </a:xfrm>
+        </p:spPr>
+        <p:txBody>
+          <a:bodyPr/>
+          <a:lstStyle/>
+          <a:p>
+            <a:r>
+              <a:rPr lang="en-US" dirty="0">
+                <a:latin typeface="Times New Roman" panose="02020603050405020304" pitchFamily="18" charset="0"/>
+                <a:cs typeface="Times New Roman" panose="02020603050405020304" pitchFamily="18" charset="0"/>
+              </a:rPr>
+              <a:t>3. </a:t>
+            </a:r>
+            <a:r>
+              <a:rPr lang="en-US" dirty="0" err="1">
+                <a:latin typeface="Times New Roman" panose="02020603050405020304" pitchFamily="18" charset="0"/>
+                <a:cs typeface="Times New Roman" panose="02020603050405020304" pitchFamily="18" charset="0"/>
+              </a:rPr>
+              <a:t>Trình</a:t>
+            </a:r>
+            <a:r>
+              <a:rPr lang="en-US" dirty="0">
+                <a:latin typeface="Times New Roman" panose="02020603050405020304" pitchFamily="18" charset="0"/>
+                <a:cs typeface="Times New Roman" panose="02020603050405020304" pitchFamily="18" charset="0"/>
+              </a:rPr>
+              <a:t> </a:t>
+            </a:r>
+            <a:r>
+              <a:rPr lang="en-US" dirty="0" err="1">
+                <a:latin typeface="Times New Roman" panose="02020603050405020304" pitchFamily="18" charset="0"/>
+                <a:cs typeface="Times New Roman" panose="02020603050405020304" pitchFamily="18" charset="0"/>
+              </a:rPr>
+              <a:t>bày</a:t>
+            </a:r>
+            <a:r>
+              <a:rPr lang="en-US" dirty="0">
+                <a:latin typeface="Times New Roman" panose="02020603050405020304" pitchFamily="18" charset="0"/>
+                <a:cs typeface="Times New Roman" panose="02020603050405020304" pitchFamily="18" charset="0"/>
+              </a:rPr>
+              <a:t> </a:t>
+            </a:r>
+            <a:r>
+              <a:rPr lang="en-US" dirty="0" err="1">
+                <a:latin typeface="Times New Roman" panose="02020603050405020304" pitchFamily="18" charset="0"/>
+                <a:cs typeface="Times New Roman" panose="02020603050405020304" pitchFamily="18" charset="0"/>
+              </a:rPr>
+              <a:t>sản</a:t>
+            </a:r>
+            <a:r>
+              <a:rPr lang="en-US" dirty="0">
+                <a:latin typeface="Times New Roman" panose="02020603050405020304" pitchFamily="18" charset="0"/>
+                <a:cs typeface="Times New Roman" panose="02020603050405020304" pitchFamily="18" charset="0"/>
+              </a:rPr>
+              <a:t> </a:t>
+            </a:r>
+            <a:r>
+              <a:rPr lang="en-US" dirty="0" err="1">
+                <a:latin typeface="Times New Roman" panose="02020603050405020304" pitchFamily="18" charset="0"/>
+                <a:cs typeface="Times New Roman" panose="02020603050405020304" pitchFamily="18" charset="0"/>
+              </a:rPr>
+              <a:t>phẩm</a:t>
+            </a:r>
+            <a:endParaRPr lang="en-US" dirty="0">
+              <a:latin typeface="Times New Roman" panose="02020603050405020304" pitchFamily="18" charset="0"/>
+              <a:cs typeface="Times New Roman" panose="02020603050405020304" pitchFamily="18" charset="0"/>
+            </a:endParaRPr>
+          </a:p>
+        </p:txBody>
+      </p:sp>
+      <p:sp>
+        <p:nvSpPr>
+          <p:cNvPr id="3" name="Content Placeholder 2">
+            <a:extLst>
+              <a:ext uri="{FF2B5EF4-FFF2-40B4-BE49-F238E27FC236}">
+                <a16:creationId xmlns:a16="http://schemas.microsoft.com/office/drawing/2014/main" id="{3FA59283-35F5-4AD8-8988-F13FF907F789}"/>
+              </a:ext>
+            </a:extLst>
+          </p:cNvPr>
+          <p:cNvSpPr>
+            <a:spLocks noGrp="1"/>
+          </p:cNvSpPr>
+          <p:nvPr>
+            <p:ph idx="1"/>
+          </p:nvPr>
+        </p:nvSpPr>
+        <p:spPr/>
+        <p:txBody>
+          <a:bodyPr/>
+          <a:lstStyle/>
+          <a:p>
+            <a:r>
+              <a:rPr lang="en-US" dirty="0">
+                <a:latin typeface="Times New Roman" panose="02020603050405020304" pitchFamily="18" charset="0"/>
+                <a:cs typeface="Times New Roman" panose="02020603050405020304" pitchFamily="18" charset="0"/>
+              </a:rPr>
+              <a:t> B</a:t>
+            </a:r>
+            <a:r>
+              <a:rPr lang="vi-VN" dirty="0">
+                <a:latin typeface="Times New Roman" panose="02020603050405020304" pitchFamily="18" charset="0"/>
+                <a:cs typeface="Times New Roman" panose="02020603050405020304" pitchFamily="18" charset="0"/>
+              </a:rPr>
+              <a:t>. Các chỉ số dự đoán thời gian, chi phí khi kết thúc dự án (Forecasting) bằng phương pháp quản lý giá trị thu được (Earned value management), cập nhập sản phẩm Lịch trình dự án của nhóm. </a:t>
+            </a:r>
+            <a:endParaRPr lang="en-US" dirty="0">
+              <a:latin typeface="Times New Roman" panose="02020603050405020304" pitchFamily="18" charset="0"/>
+              <a:cs typeface="Times New Roman" panose="02020603050405020304" pitchFamily="18" charset="0"/>
+            </a:endParaRPr>
+          </a:p>
+        </p:txBody>
+      </p:sp>
+    </p:spTree>
+    <p:extLst>
+      <p:ext uri="{BB962C8B-B14F-4D97-AF65-F5344CB8AC3E}">
+        <p14:creationId xmlns:p14="http://schemas.microsoft.com/office/powerpoint/2010/main" val="1855299757"/>
+      </p:ext>
+    </p:extLst>
+  </p:cSld>
+  <p:clrMapOvr>
+    <a:masterClrMapping/>
+  </p:clrMapOvr>
+</p:sld>
+</file>
+
+<file path=ppt/slides/slide16.xml><?xml version="1.0" encoding="utf-8"?>
+<p:sld xmlns:a="http://schemas.openxmlformats.org/drawingml/2006/main" xmlns:r="http://schemas.openxmlformats.org/officeDocument/2006/relationships" xmlns:p="http://schemas.openxmlformats.org/presentationml/2006/main">
+  <p:cSld>
+    <p:spTree>
+      <p:nvGrpSpPr>
+        <p:cNvPr id="1" name=""/>
+        <p:cNvGrpSpPr/>
+        <p:nvPr/>
+      </p:nvGrpSpPr>
+      <p:grpSpPr>
+        <a:xfrm>
+          <a:off x="0" y="0"/>
+          <a:ext cx="0" cy="0"/>
+          <a:chOff x="0" y="0"/>
+          <a:chExt cx="0" cy="0"/>
+        </a:xfrm>
+      </p:grpSpPr>
+      <p:sp>
+        <p:nvSpPr>
+          <p:cNvPr id="2" name="Title 1">
+            <a:extLst>
+              <a:ext uri="{FF2B5EF4-FFF2-40B4-BE49-F238E27FC236}">
+                <a16:creationId xmlns:a16="http://schemas.microsoft.com/office/drawing/2014/main" id="{4E6D6C4D-D40E-495D-B3AC-4D8D6B70D125}"/>
+              </a:ext>
+            </a:extLst>
+          </p:cNvPr>
+          <p:cNvSpPr>
+            <a:spLocks noGrp="1"/>
+          </p:cNvSpPr>
+          <p:nvPr>
+            <p:ph type="title"/>
+          </p:nvPr>
+        </p:nvSpPr>
+        <p:spPr/>
+        <p:txBody>
+          <a:bodyPr>
+            <a:normAutofit/>
+          </a:bodyPr>
+          <a:lstStyle/>
+          <a:p>
+            <a:r>
+              <a:rPr lang="en-US" dirty="0">
+                <a:latin typeface="Times New Roman" panose="02020603050405020304" pitchFamily="18" charset="0"/>
+                <a:cs typeface="Times New Roman" panose="02020603050405020304" pitchFamily="18" charset="0"/>
+              </a:rPr>
+              <a:t>4. </a:t>
+            </a:r>
+            <a:r>
+              <a:rPr lang="en-US" dirty="0" err="1">
+                <a:latin typeface="Times New Roman" panose="02020603050405020304" pitchFamily="18" charset="0"/>
+                <a:cs typeface="Times New Roman" panose="02020603050405020304" pitchFamily="18" charset="0"/>
+              </a:rPr>
+              <a:t>Trình</a:t>
+            </a:r>
+            <a:r>
+              <a:rPr lang="en-US" dirty="0">
+                <a:latin typeface="Times New Roman" panose="02020603050405020304" pitchFamily="18" charset="0"/>
+                <a:cs typeface="Times New Roman" panose="02020603050405020304" pitchFamily="18" charset="0"/>
+              </a:rPr>
+              <a:t> </a:t>
+            </a:r>
+            <a:r>
+              <a:rPr lang="en-US" dirty="0" err="1">
+                <a:latin typeface="Times New Roman" panose="02020603050405020304" pitchFamily="18" charset="0"/>
+                <a:cs typeface="Times New Roman" panose="02020603050405020304" pitchFamily="18" charset="0"/>
+              </a:rPr>
+              <a:t>bày</a:t>
+            </a:r>
+            <a:r>
+              <a:rPr lang="en-US" dirty="0">
+                <a:latin typeface="Times New Roman" panose="02020603050405020304" pitchFamily="18" charset="0"/>
+                <a:cs typeface="Times New Roman" panose="02020603050405020304" pitchFamily="18" charset="0"/>
+              </a:rPr>
+              <a:t> </a:t>
+            </a:r>
+            <a:r>
+              <a:rPr lang="en-US" dirty="0" err="1">
+                <a:latin typeface="Times New Roman" panose="02020603050405020304" pitchFamily="18" charset="0"/>
+                <a:cs typeface="Times New Roman" panose="02020603050405020304" pitchFamily="18" charset="0"/>
+              </a:rPr>
+              <a:t>bản</a:t>
+            </a:r>
+            <a:r>
+              <a:rPr lang="en-US" dirty="0">
+                <a:latin typeface="Times New Roman" panose="02020603050405020304" pitchFamily="18" charset="0"/>
+                <a:cs typeface="Times New Roman" panose="02020603050405020304" pitchFamily="18" charset="0"/>
+              </a:rPr>
+              <a:t> </a:t>
+            </a:r>
+            <a:r>
+              <a:rPr lang="en-US" dirty="0" err="1">
+                <a:latin typeface="Times New Roman" panose="02020603050405020304" pitchFamily="18" charset="0"/>
+                <a:cs typeface="Times New Roman" panose="02020603050405020304" pitchFamily="18" charset="0"/>
+              </a:rPr>
+              <a:t>báo</a:t>
+            </a:r>
+            <a:r>
+              <a:rPr lang="en-US" dirty="0">
+                <a:latin typeface="Times New Roman" panose="02020603050405020304" pitchFamily="18" charset="0"/>
+                <a:cs typeface="Times New Roman" panose="02020603050405020304" pitchFamily="18" charset="0"/>
+              </a:rPr>
+              <a:t> </a:t>
+            </a:r>
+            <a:r>
+              <a:rPr lang="en-US" dirty="0" err="1">
+                <a:latin typeface="Times New Roman" panose="02020603050405020304" pitchFamily="18" charset="0"/>
+                <a:cs typeface="Times New Roman" panose="02020603050405020304" pitchFamily="18" charset="0"/>
+              </a:rPr>
+              <a:t>cáo</a:t>
+            </a:r>
+            <a:r>
+              <a:rPr lang="en-US" dirty="0">
+                <a:latin typeface="Times New Roman" panose="02020603050405020304" pitchFamily="18" charset="0"/>
+                <a:cs typeface="Times New Roman" panose="02020603050405020304" pitchFamily="18" charset="0"/>
+              </a:rPr>
+              <a:t> </a:t>
+            </a:r>
+            <a:r>
+              <a:rPr lang="en-US" dirty="0" err="1">
+                <a:latin typeface="Times New Roman" panose="02020603050405020304" pitchFamily="18" charset="0"/>
+                <a:cs typeface="Times New Roman" panose="02020603050405020304" pitchFamily="18" charset="0"/>
+              </a:rPr>
+              <a:t>tóm</a:t>
+            </a:r>
+            <a:r>
+              <a:rPr lang="en-US" dirty="0">
+                <a:latin typeface="Times New Roman" panose="02020603050405020304" pitchFamily="18" charset="0"/>
+                <a:cs typeface="Times New Roman" panose="02020603050405020304" pitchFamily="18" charset="0"/>
+              </a:rPr>
+              <a:t> </a:t>
+            </a:r>
+            <a:r>
+              <a:rPr lang="en-US" dirty="0" err="1">
+                <a:latin typeface="Times New Roman" panose="02020603050405020304" pitchFamily="18" charset="0"/>
+                <a:cs typeface="Times New Roman" panose="02020603050405020304" pitchFamily="18" charset="0"/>
+              </a:rPr>
+              <a:t>tắt</a:t>
+            </a:r>
+            <a:r>
+              <a:rPr lang="en-US" dirty="0">
+                <a:latin typeface="Times New Roman" panose="02020603050405020304" pitchFamily="18" charset="0"/>
+                <a:cs typeface="Times New Roman" panose="02020603050405020304" pitchFamily="18" charset="0"/>
+              </a:rPr>
+              <a:t> </a:t>
+            </a:r>
+            <a:r>
+              <a:rPr lang="en-US" dirty="0" err="1">
+                <a:latin typeface="Times New Roman" panose="02020603050405020304" pitchFamily="18" charset="0"/>
+                <a:cs typeface="Times New Roman" panose="02020603050405020304" pitchFamily="18" charset="0"/>
+              </a:rPr>
+              <a:t>tình</a:t>
+            </a:r>
+            <a:r>
+              <a:rPr lang="en-US" dirty="0">
+                <a:latin typeface="Times New Roman" panose="02020603050405020304" pitchFamily="18" charset="0"/>
+                <a:cs typeface="Times New Roman" panose="02020603050405020304" pitchFamily="18" charset="0"/>
+              </a:rPr>
+              <a:t> </a:t>
+            </a:r>
+            <a:r>
+              <a:rPr lang="en-US" dirty="0" err="1">
+                <a:latin typeface="Times New Roman" panose="02020603050405020304" pitchFamily="18" charset="0"/>
+                <a:cs typeface="Times New Roman" panose="02020603050405020304" pitchFamily="18" charset="0"/>
+              </a:rPr>
+              <a:t>trạng</a:t>
+            </a:r>
+            <a:r>
+              <a:rPr lang="en-US" dirty="0">
+                <a:latin typeface="Times New Roman" panose="02020603050405020304" pitchFamily="18" charset="0"/>
+                <a:cs typeface="Times New Roman" panose="02020603050405020304" pitchFamily="18" charset="0"/>
+              </a:rPr>
+              <a:t> </a:t>
+            </a:r>
+            <a:r>
+              <a:rPr lang="en-US" dirty="0" err="1">
+                <a:latin typeface="Times New Roman" panose="02020603050405020304" pitchFamily="18" charset="0"/>
+                <a:cs typeface="Times New Roman" panose="02020603050405020304" pitchFamily="18" charset="0"/>
+              </a:rPr>
+              <a:t>dự</a:t>
+            </a:r>
+            <a:r>
+              <a:rPr lang="en-US" dirty="0">
+                <a:latin typeface="Times New Roman" panose="02020603050405020304" pitchFamily="18" charset="0"/>
+                <a:cs typeface="Times New Roman" panose="02020603050405020304" pitchFamily="18" charset="0"/>
+              </a:rPr>
+              <a:t> </a:t>
+            </a:r>
+            <a:r>
+              <a:rPr lang="en-US" dirty="0" err="1">
+                <a:latin typeface="Times New Roman" panose="02020603050405020304" pitchFamily="18" charset="0"/>
+                <a:cs typeface="Times New Roman" panose="02020603050405020304" pitchFamily="18" charset="0"/>
+              </a:rPr>
+              <a:t>án</a:t>
+            </a:r>
+            <a:r>
+              <a:rPr lang="en-US" dirty="0">
+                <a:latin typeface="Times New Roman" panose="02020603050405020304" pitchFamily="18" charset="0"/>
+                <a:cs typeface="Times New Roman" panose="02020603050405020304" pitchFamily="18" charset="0"/>
+              </a:rPr>
+              <a:t> </a:t>
+            </a:r>
+            <a:r>
+              <a:rPr lang="en-US" dirty="0" err="1">
+                <a:latin typeface="Times New Roman" panose="02020603050405020304" pitchFamily="18" charset="0"/>
+                <a:cs typeface="Times New Roman" panose="02020603050405020304" pitchFamily="18" charset="0"/>
+              </a:rPr>
+              <a:t>cho</a:t>
+            </a:r>
+            <a:r>
+              <a:rPr lang="en-US" dirty="0">
+                <a:latin typeface="Times New Roman" panose="02020603050405020304" pitchFamily="18" charset="0"/>
+                <a:cs typeface="Times New Roman" panose="02020603050405020304" pitchFamily="18" charset="0"/>
+              </a:rPr>
+              <a:t> </a:t>
+            </a:r>
+            <a:r>
+              <a:rPr lang="en-US" dirty="0" err="1">
+                <a:latin typeface="Times New Roman" panose="02020603050405020304" pitchFamily="18" charset="0"/>
+                <a:cs typeface="Times New Roman" panose="02020603050405020304" pitchFamily="18" charset="0"/>
+              </a:rPr>
+              <a:t>cấp</a:t>
+            </a:r>
+            <a:r>
+              <a:rPr lang="en-US" dirty="0">
+                <a:latin typeface="Times New Roman" panose="02020603050405020304" pitchFamily="18" charset="0"/>
+                <a:cs typeface="Times New Roman" panose="02020603050405020304" pitchFamily="18" charset="0"/>
+              </a:rPr>
+              <a:t> </a:t>
+            </a:r>
+            <a:r>
+              <a:rPr lang="en-US" dirty="0" err="1">
+                <a:latin typeface="Times New Roman" panose="02020603050405020304" pitchFamily="18" charset="0"/>
+                <a:cs typeface="Times New Roman" panose="02020603050405020304" pitchFamily="18" charset="0"/>
+              </a:rPr>
+              <a:t>trên</a:t>
+            </a:r>
+            <a:r>
+              <a:rPr lang="en-US" dirty="0">
+                <a:latin typeface="Times New Roman" panose="02020603050405020304" pitchFamily="18" charset="0"/>
+                <a:cs typeface="Times New Roman" panose="02020603050405020304" pitchFamily="18" charset="0"/>
+              </a:rPr>
+              <a:t> </a:t>
+            </a:r>
+            <a:r>
+              <a:rPr lang="en-US" dirty="0" err="1">
+                <a:latin typeface="Times New Roman" panose="02020603050405020304" pitchFamily="18" charset="0"/>
+                <a:cs typeface="Times New Roman" panose="02020603050405020304" pitchFamily="18" charset="0"/>
+              </a:rPr>
+              <a:t>của</a:t>
+            </a:r>
+            <a:r>
+              <a:rPr lang="en-US" dirty="0">
+                <a:latin typeface="Times New Roman" panose="02020603050405020304" pitchFamily="18" charset="0"/>
+                <a:cs typeface="Times New Roman" panose="02020603050405020304" pitchFamily="18" charset="0"/>
+              </a:rPr>
+              <a:t> </a:t>
+            </a:r>
+            <a:r>
+              <a:rPr lang="en-US" dirty="0" err="1">
+                <a:latin typeface="Times New Roman" panose="02020603050405020304" pitchFamily="18" charset="0"/>
+                <a:cs typeface="Times New Roman" panose="02020603050405020304" pitchFamily="18" charset="0"/>
+              </a:rPr>
+              <a:t>nhóm</a:t>
+            </a:r>
+            <a:r>
+              <a:rPr lang="en-US" dirty="0">
+                <a:latin typeface="Times New Roman" panose="02020603050405020304" pitchFamily="18" charset="0"/>
+                <a:cs typeface="Times New Roman" panose="02020603050405020304" pitchFamily="18" charset="0"/>
+              </a:rPr>
+              <a:t>.</a:t>
+            </a:r>
+          </a:p>
+        </p:txBody>
+      </p:sp>
+      <p:sp>
+        <p:nvSpPr>
+          <p:cNvPr id="3" name="Content Placeholder 2">
+            <a:extLst>
+              <a:ext uri="{FF2B5EF4-FFF2-40B4-BE49-F238E27FC236}">
+                <a16:creationId xmlns:a16="http://schemas.microsoft.com/office/drawing/2014/main" id="{F3F38356-2A22-4875-9BA4-D0D5D31AA8C7}"/>
+              </a:ext>
+            </a:extLst>
+          </p:cNvPr>
+          <p:cNvSpPr>
+            <a:spLocks noGrp="1"/>
+          </p:cNvSpPr>
+          <p:nvPr>
+            <p:ph idx="1"/>
+          </p:nvPr>
+        </p:nvSpPr>
+        <p:spPr/>
+        <p:txBody>
+          <a:bodyPr>
+            <a:normAutofit/>
+          </a:bodyPr>
+          <a:lstStyle/>
+          <a:p>
+            <a:r>
+              <a:rPr lang="en-US" dirty="0" err="1">
+                <a:latin typeface="Times New Roman" panose="02020603050405020304" pitchFamily="18" charset="0"/>
+                <a:cs typeface="Times New Roman" panose="02020603050405020304" pitchFamily="18" charset="0"/>
+              </a:rPr>
+              <a:t>Tóm</a:t>
+            </a:r>
+            <a:r>
+              <a:rPr lang="en-US" dirty="0">
+                <a:latin typeface="Times New Roman" panose="02020603050405020304" pitchFamily="18" charset="0"/>
+                <a:cs typeface="Times New Roman" panose="02020603050405020304" pitchFamily="18" charset="0"/>
+              </a:rPr>
+              <a:t> </a:t>
+            </a:r>
+            <a:r>
+              <a:rPr lang="en-US" dirty="0" err="1">
+                <a:latin typeface="Times New Roman" panose="02020603050405020304" pitchFamily="18" charset="0"/>
+                <a:cs typeface="Times New Roman" panose="02020603050405020304" pitchFamily="18" charset="0"/>
+              </a:rPr>
+              <a:t>tắt</a:t>
+            </a:r>
+            <a:r>
+              <a:rPr lang="en-US" dirty="0">
+                <a:latin typeface="Times New Roman" panose="02020603050405020304" pitchFamily="18" charset="0"/>
+                <a:cs typeface="Times New Roman" panose="02020603050405020304" pitchFamily="18" charset="0"/>
+              </a:rPr>
+              <a:t> </a:t>
+            </a:r>
+            <a:r>
+              <a:rPr lang="en-US" dirty="0" err="1">
+                <a:latin typeface="Times New Roman" panose="02020603050405020304" pitchFamily="18" charset="0"/>
+                <a:cs typeface="Times New Roman" panose="02020603050405020304" pitchFamily="18" charset="0"/>
+              </a:rPr>
+              <a:t>tình</a:t>
+            </a:r>
+            <a:r>
+              <a:rPr lang="en-US" dirty="0">
+                <a:latin typeface="Times New Roman" panose="02020603050405020304" pitchFamily="18" charset="0"/>
+                <a:cs typeface="Times New Roman" panose="02020603050405020304" pitchFamily="18" charset="0"/>
+              </a:rPr>
+              <a:t> </a:t>
+            </a:r>
+            <a:r>
+              <a:rPr lang="en-US" dirty="0" err="1">
+                <a:latin typeface="Times New Roman" panose="02020603050405020304" pitchFamily="18" charset="0"/>
+                <a:cs typeface="Times New Roman" panose="02020603050405020304" pitchFamily="18" charset="0"/>
+              </a:rPr>
+              <a:t>trạng</a:t>
+            </a:r>
+            <a:r>
+              <a:rPr lang="en-US" dirty="0">
+                <a:latin typeface="Times New Roman" panose="02020603050405020304" pitchFamily="18" charset="0"/>
+                <a:cs typeface="Times New Roman" panose="02020603050405020304" pitchFamily="18" charset="0"/>
+              </a:rPr>
+              <a:t> </a:t>
+            </a:r>
+            <a:r>
+              <a:rPr lang="en-US" dirty="0" err="1">
+                <a:latin typeface="Times New Roman" panose="02020603050405020304" pitchFamily="18" charset="0"/>
+                <a:cs typeface="Times New Roman" panose="02020603050405020304" pitchFamily="18" charset="0"/>
+              </a:rPr>
+              <a:t>nhóm</a:t>
+            </a:r>
+            <a:r>
+              <a:rPr lang="en-US" dirty="0">
+                <a:latin typeface="Times New Roman" panose="02020603050405020304" pitchFamily="18" charset="0"/>
+                <a:cs typeface="Times New Roman" panose="02020603050405020304" pitchFamily="18" charset="0"/>
+              </a:rPr>
+              <a:t>:</a:t>
+            </a:r>
+          </a:p>
+          <a:p>
+            <a:r>
+              <a:rPr lang="en-US" dirty="0" err="1">
+                <a:latin typeface="Times New Roman" panose="02020603050405020304" pitchFamily="18" charset="0"/>
+                <a:cs typeface="Times New Roman" panose="02020603050405020304" pitchFamily="18" charset="0"/>
+              </a:rPr>
+              <a:t>Những</a:t>
+            </a:r>
+            <a:r>
+              <a:rPr lang="en-US" dirty="0">
+                <a:latin typeface="Times New Roman" panose="02020603050405020304" pitchFamily="18" charset="0"/>
+                <a:cs typeface="Times New Roman" panose="02020603050405020304" pitchFamily="18" charset="0"/>
+              </a:rPr>
+              <a:t>  </a:t>
+            </a:r>
+            <a:r>
+              <a:rPr lang="en-US" dirty="0" err="1">
+                <a:latin typeface="Times New Roman" panose="02020603050405020304" pitchFamily="18" charset="0"/>
+                <a:cs typeface="Times New Roman" panose="02020603050405020304" pitchFamily="18" charset="0"/>
+              </a:rPr>
+              <a:t>thứ</a:t>
+            </a:r>
+            <a:r>
+              <a:rPr lang="en-US" dirty="0">
+                <a:latin typeface="Times New Roman" panose="02020603050405020304" pitchFamily="18" charset="0"/>
+                <a:cs typeface="Times New Roman" panose="02020603050405020304" pitchFamily="18" charset="0"/>
+              </a:rPr>
+              <a:t> </a:t>
+            </a:r>
+            <a:r>
+              <a:rPr lang="en-US" dirty="0" err="1">
+                <a:latin typeface="Times New Roman" panose="02020603050405020304" pitchFamily="18" charset="0"/>
+                <a:cs typeface="Times New Roman" panose="02020603050405020304" pitchFamily="18" charset="0"/>
+              </a:rPr>
+              <a:t>nhóm</a:t>
+            </a:r>
+            <a:r>
+              <a:rPr lang="en-US" dirty="0">
+                <a:latin typeface="Times New Roman" panose="02020603050405020304" pitchFamily="18" charset="0"/>
+                <a:cs typeface="Times New Roman" panose="02020603050405020304" pitchFamily="18" charset="0"/>
+              </a:rPr>
+              <a:t> </a:t>
+            </a:r>
+            <a:r>
+              <a:rPr lang="en-US" dirty="0" err="1">
+                <a:latin typeface="Times New Roman" panose="02020603050405020304" pitchFamily="18" charset="0"/>
+                <a:cs typeface="Times New Roman" panose="02020603050405020304" pitchFamily="18" charset="0"/>
+              </a:rPr>
+              <a:t>làm</a:t>
+            </a:r>
+            <a:r>
+              <a:rPr lang="en-US" dirty="0">
+                <a:latin typeface="Times New Roman" panose="02020603050405020304" pitchFamily="18" charset="0"/>
+                <a:cs typeface="Times New Roman" panose="02020603050405020304" pitchFamily="18" charset="0"/>
+              </a:rPr>
+              <a:t> đ</a:t>
+            </a:r>
+            <a:r>
+              <a:rPr lang="vi-VN" dirty="0">
+                <a:latin typeface="Times New Roman" panose="02020603050405020304" pitchFamily="18" charset="0"/>
+                <a:cs typeface="Times New Roman" panose="02020603050405020304" pitchFamily="18" charset="0"/>
+              </a:rPr>
+              <a:t>ư</a:t>
+            </a:r>
+            <a:r>
+              <a:rPr lang="en-US" dirty="0" err="1">
+                <a:latin typeface="Times New Roman" panose="02020603050405020304" pitchFamily="18" charset="0"/>
+                <a:cs typeface="Times New Roman" panose="02020603050405020304" pitchFamily="18" charset="0"/>
+              </a:rPr>
+              <a:t>ợc</a:t>
+            </a:r>
+            <a:endParaRPr lang="en-US" dirty="0">
+              <a:latin typeface="Times New Roman" panose="02020603050405020304" pitchFamily="18" charset="0"/>
+              <a:cs typeface="Times New Roman" panose="02020603050405020304" pitchFamily="18" charset="0"/>
+            </a:endParaRPr>
+          </a:p>
+          <a:p>
+            <a:pPr lvl="1"/>
+            <a:r>
+              <a:rPr lang="en-US" dirty="0" err="1">
+                <a:latin typeface="Times New Roman" panose="02020603050405020304" pitchFamily="18" charset="0"/>
+                <a:cs typeface="Times New Roman" panose="02020603050405020304" pitchFamily="18" charset="0"/>
+              </a:rPr>
+              <a:t>Nhóm</a:t>
+            </a:r>
+            <a:r>
+              <a:rPr lang="en-US" dirty="0">
+                <a:latin typeface="Times New Roman" panose="02020603050405020304" pitchFamily="18" charset="0"/>
+                <a:cs typeface="Times New Roman" panose="02020603050405020304" pitchFamily="18" charset="0"/>
+              </a:rPr>
+              <a:t> </a:t>
+            </a:r>
+            <a:r>
+              <a:rPr lang="en-US" dirty="0" err="1">
+                <a:latin typeface="Times New Roman" panose="02020603050405020304" pitchFamily="18" charset="0"/>
+                <a:cs typeface="Times New Roman" panose="02020603050405020304" pitchFamily="18" charset="0"/>
+              </a:rPr>
+              <a:t>hoàn</a:t>
+            </a:r>
+            <a:r>
+              <a:rPr lang="en-US" dirty="0">
+                <a:latin typeface="Times New Roman" panose="02020603050405020304" pitchFamily="18" charset="0"/>
+                <a:cs typeface="Times New Roman" panose="02020603050405020304" pitchFamily="18" charset="0"/>
+              </a:rPr>
+              <a:t> </a:t>
+            </a:r>
+            <a:r>
+              <a:rPr lang="en-US" dirty="0" err="1">
+                <a:latin typeface="Times New Roman" panose="02020603050405020304" pitchFamily="18" charset="0"/>
+                <a:cs typeface="Times New Roman" panose="02020603050405020304" pitchFamily="18" charset="0"/>
+              </a:rPr>
+              <a:t>thành</a:t>
+            </a:r>
+            <a:r>
+              <a:rPr lang="en-US" dirty="0">
+                <a:latin typeface="Times New Roman" panose="02020603050405020304" pitchFamily="18" charset="0"/>
+                <a:cs typeface="Times New Roman" panose="02020603050405020304" pitchFamily="18" charset="0"/>
+              </a:rPr>
+              <a:t> đ</a:t>
+            </a:r>
+            <a:r>
+              <a:rPr lang="vi-VN" dirty="0">
+                <a:latin typeface="Times New Roman" panose="02020603050405020304" pitchFamily="18" charset="0"/>
+                <a:cs typeface="Times New Roman" panose="02020603050405020304" pitchFamily="18" charset="0"/>
+              </a:rPr>
+              <a:t>ư</a:t>
+            </a:r>
+            <a:r>
+              <a:rPr lang="en-US" dirty="0" err="1">
+                <a:latin typeface="Times New Roman" panose="02020603050405020304" pitchFamily="18" charset="0"/>
+                <a:cs typeface="Times New Roman" panose="02020603050405020304" pitchFamily="18" charset="0"/>
+              </a:rPr>
+              <a:t>ợc</a:t>
+            </a:r>
+            <a:r>
+              <a:rPr lang="en-US" dirty="0">
+                <a:latin typeface="Times New Roman" panose="02020603050405020304" pitchFamily="18" charset="0"/>
+                <a:cs typeface="Times New Roman" panose="02020603050405020304" pitchFamily="18" charset="0"/>
+              </a:rPr>
+              <a:t> 7/52 point</a:t>
+            </a:r>
+          </a:p>
+          <a:p>
+            <a:pPr lvl="1"/>
+            <a:r>
+              <a:rPr lang="en-US" dirty="0" err="1">
+                <a:latin typeface="Times New Roman" panose="02020603050405020304" pitchFamily="18" charset="0"/>
+                <a:cs typeface="Times New Roman" panose="02020603050405020304" pitchFamily="18" charset="0"/>
+              </a:rPr>
+              <a:t>Có</a:t>
+            </a:r>
+            <a:r>
+              <a:rPr lang="en-US" dirty="0">
+                <a:latin typeface="Times New Roman" panose="02020603050405020304" pitchFamily="18" charset="0"/>
+                <a:cs typeface="Times New Roman" panose="02020603050405020304" pitchFamily="18" charset="0"/>
+              </a:rPr>
+              <a:t> </a:t>
+            </a:r>
+            <a:r>
+              <a:rPr lang="en-US" dirty="0" err="1">
+                <a:latin typeface="Times New Roman" panose="02020603050405020304" pitchFamily="18" charset="0"/>
+                <a:cs typeface="Times New Roman" panose="02020603050405020304" pitchFamily="18" charset="0"/>
+              </a:rPr>
+              <a:t>thể</a:t>
+            </a:r>
+            <a:r>
+              <a:rPr lang="en-US" dirty="0">
+                <a:latin typeface="Times New Roman" panose="02020603050405020304" pitchFamily="18" charset="0"/>
+                <a:cs typeface="Times New Roman" panose="02020603050405020304" pitchFamily="18" charset="0"/>
+              </a:rPr>
+              <a:t> demo </a:t>
+            </a:r>
+            <a:r>
+              <a:rPr lang="en-US" dirty="0" err="1">
+                <a:latin typeface="Times New Roman" panose="02020603050405020304" pitchFamily="18" charset="0"/>
+                <a:cs typeface="Times New Roman" panose="02020603050405020304" pitchFamily="18" charset="0"/>
+              </a:rPr>
+              <a:t>những</a:t>
+            </a:r>
+            <a:r>
+              <a:rPr lang="en-US" dirty="0">
+                <a:latin typeface="Times New Roman" panose="02020603050405020304" pitchFamily="18" charset="0"/>
+                <a:cs typeface="Times New Roman" panose="02020603050405020304" pitchFamily="18" charset="0"/>
+              </a:rPr>
+              <a:t> </a:t>
+            </a:r>
+            <a:r>
+              <a:rPr lang="en-US" dirty="0" err="1">
+                <a:latin typeface="Times New Roman" panose="02020603050405020304" pitchFamily="18" charset="0"/>
+                <a:cs typeface="Times New Roman" panose="02020603050405020304" pitchFamily="18" charset="0"/>
+              </a:rPr>
+              <a:t>tính</a:t>
+            </a:r>
+            <a:r>
+              <a:rPr lang="en-US" dirty="0">
+                <a:latin typeface="Times New Roman" panose="02020603050405020304" pitchFamily="18" charset="0"/>
+                <a:cs typeface="Times New Roman" panose="02020603050405020304" pitchFamily="18" charset="0"/>
+              </a:rPr>
+              <a:t> </a:t>
+            </a:r>
+            <a:r>
+              <a:rPr lang="en-US" dirty="0" err="1">
+                <a:latin typeface="Times New Roman" panose="02020603050405020304" pitchFamily="18" charset="0"/>
+                <a:cs typeface="Times New Roman" panose="02020603050405020304" pitchFamily="18" charset="0"/>
+              </a:rPr>
+              <a:t>năng</a:t>
+            </a:r>
+            <a:r>
+              <a:rPr lang="en-US" dirty="0">
+                <a:latin typeface="Times New Roman" panose="02020603050405020304" pitchFamily="18" charset="0"/>
+                <a:cs typeface="Times New Roman" panose="02020603050405020304" pitchFamily="18" charset="0"/>
+              </a:rPr>
+              <a:t> </a:t>
+            </a:r>
+            <a:r>
+              <a:rPr lang="en-US" dirty="0" err="1">
+                <a:latin typeface="Times New Roman" panose="02020603050405020304" pitchFamily="18" charset="0"/>
+                <a:cs typeface="Times New Roman" panose="02020603050405020304" pitchFamily="18" charset="0"/>
+              </a:rPr>
+              <a:t>chính</a:t>
+            </a:r>
+            <a:r>
+              <a:rPr lang="en-US" dirty="0">
+                <a:latin typeface="Times New Roman" panose="02020603050405020304" pitchFamily="18" charset="0"/>
+                <a:cs typeface="Times New Roman" panose="02020603050405020304" pitchFamily="18" charset="0"/>
+              </a:rPr>
+              <a:t> </a:t>
+            </a:r>
+            <a:r>
+              <a:rPr lang="en-US" dirty="0" err="1">
+                <a:latin typeface="Times New Roman" panose="02020603050405020304" pitchFamily="18" charset="0"/>
+                <a:cs typeface="Times New Roman" panose="02020603050405020304" pitchFamily="18" charset="0"/>
+              </a:rPr>
+              <a:t>cho</a:t>
+            </a:r>
+            <a:r>
+              <a:rPr lang="en-US" dirty="0">
+                <a:latin typeface="Times New Roman" panose="02020603050405020304" pitchFamily="18" charset="0"/>
+                <a:cs typeface="Times New Roman" panose="02020603050405020304" pitchFamily="18" charset="0"/>
+              </a:rPr>
+              <a:t> </a:t>
+            </a:r>
+            <a:r>
+              <a:rPr lang="en-US" dirty="0" err="1">
+                <a:latin typeface="Times New Roman" panose="02020603050405020304" pitchFamily="18" charset="0"/>
+                <a:cs typeface="Times New Roman" panose="02020603050405020304" pitchFamily="18" charset="0"/>
+              </a:rPr>
+              <a:t>khách</a:t>
+            </a:r>
+            <a:r>
+              <a:rPr lang="en-US" dirty="0">
+                <a:latin typeface="Times New Roman" panose="02020603050405020304" pitchFamily="18" charset="0"/>
+                <a:cs typeface="Times New Roman" panose="02020603050405020304" pitchFamily="18" charset="0"/>
+              </a:rPr>
+              <a:t> </a:t>
+            </a:r>
+            <a:r>
+              <a:rPr lang="en-US" dirty="0" err="1">
+                <a:latin typeface="Times New Roman" panose="02020603050405020304" pitchFamily="18" charset="0"/>
+                <a:cs typeface="Times New Roman" panose="02020603050405020304" pitchFamily="18" charset="0"/>
+              </a:rPr>
+              <a:t>hàng</a:t>
+            </a:r>
+            <a:r>
+              <a:rPr lang="en-US" dirty="0">
+                <a:latin typeface="Times New Roman" panose="02020603050405020304" pitchFamily="18" charset="0"/>
+                <a:cs typeface="Times New Roman" panose="02020603050405020304" pitchFamily="18" charset="0"/>
+              </a:rPr>
+              <a:t> </a:t>
+            </a:r>
+            <a:r>
+              <a:rPr lang="en-US" dirty="0" err="1">
+                <a:latin typeface="Times New Roman" panose="02020603050405020304" pitchFamily="18" charset="0"/>
+                <a:cs typeface="Times New Roman" panose="02020603050405020304" pitchFamily="18" charset="0"/>
+              </a:rPr>
+              <a:t>gồm</a:t>
+            </a:r>
+            <a:r>
+              <a:rPr lang="en-US" dirty="0">
+                <a:latin typeface="Times New Roman" panose="02020603050405020304" pitchFamily="18" charset="0"/>
+                <a:cs typeface="Times New Roman" panose="02020603050405020304" pitchFamily="18" charset="0"/>
+              </a:rPr>
+              <a:t> </a:t>
+            </a:r>
+            <a:r>
+              <a:rPr lang="en-US" dirty="0" err="1">
+                <a:latin typeface="Times New Roman" panose="02020603050405020304" pitchFamily="18" charset="0"/>
+                <a:cs typeface="Times New Roman" panose="02020603050405020304" pitchFamily="18" charset="0"/>
+              </a:rPr>
+              <a:t>Chúc</a:t>
+            </a:r>
+            <a:r>
+              <a:rPr lang="en-US" dirty="0">
+                <a:latin typeface="Times New Roman" panose="02020603050405020304" pitchFamily="18" charset="0"/>
+                <a:cs typeface="Times New Roman" panose="02020603050405020304" pitchFamily="18" charset="0"/>
+              </a:rPr>
+              <a:t> </a:t>
+            </a:r>
+            <a:r>
+              <a:rPr lang="en-US" dirty="0" err="1">
+                <a:latin typeface="Times New Roman" panose="02020603050405020304" pitchFamily="18" charset="0"/>
+                <a:cs typeface="Times New Roman" panose="02020603050405020304" pitchFamily="18" charset="0"/>
+              </a:rPr>
+              <a:t>năng</a:t>
+            </a:r>
+            <a:r>
+              <a:rPr lang="en-US" dirty="0">
+                <a:latin typeface="Times New Roman" panose="02020603050405020304" pitchFamily="18" charset="0"/>
+                <a:cs typeface="Times New Roman" panose="02020603050405020304" pitchFamily="18" charset="0"/>
+              </a:rPr>
+              <a:t> </a:t>
+            </a:r>
+            <a:r>
+              <a:rPr lang="en-US" dirty="0" err="1">
+                <a:latin typeface="Times New Roman" panose="02020603050405020304" pitchFamily="18" charset="0"/>
+                <a:cs typeface="Times New Roman" panose="02020603050405020304" pitchFamily="18" charset="0"/>
+              </a:rPr>
+              <a:t>thi</a:t>
+            </a:r>
+            <a:r>
+              <a:rPr lang="en-US" dirty="0">
+                <a:latin typeface="Times New Roman" panose="02020603050405020304" pitchFamily="18" charset="0"/>
+                <a:cs typeface="Times New Roman" panose="02020603050405020304" pitchFamily="18" charset="0"/>
+              </a:rPr>
+              <a:t>, </a:t>
+            </a:r>
+            <a:r>
+              <a:rPr lang="en-US" dirty="0" err="1">
+                <a:latin typeface="Times New Roman" panose="02020603050405020304" pitchFamily="18" charset="0"/>
+                <a:cs typeface="Times New Roman" panose="02020603050405020304" pitchFamily="18" charset="0"/>
+              </a:rPr>
+              <a:t>đăng</a:t>
+            </a:r>
+            <a:r>
+              <a:rPr lang="en-US" dirty="0">
+                <a:latin typeface="Times New Roman" panose="02020603050405020304" pitchFamily="18" charset="0"/>
+                <a:cs typeface="Times New Roman" panose="02020603050405020304" pitchFamily="18" charset="0"/>
+              </a:rPr>
+              <a:t> </a:t>
+            </a:r>
+            <a:r>
+              <a:rPr lang="en-US" dirty="0" err="1">
+                <a:latin typeface="Times New Roman" panose="02020603050405020304" pitchFamily="18" charset="0"/>
+                <a:cs typeface="Times New Roman" panose="02020603050405020304" pitchFamily="18" charset="0"/>
+              </a:rPr>
+              <a:t>ký</a:t>
+            </a:r>
+            <a:r>
+              <a:rPr lang="en-US" dirty="0">
+                <a:latin typeface="Times New Roman" panose="02020603050405020304" pitchFamily="18" charset="0"/>
+                <a:cs typeface="Times New Roman" panose="02020603050405020304" pitchFamily="18" charset="0"/>
+              </a:rPr>
+              <a:t>, </a:t>
+            </a:r>
+            <a:r>
+              <a:rPr lang="en-US" dirty="0" err="1">
+                <a:latin typeface="Times New Roman" panose="02020603050405020304" pitchFamily="18" charset="0"/>
+                <a:cs typeface="Times New Roman" panose="02020603050405020304" pitchFamily="18" charset="0"/>
+              </a:rPr>
+              <a:t>đăng</a:t>
+            </a:r>
+            <a:r>
+              <a:rPr lang="en-US" dirty="0">
+                <a:latin typeface="Times New Roman" panose="02020603050405020304" pitchFamily="18" charset="0"/>
+                <a:cs typeface="Times New Roman" panose="02020603050405020304" pitchFamily="18" charset="0"/>
+              </a:rPr>
+              <a:t> </a:t>
+            </a:r>
+            <a:r>
+              <a:rPr lang="en-US" dirty="0" err="1">
+                <a:latin typeface="Times New Roman" panose="02020603050405020304" pitchFamily="18" charset="0"/>
+                <a:cs typeface="Times New Roman" panose="02020603050405020304" pitchFamily="18" charset="0"/>
+              </a:rPr>
+              <a:t>nhập,thay</a:t>
+            </a:r>
+            <a:r>
+              <a:rPr lang="en-US" dirty="0">
+                <a:latin typeface="Times New Roman" panose="02020603050405020304" pitchFamily="18" charset="0"/>
+                <a:cs typeface="Times New Roman" panose="02020603050405020304" pitchFamily="18" charset="0"/>
+              </a:rPr>
+              <a:t> </a:t>
+            </a:r>
+            <a:r>
+              <a:rPr lang="en-US" dirty="0" err="1">
+                <a:latin typeface="Times New Roman" panose="02020603050405020304" pitchFamily="18" charset="0"/>
+                <a:cs typeface="Times New Roman" panose="02020603050405020304" pitchFamily="18" charset="0"/>
+              </a:rPr>
+              <a:t>đổi</a:t>
+            </a:r>
+            <a:r>
+              <a:rPr lang="en-US" dirty="0">
+                <a:latin typeface="Times New Roman" panose="02020603050405020304" pitchFamily="18" charset="0"/>
+                <a:cs typeface="Times New Roman" panose="02020603050405020304" pitchFamily="18" charset="0"/>
+              </a:rPr>
+              <a:t> </a:t>
+            </a:r>
+            <a:r>
+              <a:rPr lang="en-US" dirty="0" err="1">
+                <a:latin typeface="Times New Roman" panose="02020603050405020304" pitchFamily="18" charset="0"/>
+                <a:cs typeface="Times New Roman" panose="02020603050405020304" pitchFamily="18" charset="0"/>
+              </a:rPr>
+              <a:t>thông</a:t>
+            </a:r>
+            <a:r>
+              <a:rPr lang="en-US" dirty="0">
+                <a:latin typeface="Times New Roman" panose="02020603050405020304" pitchFamily="18" charset="0"/>
+                <a:cs typeface="Times New Roman" panose="02020603050405020304" pitchFamily="18" charset="0"/>
+              </a:rPr>
+              <a:t> tin user</a:t>
+            </a:r>
+          </a:p>
+          <a:p>
+            <a:pPr lvl="1"/>
+            <a:r>
+              <a:rPr lang="en-US" dirty="0" err="1">
+                <a:latin typeface="Times New Roman" panose="02020603050405020304" pitchFamily="18" charset="0"/>
+                <a:cs typeface="Times New Roman" panose="02020603050405020304" pitchFamily="18" charset="0"/>
+              </a:rPr>
+              <a:t>Tốc</a:t>
+            </a:r>
+            <a:r>
+              <a:rPr lang="en-US" dirty="0">
+                <a:latin typeface="Times New Roman" panose="02020603050405020304" pitchFamily="18" charset="0"/>
+                <a:cs typeface="Times New Roman" panose="02020603050405020304" pitchFamily="18" charset="0"/>
+              </a:rPr>
+              <a:t> </a:t>
+            </a:r>
+            <a:r>
+              <a:rPr lang="en-US" dirty="0" err="1">
+                <a:latin typeface="Times New Roman" panose="02020603050405020304" pitchFamily="18" charset="0"/>
+                <a:cs typeface="Times New Roman" panose="02020603050405020304" pitchFamily="18" charset="0"/>
+              </a:rPr>
+              <a:t>độ</a:t>
+            </a:r>
+            <a:r>
+              <a:rPr lang="en-US" dirty="0">
+                <a:latin typeface="Times New Roman" panose="02020603050405020304" pitchFamily="18" charset="0"/>
+                <a:cs typeface="Times New Roman" panose="02020603050405020304" pitchFamily="18" charset="0"/>
+              </a:rPr>
+              <a:t> </a:t>
+            </a:r>
+            <a:r>
+              <a:rPr lang="en-US" dirty="0" err="1">
+                <a:latin typeface="Times New Roman" panose="02020603050405020304" pitchFamily="18" charset="0"/>
+                <a:cs typeface="Times New Roman" panose="02020603050405020304" pitchFamily="18" charset="0"/>
+              </a:rPr>
+              <a:t>các</a:t>
+            </a:r>
+            <a:r>
+              <a:rPr lang="en-US" dirty="0">
+                <a:latin typeface="Times New Roman" panose="02020603050405020304" pitchFamily="18" charset="0"/>
+                <a:cs typeface="Times New Roman" panose="02020603050405020304" pitchFamily="18" charset="0"/>
+              </a:rPr>
+              <a:t> </a:t>
+            </a:r>
+            <a:r>
+              <a:rPr lang="en-US" dirty="0" err="1">
+                <a:latin typeface="Times New Roman" panose="02020603050405020304" pitchFamily="18" charset="0"/>
+                <a:cs typeface="Times New Roman" panose="02020603050405020304" pitchFamily="18" charset="0"/>
+              </a:rPr>
+              <a:t>thành</a:t>
+            </a:r>
+            <a:r>
+              <a:rPr lang="en-US" dirty="0">
+                <a:latin typeface="Times New Roman" panose="02020603050405020304" pitchFamily="18" charset="0"/>
+                <a:cs typeface="Times New Roman" panose="02020603050405020304" pitchFamily="18" charset="0"/>
+              </a:rPr>
+              <a:t> </a:t>
+            </a:r>
+            <a:r>
+              <a:rPr lang="en-US" dirty="0" err="1">
+                <a:latin typeface="Times New Roman" panose="02020603050405020304" pitchFamily="18" charset="0"/>
+                <a:cs typeface="Times New Roman" panose="02020603050405020304" pitchFamily="18" charset="0"/>
+              </a:rPr>
+              <a:t>viên</a:t>
+            </a:r>
+            <a:r>
+              <a:rPr lang="en-US" dirty="0">
+                <a:latin typeface="Times New Roman" panose="02020603050405020304" pitchFamily="18" charset="0"/>
+                <a:cs typeface="Times New Roman" panose="02020603050405020304" pitchFamily="18" charset="0"/>
+              </a:rPr>
+              <a:t> </a:t>
+            </a:r>
+            <a:r>
+              <a:rPr lang="en-US" dirty="0" err="1">
+                <a:latin typeface="Times New Roman" panose="02020603050405020304" pitchFamily="18" charset="0"/>
+                <a:cs typeface="Times New Roman" panose="02020603050405020304" pitchFamily="18" charset="0"/>
+              </a:rPr>
+              <a:t>trong</a:t>
+            </a:r>
+            <a:r>
+              <a:rPr lang="en-US" dirty="0">
+                <a:latin typeface="Times New Roman" panose="02020603050405020304" pitchFamily="18" charset="0"/>
+                <a:cs typeface="Times New Roman" panose="02020603050405020304" pitchFamily="18" charset="0"/>
+              </a:rPr>
+              <a:t> </a:t>
+            </a:r>
+            <a:r>
+              <a:rPr lang="en-US" dirty="0" err="1">
+                <a:latin typeface="Times New Roman" panose="02020603050405020304" pitchFamily="18" charset="0"/>
+                <a:cs typeface="Times New Roman" panose="02020603050405020304" pitchFamily="18" charset="0"/>
+              </a:rPr>
+              <a:t>nhóm</a:t>
+            </a:r>
+            <a:r>
+              <a:rPr lang="en-US" dirty="0">
+                <a:latin typeface="Times New Roman" panose="02020603050405020304" pitchFamily="18" charset="0"/>
+                <a:cs typeface="Times New Roman" panose="02020603050405020304" pitchFamily="18" charset="0"/>
+              </a:rPr>
+              <a:t> </a:t>
+            </a:r>
+            <a:r>
+              <a:rPr lang="en-US" dirty="0" err="1">
+                <a:latin typeface="Times New Roman" panose="02020603050405020304" pitchFamily="18" charset="0"/>
+                <a:cs typeface="Times New Roman" panose="02020603050405020304" pitchFamily="18" charset="0"/>
+              </a:rPr>
+              <a:t>phát</a:t>
+            </a:r>
+            <a:r>
+              <a:rPr lang="en-US" dirty="0">
+                <a:latin typeface="Times New Roman" panose="02020603050405020304" pitchFamily="18" charset="0"/>
+                <a:cs typeface="Times New Roman" panose="02020603050405020304" pitchFamily="18" charset="0"/>
+              </a:rPr>
+              <a:t> </a:t>
+            </a:r>
+            <a:r>
+              <a:rPr lang="en-US" dirty="0" err="1">
+                <a:latin typeface="Times New Roman" panose="02020603050405020304" pitchFamily="18" charset="0"/>
+                <a:cs typeface="Times New Roman" panose="02020603050405020304" pitchFamily="18" charset="0"/>
+              </a:rPr>
+              <a:t>triển</a:t>
+            </a:r>
+            <a:r>
+              <a:rPr lang="en-US" dirty="0">
+                <a:latin typeface="Times New Roman" panose="02020603050405020304" pitchFamily="18" charset="0"/>
+                <a:cs typeface="Times New Roman" panose="02020603050405020304" pitchFamily="18" charset="0"/>
+              </a:rPr>
+              <a:t> </a:t>
+            </a:r>
+            <a:r>
+              <a:rPr lang="en-US" dirty="0" err="1">
+                <a:latin typeface="Times New Roman" panose="02020603050405020304" pitchFamily="18" charset="0"/>
+                <a:cs typeface="Times New Roman" panose="02020603050405020304" pitchFamily="18" charset="0"/>
+              </a:rPr>
+              <a:t>bình</a:t>
+            </a:r>
+            <a:r>
+              <a:rPr lang="en-US" dirty="0">
+                <a:latin typeface="Times New Roman" panose="02020603050405020304" pitchFamily="18" charset="0"/>
+                <a:cs typeface="Times New Roman" panose="02020603050405020304" pitchFamily="18" charset="0"/>
+              </a:rPr>
+              <a:t> </a:t>
+            </a:r>
+            <a:r>
+              <a:rPr lang="en-US" dirty="0" err="1">
+                <a:latin typeface="Times New Roman" panose="02020603050405020304" pitchFamily="18" charset="0"/>
+                <a:cs typeface="Times New Roman" panose="02020603050405020304" pitchFamily="18" charset="0"/>
+              </a:rPr>
+              <a:t>th</a:t>
+            </a:r>
+            <a:r>
+              <a:rPr lang="vi-VN" dirty="0">
+                <a:latin typeface="Times New Roman" panose="02020603050405020304" pitchFamily="18" charset="0"/>
+                <a:cs typeface="Times New Roman" panose="02020603050405020304" pitchFamily="18" charset="0"/>
+              </a:rPr>
+              <a:t>ư</a:t>
+            </a:r>
+            <a:r>
+              <a:rPr lang="en-US" dirty="0" err="1">
+                <a:latin typeface="Times New Roman" panose="02020603050405020304" pitchFamily="18" charset="0"/>
+                <a:cs typeface="Times New Roman" panose="02020603050405020304" pitchFamily="18" charset="0"/>
+              </a:rPr>
+              <a:t>ờng</a:t>
+            </a:r>
+            <a:endParaRPr lang="en-US" dirty="0">
+              <a:latin typeface="Times New Roman" panose="02020603050405020304" pitchFamily="18" charset="0"/>
+              <a:cs typeface="Times New Roman" panose="02020603050405020304" pitchFamily="18" charset="0"/>
+            </a:endParaRPr>
+          </a:p>
+          <a:p>
+            <a:r>
+              <a:rPr lang="en-US" dirty="0" err="1">
+                <a:latin typeface="Times New Roman" panose="02020603050405020304" pitchFamily="18" charset="0"/>
+                <a:cs typeface="Times New Roman" panose="02020603050405020304" pitchFamily="18" charset="0"/>
+              </a:rPr>
+              <a:t>Những</a:t>
+            </a:r>
+            <a:r>
+              <a:rPr lang="en-US" dirty="0">
+                <a:latin typeface="Times New Roman" panose="02020603050405020304" pitchFamily="18" charset="0"/>
+                <a:cs typeface="Times New Roman" panose="02020603050405020304" pitchFamily="18" charset="0"/>
+              </a:rPr>
+              <a:t>  </a:t>
+            </a:r>
+            <a:r>
+              <a:rPr lang="en-US" dirty="0" err="1">
+                <a:latin typeface="Times New Roman" panose="02020603050405020304" pitchFamily="18" charset="0"/>
+                <a:cs typeface="Times New Roman" panose="02020603050405020304" pitchFamily="18" charset="0"/>
+              </a:rPr>
+              <a:t>thứ</a:t>
+            </a:r>
+            <a:r>
+              <a:rPr lang="en-US" dirty="0">
+                <a:latin typeface="Times New Roman" panose="02020603050405020304" pitchFamily="18" charset="0"/>
+                <a:cs typeface="Times New Roman" panose="02020603050405020304" pitchFamily="18" charset="0"/>
+              </a:rPr>
+              <a:t> </a:t>
+            </a:r>
+            <a:r>
+              <a:rPr lang="en-US" dirty="0" err="1">
+                <a:latin typeface="Times New Roman" panose="02020603050405020304" pitchFamily="18" charset="0"/>
+                <a:cs typeface="Times New Roman" panose="02020603050405020304" pitchFamily="18" charset="0"/>
+              </a:rPr>
+              <a:t>nhóm</a:t>
+            </a:r>
+            <a:r>
+              <a:rPr lang="en-US" dirty="0">
+                <a:latin typeface="Times New Roman" panose="02020603050405020304" pitchFamily="18" charset="0"/>
+                <a:cs typeface="Times New Roman" panose="02020603050405020304" pitchFamily="18" charset="0"/>
+              </a:rPr>
+              <a:t> </a:t>
+            </a:r>
+            <a:r>
+              <a:rPr lang="en-US" dirty="0" err="1">
+                <a:latin typeface="Times New Roman" panose="02020603050405020304" pitchFamily="18" charset="0"/>
+                <a:cs typeface="Times New Roman" panose="02020603050405020304" pitchFamily="18" charset="0"/>
+              </a:rPr>
+              <a:t>ch</a:t>
+            </a:r>
+            <a:r>
+              <a:rPr lang="vi-VN" dirty="0">
+                <a:latin typeface="Times New Roman" panose="02020603050405020304" pitchFamily="18" charset="0"/>
+                <a:cs typeface="Times New Roman" panose="02020603050405020304" pitchFamily="18" charset="0"/>
+              </a:rPr>
+              <a:t>ư</a:t>
+            </a:r>
+            <a:r>
+              <a:rPr lang="en-US" dirty="0">
+                <a:latin typeface="Times New Roman" panose="02020603050405020304" pitchFamily="18" charset="0"/>
+                <a:cs typeface="Times New Roman" panose="02020603050405020304" pitchFamily="18" charset="0"/>
+              </a:rPr>
+              <a:t>a </a:t>
+            </a:r>
+            <a:r>
+              <a:rPr lang="en-US" dirty="0" err="1">
+                <a:latin typeface="Times New Roman" panose="02020603050405020304" pitchFamily="18" charset="0"/>
+                <a:cs typeface="Times New Roman" panose="02020603050405020304" pitchFamily="18" charset="0"/>
+              </a:rPr>
+              <a:t>làm</a:t>
+            </a:r>
+            <a:r>
+              <a:rPr lang="en-US" dirty="0">
+                <a:latin typeface="Times New Roman" panose="02020603050405020304" pitchFamily="18" charset="0"/>
+                <a:cs typeface="Times New Roman" panose="02020603050405020304" pitchFamily="18" charset="0"/>
+              </a:rPr>
+              <a:t> đ</a:t>
+            </a:r>
+            <a:r>
+              <a:rPr lang="vi-VN" dirty="0">
+                <a:latin typeface="Times New Roman" panose="02020603050405020304" pitchFamily="18" charset="0"/>
+                <a:cs typeface="Times New Roman" panose="02020603050405020304" pitchFamily="18" charset="0"/>
+              </a:rPr>
+              <a:t>ư</a:t>
+            </a:r>
+            <a:r>
+              <a:rPr lang="en-US" dirty="0" err="1">
+                <a:latin typeface="Times New Roman" panose="02020603050405020304" pitchFamily="18" charset="0"/>
+                <a:cs typeface="Times New Roman" panose="02020603050405020304" pitchFamily="18" charset="0"/>
+              </a:rPr>
+              <a:t>ợc</a:t>
+            </a:r>
+            <a:endParaRPr lang="en-US" dirty="0">
+              <a:latin typeface="Times New Roman" panose="02020603050405020304" pitchFamily="18" charset="0"/>
+              <a:cs typeface="Times New Roman" panose="02020603050405020304" pitchFamily="18" charset="0"/>
+            </a:endParaRPr>
+          </a:p>
+          <a:p>
+            <a:pPr lvl="1"/>
+            <a:r>
+              <a:rPr lang="en-US" dirty="0" err="1">
+                <a:latin typeface="Times New Roman" panose="02020603050405020304" pitchFamily="18" charset="0"/>
+                <a:cs typeface="Times New Roman" panose="02020603050405020304" pitchFamily="18" charset="0"/>
+              </a:rPr>
+              <a:t>Tính</a:t>
+            </a:r>
+            <a:r>
+              <a:rPr lang="en-US" dirty="0">
+                <a:latin typeface="Times New Roman" panose="02020603050405020304" pitchFamily="18" charset="0"/>
+                <a:cs typeface="Times New Roman" panose="02020603050405020304" pitchFamily="18" charset="0"/>
+              </a:rPr>
+              <a:t> </a:t>
+            </a:r>
+            <a:r>
+              <a:rPr lang="en-US" dirty="0" err="1">
+                <a:latin typeface="Times New Roman" panose="02020603050405020304" pitchFamily="18" charset="0"/>
+                <a:cs typeface="Times New Roman" panose="02020603050405020304" pitchFamily="18" charset="0"/>
+              </a:rPr>
+              <a:t>năng</a:t>
+            </a:r>
+            <a:r>
+              <a:rPr lang="en-US" dirty="0">
+                <a:latin typeface="Times New Roman" panose="02020603050405020304" pitchFamily="18" charset="0"/>
+                <a:cs typeface="Times New Roman" panose="02020603050405020304" pitchFamily="18" charset="0"/>
+              </a:rPr>
+              <a:t> </a:t>
+            </a:r>
+            <a:r>
+              <a:rPr lang="en-US" dirty="0" err="1">
+                <a:latin typeface="Times New Roman" panose="02020603050405020304" pitchFamily="18" charset="0"/>
+                <a:cs typeface="Times New Roman" panose="02020603050405020304" pitchFamily="18" charset="0"/>
+              </a:rPr>
+              <a:t>thi</a:t>
+            </a:r>
+            <a:r>
+              <a:rPr lang="en-US" dirty="0">
+                <a:latin typeface="Times New Roman" panose="02020603050405020304" pitchFamily="18" charset="0"/>
+                <a:cs typeface="Times New Roman" panose="02020603050405020304" pitchFamily="18" charset="0"/>
+              </a:rPr>
+              <a:t> </a:t>
+            </a:r>
+            <a:r>
+              <a:rPr lang="en-US" dirty="0" err="1">
+                <a:latin typeface="Times New Roman" panose="02020603050405020304" pitchFamily="18" charset="0"/>
+                <a:cs typeface="Times New Roman" panose="02020603050405020304" pitchFamily="18" charset="0"/>
+              </a:rPr>
+              <a:t>ch</a:t>
+            </a:r>
+            <a:r>
+              <a:rPr lang="vi-VN" dirty="0">
+                <a:latin typeface="Times New Roman" panose="02020603050405020304" pitchFamily="18" charset="0"/>
+                <a:cs typeface="Times New Roman" panose="02020603050405020304" pitchFamily="18" charset="0"/>
+              </a:rPr>
+              <a:t>ư</a:t>
+            </a:r>
+            <a:r>
+              <a:rPr lang="en-US" dirty="0">
+                <a:latin typeface="Times New Roman" panose="02020603050405020304" pitchFamily="18" charset="0"/>
+                <a:cs typeface="Times New Roman" panose="02020603050405020304" pitchFamily="18" charset="0"/>
+              </a:rPr>
+              <a:t>a </a:t>
+            </a:r>
+            <a:r>
+              <a:rPr lang="en-US" dirty="0" err="1">
+                <a:latin typeface="Times New Roman" panose="02020603050405020304" pitchFamily="18" charset="0"/>
+                <a:cs typeface="Times New Roman" panose="02020603050405020304" pitchFamily="18" charset="0"/>
+              </a:rPr>
+              <a:t>hoàn</a:t>
+            </a:r>
+            <a:r>
+              <a:rPr lang="en-US" dirty="0">
+                <a:latin typeface="Times New Roman" panose="02020603050405020304" pitchFamily="18" charset="0"/>
+                <a:cs typeface="Times New Roman" panose="02020603050405020304" pitchFamily="18" charset="0"/>
+              </a:rPr>
+              <a:t> </a:t>
+            </a:r>
+            <a:r>
+              <a:rPr lang="en-US" dirty="0" err="1">
+                <a:latin typeface="Times New Roman" panose="02020603050405020304" pitchFamily="18" charset="0"/>
+                <a:cs typeface="Times New Roman" panose="02020603050405020304" pitchFamily="18" charset="0"/>
+              </a:rPr>
+              <a:t>thành</a:t>
+            </a:r>
+            <a:r>
+              <a:rPr lang="en-US" dirty="0">
+                <a:latin typeface="Times New Roman" panose="02020603050405020304" pitchFamily="18" charset="0"/>
+                <a:cs typeface="Times New Roman" panose="02020603050405020304" pitchFamily="18" charset="0"/>
+              </a:rPr>
+              <a:t> </a:t>
+            </a:r>
+            <a:r>
+              <a:rPr lang="en-US" dirty="0" err="1">
+                <a:latin typeface="Times New Roman" panose="02020603050405020304" pitchFamily="18" charset="0"/>
+                <a:cs typeface="Times New Roman" panose="02020603050405020304" pitchFamily="18" charset="0"/>
+              </a:rPr>
+              <a:t>toàn</a:t>
+            </a:r>
+            <a:r>
+              <a:rPr lang="en-US" dirty="0">
+                <a:latin typeface="Times New Roman" panose="02020603050405020304" pitchFamily="18" charset="0"/>
+                <a:cs typeface="Times New Roman" panose="02020603050405020304" pitchFamily="18" charset="0"/>
+              </a:rPr>
+              <a:t> </a:t>
+            </a:r>
+            <a:r>
+              <a:rPr lang="en-US" dirty="0" err="1">
+                <a:latin typeface="Times New Roman" panose="02020603050405020304" pitchFamily="18" charset="0"/>
+                <a:cs typeface="Times New Roman" panose="02020603050405020304" pitchFamily="18" charset="0"/>
+              </a:rPr>
+              <a:t>vẹn</a:t>
+            </a:r>
+            <a:endParaRPr lang="en-US" dirty="0">
+              <a:latin typeface="Times New Roman" panose="02020603050405020304" pitchFamily="18" charset="0"/>
+              <a:cs typeface="Times New Roman" panose="02020603050405020304" pitchFamily="18" charset="0"/>
+            </a:endParaRPr>
+          </a:p>
+          <a:p>
+            <a:pPr lvl="1"/>
+            <a:r>
+              <a:rPr lang="en-US" dirty="0" err="1">
+                <a:latin typeface="Times New Roman" panose="02020603050405020304" pitchFamily="18" charset="0"/>
+                <a:cs typeface="Times New Roman" panose="02020603050405020304" pitchFamily="18" charset="0"/>
+              </a:rPr>
+              <a:t>Giao</a:t>
+            </a:r>
+            <a:r>
+              <a:rPr lang="en-US" dirty="0">
+                <a:latin typeface="Times New Roman" panose="02020603050405020304" pitchFamily="18" charset="0"/>
+                <a:cs typeface="Times New Roman" panose="02020603050405020304" pitchFamily="18" charset="0"/>
+              </a:rPr>
+              <a:t> </a:t>
+            </a:r>
+            <a:r>
+              <a:rPr lang="en-US" dirty="0" err="1">
+                <a:latin typeface="Times New Roman" panose="02020603050405020304" pitchFamily="18" charset="0"/>
+                <a:cs typeface="Times New Roman" panose="02020603050405020304" pitchFamily="18" charset="0"/>
+              </a:rPr>
+              <a:t>diên</a:t>
+            </a:r>
+            <a:r>
+              <a:rPr lang="en-US" dirty="0">
+                <a:latin typeface="Times New Roman" panose="02020603050405020304" pitchFamily="18" charset="0"/>
+                <a:cs typeface="Times New Roman" panose="02020603050405020304" pitchFamily="18" charset="0"/>
+              </a:rPr>
+              <a:t> </a:t>
+            </a:r>
+            <a:r>
+              <a:rPr lang="en-US" dirty="0" err="1">
+                <a:latin typeface="Times New Roman" panose="02020603050405020304" pitchFamily="18" charset="0"/>
+                <a:cs typeface="Times New Roman" panose="02020603050405020304" pitchFamily="18" charset="0"/>
+              </a:rPr>
+              <a:t>ch</a:t>
+            </a:r>
+            <a:r>
+              <a:rPr lang="vi-VN" dirty="0">
+                <a:latin typeface="Times New Roman" panose="02020603050405020304" pitchFamily="18" charset="0"/>
+                <a:cs typeface="Times New Roman" panose="02020603050405020304" pitchFamily="18" charset="0"/>
+              </a:rPr>
+              <a:t>ư</a:t>
+            </a:r>
+            <a:r>
+              <a:rPr lang="en-US" dirty="0">
+                <a:latin typeface="Times New Roman" panose="02020603050405020304" pitchFamily="18" charset="0"/>
+                <a:cs typeface="Times New Roman" panose="02020603050405020304" pitchFamily="18" charset="0"/>
+              </a:rPr>
+              <a:t>a đ</a:t>
+            </a:r>
+            <a:r>
+              <a:rPr lang="vi-VN" dirty="0">
+                <a:latin typeface="Times New Roman" panose="02020603050405020304" pitchFamily="18" charset="0"/>
+                <a:cs typeface="Times New Roman" panose="02020603050405020304" pitchFamily="18" charset="0"/>
+              </a:rPr>
+              <a:t>ư</a:t>
+            </a:r>
+            <a:r>
+              <a:rPr lang="en-US" dirty="0" err="1">
+                <a:latin typeface="Times New Roman" panose="02020603050405020304" pitchFamily="18" charset="0"/>
+                <a:cs typeface="Times New Roman" panose="02020603050405020304" pitchFamily="18" charset="0"/>
+              </a:rPr>
+              <a:t>ợc</a:t>
+            </a:r>
+            <a:r>
+              <a:rPr lang="en-US" dirty="0">
+                <a:latin typeface="Times New Roman" panose="02020603050405020304" pitchFamily="18" charset="0"/>
+                <a:cs typeface="Times New Roman" panose="02020603050405020304" pitchFamily="18" charset="0"/>
+              </a:rPr>
+              <a:t> </a:t>
+            </a:r>
+            <a:r>
+              <a:rPr lang="en-US" dirty="0" err="1">
+                <a:latin typeface="Times New Roman" panose="02020603050405020304" pitchFamily="18" charset="0"/>
+                <a:cs typeface="Times New Roman" panose="02020603050405020304" pitchFamily="18" charset="0"/>
+              </a:rPr>
+              <a:t>tốt</a:t>
+            </a:r>
+            <a:endParaRPr lang="en-US" dirty="0">
+              <a:latin typeface="Times New Roman" panose="02020603050405020304" pitchFamily="18" charset="0"/>
+              <a:cs typeface="Times New Roman" panose="02020603050405020304" pitchFamily="18" charset="0"/>
+            </a:endParaRPr>
+          </a:p>
+          <a:p>
+            <a:pPr lvl="1"/>
+            <a:r>
+              <a:rPr lang="en-US" dirty="0" err="1">
+                <a:latin typeface="Times New Roman" panose="02020603050405020304" pitchFamily="18" charset="0"/>
+                <a:cs typeface="Times New Roman" panose="02020603050405020304" pitchFamily="18" charset="0"/>
+              </a:rPr>
+              <a:t>Tốc</a:t>
+            </a:r>
+            <a:r>
+              <a:rPr lang="en-US" dirty="0">
+                <a:latin typeface="Times New Roman" panose="02020603050405020304" pitchFamily="18" charset="0"/>
+                <a:cs typeface="Times New Roman" panose="02020603050405020304" pitchFamily="18" charset="0"/>
+              </a:rPr>
+              <a:t> </a:t>
+            </a:r>
+            <a:r>
+              <a:rPr lang="en-US" dirty="0" err="1">
+                <a:latin typeface="Times New Roman" panose="02020603050405020304" pitchFamily="18" charset="0"/>
+                <a:cs typeface="Times New Roman" panose="02020603050405020304" pitchFamily="18" charset="0"/>
+              </a:rPr>
+              <a:t>độ</a:t>
+            </a:r>
+            <a:r>
+              <a:rPr lang="en-US" dirty="0">
+                <a:latin typeface="Times New Roman" panose="02020603050405020304" pitchFamily="18" charset="0"/>
+                <a:cs typeface="Times New Roman" panose="02020603050405020304" pitchFamily="18" charset="0"/>
+              </a:rPr>
+              <a:t> </a:t>
+            </a:r>
+            <a:r>
+              <a:rPr lang="en-US" dirty="0" err="1">
+                <a:latin typeface="Times New Roman" panose="02020603050405020304" pitchFamily="18" charset="0"/>
+                <a:cs typeface="Times New Roman" panose="02020603050405020304" pitchFamily="18" charset="0"/>
+              </a:rPr>
+              <a:t>tiến</a:t>
+            </a:r>
+            <a:r>
+              <a:rPr lang="en-US" dirty="0">
+                <a:latin typeface="Times New Roman" panose="02020603050405020304" pitchFamily="18" charset="0"/>
+                <a:cs typeface="Times New Roman" panose="02020603050405020304" pitchFamily="18" charset="0"/>
+              </a:rPr>
+              <a:t> </a:t>
+            </a:r>
+            <a:r>
+              <a:rPr lang="en-US" dirty="0" err="1">
+                <a:latin typeface="Times New Roman" panose="02020603050405020304" pitchFamily="18" charset="0"/>
+                <a:cs typeface="Times New Roman" panose="02020603050405020304" pitchFamily="18" charset="0"/>
+              </a:rPr>
+              <a:t>triển</a:t>
+            </a:r>
+            <a:r>
+              <a:rPr lang="en-US" dirty="0">
+                <a:latin typeface="Times New Roman" panose="02020603050405020304" pitchFamily="18" charset="0"/>
+                <a:cs typeface="Times New Roman" panose="02020603050405020304" pitchFamily="18" charset="0"/>
+              </a:rPr>
+              <a:t> </a:t>
+            </a:r>
+            <a:r>
+              <a:rPr lang="en-US" dirty="0" err="1">
+                <a:latin typeface="Times New Roman" panose="02020603050405020304" pitchFamily="18" charset="0"/>
+                <a:cs typeface="Times New Roman" panose="02020603050405020304" pitchFamily="18" charset="0"/>
+              </a:rPr>
+              <a:t>nhóm</a:t>
+            </a:r>
+            <a:r>
+              <a:rPr lang="en-US" dirty="0">
+                <a:latin typeface="Times New Roman" panose="02020603050405020304" pitchFamily="18" charset="0"/>
+                <a:cs typeface="Times New Roman" panose="02020603050405020304" pitchFamily="18" charset="0"/>
+              </a:rPr>
+              <a:t> </a:t>
+            </a:r>
+            <a:r>
+              <a:rPr lang="en-US" dirty="0" err="1">
+                <a:latin typeface="Times New Roman" panose="02020603050405020304" pitchFamily="18" charset="0"/>
+                <a:cs typeface="Times New Roman" panose="02020603050405020304" pitchFamily="18" charset="0"/>
+              </a:rPr>
+              <a:t>ch</a:t>
+            </a:r>
+            <a:r>
+              <a:rPr lang="vi-VN" dirty="0">
+                <a:latin typeface="Times New Roman" panose="02020603050405020304" pitchFamily="18" charset="0"/>
+                <a:cs typeface="Times New Roman" panose="02020603050405020304" pitchFamily="18" charset="0"/>
+              </a:rPr>
+              <a:t>ư</a:t>
+            </a:r>
+            <a:r>
+              <a:rPr lang="en-US" dirty="0">
+                <a:latin typeface="Times New Roman" panose="02020603050405020304" pitchFamily="18" charset="0"/>
+                <a:cs typeface="Times New Roman" panose="02020603050405020304" pitchFamily="18" charset="0"/>
+              </a:rPr>
+              <a:t>a </a:t>
+            </a:r>
+            <a:r>
+              <a:rPr lang="en-US" dirty="0" err="1">
+                <a:latin typeface="Times New Roman" panose="02020603050405020304" pitchFamily="18" charset="0"/>
+                <a:cs typeface="Times New Roman" panose="02020603050405020304" pitchFamily="18" charset="0"/>
+              </a:rPr>
+              <a:t>tăng</a:t>
+            </a:r>
+            <a:endParaRPr lang="en-US" dirty="0">
+              <a:latin typeface="Times New Roman" panose="02020603050405020304" pitchFamily="18" charset="0"/>
+              <a:cs typeface="Times New Roman" panose="02020603050405020304" pitchFamily="18" charset="0"/>
+            </a:endParaRPr>
+          </a:p>
+          <a:p>
+            <a:endParaRPr lang="en-US" dirty="0">
+              <a:latin typeface="Times New Roman" panose="02020603050405020304" pitchFamily="18" charset="0"/>
+              <a:cs typeface="Times New Roman" panose="02020603050405020304" pitchFamily="18" charset="0"/>
+            </a:endParaRPr>
+          </a:p>
+          <a:p>
+            <a:endParaRPr lang="en-US" dirty="0">
+              <a:latin typeface="Times New Roman" panose="02020603050405020304" pitchFamily="18" charset="0"/>
+              <a:cs typeface="Times New Roman" panose="02020603050405020304" pitchFamily="18" charset="0"/>
+            </a:endParaRPr>
+          </a:p>
+        </p:txBody>
+      </p:sp>
+    </p:spTree>
+    <p:extLst>
+      <p:ext uri="{BB962C8B-B14F-4D97-AF65-F5344CB8AC3E}">
+        <p14:creationId xmlns:p14="http://schemas.microsoft.com/office/powerpoint/2010/main" val="1687052069"/>
+      </p:ext>
+    </p:extLst>
+  </p:cSld>
+  <p:clrMapOvr>
+    <a:masterClrMapping/>
+  </p:clrMapOvr>
+</p:sld>
+</file>
+
+<file path=ppt/slides/slide17.xml><?xml version="1.0" encoding="utf-8"?>
 <p:sld xmlns:a="http://schemas.openxmlformats.org/drawingml/2006/main" xmlns:r="http://schemas.openxmlformats.org/officeDocument/2006/relationships" xmlns:p="http://schemas.openxmlformats.org/presentationml/2006/main">
   <p:cSld>
     <p:bg>
@@ -3899,14 +11129,14 @@
           <p:nvPr>
             <p:extLst>
               <p:ext uri="{D42A27DB-BD31-4B8C-83A1-F6EECF244321}">
-                <p14:modId xmlns:p14="http://schemas.microsoft.com/office/powerpoint/2010/main" val="1089055451"/>
+                <p14:modId xmlns:p14="http://schemas.microsoft.com/office/powerpoint/2010/main" val="1614401742"/>
               </p:ext>
             </p:extLst>
           </p:nvPr>
         </p:nvGraphicFramePr>
         <p:xfrm>
           <a:off x="4653447" y="805561"/>
-          <a:ext cx="6892560" cy="4908056"/>
+          <a:ext cx="6892560" cy="4309780"/>
         </p:xfrm>
         <a:graphic>
           <a:graphicData uri="http://schemas.openxmlformats.org/drawingml/2006/table">
@@ -4223,211 +11453,6 @@
                         </a:spcAft>
                       </a:pPr>
                       <a:r>
-                        <a:rPr lang="vi-VN" sz="1800">
-                          <a:solidFill>
-                            <a:schemeClr val="tx1">
-                              <a:lumMod val="75000"/>
-                              <a:lumOff val="25000"/>
-                            </a:schemeClr>
-                          </a:solidFill>
-                          <a:effectLst/>
-                          <a:latin typeface="+mj-lt"/>
-                        </a:rPr>
-                        <a:t>18424036</a:t>
-                      </a:r>
-                      <a:endParaRPr lang="en-US" sz="1800">
-                        <a:solidFill>
-                          <a:schemeClr val="tx1">
-                            <a:lumMod val="75000"/>
-                            <a:lumOff val="25000"/>
-                          </a:schemeClr>
-                        </a:solidFill>
-                        <a:effectLst/>
-                        <a:latin typeface="+mj-lt"/>
-                        <a:ea typeface="Arial" panose="020B0604020202020204" pitchFamily="34" charset="0"/>
-                      </a:endParaRPr>
-                    </a:p>
-                  </a:txBody>
-                  <a:tcPr marL="264449" marR="198336" marT="132224" marB="132224">
-                    <a:lnL w="12700" cmpd="sng">
-                      <a:noFill/>
-                      <a:prstDash val="solid"/>
-                    </a:lnL>
-                    <a:lnR w="12700" cmpd="sng">
-                      <a:noFill/>
-                      <a:prstDash val="solid"/>
-                    </a:lnR>
-                    <a:lnT w="9525" cap="flat" cmpd="sng" algn="ctr">
-                      <a:solidFill>
-                        <a:srgbClr val="C7C6C1"/>
-                      </a:solidFill>
-                      <a:prstDash val="solid"/>
-                    </a:lnT>
-                    <a:lnB w="9525" cap="flat" cmpd="sng" algn="ctr">
-                      <a:solidFill>
-                        <a:srgbClr val="C7C6C1"/>
-                      </a:solidFill>
-                      <a:prstDash val="solid"/>
-                    </a:lnB>
-                    <a:noFill/>
-                  </a:tcPr>
-                </a:tc>
-                <a:tc>
-                  <a:txBody>
-                    <a:bodyPr/>
-                    <a:lstStyle/>
-                    <a:p>
-                      <a:pPr marL="0" marR="0">
-                        <a:lnSpc>
-                          <a:spcPct val="115000"/>
-                        </a:lnSpc>
-                        <a:spcBef>
-                          <a:spcPts val="0"/>
-                        </a:spcBef>
-                        <a:spcAft>
-                          <a:spcPts val="0"/>
-                        </a:spcAft>
-                      </a:pPr>
-                      <a:r>
-                        <a:rPr lang="vi-VN" sz="1800">
-                          <a:solidFill>
-                            <a:schemeClr val="tx1">
-                              <a:lumMod val="75000"/>
-                              <a:lumOff val="25000"/>
-                            </a:schemeClr>
-                          </a:solidFill>
-                          <a:effectLst/>
-                          <a:latin typeface="+mj-lt"/>
-                        </a:rPr>
-                        <a:t>Đỗ Đăng Khoa</a:t>
-                      </a:r>
-                      <a:endParaRPr lang="en-US" sz="1800">
-                        <a:solidFill>
-                          <a:schemeClr val="tx1">
-                            <a:lumMod val="75000"/>
-                            <a:lumOff val="25000"/>
-                          </a:schemeClr>
-                        </a:solidFill>
-                        <a:effectLst/>
-                        <a:latin typeface="+mj-lt"/>
-                        <a:ea typeface="Arial" panose="020B0604020202020204" pitchFamily="34" charset="0"/>
-                      </a:endParaRPr>
-                    </a:p>
-                  </a:txBody>
-                  <a:tcPr marL="264449" marR="198336" marT="132224" marB="132224">
-                    <a:lnL w="12700" cmpd="sng">
-                      <a:noFill/>
-                      <a:prstDash val="solid"/>
-                    </a:lnL>
-                    <a:lnR w="12700" cmpd="sng">
-                      <a:noFill/>
-                      <a:prstDash val="solid"/>
-                    </a:lnR>
-                    <a:lnT w="9525" cap="flat" cmpd="sng" algn="ctr">
-                      <a:solidFill>
-                        <a:srgbClr val="C7C6C1"/>
-                      </a:solidFill>
-                      <a:prstDash val="solid"/>
-                    </a:lnT>
-                    <a:lnB w="9525" cap="flat" cmpd="sng" algn="ctr">
-                      <a:solidFill>
-                        <a:srgbClr val="C7C6C1"/>
-                      </a:solidFill>
-                      <a:prstDash val="solid"/>
-                    </a:lnB>
-                    <a:noFill/>
-                  </a:tcPr>
-                </a:tc>
-                <a:extLst>
-                  <a:ext uri="{0D108BD9-81ED-4DB2-BD59-A6C34878D82A}">
-                    <a16:rowId xmlns:a16="http://schemas.microsoft.com/office/drawing/2014/main" val="105779935"/>
-                  </a:ext>
-                </a:extLst>
-              </a:tr>
-              <a:tr h="598276">
-                <a:tc>
-                  <a:txBody>
-                    <a:bodyPr/>
-                    <a:lstStyle/>
-                    <a:p>
-                      <a:pPr marL="0" marR="0">
-                        <a:lnSpc>
-                          <a:spcPct val="115000"/>
-                        </a:lnSpc>
-                        <a:spcBef>
-                          <a:spcPts val="0"/>
-                        </a:spcBef>
-                        <a:spcAft>
-                          <a:spcPts val="0"/>
-                        </a:spcAft>
-                      </a:pPr>
-                      <a:r>
-                        <a:rPr lang="vi-VN" sz="1800">
-                          <a:solidFill>
-                            <a:schemeClr val="tx1">
-                              <a:lumMod val="75000"/>
-                              <a:lumOff val="25000"/>
-                            </a:schemeClr>
-                          </a:solidFill>
-                          <a:effectLst/>
-                          <a:latin typeface="+mj-lt"/>
-                        </a:rPr>
-                        <a:t>18424038</a:t>
-                      </a:r>
-                      <a:endParaRPr lang="en-US" sz="1800">
-                        <a:solidFill>
-                          <a:schemeClr val="tx1">
-                            <a:lumMod val="75000"/>
-                            <a:lumOff val="25000"/>
-                          </a:schemeClr>
-                        </a:solidFill>
-                        <a:effectLst/>
-                        <a:latin typeface="+mj-lt"/>
-                        <a:ea typeface="Arial" panose="020B0604020202020204" pitchFamily="34" charset="0"/>
-                      </a:endParaRPr>
-                    </a:p>
-                  </a:txBody>
-                  <a:tcPr marL="264449" marR="198336" marT="132224" marB="132224">
-                    <a:lnL w="12700" cmpd="sng">
-                      <a:noFill/>
-                      <a:prstDash val="solid"/>
-                    </a:lnL>
-                    <a:lnR w="12700" cmpd="sng">
-                      <a:noFill/>
-                      <a:prstDash val="solid"/>
-                    </a:lnR>
-                    <a:lnT w="9525" cap="flat" cmpd="sng" algn="ctr">
-                      <a:solidFill>
-                        <a:srgbClr val="C7C6C1"/>
-                      </a:solidFill>
-                      <a:prstDash val="solid"/>
-                    </a:lnT>
-                    <a:lnB w="9525" cap="flat" cmpd="sng" algn="ctr">
-                      <a:solidFill>
-                        <a:srgbClr val="C7C6C1"/>
-                      </a:solidFill>
-                      <a:prstDash val="solid"/>
-                    </a:lnB>
-                    <a:noFill/>
-                  </a:tcPr>
-                </a:tc>
-                <a:tc>
-                  <a:txBody>
-                    <a:bodyPr/>
-                    <a:lstStyle/>
-                    <a:p>
-                      <a:pPr marL="0" marR="0">
-                        <a:lnSpc>
-                          <a:spcPct val="115000"/>
-                        </a:lnSpc>
-                        <a:spcBef>
-                          <a:spcPts val="0"/>
-                        </a:spcBef>
-                        <a:spcAft>
-                          <a:spcPts val="0"/>
-                        </a:spcAft>
-                      </a:pPr>
-                      <a:r>
                         <a:rPr lang="vi-VN" sz="1800" dirty="0">
                           <a:solidFill>
                             <a:schemeClr val="tx1">
@@ -4438,7 +11463,7 @@
                           <a:effectLst/>
                           <a:latin typeface="+mj-lt"/>
                         </a:rPr>
-                        <a:t>Nguyễn Thế Lợi</a:t>
+                        <a:t>18424038</a:t>
                       </a:r>
                       <a:endParaRPr lang="en-US" sz="1800" dirty="0">
                         <a:solidFill>
@@ -4467,6 +11492,78 @@
                         <a:srgbClr val="C7C6C1"/>
                       </a:solidFill>
                       <a:prstDash val="solid"/>
+                      <a:round/>
+                      <a:headEnd type="none" w="med" len="med"/>
+                      <a:tailEnd type="none" w="med" len="med"/>
+                    </a:lnT>
+                    <a:lnB w="9525" cap="flat" cmpd="sng" algn="ctr">
+                      <a:solidFill>
+                        <a:srgbClr val="C7C6C1"/>
+                      </a:solidFill>
+                      <a:prstDash val="solid"/>
+                    </a:lnB>
+                    <a:noFill/>
+                  </a:tcPr>
+                </a:tc>
+                <a:tc>
+                  <a:txBody>
+                    <a:bodyPr/>
+                    <a:lstStyle/>
+                    <a:p>
+                      <a:pPr marL="0" marR="0">
+                        <a:lnSpc>
+                          <a:spcPct val="115000"/>
+                        </a:lnSpc>
+                        <a:spcBef>
+                          <a:spcPts val="0"/>
+                        </a:spcBef>
+                        <a:spcAft>
+                          <a:spcPts val="0"/>
+                        </a:spcAft>
+                      </a:pPr>
+                      <a:r>
+                        <a:rPr lang="vi-VN" sz="1800" dirty="0">
+                          <a:solidFill>
+                            <a:schemeClr val="tx1">
+                              <a:lumMod val="75000"/>
+                              <a:lumOff val="25000"/>
+                            </a:schemeClr>
+                          </a:solidFill>
+                          <a:effectLst/>
+                          <a:latin typeface="+mj-lt"/>
+                        </a:rPr>
+                        <a:t>Nguyễn Thế Lợi</a:t>
+                      </a:r>
+                      <a:endParaRPr lang="en-US" sz="1800" dirty="0">
+                        <a:solidFill>
+                          <a:schemeClr val="tx1">
+                            <a:lumMod val="75000"/>
+                            <a:lumOff val="25000"/>
+                          </a:schemeClr>
+                        </a:solidFill>
+                        <a:effectLst/>
+                        <a:latin typeface="+mj-lt"/>
+                        <a:ea typeface="Arial" panose="020B0604020202020204" pitchFamily="34" charset="0"/>
+                      </a:endParaRPr>
+                    </a:p>
+                  </a:txBody>
+                  <a:tcPr marL="264449" marR="198336" marT="132224" marB="132224">
+                    <a:lnL w="12700" cmpd="sng">
+                      <a:noFill/>
+                      <a:prstDash val="solid"/>
+                    </a:lnL>
+                    <a:lnR w="12700" cmpd="sng">
+                      <a:noFill/>
+                      <a:prstDash val="solid"/>
+                    </a:lnR>
+                    <a:lnT w="9525" cap="flat" cmpd="sng" algn="ctr">
+                      <a:solidFill>
+                        <a:srgbClr val="C7C6C1"/>
+                      </a:solidFill>
+                      <a:prstDash val="solid"/>
+                      <a:round/>
+                      <a:headEnd type="none" w="med" len="med"/>
+                      <a:tailEnd type="none" w="med" len="med"/>
                     </a:lnT>
                     <a:lnB w="9525" cap="flat" cmpd="sng" algn="ctr">
                       <a:solidFill>
@@ -5125,11 +12222,11 @@
         <p:spPr/>
         <p:txBody>
           <a:bodyPr>
-            <a:normAutofit/>
+            <a:normAutofit fontScale="85000" lnSpcReduction="20000"/>
           </a:bodyPr>
           <a:lstStyle/>
           <a:p>
-            <a:pPr lvl="1">
+            <a:pPr>
               <a:buFont typeface="Wingdings" panose="05000000000000000000" pitchFamily="2" charset="2"/>
               <a:buChar char="§"/>
             </a:pPr>
@@ -5138,37 +12235,15 @@
                 <a:latin typeface="Times New Roman" panose="02020603050405020304" pitchFamily="18" charset="0"/>
                 <a:cs typeface="Times New Roman" panose="02020603050405020304" pitchFamily="18" charset="0"/>
               </a:rPr>
-              <a:t>Definition </a:t>
-            </a:r>
-            <a:r>
-              <a:rPr lang="en-US" dirty="0">
-                <a:latin typeface="Times New Roman" panose="02020603050405020304" pitchFamily="18" charset="0"/>
-                <a:cs typeface="Times New Roman" panose="02020603050405020304" pitchFamily="18" charset="0"/>
-              </a:rPr>
-              <a:t>of </a:t>
-            </a:r>
-            <a:r>
-              <a:rPr lang="en-US" dirty="0">
-                <a:latin typeface="Times New Roman" panose="02020603050405020304" pitchFamily="18" charset="0"/>
-                <a:cs typeface="Times New Roman" panose="02020603050405020304" pitchFamily="18" charset="0"/>
-              </a:rPr>
-              <a:t>Done: </a:t>
-            </a:r>
-            <a:r>
-              <a:rPr lang="en-US" dirty="0">
+              <a:t>Definition of Done: </a:t>
+            </a:r>
+            <a:r>
+              <a:rPr lang="en-US" dirty="0" smtClean="0">
                 <a:latin typeface="Times New Roman" panose="02020603050405020304" pitchFamily="18" charset="0"/>
                 <a:cs typeface="Times New Roman" panose="02020603050405020304" pitchFamily="18" charset="0"/>
                 <a:hlinkClick r:id="rId2"/>
               </a:rPr>
-              <a:t>https://hocvienagile.com/agipedia/dinh-nghia-hoan-thanh</a:t>
-            </a:r>
-            <a:r>
-              <a:rPr lang="en-US" dirty="0" smtClean="0">
-                <a:latin typeface="Times New Roman" panose="02020603050405020304" pitchFamily="18" charset="0"/>
-                <a:cs typeface="Times New Roman" panose="02020603050405020304" pitchFamily="18" charset="0"/>
-                <a:hlinkClick r:id="rId2"/>
-              </a:rPr>
-              <a:t>/</a:t>
+              <a:t>https://hocvienagile.com/agipedia/dinh-nghia-hoan-thanh/</a:t>
             </a:r>
             <a:endParaRPr lang="en-US" dirty="0" smtClean="0">
               <a:latin typeface="Times New Roman" panose="02020603050405020304" pitchFamily="18" charset="0"/>
@@ -5176,15 +12251,107 @@
             </a:endParaRPr>
           </a:p>
           <a:p>
+            <a:r>
+              <a:rPr lang="en-US" dirty="0" smtClean="0">
+                <a:latin typeface="Times New Roman" panose="02020603050405020304" pitchFamily="18" charset="0"/>
+                <a:cs typeface="Times New Roman" panose="02020603050405020304" pitchFamily="18" charset="0"/>
+                <a:hlinkClick r:id="rId3"/>
+              </a:rPr>
+              <a:t>https://viblo.asia/p/ky-thuat-uoc-luong-co-ban-trong-agile-XL6lAyjrlek</a:t>
+            </a:r>
+            <a:endParaRPr lang="en-US" dirty="0" smtClean="0">
+              <a:latin typeface="Times New Roman" panose="02020603050405020304" pitchFamily="18" charset="0"/>
+              <a:cs typeface="Times New Roman" panose="02020603050405020304" pitchFamily="18" charset="0"/>
+            </a:endParaRPr>
+          </a:p>
+          <a:p>
+            <a:r>
+              <a:rPr lang="en-US" dirty="0" smtClean="0">
+                <a:latin typeface="Times New Roman" panose="02020603050405020304" pitchFamily="18" charset="0"/>
+                <a:cs typeface="Times New Roman" panose="02020603050405020304" pitchFamily="18" charset="0"/>
+                <a:hlinkClick r:id="rId4"/>
+              </a:rPr>
+              <a:t>https://hocvienagile.com/agipedia/user-story/</a:t>
+            </a:r>
+            <a:endParaRPr lang="en-US" dirty="0" smtClean="0">
+              <a:latin typeface="Times New Roman" panose="02020603050405020304" pitchFamily="18" charset="0"/>
+              <a:cs typeface="Times New Roman" panose="02020603050405020304" pitchFamily="18" charset="0"/>
+            </a:endParaRPr>
+          </a:p>
+          <a:p>
+            <a:r>
+              <a:rPr lang="en-US" dirty="0" smtClean="0">
+                <a:latin typeface="Times New Roman" panose="02020603050405020304" pitchFamily="18" charset="0"/>
+                <a:cs typeface="Times New Roman" panose="02020603050405020304" pitchFamily="18" charset="0"/>
+                <a:hlinkClick r:id="rId5"/>
+              </a:rPr>
+              <a:t>https://hanoiscrum.net/hnscrum/blogs1/120-user-story-point-velocity-va-lp-k-hoch-phat-hanh</a:t>
+            </a:r>
+            <a:endParaRPr lang="en-US" dirty="0" smtClean="0">
+              <a:latin typeface="Times New Roman" panose="02020603050405020304" pitchFamily="18" charset="0"/>
+              <a:cs typeface="Times New Roman" panose="02020603050405020304" pitchFamily="18" charset="0"/>
+            </a:endParaRPr>
+          </a:p>
+          <a:p>
+            <a:r>
+              <a:rPr lang="en-US" dirty="0" smtClean="0">
+                <a:latin typeface="Times New Roman" panose="02020603050405020304" pitchFamily="18" charset="0"/>
+                <a:cs typeface="Times New Roman" panose="02020603050405020304" pitchFamily="18" charset="0"/>
+                <a:hlinkClick r:id="rId2"/>
+              </a:rPr>
+              <a:t>https://hocvienagile.com/agipedia/dinh-nghia-hoan-thanh/</a:t>
+            </a:r>
+            <a:endParaRPr lang="en-US" dirty="0" smtClean="0">
+              <a:latin typeface="Times New Roman" panose="02020603050405020304" pitchFamily="18" charset="0"/>
+              <a:cs typeface="Times New Roman" panose="02020603050405020304" pitchFamily="18" charset="0"/>
+            </a:endParaRPr>
+          </a:p>
+          <a:p>
+            <a:endParaRPr lang="en-US" dirty="0" smtClean="0">
+              <a:latin typeface="Times New Roman" panose="02020603050405020304" pitchFamily="18" charset="0"/>
+              <a:cs typeface="Times New Roman" panose="02020603050405020304" pitchFamily="18" charset="0"/>
+            </a:endParaRPr>
+          </a:p>
+          <a:p>
+            <a:r>
+              <a:rPr lang="en-US" dirty="0" smtClean="0">
+                <a:latin typeface="Times New Roman" panose="02020603050405020304" pitchFamily="18" charset="0"/>
+                <a:cs typeface="Times New Roman" panose="02020603050405020304" pitchFamily="18" charset="0"/>
+                <a:hlinkClick r:id="rId6"/>
+              </a:rPr>
+              <a:t>https://vi.wikipedia.org/wiki/Qu%E1%BA%A3n_l%C3%BD_gi%C3%A1_tr%E1%BB%8B_thu_%C4%91%C6%B0%E1%BB%A3c</a:t>
+            </a:r>
+            <a:endParaRPr lang="en-US" dirty="0" smtClean="0">
+              <a:latin typeface="Times New Roman" panose="02020603050405020304" pitchFamily="18" charset="0"/>
+              <a:cs typeface="Times New Roman" panose="02020603050405020304" pitchFamily="18" charset="0"/>
+            </a:endParaRPr>
+          </a:p>
+          <a:p>
+            <a:pPr>
+              <a:buFont typeface="Wingdings" panose="05000000000000000000" pitchFamily="2" charset="2"/>
+              <a:buChar char="§"/>
+            </a:pPr>
+            <a:endParaRPr lang="en-US" dirty="0" smtClean="0">
+              <a:latin typeface="Times New Roman" panose="02020603050405020304" pitchFamily="18" charset="0"/>
+              <a:cs typeface="Times New Roman" panose="02020603050405020304" pitchFamily="18" charset="0"/>
+            </a:endParaRPr>
+          </a:p>
+          <a:p>
             <a:pPr marL="201168" lvl="1" indent="0">
               <a:buNone/>
             </a:pPr>
             <a:r>
-              <a:rPr lang="en-US" sz="2400" dirty="0"/>
+              <a:rPr lang="en-US" sz="2400" dirty="0" smtClean="0">
+                <a:latin typeface="Times New Roman" panose="02020603050405020304" pitchFamily="18" charset="0"/>
+                <a:cs typeface="Times New Roman" panose="02020603050405020304" pitchFamily="18" charset="0"/>
+              </a:rPr>
               <a:t/>
             </a:r>
             <a:br>
-              <a:rPr lang="en-US" sz="2400" dirty="0"/>
+              <a:rPr lang="en-US" sz="2400" dirty="0" smtClean="0">
+                <a:latin typeface="Times New Roman" panose="02020603050405020304" pitchFamily="18" charset="0"/>
+                <a:cs typeface="Times New Roman" panose="02020603050405020304" pitchFamily="18" charset="0"/>
+              </a:rPr>
             </a:br>
             <a:endParaRPr lang="en-US" sz="2400" dirty="0">
               <a:latin typeface="Times New Roman" panose="02020603050405020304" pitchFamily="18" charset="0"/>
@@ -6649,10 +13816,121 @@
         </p:nvSpPr>
         <p:spPr/>
         <p:txBody>
-          <a:bodyPr/>
+          <a:bodyPr>
+            <a:noAutofit/>
+          </a:bodyPr>
           <a:lstStyle/>
           <a:p>
-            <a:endParaRPr lang="en-US" dirty="0" smtClean="0"/>
+            <a:pPr fontAlgn="base"/>
+            <a:r>
+              <a:rPr lang="vi-VN" sz="2000" dirty="0">
+                <a:latin typeface="Times New Roman" panose="02020603050405020304" pitchFamily="18" charset="0"/>
+                <a:cs typeface="Times New Roman" panose="02020603050405020304" pitchFamily="18" charset="0"/>
+              </a:rPr>
+              <a:t>Định nghĩa Hoàn thành tăng trưởng cùng với khả năng của Nhóm và ngày càng đảm bảo chất lượng sản phẩm cao hơn.</a:t>
+            </a:r>
+          </a:p>
+          <a:p>
+            <a:pPr fontAlgn="base"/>
+            <a:r>
+              <a:rPr lang="vi-VN" sz="2000" dirty="0">
+                <a:latin typeface="Times New Roman" panose="02020603050405020304" pitchFamily="18" charset="0"/>
+                <a:cs typeface="Times New Roman" panose="02020603050405020304" pitchFamily="18" charset="0"/>
+              </a:rPr>
+              <a:t>Ví dụ ban đầu nhóm chưa có khả năng làm kiểm thử hồi quy tự động thì trong định nghĩa hoàn thành có thể chỉ là:</a:t>
+            </a:r>
+          </a:p>
+          <a:p>
+            <a:pPr lvl="1" fontAlgn="base"/>
+            <a:r>
+              <a:rPr lang="vi-VN" sz="1800" dirty="0">
+                <a:latin typeface="Times New Roman" panose="02020603050405020304" pitchFamily="18" charset="0"/>
+                <a:cs typeface="Times New Roman" panose="02020603050405020304" pitchFamily="18" charset="0"/>
+              </a:rPr>
+              <a:t>Tính năng chạy được</a:t>
+            </a:r>
+          </a:p>
+          <a:p>
+            <a:pPr lvl="1" fontAlgn="base"/>
+            <a:r>
+              <a:rPr lang="vi-VN" sz="1800" dirty="0">
+                <a:latin typeface="Times New Roman" panose="02020603050405020304" pitchFamily="18" charset="0"/>
+                <a:cs typeface="Times New Roman" panose="02020603050405020304" pitchFamily="18" charset="0"/>
+              </a:rPr>
+              <a:t>Mã nguồn được kiểm tra chéo theo tiêu chuẩn mã nguồn</a:t>
+            </a:r>
+          </a:p>
+          <a:p>
+            <a:pPr lvl="1" fontAlgn="base"/>
+            <a:r>
+              <a:rPr lang="vi-VN" sz="1800" dirty="0">
+                <a:latin typeface="Times New Roman" panose="02020603050405020304" pitchFamily="18" charset="0"/>
+                <a:cs typeface="Times New Roman" panose="02020603050405020304" pitchFamily="18" charset="0"/>
+              </a:rPr>
+              <a:t>Vượt qua kiểm thử chấp nhận người dùng</a:t>
+            </a:r>
+          </a:p>
+          <a:p>
+            <a:pPr fontAlgn="base"/>
+            <a:r>
+              <a:rPr lang="vi-VN" sz="2000" dirty="0">
+                <a:latin typeface="Times New Roman" panose="02020603050405020304" pitchFamily="18" charset="0"/>
+                <a:cs typeface="Times New Roman" panose="02020603050405020304" pitchFamily="18" charset="0"/>
+              </a:rPr>
+              <a:t>Sau khi nhóm đã có khả năng thực hiện kiểm thử hồi quy tự động thì nhóm có thể mở rộng Định nghĩa Hoàn thành để tăng chất lượng sản phẩm:</a:t>
+            </a:r>
+          </a:p>
+          <a:p>
+            <a:pPr lvl="1" fontAlgn="base"/>
+            <a:r>
+              <a:rPr lang="vi-VN" sz="1800" dirty="0">
+                <a:latin typeface="Times New Roman" panose="02020603050405020304" pitchFamily="18" charset="0"/>
+                <a:cs typeface="Times New Roman" panose="02020603050405020304" pitchFamily="18" charset="0"/>
+              </a:rPr>
+              <a:t>Tính năng chạy được</a:t>
+            </a:r>
+          </a:p>
+          <a:p>
+            <a:pPr lvl="1" fontAlgn="base"/>
+            <a:r>
+              <a:rPr lang="vi-VN" sz="1800" dirty="0">
+                <a:latin typeface="Times New Roman" panose="02020603050405020304" pitchFamily="18" charset="0"/>
+                <a:cs typeface="Times New Roman" panose="02020603050405020304" pitchFamily="18" charset="0"/>
+              </a:rPr>
+              <a:t>Mã nguồn được kiểm tra chéo theo tiêu chuẩn mã nguồn</a:t>
+            </a:r>
+          </a:p>
+          <a:p>
+            <a:pPr lvl="1" fontAlgn="base"/>
+            <a:r>
+              <a:rPr lang="vi-VN" sz="1800" dirty="0">
+                <a:latin typeface="Times New Roman" panose="02020603050405020304" pitchFamily="18" charset="0"/>
+                <a:cs typeface="Times New Roman" panose="02020603050405020304" pitchFamily="18" charset="0"/>
+              </a:rPr>
+              <a:t>Vượt qua kiểm thử chấp nhận người dùng</a:t>
+            </a:r>
+          </a:p>
+          <a:p>
+            <a:pPr lvl="1" fontAlgn="base"/>
+            <a:r>
+              <a:rPr lang="vi-VN" sz="1800" dirty="0">
+                <a:latin typeface="Times New Roman" panose="02020603050405020304" pitchFamily="18" charset="0"/>
+                <a:cs typeface="Times New Roman" panose="02020603050405020304" pitchFamily="18" charset="0"/>
+              </a:rPr>
+              <a:t>Vượt qua tất cả kiểm thử hồi quy</a:t>
+            </a:r>
+          </a:p>
+          <a:p>
+            <a:endParaRPr lang="en-US" sz="2000" dirty="0">
+              <a:latin typeface="Times New Roman" panose="02020603050405020304" pitchFamily="18" charset="0"/>
+              <a:cs typeface="Times New Roman" panose="02020603050405020304" pitchFamily="18" charset="0"/>
+            </a:endParaRPr>
+          </a:p>
+          <a:p>
+            <a:endParaRPr lang="en-US" sz="2000" dirty="0" smtClean="0">
+              <a:latin typeface="Times New Roman" panose="02020603050405020304" pitchFamily="18" charset="0"/>
+              <a:cs typeface="Times New Roman" panose="02020603050405020304" pitchFamily="18" charset="0"/>
+            </a:endParaRPr>
           </a:p>
         </p:txBody>
       </p:sp>

--- a/Documents/Tuan5/Nhom_3_Tuan_5.pptx
+++ b/Documents/Tuan5/Nhom_3_Tuan_5.pptx
@@ -16,12 +16,13 @@
     <p:sldId id="326" r:id="rId10"/>
     <p:sldId id="327" r:id="rId11"/>
     <p:sldId id="328" r:id="rId12"/>
-    <p:sldId id="331" r:id="rId13"/>
-    <p:sldId id="332" r:id="rId14"/>
-    <p:sldId id="333" r:id="rId15"/>
-    <p:sldId id="334" r:id="rId16"/>
-    <p:sldId id="335" r:id="rId17"/>
-    <p:sldId id="321" r:id="rId18"/>
+    <p:sldId id="329" r:id="rId13"/>
+    <p:sldId id="330" r:id="rId14"/>
+    <p:sldId id="331" r:id="rId15"/>
+    <p:sldId id="332" r:id="rId16"/>
+    <p:sldId id="333" r:id="rId17"/>
+    <p:sldId id="334" r:id="rId18"/>
+    <p:sldId id="321" r:id="rId19"/>
   </p:sldIdLst>
   <p:sldSz cx="12192000" cy="6858000"/>
   <p:notesSz cx="6858000" cy="9144000"/>
@@ -128,6 +129,1004 @@
 </p:presentation>
 </file>
 
+<file path=ppt/charts/chart1.xml><?xml version="1.0" encoding="utf-8"?>
+<c:chartSpace xmlns:c="http://schemas.openxmlformats.org/drawingml/2006/chart" xmlns:a="http://schemas.openxmlformats.org/drawingml/2006/main" xmlns:r="http://schemas.openxmlformats.org/officeDocument/2006/relationships" xmlns:c16r2="http://schemas.microsoft.com/office/drawing/2015/06/chart">
+  <c:date1904 val="0"/>
+  <c:lang val="en-US"/>
+  <c:roundedCorners val="0"/>
+  <mc:AlternateContent xmlns:mc="http://schemas.openxmlformats.org/markup-compatibility/2006">
+    <mc:Choice xmlns:c14="http://schemas.microsoft.com/office/drawing/2007/8/2/chart" Requires="c14">
+      <c14:style val="102"/>
+    </mc:Choice>
+    <mc:Fallback>
+      <c:style val="2"/>
+    </mc:Fallback>
+  </mc:AlternateContent>
+  <c:chart>
+    <c:title>
+      <c:layout/>
+      <c:overlay val="0"/>
+      <c:spPr>
+        <a:noFill/>
+        <a:ln>
+          <a:noFill/>
+        </a:ln>
+        <a:effectLst/>
+      </c:spPr>
+      <c:txPr>
+        <a:bodyPr rot="0" spcFirstLastPara="1" vertOverflow="ellipsis" vert="horz" wrap="square" anchor="ctr" anchorCtr="1"/>
+        <a:lstStyle/>
+        <a:p>
+          <a:pPr>
+            <a:defRPr sz="1400" b="0" i="0" u="none" strike="noStrike" kern="1200" spc="0" baseline="0">
+              <a:solidFill>
+                <a:schemeClr val="tx1">
+                  <a:lumMod val="65000"/>
+                  <a:lumOff val="35000"/>
+                </a:schemeClr>
+              </a:solidFill>
+              <a:latin typeface="+mn-lt"/>
+              <a:ea typeface="+mn-ea"/>
+              <a:cs typeface="+mn-cs"/>
+            </a:defRPr>
+          </a:pPr>
+          <a:endParaRPr lang="en-US"/>
+        </a:p>
+      </c:txPr>
+    </c:title>
+    <c:autoTitleDeleted val="0"/>
+    <c:plotArea>
+      <c:layout/>
+      <c:lineChart>
+        <c:grouping val="standard"/>
+        <c:varyColors val="0"/>
+        <c:ser>
+          <c:idx val="0"/>
+          <c:order val="0"/>
+          <c:tx>
+            <c:strRef>
+              <c:f>User!$L$6</c:f>
+              <c:strCache>
+                <c:ptCount val="1"/>
+                <c:pt idx="0">
+                  <c:v>Tiến độ</c:v>
+                </c:pt>
+              </c:strCache>
+            </c:strRef>
+          </c:tx>
+          <c:spPr>
+            <a:ln w="28575" cap="rnd">
+              <a:solidFill>
+                <a:schemeClr val="accent1"/>
+              </a:solidFill>
+              <a:round/>
+            </a:ln>
+            <a:effectLst/>
+          </c:spPr>
+          <c:marker>
+            <c:symbol val="none"/>
+          </c:marker>
+          <c:cat>
+            <c:strRef>
+              <c:f>User!$K$7:$K$16</c:f>
+              <c:strCache>
+                <c:ptCount val="10"/>
+                <c:pt idx="0">
+                  <c:v>Sprint3</c:v>
+                </c:pt>
+                <c:pt idx="1">
+                  <c:v>Sprint4</c:v>
+                </c:pt>
+                <c:pt idx="2">
+                  <c:v>Sprint5</c:v>
+                </c:pt>
+                <c:pt idx="3">
+                  <c:v>Sprint6</c:v>
+                </c:pt>
+                <c:pt idx="4">
+                  <c:v>Sprint7</c:v>
+                </c:pt>
+                <c:pt idx="5">
+                  <c:v>Sprint8</c:v>
+                </c:pt>
+                <c:pt idx="6">
+                  <c:v>Sprint9</c:v>
+                </c:pt>
+                <c:pt idx="7">
+                  <c:v>Sprint10</c:v>
+                </c:pt>
+                <c:pt idx="8">
+                  <c:v>Sprint11</c:v>
+                </c:pt>
+                <c:pt idx="9">
+                  <c:v>Sprint12</c:v>
+                </c:pt>
+              </c:strCache>
+            </c:strRef>
+          </c:cat>
+          <c:val>
+            <c:numRef>
+              <c:f>User!$L$7:$L$16</c:f>
+              <c:numCache>
+                <c:formatCode>General</c:formatCode>
+                <c:ptCount val="10"/>
+                <c:pt idx="0">
+                  <c:v>52</c:v>
+                </c:pt>
+                <c:pt idx="1">
+                  <c:v>41.6</c:v>
+                </c:pt>
+                <c:pt idx="2">
+                  <c:v>40</c:v>
+                </c:pt>
+                <c:pt idx="3">
+                  <c:v>37</c:v>
+                </c:pt>
+                <c:pt idx="4">
+                  <c:v>34</c:v>
+                </c:pt>
+              </c:numCache>
+            </c:numRef>
+          </c:val>
+          <c:smooth val="0"/>
+          <c:extLst>
+            <c:ext xmlns:c16="http://schemas.microsoft.com/office/drawing/2014/chart" uri="{C3380CC4-5D6E-409C-BE32-E72D297353CC}">
+              <c16:uniqueId val="{00000000-CE72-4BD1-9B55-13319E1D717B}"/>
+            </c:ext>
+          </c:extLst>
+        </c:ser>
+        <c:ser>
+          <c:idx val="1"/>
+          <c:order val="1"/>
+          <c:tx>
+            <c:strRef>
+              <c:f>User!$M$6</c:f>
+              <c:strCache>
+                <c:ptCount val="1"/>
+                <c:pt idx="0">
+                  <c:v>Mong muốn</c:v>
+                </c:pt>
+              </c:strCache>
+            </c:strRef>
+          </c:tx>
+          <c:spPr>
+            <a:ln w="28575" cap="rnd">
+              <a:solidFill>
+                <a:schemeClr val="accent2"/>
+              </a:solidFill>
+              <a:round/>
+            </a:ln>
+            <a:effectLst/>
+          </c:spPr>
+          <c:marker>
+            <c:symbol val="none"/>
+          </c:marker>
+          <c:cat>
+            <c:strRef>
+              <c:f>User!$K$7:$K$16</c:f>
+              <c:strCache>
+                <c:ptCount val="10"/>
+                <c:pt idx="0">
+                  <c:v>Sprint3</c:v>
+                </c:pt>
+                <c:pt idx="1">
+                  <c:v>Sprint4</c:v>
+                </c:pt>
+                <c:pt idx="2">
+                  <c:v>Sprint5</c:v>
+                </c:pt>
+                <c:pt idx="3">
+                  <c:v>Sprint6</c:v>
+                </c:pt>
+                <c:pt idx="4">
+                  <c:v>Sprint7</c:v>
+                </c:pt>
+                <c:pt idx="5">
+                  <c:v>Sprint8</c:v>
+                </c:pt>
+                <c:pt idx="6">
+                  <c:v>Sprint9</c:v>
+                </c:pt>
+                <c:pt idx="7">
+                  <c:v>Sprint10</c:v>
+                </c:pt>
+                <c:pt idx="8">
+                  <c:v>Sprint11</c:v>
+                </c:pt>
+                <c:pt idx="9">
+                  <c:v>Sprint12</c:v>
+                </c:pt>
+              </c:strCache>
+            </c:strRef>
+          </c:cat>
+          <c:val>
+            <c:numRef>
+              <c:f>User!$M$7:$M$16</c:f>
+              <c:numCache>
+                <c:formatCode>General</c:formatCode>
+                <c:ptCount val="10"/>
+                <c:pt idx="0">
+                  <c:v>52</c:v>
+                </c:pt>
+                <c:pt idx="1">
+                  <c:v>46.8</c:v>
+                </c:pt>
+                <c:pt idx="2">
+                  <c:v>41.6</c:v>
+                </c:pt>
+                <c:pt idx="3">
+                  <c:v>36.4</c:v>
+                </c:pt>
+                <c:pt idx="4">
+                  <c:v>31.2</c:v>
+                </c:pt>
+                <c:pt idx="5">
+                  <c:v>26</c:v>
+                </c:pt>
+                <c:pt idx="6">
+                  <c:v>20.8</c:v>
+                </c:pt>
+                <c:pt idx="7">
+                  <c:v>15.6</c:v>
+                </c:pt>
+                <c:pt idx="8">
+                  <c:v>10.4</c:v>
+                </c:pt>
+                <c:pt idx="9">
+                  <c:v>5.2</c:v>
+                </c:pt>
+              </c:numCache>
+            </c:numRef>
+          </c:val>
+          <c:smooth val="0"/>
+          <c:extLst>
+            <c:ext xmlns:c16="http://schemas.microsoft.com/office/drawing/2014/chart" uri="{C3380CC4-5D6E-409C-BE32-E72D297353CC}">
+              <c16:uniqueId val="{00000001-CE72-4BD1-9B55-13319E1D717B}"/>
+            </c:ext>
+          </c:extLst>
+        </c:ser>
+        <c:dLbls>
+          <c:showLegendKey val="0"/>
+          <c:showVal val="0"/>
+          <c:showCatName val="0"/>
+          <c:showSerName val="0"/>
+          <c:showPercent val="0"/>
+          <c:showBubbleSize val="0"/>
+        </c:dLbls>
+        <c:smooth val="0"/>
+        <c:axId val="1447939760"/>
+        <c:axId val="1447939344"/>
+      </c:lineChart>
+      <c:catAx>
+        <c:axId val="1447939760"/>
+        <c:scaling>
+          <c:orientation val="minMax"/>
+        </c:scaling>
+        <c:delete val="0"/>
+        <c:axPos val="b"/>
+        <c:numFmt formatCode="General" sourceLinked="1"/>
+        <c:majorTickMark val="none"/>
+        <c:minorTickMark val="none"/>
+        <c:tickLblPos val="nextTo"/>
+        <c:spPr>
+          <a:noFill/>
+          <a:ln w="9525" cap="flat" cmpd="sng" algn="ctr">
+            <a:solidFill>
+              <a:schemeClr val="tx1">
+                <a:lumMod val="15000"/>
+                <a:lumOff val="85000"/>
+              </a:schemeClr>
+            </a:solidFill>
+            <a:round/>
+          </a:ln>
+          <a:effectLst/>
+        </c:spPr>
+        <c:txPr>
+          <a:bodyPr rot="-60000000" spcFirstLastPara="1" vertOverflow="ellipsis" vert="horz" wrap="square" anchor="ctr" anchorCtr="1"/>
+          <a:lstStyle/>
+          <a:p>
+            <a:pPr>
+              <a:defRPr sz="900" b="0" i="0" u="none" strike="noStrike" kern="1200" baseline="0">
+                <a:solidFill>
+                  <a:schemeClr val="tx1">
+                    <a:lumMod val="65000"/>
+                    <a:lumOff val="35000"/>
+                  </a:schemeClr>
+                </a:solidFill>
+                <a:latin typeface="+mn-lt"/>
+                <a:ea typeface="+mn-ea"/>
+                <a:cs typeface="+mn-cs"/>
+              </a:defRPr>
+            </a:pPr>
+            <a:endParaRPr lang="en-US"/>
+          </a:p>
+        </c:txPr>
+        <c:crossAx val="1447939344"/>
+        <c:crosses val="autoZero"/>
+        <c:auto val="1"/>
+        <c:lblAlgn val="ctr"/>
+        <c:lblOffset val="100"/>
+        <c:noMultiLvlLbl val="0"/>
+      </c:catAx>
+      <c:valAx>
+        <c:axId val="1447939344"/>
+        <c:scaling>
+          <c:orientation val="minMax"/>
+        </c:scaling>
+        <c:delete val="0"/>
+        <c:axPos val="l"/>
+        <c:majorGridlines>
+          <c:spPr>
+            <a:ln w="9525" cap="flat" cmpd="sng" algn="ctr">
+              <a:solidFill>
+                <a:schemeClr val="tx1">
+                  <a:lumMod val="15000"/>
+                  <a:lumOff val="85000"/>
+                </a:schemeClr>
+              </a:solidFill>
+              <a:round/>
+            </a:ln>
+            <a:effectLst/>
+          </c:spPr>
+        </c:majorGridlines>
+        <c:numFmt formatCode="General" sourceLinked="1"/>
+        <c:majorTickMark val="none"/>
+        <c:minorTickMark val="none"/>
+        <c:tickLblPos val="nextTo"/>
+        <c:spPr>
+          <a:noFill/>
+          <a:ln>
+            <a:noFill/>
+          </a:ln>
+          <a:effectLst/>
+        </c:spPr>
+        <c:txPr>
+          <a:bodyPr rot="-60000000" spcFirstLastPara="1" vertOverflow="ellipsis" vert="horz" wrap="square" anchor="ctr" anchorCtr="1"/>
+          <a:lstStyle/>
+          <a:p>
+            <a:pPr>
+              <a:defRPr sz="900" b="0" i="0" u="none" strike="noStrike" kern="1200" baseline="0">
+                <a:solidFill>
+                  <a:schemeClr val="tx1">
+                    <a:lumMod val="65000"/>
+                    <a:lumOff val="35000"/>
+                  </a:schemeClr>
+                </a:solidFill>
+                <a:latin typeface="+mn-lt"/>
+                <a:ea typeface="+mn-ea"/>
+                <a:cs typeface="+mn-cs"/>
+              </a:defRPr>
+            </a:pPr>
+            <a:endParaRPr lang="en-US"/>
+          </a:p>
+        </c:txPr>
+        <c:crossAx val="1447939760"/>
+        <c:crosses val="autoZero"/>
+        <c:crossBetween val="between"/>
+      </c:valAx>
+      <c:spPr>
+        <a:noFill/>
+        <a:ln>
+          <a:noFill/>
+        </a:ln>
+        <a:effectLst/>
+      </c:spPr>
+    </c:plotArea>
+    <c:legend>
+      <c:legendPos val="b"/>
+      <c:layout/>
+      <c:overlay val="0"/>
+      <c:spPr>
+        <a:noFill/>
+        <a:ln>
+          <a:noFill/>
+        </a:ln>
+        <a:effectLst/>
+      </c:spPr>
+      <c:txPr>
+        <a:bodyPr rot="0" spcFirstLastPara="1" vertOverflow="ellipsis" vert="horz" wrap="square" anchor="ctr" anchorCtr="1"/>
+        <a:lstStyle/>
+        <a:p>
+          <a:pPr>
+            <a:defRPr sz="900" b="0" i="0" u="none" strike="noStrike" kern="1200" baseline="0">
+              <a:solidFill>
+                <a:schemeClr val="tx1">
+                  <a:lumMod val="65000"/>
+                  <a:lumOff val="35000"/>
+                </a:schemeClr>
+              </a:solidFill>
+              <a:latin typeface="+mn-lt"/>
+              <a:ea typeface="+mn-ea"/>
+              <a:cs typeface="+mn-cs"/>
+            </a:defRPr>
+          </a:pPr>
+          <a:endParaRPr lang="en-US"/>
+        </a:p>
+      </c:txPr>
+    </c:legend>
+    <c:plotVisOnly val="1"/>
+    <c:dispBlanksAs val="gap"/>
+    <c:showDLblsOverMax val="0"/>
+  </c:chart>
+  <c:spPr>
+    <a:noFill/>
+    <a:ln>
+      <a:noFill/>
+    </a:ln>
+    <a:effectLst/>
+  </c:spPr>
+  <c:txPr>
+    <a:bodyPr/>
+    <a:lstStyle/>
+    <a:p>
+      <a:pPr>
+        <a:defRPr/>
+      </a:pPr>
+      <a:endParaRPr lang="en-US"/>
+    </a:p>
+  </c:txPr>
+  <c:externalData r:id="rId3">
+    <c:autoUpdate val="0"/>
+  </c:externalData>
+</c:chartSpace>
+</file>
+
+<file path=ppt/charts/colors1.xml><?xml version="1.0" encoding="utf-8"?>
+<cs:colorStyle xmlns:cs="http://schemas.microsoft.com/office/drawing/2012/chartStyle" xmlns:a="http://schemas.openxmlformats.org/drawingml/2006/main" meth="cycle" id="10">
+  <a:schemeClr val="accent1"/>
+  <a:schemeClr val="accent2"/>
+  <a:schemeClr val="accent3"/>
+  <a:schemeClr val="accent4"/>
+  <a:schemeClr val="accent5"/>
+  <a:schemeClr val="accent6"/>
+  <cs:variation/>
+  <cs:variation>
+    <a:lumMod val="60000"/>
+  </cs:variation>
+  <cs:variation>
+    <a:lumMod val="80000"/>
+    <a:lumOff val="20000"/>
+  </cs:variation>
+  <cs:variation>
+    <a:lumMod val="80000"/>
+  </cs:variation>
+  <cs:variation>
+    <a:lumMod val="60000"/>
+    <a:lumOff val="40000"/>
+  </cs:variation>
+  <cs:variation>
+    <a:lumMod val="50000"/>
+  </cs:variation>
+  <cs:variation>
+    <a:lumMod val="70000"/>
+    <a:lumOff val="30000"/>
+  </cs:variation>
+  <cs:variation>
+    <a:lumMod val="70000"/>
+  </cs:variation>
+  <cs:variation>
+    <a:lumMod val="50000"/>
+    <a:lumOff val="50000"/>
+  </cs:variation>
+</cs:colorStyle>
+</file>
+
+<file path=ppt/charts/style1.xml><?xml version="1.0" encoding="utf-8"?>
+<cs:chartStyle xmlns:cs="http://schemas.microsoft.com/office/drawing/2012/chartStyle" xmlns:a="http://schemas.openxmlformats.org/drawingml/2006/main" id="227">
+  <cs:axisTitle>
+    <cs:lnRef idx="0"/>
+    <cs:fillRef idx="0"/>
+    <cs:effectRef idx="0"/>
+    <cs:fontRef idx="minor">
+      <a:schemeClr val="tx1">
+        <a:lumMod val="65000"/>
+        <a:lumOff val="35000"/>
+      </a:schemeClr>
+    </cs:fontRef>
+    <cs:defRPr sz="1000" kern="1200"/>
+  </cs:axisTitle>
+  <cs:categoryAxis>
+    <cs:lnRef idx="0"/>
+    <cs:fillRef idx="0"/>
+    <cs:effectRef idx="0"/>
+    <cs:fontRef idx="minor">
+      <a:schemeClr val="tx1">
+        <a:lumMod val="65000"/>
+        <a:lumOff val="35000"/>
+      </a:schemeClr>
+    </cs:fontRef>
+    <cs:spPr>
+      <a:ln w="9525" cap="flat" cmpd="sng" algn="ctr">
+        <a:solidFill>
+          <a:schemeClr val="tx1">
+            <a:lumMod val="15000"/>
+            <a:lumOff val="85000"/>
+          </a:schemeClr>
+        </a:solidFill>
+        <a:round/>
+      </a:ln>
+    </cs:spPr>
+    <cs:defRPr sz="900" kern="1200"/>
+  </cs:categoryAxis>
+  <cs:chartArea mods="allowNoFillOverride allowNoLineOverride">
+    <cs:lnRef idx="0"/>
+    <cs:fillRef idx="0"/>
+    <cs:effectRef idx="0"/>
+    <cs:fontRef idx="minor">
+      <a:schemeClr val="tx1"/>
+    </cs:fontRef>
+    <cs:spPr>
+      <a:solidFill>
+        <a:schemeClr val="bg1"/>
+      </a:solidFill>
+      <a:ln w="9525" cap="flat" cmpd="sng" algn="ctr">
+        <a:solidFill>
+          <a:schemeClr val="tx1">
+            <a:lumMod val="15000"/>
+            <a:lumOff val="85000"/>
+          </a:schemeClr>
+        </a:solidFill>
+        <a:round/>
+      </a:ln>
+    </cs:spPr>
+    <cs:defRPr sz="1000" kern="1200"/>
+  </cs:chartArea>
+  <cs:dataLabel>
+    <cs:lnRef idx="0"/>
+    <cs:fillRef idx="0"/>
+    <cs:effectRef idx="0"/>
+    <cs:fontRef idx="minor">
+      <a:schemeClr val="tx1">
+        <a:lumMod val="75000"/>
+        <a:lumOff val="25000"/>
+      </a:schemeClr>
+    </cs:fontRef>
+    <cs:defRPr sz="900" kern="1200"/>
+  </cs:dataLabel>
+  <cs:dataLabelCallout>
+    <cs:lnRef idx="0"/>
+    <cs:fillRef idx="0"/>
+    <cs:effectRef idx="0"/>
+    <cs:fontRef idx="minor">
+      <a:schemeClr val="dk1">
+        <a:lumMod val="65000"/>
+        <a:lumOff val="35000"/>
+      </a:schemeClr>
+    </cs:fontRef>
+    <cs:spPr>
+      <a:solidFill>
+        <a:schemeClr val="lt1"/>
+      </a:solidFill>
+      <a:ln>
+        <a:solidFill>
+          <a:schemeClr val="dk1">
+            <a:lumMod val="25000"/>
+            <a:lumOff val="75000"/>
+          </a:schemeClr>
+        </a:solidFill>
+      </a:ln>
+    </cs:spPr>
+    <cs:defRPr sz="900" kern="1200"/>
+    <cs:bodyPr rot="0" spcFirstLastPara="1" vertOverflow="clip" horzOverflow="clip" vert="horz" wrap="square" lIns="36576" tIns="18288" rIns="36576" bIns="18288" anchor="ctr" anchorCtr="1">
+      <a:spAutoFit/>
+    </cs:bodyPr>
+  </cs:dataLabelCallout>
+  <cs:dataPoint>
+    <cs:lnRef idx="0"/>
+    <cs:fillRef idx="1">
+      <cs:styleClr val="auto"/>
+    </cs:fillRef>
+    <cs:effectRef idx="0"/>
+    <cs:fontRef idx="minor">
+      <a:schemeClr val="tx1"/>
+    </cs:fontRef>
+    <cs:spPr>
+      <a:solidFill>
+        <a:schemeClr val="phClr"/>
+      </a:solidFill>
+    </cs:spPr>
+  </cs:dataPoint>
+  <cs:dataPoint3D>
+    <cs:lnRef idx="0"/>
+    <cs:fillRef idx="1">
+      <cs:styleClr val="auto"/>
+    </cs:fillRef>
+    <cs:effectRef idx="0"/>
+    <cs:fontRef idx="minor">
+      <a:schemeClr val="tx1"/>
+    </cs:fontRef>
+    <cs:spPr>
+      <a:solidFill>
+        <a:schemeClr val="phClr"/>
+      </a:solidFill>
+    </cs:spPr>
+  </cs:dataPoint3D>
+  <cs:dataPointLine>
+    <cs:lnRef idx="0">
+      <cs:styleClr val="auto"/>
+    </cs:lnRef>
+    <cs:fillRef idx="1"/>
+    <cs:effectRef idx="0"/>
+    <cs:fontRef idx="minor">
+      <a:schemeClr val="tx1"/>
+    </cs:fontRef>
+    <cs:spPr>
+      <a:ln w="28575" cap="rnd">
+        <a:solidFill>
+          <a:schemeClr val="phClr"/>
+        </a:solidFill>
+        <a:round/>
+      </a:ln>
+    </cs:spPr>
+  </cs:dataPointLine>
+  <cs:dataPointMarker>
+    <cs:lnRef idx="0">
+      <cs:styleClr val="auto"/>
+    </cs:lnRef>
+    <cs:fillRef idx="1">
+      <cs:styleClr val="auto"/>
+    </cs:fillRef>
+    <cs:effectRef idx="0"/>
+    <cs:fontRef idx="minor">
+      <a:schemeClr val="tx1"/>
+    </cs:fontRef>
+    <cs:spPr>
+      <a:solidFill>
+        <a:schemeClr val="phClr"/>
+      </a:solidFill>
+      <a:ln w="9525">
+        <a:solidFill>
+          <a:schemeClr val="phClr"/>
+        </a:solidFill>
+      </a:ln>
+    </cs:spPr>
+  </cs:dataPointMarker>
+  <cs:dataPointMarkerLayout symbol="circle" size="5"/>
+  <cs:dataPointWireframe>
+    <cs:lnRef idx="0">
+      <cs:styleClr val="auto"/>
+    </cs:lnRef>
+    <cs:fillRef idx="1"/>
+    <cs:effectRef idx="0"/>
+    <cs:fontRef idx="minor">
+      <a:schemeClr val="tx1"/>
+    </cs:fontRef>
+    <cs:spPr>
+      <a:ln w="9525" cap="rnd">
+        <a:solidFill>
+          <a:schemeClr val="phClr"/>
+        </a:solidFill>
+        <a:round/>
+      </a:ln>
+    </cs:spPr>
+  </cs:dataPointWireframe>
+  <cs:dataTable>
+    <cs:lnRef idx="0"/>
+    <cs:fillRef idx="0"/>
+    <cs:effectRef idx="0"/>
+    <cs:fontRef idx="minor">
+      <a:schemeClr val="tx1">
+        <a:lumMod val="65000"/>
+        <a:lumOff val="35000"/>
+      </a:schemeClr>
+    </cs:fontRef>
+    <cs:spPr>
+      <a:noFill/>
+      <a:ln w="9525" cap="flat" cmpd="sng" algn="ctr">
+        <a:solidFill>
+          <a:schemeClr val="tx1">
+            <a:lumMod val="15000"/>
+            <a:lumOff val="85000"/>
+          </a:schemeClr>
+        </a:solidFill>
+        <a:round/>
+      </a:ln>
+    </cs:spPr>
+    <cs:defRPr sz="900" kern="1200"/>
+  </cs:dataTable>
+  <cs:downBar>
+    <cs:lnRef idx="0"/>
+    <cs:fillRef idx="0"/>
+    <cs:effectRef idx="0"/>
+    <cs:fontRef idx="minor">
+      <a:schemeClr val="dk1"/>
+    </cs:fontRef>
+    <cs:spPr>
+      <a:solidFill>
+        <a:schemeClr val="dk1">
+          <a:lumMod val="65000"/>
+          <a:lumOff val="35000"/>
+        </a:schemeClr>
+      </a:solidFill>
+      <a:ln w="9525">
+        <a:solidFill>
+          <a:schemeClr val="tx1">
+            <a:lumMod val="65000"/>
+            <a:lumOff val="35000"/>
+          </a:schemeClr>
+        </a:solidFill>
+      </a:ln>
+    </cs:spPr>
+  </cs:downBar>
+  <cs:dropLine>
+    <cs:lnRef idx="0"/>
+    <cs:fillRef idx="0"/>
+    <cs:effectRef idx="0"/>
+    <cs:fontRef idx="minor">
+      <a:schemeClr val="tx1"/>
+    </cs:fontRef>
+    <cs:spPr>
+      <a:ln w="9525" cap="flat" cmpd="sng" algn="ctr">
+        <a:solidFill>
+          <a:schemeClr val="tx1">
+            <a:lumMod val="35000"/>
+            <a:lumOff val="65000"/>
+          </a:schemeClr>
+        </a:solidFill>
+        <a:round/>
+      </a:ln>
+    </cs:spPr>
+  </cs:dropLine>
+  <cs:errorBar>
+    <cs:lnRef idx="0"/>
+    <cs:fillRef idx="0"/>
+    <cs:effectRef idx="0"/>
+    <cs:fontRef idx="minor">
+      <a:schemeClr val="tx1"/>
+    </cs:fontRef>
+    <cs:spPr>
+      <a:ln w="9525" cap="flat" cmpd="sng" algn="ctr">
+        <a:solidFill>
+          <a:schemeClr val="tx1">
+            <a:lumMod val="65000"/>
+            <a:lumOff val="35000"/>
+          </a:schemeClr>
+        </a:solidFill>
+        <a:round/>
+      </a:ln>
+    </cs:spPr>
+  </cs:errorBar>
+  <cs:floor>
+    <cs:lnRef idx="0"/>
+    <cs:fillRef idx="0"/>
+    <cs:effectRef idx="0"/>
+    <cs:fontRef idx="minor">
+      <a:schemeClr val="tx1"/>
+    </cs:fontRef>
+    <cs:spPr>
+      <a:noFill/>
+      <a:ln>
+        <a:noFill/>
+      </a:ln>
+    </cs:spPr>
+  </cs:floor>
+  <cs:gridlineMajor>
+    <cs:lnRef idx="0"/>
+    <cs:fillRef idx="0"/>
+    <cs:effectRef idx="0"/>
+    <cs:fontRef idx="minor">
+      <a:schemeClr val="tx1"/>
+    </cs:fontRef>
+    <cs:spPr>
+      <a:ln w="9525" cap="flat" cmpd="sng" algn="ctr">
+        <a:solidFill>
+          <a:schemeClr val="tx1">
+            <a:lumMod val="15000"/>
+            <a:lumOff val="85000"/>
+          </a:schemeClr>
+        </a:solidFill>
+        <a:round/>
+      </a:ln>
+    </cs:spPr>
+  </cs:gridlineMajor>
+  <cs:gridlineMinor>
+    <cs:lnRef idx="0"/>
+    <cs:fillRef idx="0"/>
+    <cs:effectRef idx="0"/>
+    <cs:fontRef idx="minor">
+      <a:schemeClr val="tx1"/>
+    </cs:fontRef>
+    <cs:spPr>
+      <a:ln w="9525" cap="flat" cmpd="sng" algn="ctr">
+        <a:solidFill>
+          <a:schemeClr val="tx1">
+            <a:lumMod val="5000"/>
+            <a:lumOff val="95000"/>
+          </a:schemeClr>
+        </a:solidFill>
+        <a:round/>
+      </a:ln>
+    </cs:spPr>
+  </cs:gridlineMinor>
+  <cs:hiLoLine>
+    <cs:lnRef idx="0"/>
+    <cs:fillRef idx="0"/>
+    <cs:effectRef idx="0"/>
+    <cs:fontRef idx="minor">
+      <a:schemeClr val="tx1"/>
+    </cs:fontRef>
+    <cs:spPr>
+      <a:ln w="9525" cap="flat" cmpd="sng" algn="ctr">
+        <a:solidFill>
+          <a:schemeClr val="tx1">
+            <a:lumMod val="75000"/>
+            <a:lumOff val="25000"/>
+          </a:schemeClr>
+        </a:solidFill>
+        <a:round/>
+      </a:ln>
+    </cs:spPr>
+  </cs:hiLoLine>
+  <cs:leaderLine>
+    <cs:lnRef idx="0"/>
+    <cs:fillRef idx="0"/>
+    <cs:effectRef idx="0"/>
+    <cs:fontRef idx="minor">
+      <a:schemeClr val="tx1"/>
+    </cs:fontRef>
+    <cs:spPr>
+      <a:ln w="9525" cap="flat" cmpd="sng" algn="ctr">
+        <a:solidFill>
+          <a:schemeClr val="tx1">
+            <a:lumMod val="35000"/>
+            <a:lumOff val="65000"/>
+          </a:schemeClr>
+        </a:solidFill>
+        <a:round/>
+      </a:ln>
+    </cs:spPr>
+  </cs:leaderLine>
+  <cs:legend>
+    <cs:lnRef idx="0"/>
+    <cs:fillRef idx="0"/>
+    <cs:effectRef idx="0"/>
+    <cs:fontRef idx="minor">
+      <a:schemeClr val="tx1">
+        <a:lumMod val="65000"/>
+        <a:lumOff val="35000"/>
+      </a:schemeClr>
+    </cs:fontRef>
+    <cs:defRPr sz="900" kern="1200"/>
+  </cs:legend>
+  <cs:plotArea mods="allowNoFillOverride allowNoLineOverride">
+    <cs:lnRef idx="0"/>
+    <cs:fillRef idx="0"/>
+    <cs:effectRef idx="0"/>
+    <cs:fontRef idx="minor">
+      <a:schemeClr val="tx1"/>
+    </cs:fontRef>
+  </cs:plotArea>
+  <cs:plotArea3D mods="allowNoFillOverride allowNoLineOverride">
+    <cs:lnRef idx="0"/>
+    <cs:fillRef idx="0"/>
+    <cs:effectRef idx="0"/>
+    <cs:fontRef idx="minor">
+      <a:schemeClr val="tx1"/>
+    </cs:fontRef>
+  </cs:plotArea3D>
+  <cs:seriesAxis>
+    <cs:lnRef idx="0"/>
+    <cs:fillRef idx="0"/>
+    <cs:effectRef idx="0"/>
+    <cs:fontRef idx="minor">
+      <a:schemeClr val="tx1">
+        <a:lumMod val="65000"/>
+        <a:lumOff val="35000"/>
+      </a:schemeClr>
+    </cs:fontRef>
+    <cs:defRPr sz="900" kern="1200"/>
+  </cs:seriesAxis>
+  <cs:seriesLine>
+    <cs:lnRef idx="0"/>
+    <cs:fillRef idx="0"/>
+    <cs:effectRef idx="0"/>
+    <cs:fontRef idx="minor">
+      <a:schemeClr val="tx1"/>
+    </cs:fontRef>
+    <cs:spPr>
+      <a:ln w="9525" cap="flat" cmpd="sng" algn="ctr">
+        <a:solidFill>
+          <a:schemeClr val="tx1">
+            <a:lumMod val="35000"/>
+            <a:lumOff val="65000"/>
+          </a:schemeClr>
+        </a:solidFill>
+        <a:round/>
+      </a:ln>
+    </cs:spPr>
+  </cs:seriesLine>
+  <cs:title>
+    <cs:lnRef idx="0"/>
+    <cs:fillRef idx="0"/>
+    <cs:effectRef idx="0"/>
+    <cs:fontRef idx="minor">
+      <a:schemeClr val="tx1">
+        <a:lumMod val="65000"/>
+        <a:lumOff val="35000"/>
+      </a:schemeClr>
+    </cs:fontRef>
+    <cs:defRPr sz="1400" b="0" kern="1200" spc="0" baseline="0"/>
+  </cs:title>
+  <cs:trendline>
+    <cs:lnRef idx="0">
+      <cs:styleClr val="auto"/>
+    </cs:lnRef>
+    <cs:fillRef idx="0"/>
+    <cs:effectRef idx="0"/>
+    <cs:fontRef idx="minor">
+      <a:schemeClr val="tx1"/>
+    </cs:fontRef>
+    <cs:spPr>
+      <a:ln w="19050" cap="rnd">
+        <a:solidFill>
+          <a:schemeClr val="phClr"/>
+        </a:solidFill>
+        <a:prstDash val="sysDot"/>
+      </a:ln>
+    </cs:spPr>
+  </cs:trendline>
+  <cs:trendlineLabel>
+    <cs:lnRef idx="0"/>
+    <cs:fillRef idx="0"/>
+    <cs:effectRef idx="0"/>
+    <cs:fontRef idx="minor">
+      <a:schemeClr val="tx1">
+        <a:lumMod val="65000"/>
+        <a:lumOff val="35000"/>
+      </a:schemeClr>
+    </cs:fontRef>
+    <cs:defRPr sz="900" kern="1200"/>
+  </cs:trendlineLabel>
+  <cs:upBar>
+    <cs:lnRef idx="0"/>
+    <cs:fillRef idx="0"/>
+    <cs:effectRef idx="0"/>
+    <cs:fontRef idx="minor">
+      <a:schemeClr val="dk1"/>
+    </cs:fontRef>
+    <cs:spPr>
+      <a:solidFill>
+        <a:schemeClr val="lt1"/>
+      </a:solidFill>
+      <a:ln w="9525">
+        <a:solidFill>
+          <a:schemeClr val="tx1">
+            <a:lumMod val="15000"/>
+            <a:lumOff val="85000"/>
+          </a:schemeClr>
+        </a:solidFill>
+      </a:ln>
+    </cs:spPr>
+  </cs:upBar>
+  <cs:valueAxis>
+    <cs:lnRef idx="0"/>
+    <cs:fillRef idx="0"/>
+    <cs:effectRef idx="0"/>
+    <cs:fontRef idx="minor">
+      <a:schemeClr val="tx1">
+        <a:lumMod val="65000"/>
+        <a:lumOff val="35000"/>
+      </a:schemeClr>
+    </cs:fontRef>
+    <cs:defRPr sz="900" kern="1200"/>
+  </cs:valueAxis>
+  <cs:wall>
+    <cs:lnRef idx="0"/>
+    <cs:fillRef idx="0"/>
+    <cs:effectRef idx="0"/>
+    <cs:fontRef idx="minor">
+      <a:schemeClr val="tx1"/>
+    </cs:fontRef>
+    <cs:spPr>
+      <a:noFill/>
+      <a:ln>
+        <a:noFill/>
+      </a:ln>
+    </cs:spPr>
+  </cs:wall>
+</cs:chartStyle>
+</file>
+
 <file path=ppt/slideLayouts/slideLayout1.xml><?xml version="1.0" encoding="utf-8"?>
 <p:sldLayout xmlns:a="http://schemas.openxmlformats.org/drawingml/2006/main" xmlns:r="http://schemas.openxmlformats.org/officeDocument/2006/relationships" xmlns:p="http://schemas.openxmlformats.org/presentationml/2006/main" type="title" preserve="1">
   <p:cSld name="Title Slide">
@@ -259,7 +1258,7 @@
           <a:p>
             <a:fld id="{9184DA70-C731-4C70-880D-CCD4705E623C}" type="datetime1">
               <a:rPr lang="en-US" smtClean="0"/>
-              <a:t>11/30/2019</a:t>
+              <a:t>12/12/2019</a:t>
             </a:fld>
             <a:endParaRPr lang="en-US" dirty="0"/>
           </a:p>
@@ -429,7 +1428,7 @@
           <a:p>
             <a:fld id="{B612A279-0833-481D-8C56-F67FD0AC6C50}" type="datetime1">
               <a:rPr lang="en-US" smtClean="0"/>
-              <a:t>11/30/2019</a:t>
+              <a:t>12/12/2019</a:t>
             </a:fld>
             <a:endParaRPr lang="en-US" dirty="0"/>
           </a:p>
@@ -609,7 +1608,7 @@
           <a:p>
             <a:fld id="{6587DA83-5663-4C9C-B9AA-0B40A3DAFF81}" type="datetime1">
               <a:rPr lang="en-US" smtClean="0"/>
-              <a:t>11/30/2019</a:t>
+              <a:t>12/12/2019</a:t>
             </a:fld>
             <a:endParaRPr lang="en-US" dirty="0"/>
           </a:p>
@@ -779,7 +1778,7 @@
           <a:p>
             <a:fld id="{4BE1D723-8F53-4F53-90B0-1982A396982E}" type="datetime1">
               <a:rPr lang="en-US" smtClean="0"/>
-              <a:t>11/30/2019</a:t>
+              <a:t>12/12/2019</a:t>
             </a:fld>
             <a:endParaRPr lang="en-US" dirty="0"/>
           </a:p>
@@ -1025,7 +2024,7 @@
           <a:p>
             <a:fld id="{97669AF7-7BEB-44E4-9852-375E34362B5B}" type="datetime1">
               <a:rPr lang="en-US" smtClean="0"/>
-              <a:t>11/30/2019</a:t>
+              <a:t>12/12/2019</a:t>
             </a:fld>
             <a:endParaRPr lang="en-US" dirty="0"/>
           </a:p>
@@ -1257,7 +2256,7 @@
           <a:p>
             <a:fld id="{BAAAC38D-0552-4C82-B593-E6124DFADBE2}" type="datetime1">
               <a:rPr lang="en-US" smtClean="0"/>
-              <a:t>11/30/2019</a:t>
+              <a:t>12/12/2019</a:t>
             </a:fld>
             <a:endParaRPr lang="en-US" dirty="0"/>
           </a:p>
@@ -1624,7 +2623,7 @@
           <a:p>
             <a:fld id="{D9DF0F1C-5577-4ACB-BB62-DF8F3C494C7E}" type="datetime1">
               <a:rPr lang="en-US" smtClean="0"/>
-              <a:t>11/30/2019</a:t>
+              <a:t>12/12/2019</a:t>
             </a:fld>
             <a:endParaRPr lang="en-US" dirty="0"/>
           </a:p>
@@ -1742,7 +2741,7 @@
           <a:p>
             <a:fld id="{1775B394-D9F9-4F0C-B15D-605F45CB9E9F}" type="datetime1">
               <a:rPr lang="en-US" smtClean="0"/>
-              <a:t>11/30/2019</a:t>
+              <a:t>12/12/2019</a:t>
             </a:fld>
             <a:endParaRPr lang="en-US" dirty="0"/>
           </a:p>
@@ -1837,7 +2836,7 @@
           <a:p>
             <a:fld id="{39667345-2558-425A-8533-9BFDBCE15005}" type="datetime1">
               <a:rPr lang="en-US" smtClean="0"/>
-              <a:t>11/30/2019</a:t>
+              <a:t>12/12/2019</a:t>
             </a:fld>
             <a:endParaRPr lang="en-US" dirty="0"/>
           </a:p>
@@ -2114,7 +3113,7 @@
           <a:p>
             <a:fld id="{92BEA474-078D-4E9B-9B14-09A87B19DC46}" type="datetime1">
               <a:rPr lang="en-US" smtClean="0"/>
-              <a:t>11/30/2019</a:t>
+              <a:t>12/12/2019</a:t>
             </a:fld>
             <a:endParaRPr lang="en-US" dirty="0"/>
           </a:p>
@@ -2368,7 +3367,7 @@
           <a:p>
             <a:fld id="{4907D986-8816-4272-A432-0437A28A9828}" type="datetime1">
               <a:rPr lang="en-US" smtClean="0"/>
-              <a:t>11/30/2019</a:t>
+              <a:t>12/12/2019</a:t>
             </a:fld>
             <a:endParaRPr lang="en-US" dirty="0"/>
           </a:p>
@@ -2582,7 +3581,7 @@
           <a:p>
             <a:fld id="{62D6E202-B606-4609-B914-27C9371A1F6D}" type="datetime1">
               <a:rPr lang="en-US" smtClean="0"/>
-              <a:t>11/30/2019</a:t>
+              <a:t>12/12/2019</a:t>
             </a:fld>
             <a:endParaRPr lang="en-US" dirty="0"/>
           </a:p>
@@ -3474,7 +4473,14 @@
                 <a:latin typeface="Times New Roman" panose="02020603050405020304" pitchFamily="18" charset="0"/>
                 <a:cs typeface="Times New Roman" panose="02020603050405020304" pitchFamily="18" charset="0"/>
               </a:rPr>
-              <a:t>dụng phần mềm, và mã nguồn).</a:t>
+              <a:t>dụng phần mềm, và mã nguồn</a:t>
+            </a:r>
+            <a:r>
+              <a:rPr lang="vi-VN" sz="3200" dirty="0" smtClean="0">
+                <a:latin typeface="Times New Roman" panose="02020603050405020304" pitchFamily="18" charset="0"/>
+                <a:cs typeface="Times New Roman" panose="02020603050405020304" pitchFamily="18" charset="0"/>
+              </a:rPr>
+              <a:t>).</a:t>
             </a:r>
             <a:endParaRPr lang="en-US" sz="3200" dirty="0">
               <a:latin typeface="Times New Roman" panose="02020603050405020304" pitchFamily="18" charset="0"/>
@@ -3485,7 +4491,7 @@
       </p:sp>
       <p:pic>
         <p:nvPicPr>
-          <p:cNvPr id="4" name="Picture 3"/>
+          <p:cNvPr id="6" name="Picture 5"/>
           <p:cNvPicPr>
             <a:picLocks noChangeAspect="1"/>
           </p:cNvPicPr>
@@ -3505,37 +4511,7 @@
         </p:blipFill>
         <p:spPr>
           <a:xfrm>
-            <a:off x="6327818" y="2377731"/>
-            <a:ext cx="5768388" cy="3500551"/>
-          </a:xfrm>
-          <a:prstGeom prst="rect">
-            <a:avLst/>
-          </a:prstGeom>
-        </p:spPr>
-      </p:pic>
-      <p:pic>
-        <p:nvPicPr>
-          <p:cNvPr id="6" name="Picture 5"/>
-          <p:cNvPicPr>
-            <a:picLocks noChangeAspect="1"/>
-          </p:cNvPicPr>
-          <p:nvPr/>
-        </p:nvPicPr>
-        <p:blipFill>
-          <a:blip r:embed="rId3">
-            <a:extLst>
-              <a:ext uri="{28A0092B-C50C-407E-A947-70E740481C1C}">
-                <a14:useLocalDpi xmlns:a14="http://schemas.microsoft.com/office/drawing/2010/main" val="0"/>
-              </a:ext>
-            </a:extLst>
-          </a:blip>
-          <a:stretch>
-            <a:fillRect/>
-          </a:stretch>
-        </p:blipFill>
-        <p:spPr>
-          <a:xfrm>
-            <a:off x="156754" y="2377732"/>
+            <a:off x="5225142" y="2273229"/>
             <a:ext cx="6011907" cy="3500551"/>
           </a:xfrm>
           <a:prstGeom prst="rect">
@@ -3543,10 +4519,44 @@
           </a:prstGeom>
         </p:spPr>
       </p:pic>
+      <p:sp>
+        <p:nvSpPr>
+          <p:cNvPr id="7" name="Content Placeholder 2"/>
+          <p:cNvSpPr>
+            <a:spLocks noGrp="1"/>
+          </p:cNvSpPr>
+          <p:nvPr>
+            <p:ph idx="1"/>
+          </p:nvPr>
+        </p:nvSpPr>
+        <p:spPr>
+          <a:xfrm>
+            <a:off x="838199" y="1825625"/>
+            <a:ext cx="3995057" cy="4351338"/>
+          </a:xfrm>
+        </p:spPr>
+        <p:txBody>
+          <a:bodyPr/>
+          <a:lstStyle/>
+          <a:p>
+            <a:r>
+              <a:rPr lang="en-US" dirty="0" smtClean="0">
+                <a:latin typeface="Times New Roman" panose="02020603050405020304" pitchFamily="18" charset="0"/>
+                <a:cs typeface="Times New Roman" panose="02020603050405020304" pitchFamily="18" charset="0"/>
+              </a:rPr>
+              <a:t>Chức năng đăng nhập</a:t>
+            </a:r>
+            <a:endParaRPr lang="en-US" dirty="0">
+              <a:latin typeface="Times New Roman" panose="02020603050405020304" pitchFamily="18" charset="0"/>
+              <a:cs typeface="Times New Roman" panose="02020603050405020304" pitchFamily="18" charset="0"/>
+            </a:endParaRPr>
+          </a:p>
+        </p:txBody>
+      </p:sp>
     </p:spTree>
     <p:extLst>
       <p:ext uri="{BB962C8B-B14F-4D97-AF65-F5344CB8AC3E}">
-        <p14:creationId xmlns:p14="http://schemas.microsoft.com/office/powerpoint/2010/main" val="2786413114"/>
+        <p14:creationId xmlns:p14="http://schemas.microsoft.com/office/powerpoint/2010/main" val="3497069547"/>
       </p:ext>
     </p:extLst>
   </p:cSld>
@@ -3583,6 +4593,373 @@
             <p:ph type="title"/>
           </p:nvPr>
         </p:nvSpPr>
+        <p:spPr>
+          <a:xfrm>
+            <a:off x="705394" y="295456"/>
+            <a:ext cx="10763794" cy="1325563"/>
+          </a:xfrm>
+        </p:spPr>
+        <p:txBody>
+          <a:bodyPr>
+            <a:noAutofit/>
+          </a:bodyPr>
+          <a:lstStyle/>
+          <a:p>
+            <a:r>
+              <a:rPr lang="en-US" sz="3200" dirty="0">
+                <a:latin typeface="Times New Roman" panose="02020603050405020304" pitchFamily="18" charset="0"/>
+                <a:cs typeface="Times New Roman" panose="02020603050405020304" pitchFamily="18" charset="0"/>
+              </a:rPr>
+              <a:t>2.</a:t>
+            </a:r>
+            <a:r>
+              <a:rPr lang="vi-VN" sz="3200" dirty="0">
+                <a:cs typeface="Times New Roman" panose="02020603050405020304" pitchFamily="18" charset="0"/>
+              </a:rPr>
+              <a:t> Trình bày bản phân phối phần mềm đầu tiên đến khách hàng của</a:t>
+            </a:r>
+            <a:r>
+              <a:rPr lang="en-US" sz="3200" dirty="0">
+                <a:latin typeface="Times New Roman" panose="02020603050405020304" pitchFamily="18" charset="0"/>
+                <a:cs typeface="Times New Roman" panose="02020603050405020304" pitchFamily="18" charset="0"/>
+              </a:rPr>
+              <a:t> </a:t>
+            </a:r>
+            <a:r>
+              <a:rPr lang="vi-VN" sz="3200" dirty="0">
+                <a:cs typeface="Times New Roman" panose="02020603050405020304" pitchFamily="18" charset="0"/>
+              </a:rPr>
+              <a:t>nhóm (Demo khách hàng trực tiếp sử dụng phần mềm, Hướng dẫn sử</a:t>
+            </a:r>
+            <a:r>
+              <a:rPr lang="en-US" sz="3200" dirty="0">
+                <a:latin typeface="Times New Roman" panose="02020603050405020304" pitchFamily="18" charset="0"/>
+                <a:cs typeface="Times New Roman" panose="02020603050405020304" pitchFamily="18" charset="0"/>
+              </a:rPr>
+              <a:t> </a:t>
+            </a:r>
+            <a:r>
+              <a:rPr lang="vi-VN" sz="3200" dirty="0">
+                <a:cs typeface="Times New Roman" panose="02020603050405020304" pitchFamily="18" charset="0"/>
+              </a:rPr>
+              <a:t>dụng phần mềm, và mã nguồn).</a:t>
+            </a:r>
+            <a:endParaRPr lang="en-US" sz="3200" dirty="0"/>
+          </a:p>
+        </p:txBody>
+      </p:sp>
+      <p:sp>
+        <p:nvSpPr>
+          <p:cNvPr id="3" name="Content Placeholder 2"/>
+          <p:cNvSpPr>
+            <a:spLocks noGrp="1"/>
+          </p:cNvSpPr>
+          <p:nvPr>
+            <p:ph idx="1"/>
+          </p:nvPr>
+        </p:nvSpPr>
+        <p:spPr>
+          <a:xfrm>
+            <a:off x="838200" y="1825625"/>
+            <a:ext cx="3489960" cy="4351338"/>
+          </a:xfrm>
+        </p:spPr>
+        <p:txBody>
+          <a:bodyPr/>
+          <a:lstStyle/>
+          <a:p>
+            <a:r>
+              <a:rPr lang="en-US" dirty="0" smtClean="0">
+                <a:latin typeface="Times New Roman" panose="02020603050405020304" pitchFamily="18" charset="0"/>
+                <a:cs typeface="Times New Roman" panose="02020603050405020304" pitchFamily="18" charset="0"/>
+              </a:rPr>
+              <a:t>Chức năng đăng ký</a:t>
+            </a:r>
+            <a:endParaRPr lang="en-US" dirty="0">
+              <a:latin typeface="Times New Roman" panose="02020603050405020304" pitchFamily="18" charset="0"/>
+              <a:cs typeface="Times New Roman" panose="02020603050405020304" pitchFamily="18" charset="0"/>
+            </a:endParaRPr>
+          </a:p>
+        </p:txBody>
+      </p:sp>
+      <p:pic>
+        <p:nvPicPr>
+          <p:cNvPr id="4" name="Picture 3"/>
+          <p:cNvPicPr>
+            <a:picLocks noChangeAspect="1"/>
+          </p:cNvPicPr>
+          <p:nvPr/>
+        </p:nvPicPr>
+        <p:blipFill>
+          <a:blip r:embed="rId2">
+            <a:extLst>
+              <a:ext uri="{28A0092B-C50C-407E-A947-70E740481C1C}">
+                <a14:useLocalDpi xmlns:a14="http://schemas.microsoft.com/office/drawing/2010/main" val="0"/>
+              </a:ext>
+            </a:extLst>
+          </a:blip>
+          <a:stretch>
+            <a:fillRect/>
+          </a:stretch>
+        </p:blipFill>
+        <p:spPr>
+          <a:xfrm>
+            <a:off x="5012824" y="2251018"/>
+            <a:ext cx="5768388" cy="3500551"/>
+          </a:xfrm>
+          <a:prstGeom prst="rect">
+            <a:avLst/>
+          </a:prstGeom>
+        </p:spPr>
+      </p:pic>
+    </p:spTree>
+    <p:extLst>
+      <p:ext uri="{BB962C8B-B14F-4D97-AF65-F5344CB8AC3E}">
+        <p14:creationId xmlns:p14="http://schemas.microsoft.com/office/powerpoint/2010/main" val="1284203981"/>
+      </p:ext>
+    </p:extLst>
+  </p:cSld>
+  <p:clrMapOvr>
+    <a:masterClrMapping/>
+  </p:clrMapOvr>
+</p:sld>
+</file>
+
+<file path=ppt/slides/slide12.xml><?xml version="1.0" encoding="utf-8"?>
+<p:sld xmlns:a="http://schemas.openxmlformats.org/drawingml/2006/main" xmlns:r="http://schemas.openxmlformats.org/officeDocument/2006/relationships" xmlns:p="http://schemas.openxmlformats.org/presentationml/2006/main">
+  <p:cSld>
+    <p:spTree>
+      <p:nvGrpSpPr>
+        <p:cNvPr id="1" name=""/>
+        <p:cNvGrpSpPr/>
+        <p:nvPr/>
+      </p:nvGrpSpPr>
+      <p:grpSpPr>
+        <a:xfrm>
+          <a:off x="0" y="0"/>
+          <a:ext cx="0" cy="0"/>
+          <a:chOff x="0" y="0"/>
+          <a:chExt cx="0" cy="0"/>
+        </a:xfrm>
+      </p:grpSpPr>
+      <p:sp>
+        <p:nvSpPr>
+          <p:cNvPr id="2" name="Title 1"/>
+          <p:cNvSpPr>
+            <a:spLocks noGrp="1"/>
+          </p:cNvSpPr>
+          <p:nvPr>
+            <p:ph type="title"/>
+          </p:nvPr>
+        </p:nvSpPr>
+        <p:spPr/>
+        <p:txBody>
+          <a:bodyPr>
+            <a:noAutofit/>
+          </a:bodyPr>
+          <a:lstStyle/>
+          <a:p>
+            <a:r>
+              <a:rPr lang="en-US" sz="3200" dirty="0">
+                <a:latin typeface="Times New Roman" panose="02020603050405020304" pitchFamily="18" charset="0"/>
+                <a:cs typeface="Times New Roman" panose="02020603050405020304" pitchFamily="18" charset="0"/>
+              </a:rPr>
+              <a:t>2.</a:t>
+            </a:r>
+            <a:r>
+              <a:rPr lang="vi-VN" sz="3200" dirty="0">
+                <a:cs typeface="Times New Roman" panose="02020603050405020304" pitchFamily="18" charset="0"/>
+              </a:rPr>
+              <a:t> Trình bày bản phân phối phần mềm đầu tiên đến khách hàng của</a:t>
+            </a:r>
+            <a:r>
+              <a:rPr lang="en-US" sz="3200" dirty="0">
+                <a:latin typeface="Times New Roman" panose="02020603050405020304" pitchFamily="18" charset="0"/>
+                <a:cs typeface="Times New Roman" panose="02020603050405020304" pitchFamily="18" charset="0"/>
+              </a:rPr>
+              <a:t> </a:t>
+            </a:r>
+            <a:r>
+              <a:rPr lang="vi-VN" sz="3200" dirty="0">
+                <a:cs typeface="Times New Roman" panose="02020603050405020304" pitchFamily="18" charset="0"/>
+              </a:rPr>
+              <a:t>nhóm (Demo khách hàng trực tiếp sử dụng phần mềm, Hướng dẫn sử</a:t>
+            </a:r>
+            <a:r>
+              <a:rPr lang="en-US" sz="3200" dirty="0">
+                <a:latin typeface="Times New Roman" panose="02020603050405020304" pitchFamily="18" charset="0"/>
+                <a:cs typeface="Times New Roman" panose="02020603050405020304" pitchFamily="18" charset="0"/>
+              </a:rPr>
+              <a:t> </a:t>
+            </a:r>
+            <a:r>
+              <a:rPr lang="vi-VN" sz="3200" dirty="0">
+                <a:cs typeface="Times New Roman" panose="02020603050405020304" pitchFamily="18" charset="0"/>
+              </a:rPr>
+              <a:t>dụng phần mềm, và mã nguồn).</a:t>
+            </a:r>
+            <a:endParaRPr lang="en-US" sz="3200" dirty="0"/>
+          </a:p>
+        </p:txBody>
+      </p:sp>
+      <p:sp>
+        <p:nvSpPr>
+          <p:cNvPr id="3" name="Content Placeholder 2"/>
+          <p:cNvSpPr>
+            <a:spLocks noGrp="1"/>
+          </p:cNvSpPr>
+          <p:nvPr>
+            <p:ph idx="1"/>
+          </p:nvPr>
+        </p:nvSpPr>
+        <p:spPr>
+          <a:xfrm>
+            <a:off x="182880" y="1825625"/>
+            <a:ext cx="4093029" cy="4351338"/>
+          </a:xfrm>
+        </p:spPr>
+        <p:txBody>
+          <a:bodyPr/>
+          <a:lstStyle/>
+          <a:p>
+            <a:r>
+              <a:rPr lang="en-US" dirty="0" smtClean="0"/>
+              <a:t>Chức năng cài đặt thông tin cá nhân</a:t>
+            </a:r>
+            <a:endParaRPr lang="en-US" dirty="0"/>
+          </a:p>
+        </p:txBody>
+      </p:sp>
+      <p:pic>
+        <p:nvPicPr>
+          <p:cNvPr id="4" name="Picture 3"/>
+          <p:cNvPicPr>
+            <a:picLocks noChangeAspect="1"/>
+          </p:cNvPicPr>
+          <p:nvPr/>
+        </p:nvPicPr>
+        <p:blipFill>
+          <a:blip r:embed="rId2">
+            <a:extLst>
+              <a:ext uri="{28A0092B-C50C-407E-A947-70E740481C1C}">
+                <a14:useLocalDpi xmlns:a14="http://schemas.microsoft.com/office/drawing/2010/main" val="0"/>
+              </a:ext>
+            </a:extLst>
+          </a:blip>
+          <a:stretch>
+            <a:fillRect/>
+          </a:stretch>
+        </p:blipFill>
+        <p:spPr>
+          <a:xfrm>
+            <a:off x="513572" y="3148385"/>
+            <a:ext cx="4075246" cy="2268346"/>
+          </a:xfrm>
+          <a:prstGeom prst="rect">
+            <a:avLst/>
+          </a:prstGeom>
+        </p:spPr>
+      </p:pic>
+      <p:pic>
+        <p:nvPicPr>
+          <p:cNvPr id="5" name="Picture 4"/>
+          <p:cNvPicPr>
+            <a:picLocks noChangeAspect="1"/>
+          </p:cNvPicPr>
+          <p:nvPr/>
+        </p:nvPicPr>
+        <p:blipFill>
+          <a:blip r:embed="rId3">
+            <a:extLst>
+              <a:ext uri="{28A0092B-C50C-407E-A947-70E740481C1C}">
+                <a14:useLocalDpi xmlns:a14="http://schemas.microsoft.com/office/drawing/2010/main" val="0"/>
+              </a:ext>
+            </a:extLst>
+          </a:blip>
+          <a:stretch>
+            <a:fillRect/>
+          </a:stretch>
+        </p:blipFill>
+        <p:spPr>
+          <a:xfrm>
+            <a:off x="5474568" y="1966572"/>
+            <a:ext cx="4575123" cy="2034722"/>
+          </a:xfrm>
+          <a:prstGeom prst="rect">
+            <a:avLst/>
+          </a:prstGeom>
+        </p:spPr>
+      </p:pic>
+      <p:pic>
+        <p:nvPicPr>
+          <p:cNvPr id="6" name="Picture 5"/>
+          <p:cNvPicPr>
+            <a:picLocks noChangeAspect="1"/>
+          </p:cNvPicPr>
+          <p:nvPr/>
+        </p:nvPicPr>
+        <p:blipFill>
+          <a:blip r:embed="rId4">
+            <a:extLst>
+              <a:ext uri="{28A0092B-C50C-407E-A947-70E740481C1C}">
+                <a14:useLocalDpi xmlns:a14="http://schemas.microsoft.com/office/drawing/2010/main" val="0"/>
+              </a:ext>
+            </a:extLst>
+          </a:blip>
+          <a:stretch>
+            <a:fillRect/>
+          </a:stretch>
+        </p:blipFill>
+        <p:spPr>
+          <a:xfrm>
+            <a:off x="5283926" y="4420803"/>
+            <a:ext cx="4765765" cy="2340893"/>
+          </a:xfrm>
+          <a:prstGeom prst="rect">
+            <a:avLst/>
+          </a:prstGeom>
+        </p:spPr>
+      </p:pic>
+    </p:spTree>
+    <p:extLst>
+      <p:ext uri="{BB962C8B-B14F-4D97-AF65-F5344CB8AC3E}">
+        <p14:creationId xmlns:p14="http://schemas.microsoft.com/office/powerpoint/2010/main" val="2239904390"/>
+      </p:ext>
+    </p:extLst>
+  </p:cSld>
+  <p:clrMapOvr>
+    <a:masterClrMapping/>
+  </p:clrMapOvr>
+</p:sld>
+</file>
+
+<file path=ppt/slides/slide13.xml><?xml version="1.0" encoding="utf-8"?>
+<p:sld xmlns:a="http://schemas.openxmlformats.org/drawingml/2006/main" xmlns:r="http://schemas.openxmlformats.org/officeDocument/2006/relationships" xmlns:p="http://schemas.openxmlformats.org/presentationml/2006/main">
+  <p:cSld>
+    <p:spTree>
+      <p:nvGrpSpPr>
+        <p:cNvPr id="1" name=""/>
+        <p:cNvGrpSpPr/>
+        <p:nvPr/>
+      </p:nvGrpSpPr>
+      <p:grpSpPr>
+        <a:xfrm>
+          <a:off x="0" y="0"/>
+          <a:ext cx="0" cy="0"/>
+          <a:chOff x="0" y="0"/>
+          <a:chExt cx="0" cy="0"/>
+        </a:xfrm>
+      </p:grpSpPr>
+      <p:sp>
+        <p:nvSpPr>
+          <p:cNvPr id="2" name="Title 1"/>
+          <p:cNvSpPr>
+            <a:spLocks noGrp="1"/>
+          </p:cNvSpPr>
+          <p:nvPr>
+            <p:ph type="title"/>
+          </p:nvPr>
+        </p:nvSpPr>
         <p:spPr/>
         <p:txBody>
           <a:bodyPr/>
@@ -3593,7 +4970,14 @@
                 <a:latin typeface="Times New Roman" panose="02020603050405020304" pitchFamily="18" charset="0"/>
                 <a:cs typeface="Times New Roman" panose="02020603050405020304" pitchFamily="18" charset="0"/>
               </a:rPr>
-              <a:t>3.Trình bày sản phẩm</a:t>
+              <a:t>3.Trình bày </a:t>
+            </a:r>
+            <a:r>
+              <a:rPr lang="en-US" dirty="0" smtClean="0">
+                <a:latin typeface="Times New Roman" panose="02020603050405020304" pitchFamily="18" charset="0"/>
+                <a:cs typeface="Times New Roman" panose="02020603050405020304" pitchFamily="18" charset="0"/>
+              </a:rPr>
+              <a:t>Release Burn Down </a:t>
             </a:r>
             <a:endParaRPr lang="en-US" dirty="0">
               <a:latin typeface="Times New Roman" panose="02020603050405020304" pitchFamily="18" charset="0"/>
@@ -3632,40 +5016,28 @@
           </a:p>
         </p:txBody>
       </p:sp>
-      <p:pic>
-        <p:nvPicPr>
-          <p:cNvPr id="4" name="Picture 3">
-            <a:extLst>
-              <a:ext uri="{FF2B5EF4-FFF2-40B4-BE49-F238E27FC236}">
-                <a16:creationId xmlns:a16="http://schemas.microsoft.com/office/drawing/2014/main" id="{71AECA97-C69B-4819-8843-46F4B9C8C2CC}"/>
-              </a:ext>
-            </a:extLst>
-          </p:cNvPr>
-          <p:cNvPicPr>
-            <a:picLocks noChangeAspect="1"/>
-          </p:cNvPicPr>
+      <p:graphicFrame>
+        <p:nvGraphicFramePr>
+          <p:cNvPr id="6" name="Chart 5"/>
+          <p:cNvGraphicFramePr>
+            <a:graphicFrameLocks/>
+          </p:cNvGraphicFramePr>
           <p:nvPr/>
-        </p:nvPicPr>
-        <p:blipFill>
-          <a:blip r:embed="rId2"/>
-          <a:stretch>
-            <a:fillRect/>
-          </a:stretch>
-        </p:blipFill>
-        <p:spPr>
-          <a:xfrm>
-            <a:off x="4792784" y="1596882"/>
-            <a:ext cx="6892560" cy="3963222"/>
-          </a:xfrm>
-          <a:prstGeom prst="rect">
-            <a:avLst/>
-          </a:prstGeom>
-        </p:spPr>
-      </p:pic>
+        </p:nvGraphicFramePr>
+        <p:xfrm>
+          <a:off x="4097381" y="1909353"/>
+          <a:ext cx="7119258" cy="4125687"/>
+        </p:xfrm>
+        <a:graphic>
+          <a:graphicData uri="http://schemas.openxmlformats.org/drawingml/2006/chart">
+            <c:chart xmlns:c="http://schemas.openxmlformats.org/drawingml/2006/chart" xmlns:r="http://schemas.openxmlformats.org/officeDocument/2006/relationships" r:id="rId2"/>
+          </a:graphicData>
+        </a:graphic>
+      </p:graphicFrame>
     </p:spTree>
     <p:extLst>
       <p:ext uri="{BB962C8B-B14F-4D97-AF65-F5344CB8AC3E}">
-        <p14:creationId xmlns:p14="http://schemas.microsoft.com/office/powerpoint/2010/main" val="3759484552"/>
+        <p14:creationId xmlns:p14="http://schemas.microsoft.com/office/powerpoint/2010/main" val="908112683"/>
       </p:ext>
     </p:extLst>
   </p:cSld>
@@ -3675,7 +5047,158 @@
 </p:sld>
 </file>
 
-<file path=ppt/slides/slide12.xml><?xml version="1.0" encoding="utf-8"?>
+<file path=ppt/slides/slide14.xml><?xml version="1.0" encoding="utf-8"?>
+<p:sld xmlns:a="http://schemas.openxmlformats.org/drawingml/2006/main" xmlns:r="http://schemas.openxmlformats.org/officeDocument/2006/relationships" xmlns:p="http://schemas.openxmlformats.org/presentationml/2006/main">
+  <p:cSld>
+    <p:spTree>
+      <p:nvGrpSpPr>
+        <p:cNvPr id="1" name=""/>
+        <p:cNvGrpSpPr/>
+        <p:nvPr/>
+      </p:nvGrpSpPr>
+      <p:grpSpPr>
+        <a:xfrm>
+          <a:off x="0" y="0"/>
+          <a:ext cx="0" cy="0"/>
+          <a:chOff x="0" y="0"/>
+          <a:chExt cx="0" cy="0"/>
+        </a:xfrm>
+      </p:grpSpPr>
+      <p:sp>
+        <p:nvSpPr>
+          <p:cNvPr id="2" name="Title 1">
+            <a:extLst>
+              <a:ext uri="{FF2B5EF4-FFF2-40B4-BE49-F238E27FC236}">
+                <a16:creationId xmlns:a16="http://schemas.microsoft.com/office/drawing/2014/main" id="{323C768A-D3DF-4EB2-A78C-BA2018CDE498}"/>
+              </a:ext>
+            </a:extLst>
+          </p:cNvPr>
+          <p:cNvSpPr>
+            <a:spLocks noGrp="1"/>
+          </p:cNvSpPr>
+          <p:nvPr>
+            <p:ph type="title"/>
+          </p:nvPr>
+        </p:nvSpPr>
+        <p:spPr>
+          <a:xfrm>
+            <a:off x="1097280" y="286603"/>
+            <a:ext cx="10154194" cy="1124185"/>
+          </a:xfrm>
+        </p:spPr>
+        <p:txBody>
+          <a:bodyPr>
+            <a:noAutofit/>
+          </a:bodyPr>
+          <a:lstStyle/>
+          <a:p>
+            <a:r>
+              <a:rPr lang="en-US" sz="2400" dirty="0">
+                <a:latin typeface="Times New Roman" panose="02020603050405020304" pitchFamily="18" charset="0"/>
+                <a:cs typeface="Times New Roman" panose="02020603050405020304" pitchFamily="18" charset="0"/>
+              </a:rPr>
+              <a:t>3. Trình bày </a:t>
+            </a:r>
+            <a:r>
+              <a:rPr lang="en-US" sz="2400" dirty="0">
+                <a:latin typeface="Times New Roman" panose="02020603050405020304" pitchFamily="18" charset="0"/>
+                <a:cs typeface="Times New Roman" panose="02020603050405020304" pitchFamily="18" charset="0"/>
+              </a:rPr>
+              <a:t>Tốc lực (Velocity) của nhóm, năng suất làm việc của nhóm, tình trạng ngân sách và chi phí của nhóm, cập nhập sản phẩm Product Backlog, cập nhập sản phẩm “Kế hoạch phân phối (Release Plan)” của </a:t>
+            </a:r>
+            <a:r>
+              <a:rPr lang="en-US" sz="2400" dirty="0" smtClean="0">
+                <a:latin typeface="Times New Roman" panose="02020603050405020304" pitchFamily="18" charset="0"/>
+                <a:cs typeface="Times New Roman" panose="02020603050405020304" pitchFamily="18" charset="0"/>
+              </a:rPr>
+              <a:t>nhóm</a:t>
+            </a:r>
+            <a:endParaRPr lang="en-US" sz="2400" dirty="0">
+              <a:latin typeface="Times New Roman" panose="02020603050405020304" pitchFamily="18" charset="0"/>
+              <a:cs typeface="Times New Roman" panose="02020603050405020304" pitchFamily="18" charset="0"/>
+            </a:endParaRPr>
+          </a:p>
+        </p:txBody>
+      </p:sp>
+      <p:sp>
+        <p:nvSpPr>
+          <p:cNvPr id="3" name="Content Placeholder 2">
+            <a:extLst>
+              <a:ext uri="{FF2B5EF4-FFF2-40B4-BE49-F238E27FC236}">
+                <a16:creationId xmlns:a16="http://schemas.microsoft.com/office/drawing/2014/main" id="{3FA59283-35F5-4AD8-8988-F13FF907F789}"/>
+              </a:ext>
+            </a:extLst>
+          </p:cNvPr>
+          <p:cNvSpPr>
+            <a:spLocks noGrp="1"/>
+          </p:cNvSpPr>
+          <p:nvPr>
+            <p:ph idx="1"/>
+          </p:nvPr>
+        </p:nvSpPr>
+        <p:spPr>
+          <a:xfrm>
+            <a:off x="838200" y="1480457"/>
+            <a:ext cx="10515600" cy="4696506"/>
+          </a:xfrm>
+        </p:spPr>
+        <p:txBody>
+          <a:bodyPr/>
+          <a:lstStyle/>
+          <a:p>
+            <a:r>
+              <a:rPr lang="en-US" sz="2000" dirty="0" smtClean="0">
+                <a:latin typeface="Times New Roman" panose="02020603050405020304" pitchFamily="18" charset="0"/>
+                <a:cs typeface="Times New Roman" panose="02020603050405020304" pitchFamily="18" charset="0"/>
+              </a:rPr>
+              <a:t>Nhóm có tất cả 52 point với 8 tuần để làm =&gt; Tốc lực là 6.5 point/tuần</a:t>
+            </a:r>
+          </a:p>
+          <a:p>
+            <a:r>
+              <a:rPr lang="en-US" sz="2000" dirty="0" smtClean="0">
+                <a:latin typeface="Times New Roman" panose="02020603050405020304" pitchFamily="18" charset="0"/>
+                <a:cs typeface="Times New Roman" panose="02020603050405020304" pitchFamily="18" charset="0"/>
+              </a:rPr>
+              <a:t>Ngân sách của nhóm cho dự án là 13 triệu VNĐ</a:t>
+            </a:r>
+            <a:endParaRPr lang="en-US" sz="2000" dirty="0">
+              <a:latin typeface="Times New Roman" panose="02020603050405020304" pitchFamily="18" charset="0"/>
+              <a:cs typeface="Times New Roman" panose="02020603050405020304" pitchFamily="18" charset="0"/>
+            </a:endParaRPr>
+          </a:p>
+          <a:p>
+            <a:pPr marL="0" indent="0">
+              <a:buNone/>
+            </a:pPr>
+            <a:r>
+              <a:rPr lang="vi-VN" dirty="0">
+                <a:latin typeface="Times New Roman" panose="02020603050405020304" pitchFamily="18" charset="0"/>
+                <a:cs typeface="Times New Roman" panose="02020603050405020304" pitchFamily="18" charset="0"/>
+              </a:rPr>
+              <a:t> </a:t>
+            </a:r>
+            <a:endParaRPr lang="en-US" dirty="0">
+              <a:latin typeface="Times New Roman" panose="02020603050405020304" pitchFamily="18" charset="0"/>
+              <a:cs typeface="Times New Roman" panose="02020603050405020304" pitchFamily="18" charset="0"/>
+            </a:endParaRPr>
+          </a:p>
+        </p:txBody>
+      </p:sp>
+    </p:spTree>
+    <p:extLst>
+      <p:ext uri="{BB962C8B-B14F-4D97-AF65-F5344CB8AC3E}">
+        <p14:creationId xmlns:p14="http://schemas.microsoft.com/office/powerpoint/2010/main" val="2511327418"/>
+      </p:ext>
+    </p:extLst>
+  </p:cSld>
+  <p:clrMapOvr>
+    <a:masterClrMapping/>
+  </p:clrMapOvr>
+</p:sld>
+</file>
+
+<file path=ppt/slides/slide15.xml><?xml version="1.0" encoding="utf-8"?>
 <p:sld xmlns:a="http://schemas.openxmlformats.org/drawingml/2006/main" xmlns:r="http://schemas.openxmlformats.org/officeDocument/2006/relationships" xmlns:p="http://schemas.openxmlformats.org/presentationml/2006/main">
   <p:cSld>
     <p:spTree>
@@ -4537,22 +6060,13 @@
                         </a:spcAft>
                       </a:pPr>
                       <a:r>
-                        <a:rPr lang="en-US" sz="1200" dirty="0" err="1">
-                          <a:effectLst/>
-                        </a:rPr>
-                        <a:t>Đang</a:t>
-                      </a:r>
-                      <a:r>
-                        <a:rPr lang="en-US" sz="1200" dirty="0">
-                          <a:effectLst/>
-                        </a:rPr>
-                        <a:t> </a:t>
-                      </a:r>
-                      <a:r>
-                        <a:rPr lang="en-US" sz="1200" dirty="0" err="1">
-                          <a:effectLst/>
-                        </a:rPr>
-                        <a:t>làm</a:t>
+                        <a:rPr lang="en-US" sz="1200" dirty="0" smtClean="0">
+                          <a:effectLst/>
+                          <a:latin typeface="Calibri" panose="020F0502020204030204" pitchFamily="34" charset="0"/>
+                          <a:ea typeface="Calibri" panose="020F0502020204030204" pitchFamily="34" charset="0"/>
+                          <a:cs typeface="Times New Roman" panose="02020603050405020304" pitchFamily="18" charset="0"/>
+                        </a:rPr>
+                        <a:t>Hoàn thành</a:t>
                       </a:r>
                       <a:endParaRPr lang="en-US" sz="1100" dirty="0">
                         <a:effectLst/>
@@ -4581,12 +6095,18 @@
                         </a:spcAft>
                       </a:pPr>
                       <a:r>
-                        <a:rPr lang="en-US" sz="1200">
-                          <a:effectLst/>
-                        </a:rPr>
-                        <a:t>30%</a:t>
-                      </a:r>
-                      <a:endParaRPr lang="en-US" sz="1100">
+                        <a:rPr lang="en-US" sz="1200" dirty="0" smtClean="0">
+                          <a:effectLst/>
+                        </a:rPr>
+                        <a:t>100</a:t>
+                      </a:r>
+                      <a:r>
+                        <a:rPr lang="en-US" sz="1200" dirty="0">
+                          <a:effectLst/>
+                        </a:rPr>
+                        <a:t>%</a:t>
+                      </a:r>
+                      <a:endParaRPr lang="en-US" sz="1100" dirty="0">
                         <a:effectLst/>
                         <a:latin typeface="Calibri" panose="020F0502020204030204" pitchFamily="34" charset="0"/>
                         <a:ea typeface="Calibri" panose="020F0502020204030204" pitchFamily="34" charset="0"/>
@@ -4888,12 +6408,24 @@
                         </a:spcAft>
                       </a:pPr>
                       <a:r>
-                        <a:rPr lang="en-US" sz="1200">
-                          <a:effectLst/>
-                        </a:rPr>
-                        <a:t>30%</a:t>
-                      </a:r>
-                      <a:endParaRPr lang="en-US" sz="1100">
+                        <a:rPr lang="en-US" sz="1200" dirty="0">
+                          <a:effectLst/>
+                        </a:rPr>
+                        <a:t>5</a:t>
+                      </a:r>
+                      <a:r>
+                        <a:rPr lang="en-US" sz="1200" dirty="0" smtClean="0">
+                          <a:effectLst/>
+                        </a:rPr>
+                        <a:t>0</a:t>
+                      </a:r>
+                      <a:r>
+                        <a:rPr lang="en-US" sz="1200" dirty="0">
+                          <a:effectLst/>
+                        </a:rPr>
+                        <a:t>%</a:t>
+                      </a:r>
+                      <a:endParaRPr lang="en-US" sz="1100" dirty="0">
                         <a:effectLst/>
                         <a:latin typeface="Calibri" panose="020F0502020204030204" pitchFamily="34" charset="0"/>
                         <a:ea typeface="Calibri" panose="020F0502020204030204" pitchFamily="34" charset="0"/>
@@ -5144,10 +6676,10 @@
                         </a:spcAft>
                       </a:pPr>
                       <a:r>
-                        <a:rPr lang="en-US" sz="1200" dirty="0">
-                          <a:effectLst/>
-                        </a:rPr>
-                        <a:t>100%</a:t>
+                        <a:rPr lang="en-US" sz="1200" dirty="0" smtClean="0">
+                          <a:effectLst/>
+                        </a:rPr>
+                        <a:t>0%</a:t>
                       </a:r>
                       <a:endParaRPr lang="en-US" sz="1100" dirty="0">
                         <a:effectLst/>
@@ -5379,12 +6911,24 @@
                         </a:spcAft>
                       </a:pPr>
                       <a:r>
-                        <a:rPr lang="en-US" sz="1200">
-                          <a:effectLst/>
-                        </a:rPr>
-                        <a:t>30%</a:t>
-                      </a:r>
-                      <a:endParaRPr lang="en-US" sz="1100">
+                        <a:rPr lang="en-US" sz="1200" dirty="0">
+                          <a:effectLst/>
+                        </a:rPr>
+                        <a:t>5</a:t>
+                      </a:r>
+                      <a:r>
+                        <a:rPr lang="en-US" sz="1200" dirty="0" smtClean="0">
+                          <a:effectLst/>
+                        </a:rPr>
+                        <a:t>0</a:t>
+                      </a:r>
+                      <a:r>
+                        <a:rPr lang="en-US" sz="1200" dirty="0">
+                          <a:effectLst/>
+                        </a:rPr>
+                        <a:t>%</a:t>
+                      </a:r>
+                      <a:endParaRPr lang="en-US" sz="1100" dirty="0">
                         <a:effectLst/>
                         <a:latin typeface="Calibri" panose="020F0502020204030204" pitchFamily="34" charset="0"/>
                         <a:ea typeface="Calibri" panose="020F0502020204030204" pitchFamily="34" charset="0"/>
@@ -5626,12 +7170,18 @@
                         </a:spcAft>
                       </a:pPr>
                       <a:r>
-                        <a:rPr lang="en-US" sz="1200">
-                          <a:effectLst/>
-                        </a:rPr>
-                        <a:t>10%</a:t>
-                      </a:r>
-                      <a:endParaRPr lang="en-US" sz="1100">
+                        <a:rPr lang="en-US" sz="1200" dirty="0" smtClean="0">
+                          <a:effectLst/>
+                        </a:rPr>
+                        <a:t>0</a:t>
+                      </a:r>
+                      <a:r>
+                        <a:rPr lang="en-US" sz="1200" dirty="0">
+                          <a:effectLst/>
+                        </a:rPr>
+                        <a:t>%</a:t>
+                      </a:r>
+                      <a:endParaRPr lang="en-US" sz="1100" dirty="0">
                         <a:effectLst/>
                         <a:latin typeface="Calibri" panose="020F0502020204030204" pitchFamily="34" charset="0"/>
                         <a:ea typeface="Calibri" panose="020F0502020204030204" pitchFamily="34" charset="0"/>
@@ -5897,12 +7447,18 @@
                         </a:spcAft>
                       </a:pPr>
                       <a:r>
-                        <a:rPr lang="en-US" sz="1200">
-                          <a:effectLst/>
-                        </a:rPr>
-                        <a:t>30%</a:t>
-                      </a:r>
-                      <a:endParaRPr lang="en-US" sz="1100">
+                        <a:rPr lang="en-US" sz="1200" dirty="0" smtClean="0">
+                          <a:effectLst/>
+                        </a:rPr>
+                        <a:t>0</a:t>
+                      </a:r>
+                      <a:r>
+                        <a:rPr lang="en-US" sz="1200" dirty="0">
+                          <a:effectLst/>
+                        </a:rPr>
+                        <a:t>%</a:t>
+                      </a:r>
+                      <a:endParaRPr lang="en-US" sz="1100" dirty="0">
                         <a:effectLst/>
                         <a:latin typeface="Calibri" panose="020F0502020204030204" pitchFamily="34" charset="0"/>
                         <a:ea typeface="Calibri" panose="020F0502020204030204" pitchFamily="34" charset="0"/>
@@ -6088,12 +7644,12 @@
                         </a:spcAft>
                       </a:pPr>
                       <a:r>
-                        <a:rPr lang="en-US" sz="1200">
+                        <a:rPr lang="en-US" sz="1200" dirty="0">
                           <a:effectLst/>
                         </a:rPr>
                         <a:t>Chưa làm</a:t>
                       </a:r>
-                      <a:endParaRPr lang="en-US" sz="1100">
+                      <a:endParaRPr lang="en-US" sz="1100" dirty="0">
                         <a:effectLst/>
                         <a:latin typeface="Calibri" panose="020F0502020204030204" pitchFamily="34" charset="0"/>
                         <a:ea typeface="Calibri" panose="020F0502020204030204" pitchFamily="34" charset="0"/>
@@ -6159,46 +7715,28 @@
                         </a:spcAft>
                       </a:pPr>
                       <a:r>
-                        <a:rPr lang="en-US" sz="1200" dirty="0" err="1">
-                          <a:effectLst/>
-                        </a:rPr>
-                        <a:t>Xem</a:t>
+                        <a:rPr lang="en-US" sz="1200" dirty="0" smtClean="0">
+                          <a:effectLst/>
+                        </a:rPr>
+                        <a:t>Cài</a:t>
+                      </a:r>
+                      <a:r>
+                        <a:rPr lang="en-US" sz="1200" baseline="0" dirty="0" smtClean="0">
+                          <a:effectLst/>
+                        </a:rPr>
+                        <a:t> đặt </a:t>
+                      </a:r>
+                      <a:r>
+                        <a:rPr lang="en-US" sz="1200" dirty="0" smtClean="0">
+                          <a:effectLst/>
+                        </a:rPr>
+                        <a:t>thông </a:t>
                       </a:r>
                       <a:r>
                         <a:rPr lang="en-US" sz="1200" dirty="0">
                           <a:effectLst/>
                         </a:rPr>
-                        <a:t> </a:t>
-                      </a:r>
-                      <a:r>
-                        <a:rPr lang="en-US" sz="1200" dirty="0" err="1">
-                          <a:effectLst/>
-                        </a:rPr>
-                        <a:t>thông</a:t>
-                      </a:r>
-                      <a:r>
-                        <a:rPr lang="en-US" sz="1200" dirty="0">
-                          <a:effectLst/>
-                        </a:rPr>
-                        <a:t> tin </a:t>
-                      </a:r>
-                      <a:r>
-                        <a:rPr lang="en-US" sz="1200" dirty="0" err="1">
-                          <a:effectLst/>
-                        </a:rPr>
-                        <a:t>cá</a:t>
-                      </a:r>
-                      <a:r>
-                        <a:rPr lang="en-US" sz="1200" dirty="0">
-                          <a:effectLst/>
-                        </a:rPr>
-                        <a:t> </a:t>
-                      </a:r>
-                      <a:r>
-                        <a:rPr lang="en-US" sz="1200" dirty="0" err="1">
-                          <a:effectLst/>
-                        </a:rPr>
-                        <a:t>nhân</a:t>
+                        <a:t>tin cá nhân</a:t>
                       </a:r>
                       <a:endParaRPr lang="en-US" sz="1100" dirty="0">
                         <a:effectLst/>
@@ -6227,10 +7765,16 @@
                         </a:spcAft>
                       </a:pPr>
                       <a:r>
+                        <a:rPr lang="en-US" sz="1200" dirty="0" smtClean="0">
+                          <a:effectLst/>
+                        </a:rPr>
+                        <a:t>Quản lý </a:t>
+                      </a:r>
+                      <a:r>
                         <a:rPr lang="en-US" sz="1200" dirty="0">
                           <a:effectLst/>
                         </a:rPr>
-                        <a:t>Xem thông tin cá nhân, biết được mình học những gì, điểm số, xếp hạng,...</a:t>
+                        <a:t>thông tin cá nhân, biết được mình học những gì, điểm số, xếp hạng,...</a:t>
                       </a:r>
                       <a:endParaRPr lang="en-US" sz="1100" dirty="0">
                         <a:effectLst/>
@@ -6311,7 +7855,7 @@
                     <a:bodyPr/>
                     <a:lstStyle/>
                     <a:p>
-                      <a:pPr marL="0" marR="0">
+                      <a:pPr marL="0" marR="0" lvl="0" indent="0" algn="l" defTabSz="914400" rtl="0" eaLnBrk="1" fontAlgn="auto" latinLnBrk="0" hangingPunct="1">
                         <a:lnSpc>
                           <a:spcPct val="107000"/>
                         </a:lnSpc>
@@ -6321,14 +7865,23 @@
                         <a:spcAft>
                           <a:spcPts val="0"/>
                         </a:spcAft>
+                        <a:buClrTx/>
+                        <a:buSzTx/>
+                        <a:buFontTx/>
+                        <a:buNone/>
+                        <a:tabLst/>
+                        <a:defRPr/>
                       </a:pPr>
                       <a:r>
-                        <a:rPr lang="en-US" sz="1200" dirty="0">
-                          <a:effectLst/>
-                        </a:rPr>
-                        <a:t>Chưa làm</a:t>
-                      </a:r>
-                      <a:endParaRPr lang="en-US" sz="1100" dirty="0">
+                        <a:rPr lang="en-US" sz="1200" dirty="0" smtClean="0">
+                          <a:effectLst/>
+                          <a:latin typeface="Calibri" panose="020F0502020204030204" pitchFamily="34" charset="0"/>
+                          <a:ea typeface="Calibri" panose="020F0502020204030204" pitchFamily="34" charset="0"/>
+                          <a:cs typeface="Times New Roman" panose="02020603050405020304" pitchFamily="18" charset="0"/>
+                        </a:rPr>
+                        <a:t>Hoàn thành</a:t>
+                      </a:r>
+                      <a:endParaRPr lang="en-US" sz="1100" dirty="0" smtClean="0">
                         <a:effectLst/>
                         <a:latin typeface="Calibri" panose="020F0502020204030204" pitchFamily="34" charset="0"/>
                         <a:ea typeface="Calibri" panose="020F0502020204030204" pitchFamily="34" charset="0"/>
@@ -6355,12 +7908,24 @@
                         </a:spcAft>
                       </a:pPr>
                       <a:r>
-                        <a:rPr lang="en-US" sz="1200">
+                        <a:rPr lang="en-US" sz="1200" dirty="0">
                           <a:effectLst/>
                         </a:rPr>
                         <a:t> </a:t>
                       </a:r>
-                      <a:endParaRPr lang="en-US" sz="1100">
+                      <a:r>
+                        <a:rPr lang="en-US" sz="1200" dirty="0" smtClean="0">
+                          <a:effectLst/>
+                        </a:rPr>
+                        <a:t>0</a:t>
+                      </a:r>
+                      <a:r>
+                        <a:rPr lang="en-US" sz="1200" dirty="0" smtClean="0">
+                          <a:effectLst/>
+                        </a:rPr>
+                        <a:t>%</a:t>
+                      </a:r>
+                      <a:endParaRPr lang="en-US" sz="1100" dirty="0">
                         <a:effectLst/>
                         <a:latin typeface="Calibri" panose="020F0502020204030204" pitchFamily="34" charset="0"/>
                         <a:ea typeface="Calibri" panose="020F0502020204030204" pitchFamily="34" charset="0"/>
@@ -6871,7 +8436,7 @@
     </p:spTree>
     <p:extLst>
       <p:ext uri="{BB962C8B-B14F-4D97-AF65-F5344CB8AC3E}">
-        <p14:creationId xmlns:p14="http://schemas.microsoft.com/office/powerpoint/2010/main" val="2654360883"/>
+        <p14:creationId xmlns:p14="http://schemas.microsoft.com/office/powerpoint/2010/main" val="1810531898"/>
       </p:ext>
     </p:extLst>
   </p:cSld>
@@ -6893,7 +8458,7 @@
 </p:sld>
 </file>
 
-<file path=ppt/slides/slide13.xml><?xml version="1.0" encoding="utf-8"?>
+<file path=ppt/slides/slide16.xml><?xml version="1.0" encoding="utf-8"?>
 <p:sld xmlns:a="http://schemas.openxmlformats.org/drawingml/2006/main" xmlns:r="http://schemas.openxmlformats.org/officeDocument/2006/relationships" xmlns:p="http://schemas.openxmlformats.org/presentationml/2006/main">
   <p:cSld>
     <p:spTree>
@@ -7406,12 +8971,18 @@
                         </a:spcAft>
                       </a:pPr>
                       <a:r>
-                        <a:rPr lang="en-US" sz="1600">
-                          <a:effectLst/>
-                        </a:rPr>
-                        <a:t>30%</a:t>
-                      </a:r>
-                      <a:endParaRPr lang="en-US" sz="1050">
+                        <a:rPr lang="en-US" sz="1600" dirty="0" smtClean="0">
+                          <a:effectLst/>
+                        </a:rPr>
+                        <a:t>100</a:t>
+                      </a:r>
+                      <a:r>
+                        <a:rPr lang="en-US" sz="1600" dirty="0">
+                          <a:effectLst/>
+                        </a:rPr>
+                        <a:t>%</a:t>
+                      </a:r>
+                      <a:endParaRPr lang="en-US" sz="1050" dirty="0">
                         <a:effectLst/>
                         <a:latin typeface="Calibri" panose="020F0502020204030204" pitchFamily="34" charset="0"/>
                         <a:ea typeface="Calibri" panose="020F0502020204030204" pitchFamily="34" charset="0"/>
@@ -7629,12 +9200,24 @@
                         </a:spcAft>
                       </a:pPr>
                       <a:r>
-                        <a:rPr lang="en-US" sz="1600">
-                          <a:effectLst/>
-                        </a:rPr>
-                        <a:t>30%</a:t>
-                      </a:r>
-                      <a:endParaRPr lang="en-US" sz="1050">
+                        <a:rPr lang="en-US" sz="1600" dirty="0">
+                          <a:effectLst/>
+                        </a:rPr>
+                        <a:t>5</a:t>
+                      </a:r>
+                      <a:r>
+                        <a:rPr lang="en-US" sz="1600" dirty="0" smtClean="0">
+                          <a:effectLst/>
+                        </a:rPr>
+                        <a:t>0</a:t>
+                      </a:r>
+                      <a:r>
+                        <a:rPr lang="en-US" sz="1600" dirty="0">
+                          <a:effectLst/>
+                        </a:rPr>
+                        <a:t>%</a:t>
+                      </a:r>
+                      <a:endParaRPr lang="en-US" sz="1050" dirty="0">
                         <a:effectLst/>
                         <a:latin typeface="Calibri" panose="020F0502020204030204" pitchFamily="34" charset="0"/>
                         <a:ea typeface="Calibri" panose="020F0502020204030204" pitchFamily="34" charset="0"/>
@@ -7828,12 +9411,18 @@
                         </a:spcAft>
                       </a:pPr>
                       <a:r>
-                        <a:rPr lang="en-US" sz="1600">
-                          <a:effectLst/>
-                        </a:rPr>
-                        <a:t>10%</a:t>
-                      </a:r>
-                      <a:endParaRPr lang="en-US" sz="1050">
+                        <a:rPr lang="en-US" sz="1600" dirty="0" smtClean="0">
+                          <a:effectLst/>
+                        </a:rPr>
+                        <a:t>0</a:t>
+                      </a:r>
+                      <a:r>
+                        <a:rPr lang="en-US" sz="1600" dirty="0">
+                          <a:effectLst/>
+                        </a:rPr>
+                        <a:t>%</a:t>
+                      </a:r>
+                      <a:endParaRPr lang="en-US" sz="1050" dirty="0">
                         <a:effectLst/>
                         <a:latin typeface="Calibri" panose="020F0502020204030204" pitchFamily="34" charset="0"/>
                         <a:ea typeface="Calibri" panose="020F0502020204030204" pitchFamily="34" charset="0"/>
@@ -7867,12 +9456,12 @@
                         </a:spcAft>
                       </a:pPr>
                       <a:r>
-                        <a:rPr lang="en-US" sz="1600">
+                        <a:rPr lang="en-US" sz="1600" dirty="0">
                           <a:effectLst/>
                         </a:rPr>
                         <a:t>Quản lý khoá học</a:t>
                       </a:r>
-                      <a:endParaRPr lang="en-US" sz="1050">
+                      <a:endParaRPr lang="en-US" sz="1050" dirty="0">
                         <a:effectLst/>
                         <a:latin typeface="Calibri" panose="020F0502020204030204" pitchFamily="34" charset="0"/>
                         <a:ea typeface="Calibri" panose="020F0502020204030204" pitchFamily="34" charset="0"/>
@@ -8066,12 +9655,12 @@
                         </a:spcAft>
                       </a:pPr>
                       <a:r>
-                        <a:rPr lang="en-US" sz="1600">
+                        <a:rPr lang="en-US" sz="1600" dirty="0">
                           <a:effectLst/>
                         </a:rPr>
                         <a:t>Quản lý bài tập</a:t>
                       </a:r>
-                      <a:endParaRPr lang="en-US" sz="1050">
+                      <a:endParaRPr lang="en-US" sz="1050" dirty="0">
                         <a:effectLst/>
                         <a:latin typeface="Calibri" panose="020F0502020204030204" pitchFamily="34" charset="0"/>
                         <a:ea typeface="Calibri" panose="020F0502020204030204" pitchFamily="34" charset="0"/>
@@ -8425,12 +10014,18 @@
                         </a:spcAft>
                       </a:pPr>
                       <a:r>
-                        <a:rPr lang="en-US" sz="1600">
-                          <a:effectLst/>
-                        </a:rPr>
-                        <a:t>10%</a:t>
-                      </a:r>
-                      <a:endParaRPr lang="en-US" sz="1050">
+                        <a:rPr lang="en-US" sz="1600" dirty="0" smtClean="0">
+                          <a:effectLst/>
+                        </a:rPr>
+                        <a:t>0</a:t>
+                      </a:r>
+                      <a:r>
+                        <a:rPr lang="en-US" sz="1600" dirty="0">
+                          <a:effectLst/>
+                        </a:rPr>
+                        <a:t>%</a:t>
+                      </a:r>
+                      <a:endParaRPr lang="en-US" sz="1050" dirty="0">
                         <a:effectLst/>
                         <a:latin typeface="Calibri" panose="020F0502020204030204" pitchFamily="34" charset="0"/>
                         <a:ea typeface="Calibri" panose="020F0502020204030204" pitchFamily="34" charset="0"/>
@@ -8851,7 +10446,7 @@
     </p:spTree>
     <p:extLst>
       <p:ext uri="{BB962C8B-B14F-4D97-AF65-F5344CB8AC3E}">
-        <p14:creationId xmlns:p14="http://schemas.microsoft.com/office/powerpoint/2010/main" val="3100062512"/>
+        <p14:creationId xmlns:p14="http://schemas.microsoft.com/office/powerpoint/2010/main" val="784173862"/>
       </p:ext>
     </p:extLst>
   </p:cSld>
@@ -8873,676 +10468,7 @@
 </p:sld>
 </file>
 
-<file path=ppt/slides/slide14.xml><?xml version="1.0" encoding="utf-8"?>
-<p:sld xmlns:a="http://schemas.openxmlformats.org/drawingml/2006/main" xmlns:r="http://schemas.openxmlformats.org/officeDocument/2006/relationships" xmlns:p="http://schemas.openxmlformats.org/presentationml/2006/main">
-  <p:cSld>
-    <p:spTree>
-      <p:nvGrpSpPr>
-        <p:cNvPr id="1" name=""/>
-        <p:cNvGrpSpPr/>
-        <p:nvPr/>
-      </p:nvGrpSpPr>
-      <p:grpSpPr>
-        <a:xfrm>
-          <a:off x="0" y="0"/>
-          <a:ext cx="0" cy="0"/>
-          <a:chOff x="0" y="0"/>
-          <a:chExt cx="0" cy="0"/>
-        </a:xfrm>
-      </p:grpSpPr>
-      <p:sp>
-        <p:nvSpPr>
-          <p:cNvPr id="2" name="Title 1">
-            <a:extLst>
-              <a:ext uri="{FF2B5EF4-FFF2-40B4-BE49-F238E27FC236}">
-                <a16:creationId xmlns:a16="http://schemas.microsoft.com/office/drawing/2014/main" id="{323C768A-D3DF-4EB2-A78C-BA2018CDE498}"/>
-              </a:ext>
-            </a:extLst>
-          </p:cNvPr>
-          <p:cNvSpPr>
-            <a:spLocks noGrp="1"/>
-          </p:cNvSpPr>
-          <p:nvPr>
-            <p:ph type="title"/>
-          </p:nvPr>
-        </p:nvSpPr>
-        <p:spPr>
-          <a:xfrm>
-            <a:off x="1097280" y="286604"/>
-            <a:ext cx="10058400" cy="798126"/>
-          </a:xfrm>
-        </p:spPr>
-        <p:txBody>
-          <a:bodyPr/>
-          <a:lstStyle/>
-          <a:p>
-            <a:r>
-              <a:rPr lang="en-US" dirty="0">
-                <a:latin typeface="Times New Roman" panose="02020603050405020304" pitchFamily="18" charset="0"/>
-                <a:cs typeface="Times New Roman" panose="02020603050405020304" pitchFamily="18" charset="0"/>
-              </a:rPr>
-              <a:t>3. </a:t>
-            </a:r>
-            <a:r>
-              <a:rPr lang="en-US" dirty="0" err="1">
-                <a:latin typeface="Times New Roman" panose="02020603050405020304" pitchFamily="18" charset="0"/>
-                <a:cs typeface="Times New Roman" panose="02020603050405020304" pitchFamily="18" charset="0"/>
-              </a:rPr>
-              <a:t>Trình</a:t>
-            </a:r>
-            <a:r>
-              <a:rPr lang="en-US" dirty="0">
-                <a:latin typeface="Times New Roman" panose="02020603050405020304" pitchFamily="18" charset="0"/>
-                <a:cs typeface="Times New Roman" panose="02020603050405020304" pitchFamily="18" charset="0"/>
-              </a:rPr>
-              <a:t> </a:t>
-            </a:r>
-            <a:r>
-              <a:rPr lang="en-US" dirty="0" err="1">
-                <a:latin typeface="Times New Roman" panose="02020603050405020304" pitchFamily="18" charset="0"/>
-                <a:cs typeface="Times New Roman" panose="02020603050405020304" pitchFamily="18" charset="0"/>
-              </a:rPr>
-              <a:t>bày</a:t>
-            </a:r>
-            <a:r>
-              <a:rPr lang="en-US" dirty="0">
-                <a:latin typeface="Times New Roman" panose="02020603050405020304" pitchFamily="18" charset="0"/>
-                <a:cs typeface="Times New Roman" panose="02020603050405020304" pitchFamily="18" charset="0"/>
-              </a:rPr>
-              <a:t> </a:t>
-            </a:r>
-            <a:r>
-              <a:rPr lang="en-US" dirty="0" err="1">
-                <a:latin typeface="Times New Roman" panose="02020603050405020304" pitchFamily="18" charset="0"/>
-                <a:cs typeface="Times New Roman" panose="02020603050405020304" pitchFamily="18" charset="0"/>
-              </a:rPr>
-              <a:t>sản</a:t>
-            </a:r>
-            <a:r>
-              <a:rPr lang="en-US" dirty="0">
-                <a:latin typeface="Times New Roman" panose="02020603050405020304" pitchFamily="18" charset="0"/>
-                <a:cs typeface="Times New Roman" panose="02020603050405020304" pitchFamily="18" charset="0"/>
-              </a:rPr>
-              <a:t> </a:t>
-            </a:r>
-            <a:r>
-              <a:rPr lang="en-US" dirty="0" err="1">
-                <a:latin typeface="Times New Roman" panose="02020603050405020304" pitchFamily="18" charset="0"/>
-                <a:cs typeface="Times New Roman" panose="02020603050405020304" pitchFamily="18" charset="0"/>
-              </a:rPr>
-              <a:t>phẩm</a:t>
-            </a:r>
-            <a:endParaRPr lang="en-US" dirty="0">
-              <a:latin typeface="Times New Roman" panose="02020603050405020304" pitchFamily="18" charset="0"/>
-              <a:cs typeface="Times New Roman" panose="02020603050405020304" pitchFamily="18" charset="0"/>
-            </a:endParaRPr>
-          </a:p>
-        </p:txBody>
-      </p:sp>
-      <p:sp>
-        <p:nvSpPr>
-          <p:cNvPr id="3" name="Content Placeholder 2">
-            <a:extLst>
-              <a:ext uri="{FF2B5EF4-FFF2-40B4-BE49-F238E27FC236}">
-                <a16:creationId xmlns:a16="http://schemas.microsoft.com/office/drawing/2014/main" id="{3FA59283-35F5-4AD8-8988-F13FF907F789}"/>
-              </a:ext>
-            </a:extLst>
-          </p:cNvPr>
-          <p:cNvSpPr>
-            <a:spLocks noGrp="1"/>
-          </p:cNvSpPr>
-          <p:nvPr>
-            <p:ph idx="1"/>
-          </p:nvPr>
-        </p:nvSpPr>
-        <p:spPr/>
-        <p:txBody>
-          <a:bodyPr/>
-          <a:lstStyle/>
-          <a:p>
-            <a:r>
-              <a:rPr lang="en-US" sz="2000" dirty="0">
-                <a:latin typeface="Times New Roman" panose="02020603050405020304" pitchFamily="18" charset="0"/>
-                <a:cs typeface="Times New Roman" panose="02020603050405020304" pitchFamily="18" charset="0"/>
-              </a:rPr>
-              <a:t>T</a:t>
-            </a:r>
-            <a:r>
-              <a:rPr lang="en-US" sz="2000" dirty="0" smtClean="0">
-                <a:latin typeface="Times New Roman" panose="02020603050405020304" pitchFamily="18" charset="0"/>
-                <a:cs typeface="Times New Roman" panose="02020603050405020304" pitchFamily="18" charset="0"/>
-              </a:rPr>
-              <a:t>ốc </a:t>
-            </a:r>
-            <a:r>
-              <a:rPr lang="en-US" sz="2000" dirty="0">
-                <a:latin typeface="Times New Roman" panose="02020603050405020304" pitchFamily="18" charset="0"/>
-                <a:cs typeface="Times New Roman" panose="02020603050405020304" pitchFamily="18" charset="0"/>
-              </a:rPr>
-              <a:t>lực (Velocity) của nhóm, năng suất làm việc của nhóm, tình trạng ngân sách và chi phí của nhóm, cập nhập sản phẩm Product Backlog, cập nhập sản phẩm “Kế hoạch phân phối (Release Plan)” của nhóm</a:t>
-            </a:r>
-          </a:p>
-          <a:p>
-            <a:r>
-              <a:rPr lang="en-US" sz="2000" dirty="0">
-                <a:latin typeface="Times New Roman" panose="02020603050405020304" pitchFamily="18" charset="0"/>
-                <a:cs typeface="Times New Roman" panose="02020603050405020304" pitchFamily="18" charset="0"/>
-              </a:rPr>
-              <a:t>Total point: 52</a:t>
-            </a:r>
-          </a:p>
-          <a:p>
-            <a:r>
-              <a:rPr lang="en-US" sz="2000" dirty="0" smtClean="0">
-                <a:latin typeface="Times New Roman" panose="02020603050405020304" pitchFamily="18" charset="0"/>
-                <a:cs typeface="Times New Roman" panose="02020603050405020304" pitchFamily="18" charset="0"/>
-              </a:rPr>
-              <a:t>Velocity: </a:t>
-            </a:r>
-            <a:r>
-              <a:rPr lang="en-US" sz="2000" dirty="0">
-                <a:latin typeface="Times New Roman" panose="02020603050405020304" pitchFamily="18" charset="0"/>
-                <a:cs typeface="Times New Roman" panose="02020603050405020304" pitchFamily="18" charset="0"/>
-              </a:rPr>
-              <a:t>6</a:t>
-            </a:r>
-          </a:p>
-          <a:p>
-            <a:r>
-              <a:rPr lang="en-US" sz="2000" dirty="0" err="1">
-                <a:latin typeface="Times New Roman" panose="02020603050405020304" pitchFamily="18" charset="0"/>
-                <a:cs typeface="Times New Roman" panose="02020603050405020304" pitchFamily="18" charset="0"/>
-              </a:rPr>
-              <a:t>Ngân</a:t>
-            </a:r>
-            <a:r>
-              <a:rPr lang="en-US" sz="2000" dirty="0">
-                <a:latin typeface="Times New Roman" panose="02020603050405020304" pitchFamily="18" charset="0"/>
-                <a:cs typeface="Times New Roman" panose="02020603050405020304" pitchFamily="18" charset="0"/>
-              </a:rPr>
-              <a:t> </a:t>
-            </a:r>
-            <a:r>
-              <a:rPr lang="en-US" sz="2000" dirty="0" err="1">
-                <a:latin typeface="Times New Roman" panose="02020603050405020304" pitchFamily="18" charset="0"/>
-                <a:cs typeface="Times New Roman" panose="02020603050405020304" pitchFamily="18" charset="0"/>
-              </a:rPr>
-              <a:t>sách</a:t>
-            </a:r>
-            <a:r>
-              <a:rPr lang="en-US" sz="2000" dirty="0">
-                <a:latin typeface="Times New Roman" panose="02020603050405020304" pitchFamily="18" charset="0"/>
-                <a:cs typeface="Times New Roman" panose="02020603050405020304" pitchFamily="18" charset="0"/>
-              </a:rPr>
-              <a:t> </a:t>
-            </a:r>
-            <a:r>
-              <a:rPr lang="en-US" sz="2000" dirty="0" err="1">
-                <a:latin typeface="Times New Roman" panose="02020603050405020304" pitchFamily="18" charset="0"/>
-                <a:cs typeface="Times New Roman" panose="02020603050405020304" pitchFamily="18" charset="0"/>
-              </a:rPr>
-              <a:t>và</a:t>
-            </a:r>
-            <a:r>
-              <a:rPr lang="en-US" sz="2000" dirty="0">
-                <a:latin typeface="Times New Roman" panose="02020603050405020304" pitchFamily="18" charset="0"/>
-                <a:cs typeface="Times New Roman" panose="02020603050405020304" pitchFamily="18" charset="0"/>
-              </a:rPr>
-              <a:t> chi </a:t>
-            </a:r>
-            <a:r>
-              <a:rPr lang="en-US" sz="2000" dirty="0" err="1">
-                <a:latin typeface="Times New Roman" panose="02020603050405020304" pitchFamily="18" charset="0"/>
-                <a:cs typeface="Times New Roman" panose="02020603050405020304" pitchFamily="18" charset="0"/>
-              </a:rPr>
-              <a:t>phí:Ngân</a:t>
-            </a:r>
-            <a:r>
-              <a:rPr lang="en-US" sz="2000" dirty="0">
-                <a:latin typeface="Times New Roman" panose="02020603050405020304" pitchFamily="18" charset="0"/>
-                <a:cs typeface="Times New Roman" panose="02020603050405020304" pitchFamily="18" charset="0"/>
-              </a:rPr>
-              <a:t> </a:t>
-            </a:r>
-            <a:r>
-              <a:rPr lang="en-US" sz="2000" dirty="0" err="1">
-                <a:latin typeface="Times New Roman" panose="02020603050405020304" pitchFamily="18" charset="0"/>
-                <a:cs typeface="Times New Roman" panose="02020603050405020304" pitchFamily="18" charset="0"/>
-              </a:rPr>
-              <a:t>sách</a:t>
-            </a:r>
-            <a:r>
-              <a:rPr lang="en-US" sz="2000" dirty="0">
-                <a:latin typeface="Times New Roman" panose="02020603050405020304" pitchFamily="18" charset="0"/>
-                <a:cs typeface="Times New Roman" panose="02020603050405020304" pitchFamily="18" charset="0"/>
-              </a:rPr>
-              <a:t> </a:t>
-            </a:r>
-            <a:r>
-              <a:rPr lang="en-US" sz="2000" dirty="0" err="1">
-                <a:latin typeface="Times New Roman" panose="02020603050405020304" pitchFamily="18" charset="0"/>
-                <a:cs typeface="Times New Roman" panose="02020603050405020304" pitchFamily="18" charset="0"/>
-              </a:rPr>
-              <a:t>hiện</a:t>
-            </a:r>
-            <a:r>
-              <a:rPr lang="en-US" sz="2000" dirty="0">
-                <a:latin typeface="Times New Roman" panose="02020603050405020304" pitchFamily="18" charset="0"/>
-                <a:cs typeface="Times New Roman" panose="02020603050405020304" pitchFamily="18" charset="0"/>
-              </a:rPr>
-              <a:t> </a:t>
-            </a:r>
-            <a:r>
-              <a:rPr lang="en-US" sz="2000" dirty="0" err="1">
-                <a:latin typeface="Times New Roman" panose="02020603050405020304" pitchFamily="18" charset="0"/>
-                <a:cs typeface="Times New Roman" panose="02020603050405020304" pitchFamily="18" charset="0"/>
-              </a:rPr>
-              <a:t>tại</a:t>
-            </a:r>
-            <a:r>
-              <a:rPr lang="en-US" sz="2000" dirty="0">
-                <a:latin typeface="Times New Roman" panose="02020603050405020304" pitchFamily="18" charset="0"/>
-                <a:cs typeface="Times New Roman" panose="02020603050405020304" pitchFamily="18" charset="0"/>
-              </a:rPr>
-              <a:t> </a:t>
-            </a:r>
-            <a:r>
-              <a:rPr lang="en-US" sz="2000" dirty="0" err="1">
-                <a:latin typeface="Times New Roman" panose="02020603050405020304" pitchFamily="18" charset="0"/>
-                <a:cs typeface="Times New Roman" panose="02020603050405020304" pitchFamily="18" charset="0"/>
-              </a:rPr>
-              <a:t>ch</a:t>
-            </a:r>
-            <a:r>
-              <a:rPr lang="vi-VN" sz="2000" dirty="0">
-                <a:latin typeface="Times New Roman" panose="02020603050405020304" pitchFamily="18" charset="0"/>
-                <a:cs typeface="Times New Roman" panose="02020603050405020304" pitchFamily="18" charset="0"/>
-              </a:rPr>
-              <a:t>ư</a:t>
-            </a:r>
-            <a:r>
-              <a:rPr lang="en-US" sz="2000" dirty="0">
-                <a:latin typeface="Times New Roman" panose="02020603050405020304" pitchFamily="18" charset="0"/>
-                <a:cs typeface="Times New Roman" panose="02020603050405020304" pitchFamily="18" charset="0"/>
-              </a:rPr>
-              <a:t>a </a:t>
-            </a:r>
-            <a:r>
-              <a:rPr lang="en-US" sz="2000" dirty="0" err="1">
-                <a:latin typeface="Times New Roman" panose="02020603050405020304" pitchFamily="18" charset="0"/>
-                <a:cs typeface="Times New Roman" panose="02020603050405020304" pitchFamily="18" charset="0"/>
-              </a:rPr>
-              <a:t>có</a:t>
-            </a:r>
-            <a:r>
-              <a:rPr lang="en-US" sz="2000" dirty="0">
-                <a:latin typeface="Times New Roman" panose="02020603050405020304" pitchFamily="18" charset="0"/>
-                <a:cs typeface="Times New Roman" panose="02020603050405020304" pitchFamily="18" charset="0"/>
-              </a:rPr>
-              <a:t> </a:t>
-            </a:r>
-            <a:r>
-              <a:rPr lang="en-US" sz="2000" dirty="0" err="1">
-                <a:latin typeface="Times New Roman" panose="02020603050405020304" pitchFamily="18" charset="0"/>
-                <a:cs typeface="Times New Roman" panose="02020603050405020304" pitchFamily="18" charset="0"/>
-              </a:rPr>
-              <a:t>ngân</a:t>
-            </a:r>
-            <a:r>
-              <a:rPr lang="en-US" sz="2000" dirty="0">
-                <a:latin typeface="Times New Roman" panose="02020603050405020304" pitchFamily="18" charset="0"/>
-                <a:cs typeface="Times New Roman" panose="02020603050405020304" pitchFamily="18" charset="0"/>
-              </a:rPr>
-              <a:t> </a:t>
-            </a:r>
-            <a:r>
-              <a:rPr lang="en-US" sz="2000" dirty="0" err="1">
-                <a:latin typeface="Times New Roman" panose="02020603050405020304" pitchFamily="18" charset="0"/>
-                <a:cs typeface="Times New Roman" panose="02020603050405020304" pitchFamily="18" charset="0"/>
-              </a:rPr>
-              <a:t>sách</a:t>
-            </a:r>
-            <a:r>
-              <a:rPr lang="en-US" sz="2000" dirty="0">
-                <a:latin typeface="Times New Roman" panose="02020603050405020304" pitchFamily="18" charset="0"/>
-                <a:cs typeface="Times New Roman" panose="02020603050405020304" pitchFamily="18" charset="0"/>
-              </a:rPr>
-              <a:t> </a:t>
-            </a:r>
-            <a:r>
-              <a:rPr lang="en-US" sz="2000" dirty="0" err="1">
-                <a:latin typeface="Times New Roman" panose="02020603050405020304" pitchFamily="18" charset="0"/>
-                <a:cs typeface="Times New Roman" panose="02020603050405020304" pitchFamily="18" charset="0"/>
-              </a:rPr>
-              <a:t>nên</a:t>
-            </a:r>
-            <a:r>
-              <a:rPr lang="en-US" sz="2000" dirty="0">
-                <a:latin typeface="Times New Roman" panose="02020603050405020304" pitchFamily="18" charset="0"/>
-                <a:cs typeface="Times New Roman" panose="02020603050405020304" pitchFamily="18" charset="0"/>
-              </a:rPr>
-              <a:t> </a:t>
-            </a:r>
-            <a:r>
-              <a:rPr lang="en-US" sz="2000" dirty="0" err="1">
-                <a:latin typeface="Times New Roman" panose="02020603050405020304" pitchFamily="18" charset="0"/>
-                <a:cs typeface="Times New Roman" panose="02020603050405020304" pitchFamily="18" charset="0"/>
-              </a:rPr>
-              <a:t>các</a:t>
-            </a:r>
-            <a:r>
-              <a:rPr lang="en-US" sz="2000" dirty="0">
-                <a:latin typeface="Times New Roman" panose="02020603050405020304" pitchFamily="18" charset="0"/>
-                <a:cs typeface="Times New Roman" panose="02020603050405020304" pitchFamily="18" charset="0"/>
-              </a:rPr>
-              <a:t> </a:t>
-            </a:r>
-            <a:r>
-              <a:rPr lang="en-US" sz="2000" dirty="0" err="1">
-                <a:latin typeface="Times New Roman" panose="02020603050405020304" pitchFamily="18" charset="0"/>
-                <a:cs typeface="Times New Roman" panose="02020603050405020304" pitchFamily="18" charset="0"/>
-              </a:rPr>
-              <a:t>thành</a:t>
-            </a:r>
-            <a:r>
-              <a:rPr lang="en-US" sz="2000" dirty="0">
-                <a:latin typeface="Times New Roman" panose="02020603050405020304" pitchFamily="18" charset="0"/>
-                <a:cs typeface="Times New Roman" panose="02020603050405020304" pitchFamily="18" charset="0"/>
-              </a:rPr>
-              <a:t> </a:t>
-            </a:r>
-            <a:r>
-              <a:rPr lang="en-US" sz="2000" dirty="0" err="1">
-                <a:latin typeface="Times New Roman" panose="02020603050405020304" pitchFamily="18" charset="0"/>
-                <a:cs typeface="Times New Roman" panose="02020603050405020304" pitchFamily="18" charset="0"/>
-              </a:rPr>
-              <a:t>viên</a:t>
-            </a:r>
-            <a:r>
-              <a:rPr lang="en-US" sz="2000" dirty="0">
-                <a:latin typeface="Times New Roman" panose="02020603050405020304" pitchFamily="18" charset="0"/>
-                <a:cs typeface="Times New Roman" panose="02020603050405020304" pitchFamily="18" charset="0"/>
-              </a:rPr>
-              <a:t> </a:t>
-            </a:r>
-            <a:r>
-              <a:rPr lang="en-US" sz="2000" dirty="0" err="1">
-                <a:latin typeface="Times New Roman" panose="02020603050405020304" pitchFamily="18" charset="0"/>
-                <a:cs typeface="Times New Roman" panose="02020603050405020304" pitchFamily="18" charset="0"/>
-              </a:rPr>
-              <a:t>tự</a:t>
-            </a:r>
-            <a:r>
-              <a:rPr lang="en-US" sz="2000" dirty="0">
-                <a:latin typeface="Times New Roman" panose="02020603050405020304" pitchFamily="18" charset="0"/>
-                <a:cs typeface="Times New Roman" panose="02020603050405020304" pitchFamily="18" charset="0"/>
-              </a:rPr>
-              <a:t> </a:t>
-            </a:r>
-            <a:r>
-              <a:rPr lang="en-US" sz="2000" dirty="0" err="1">
-                <a:latin typeface="Times New Roman" panose="02020603050405020304" pitchFamily="18" charset="0"/>
-                <a:cs typeface="Times New Roman" panose="02020603050405020304" pitchFamily="18" charset="0"/>
-              </a:rPr>
-              <a:t>túc</a:t>
-            </a:r>
-            <a:r>
-              <a:rPr lang="en-US" sz="2000" dirty="0">
-                <a:latin typeface="Times New Roman" panose="02020603050405020304" pitchFamily="18" charset="0"/>
-                <a:cs typeface="Times New Roman" panose="02020603050405020304" pitchFamily="18" charset="0"/>
-              </a:rPr>
-              <a:t> -  Chi </a:t>
-            </a:r>
-            <a:r>
-              <a:rPr lang="en-US" sz="2000" dirty="0" err="1">
-                <a:latin typeface="Times New Roman" panose="02020603050405020304" pitchFamily="18" charset="0"/>
-                <a:cs typeface="Times New Roman" panose="02020603050405020304" pitchFamily="18" charset="0"/>
-              </a:rPr>
-              <a:t>phí</a:t>
-            </a:r>
-            <a:r>
-              <a:rPr lang="en-US" sz="2000" dirty="0">
-                <a:latin typeface="Times New Roman" panose="02020603050405020304" pitchFamily="18" charset="0"/>
-                <a:cs typeface="Times New Roman" panose="02020603050405020304" pitchFamily="18" charset="0"/>
-              </a:rPr>
-              <a:t> </a:t>
-            </a:r>
-            <a:r>
-              <a:rPr lang="en-US" sz="2000" dirty="0" err="1">
-                <a:latin typeface="Times New Roman" panose="02020603050405020304" pitchFamily="18" charset="0"/>
-                <a:cs typeface="Times New Roman" panose="02020603050405020304" pitchFamily="18" charset="0"/>
-              </a:rPr>
-              <a:t>nhóm</a:t>
-            </a:r>
-            <a:r>
-              <a:rPr lang="en-US" sz="2000" dirty="0">
-                <a:latin typeface="Times New Roman" panose="02020603050405020304" pitchFamily="18" charset="0"/>
-                <a:cs typeface="Times New Roman" panose="02020603050405020304" pitchFamily="18" charset="0"/>
-              </a:rPr>
-              <a:t> </a:t>
-            </a:r>
-            <a:r>
-              <a:rPr lang="en-US" sz="2000" dirty="0" err="1">
-                <a:latin typeface="Times New Roman" panose="02020603050405020304" pitchFamily="18" charset="0"/>
-                <a:cs typeface="Times New Roman" panose="02020603050405020304" pitchFamily="18" charset="0"/>
-              </a:rPr>
-              <a:t>là</a:t>
-            </a:r>
-            <a:r>
-              <a:rPr lang="en-US" sz="2000" dirty="0">
-                <a:latin typeface="Times New Roman" panose="02020603050405020304" pitchFamily="18" charset="0"/>
-                <a:cs typeface="Times New Roman" panose="02020603050405020304" pitchFamily="18" charset="0"/>
-              </a:rPr>
-              <a:t> </a:t>
-            </a:r>
-            <a:r>
-              <a:rPr lang="en-US" sz="2000" dirty="0" err="1">
-                <a:latin typeface="Times New Roman" panose="02020603050405020304" pitchFamily="18" charset="0"/>
-                <a:cs typeface="Times New Roman" panose="02020603050405020304" pitchFamily="18" charset="0"/>
-              </a:rPr>
-              <a:t>12tr</a:t>
-            </a:r>
-            <a:r>
-              <a:rPr lang="en-US" sz="2000" dirty="0">
-                <a:latin typeface="Times New Roman" panose="02020603050405020304" pitchFamily="18" charset="0"/>
-                <a:cs typeface="Times New Roman" panose="02020603050405020304" pitchFamily="18" charset="0"/>
-              </a:rPr>
-              <a:t> VND </a:t>
-            </a:r>
-          </a:p>
-          <a:p>
-            <a:pPr marL="0" indent="0">
-              <a:buNone/>
-            </a:pPr>
-            <a:r>
-              <a:rPr lang="vi-VN" dirty="0">
-                <a:latin typeface="Times New Roman" panose="02020603050405020304" pitchFamily="18" charset="0"/>
-                <a:cs typeface="Times New Roman" panose="02020603050405020304" pitchFamily="18" charset="0"/>
-              </a:rPr>
-              <a:t> </a:t>
-            </a:r>
-            <a:endParaRPr lang="en-US" dirty="0">
-              <a:latin typeface="Times New Roman" panose="02020603050405020304" pitchFamily="18" charset="0"/>
-              <a:cs typeface="Times New Roman" panose="02020603050405020304" pitchFamily="18" charset="0"/>
-            </a:endParaRPr>
-          </a:p>
-        </p:txBody>
-      </p:sp>
-    </p:spTree>
-    <p:extLst>
-      <p:ext uri="{BB962C8B-B14F-4D97-AF65-F5344CB8AC3E}">
-        <p14:creationId xmlns:p14="http://schemas.microsoft.com/office/powerpoint/2010/main" val="2132085301"/>
-      </p:ext>
-    </p:extLst>
-  </p:cSld>
-  <p:clrMapOvr>
-    <a:masterClrMapping/>
-  </p:clrMapOvr>
-</p:sld>
-</file>
-
-<file path=ppt/slides/slide15.xml><?xml version="1.0" encoding="utf-8"?>
-<p:sld xmlns:a="http://schemas.openxmlformats.org/drawingml/2006/main" xmlns:r="http://schemas.openxmlformats.org/officeDocument/2006/relationships" xmlns:p="http://schemas.openxmlformats.org/presentationml/2006/main">
-  <p:cSld>
-    <p:spTree>
-      <p:nvGrpSpPr>
-        <p:cNvPr id="1" name=""/>
-        <p:cNvGrpSpPr/>
-        <p:nvPr/>
-      </p:nvGrpSpPr>
-      <p:grpSpPr>
-        <a:xfrm>
-          <a:off x="0" y="0"/>
-          <a:ext cx="0" cy="0"/>
-          <a:chOff x="0" y="0"/>
-          <a:chExt cx="0" cy="0"/>
-        </a:xfrm>
-      </p:grpSpPr>
-      <p:sp>
-        <p:nvSpPr>
-          <p:cNvPr id="2" name="Title 1">
-            <a:extLst>
-              <a:ext uri="{FF2B5EF4-FFF2-40B4-BE49-F238E27FC236}">
-                <a16:creationId xmlns:a16="http://schemas.microsoft.com/office/drawing/2014/main" id="{323C768A-D3DF-4EB2-A78C-BA2018CDE498}"/>
-              </a:ext>
-            </a:extLst>
-          </p:cNvPr>
-          <p:cNvSpPr>
-            <a:spLocks noGrp="1"/>
-          </p:cNvSpPr>
-          <p:nvPr>
-            <p:ph type="title"/>
-          </p:nvPr>
-        </p:nvSpPr>
-        <p:spPr>
-          <a:xfrm>
-            <a:off x="1097280" y="286604"/>
-            <a:ext cx="10058400" cy="798126"/>
-          </a:xfrm>
-        </p:spPr>
-        <p:txBody>
-          <a:bodyPr/>
-          <a:lstStyle/>
-          <a:p>
-            <a:r>
-              <a:rPr lang="en-US" dirty="0">
-                <a:latin typeface="Times New Roman" panose="02020603050405020304" pitchFamily="18" charset="0"/>
-                <a:cs typeface="Times New Roman" panose="02020603050405020304" pitchFamily="18" charset="0"/>
-              </a:rPr>
-              <a:t>3. </a:t>
-            </a:r>
-            <a:r>
-              <a:rPr lang="en-US" dirty="0" err="1">
-                <a:latin typeface="Times New Roman" panose="02020603050405020304" pitchFamily="18" charset="0"/>
-                <a:cs typeface="Times New Roman" panose="02020603050405020304" pitchFamily="18" charset="0"/>
-              </a:rPr>
-              <a:t>Trình</a:t>
-            </a:r>
-            <a:r>
-              <a:rPr lang="en-US" dirty="0">
-                <a:latin typeface="Times New Roman" panose="02020603050405020304" pitchFamily="18" charset="0"/>
-                <a:cs typeface="Times New Roman" panose="02020603050405020304" pitchFamily="18" charset="0"/>
-              </a:rPr>
-              <a:t> </a:t>
-            </a:r>
-            <a:r>
-              <a:rPr lang="en-US" dirty="0" err="1">
-                <a:latin typeface="Times New Roman" panose="02020603050405020304" pitchFamily="18" charset="0"/>
-                <a:cs typeface="Times New Roman" panose="02020603050405020304" pitchFamily="18" charset="0"/>
-              </a:rPr>
-              <a:t>bày</a:t>
-            </a:r>
-            <a:r>
-              <a:rPr lang="en-US" dirty="0">
-                <a:latin typeface="Times New Roman" panose="02020603050405020304" pitchFamily="18" charset="0"/>
-                <a:cs typeface="Times New Roman" panose="02020603050405020304" pitchFamily="18" charset="0"/>
-              </a:rPr>
-              <a:t> </a:t>
-            </a:r>
-            <a:r>
-              <a:rPr lang="en-US" dirty="0" err="1">
-                <a:latin typeface="Times New Roman" panose="02020603050405020304" pitchFamily="18" charset="0"/>
-                <a:cs typeface="Times New Roman" panose="02020603050405020304" pitchFamily="18" charset="0"/>
-              </a:rPr>
-              <a:t>sản</a:t>
-            </a:r>
-            <a:r>
-              <a:rPr lang="en-US" dirty="0">
-                <a:latin typeface="Times New Roman" panose="02020603050405020304" pitchFamily="18" charset="0"/>
-                <a:cs typeface="Times New Roman" panose="02020603050405020304" pitchFamily="18" charset="0"/>
-              </a:rPr>
-              <a:t> </a:t>
-            </a:r>
-            <a:r>
-              <a:rPr lang="en-US" dirty="0" err="1">
-                <a:latin typeface="Times New Roman" panose="02020603050405020304" pitchFamily="18" charset="0"/>
-                <a:cs typeface="Times New Roman" panose="02020603050405020304" pitchFamily="18" charset="0"/>
-              </a:rPr>
-              <a:t>phẩm</a:t>
-            </a:r>
-            <a:endParaRPr lang="en-US" dirty="0">
-              <a:latin typeface="Times New Roman" panose="02020603050405020304" pitchFamily="18" charset="0"/>
-              <a:cs typeface="Times New Roman" panose="02020603050405020304" pitchFamily="18" charset="0"/>
-            </a:endParaRPr>
-          </a:p>
-        </p:txBody>
-      </p:sp>
-      <p:sp>
-        <p:nvSpPr>
-          <p:cNvPr id="3" name="Content Placeholder 2">
-            <a:extLst>
-              <a:ext uri="{FF2B5EF4-FFF2-40B4-BE49-F238E27FC236}">
-                <a16:creationId xmlns:a16="http://schemas.microsoft.com/office/drawing/2014/main" id="{3FA59283-35F5-4AD8-8988-F13FF907F789}"/>
-              </a:ext>
-            </a:extLst>
-          </p:cNvPr>
-          <p:cNvSpPr>
-            <a:spLocks noGrp="1"/>
-          </p:cNvSpPr>
-          <p:nvPr>
-            <p:ph idx="1"/>
-          </p:nvPr>
-        </p:nvSpPr>
-        <p:spPr/>
-        <p:txBody>
-          <a:bodyPr/>
-          <a:lstStyle/>
-          <a:p>
-            <a:r>
-              <a:rPr lang="en-US" dirty="0">
-                <a:latin typeface="Times New Roman" panose="02020603050405020304" pitchFamily="18" charset="0"/>
-                <a:cs typeface="Times New Roman" panose="02020603050405020304" pitchFamily="18" charset="0"/>
-              </a:rPr>
-              <a:t> B</a:t>
-            </a:r>
-            <a:r>
-              <a:rPr lang="vi-VN" dirty="0">
-                <a:latin typeface="Times New Roman" panose="02020603050405020304" pitchFamily="18" charset="0"/>
-                <a:cs typeface="Times New Roman" panose="02020603050405020304" pitchFamily="18" charset="0"/>
-              </a:rPr>
-              <a:t>. Các chỉ số dự đoán thời gian, chi phí khi kết thúc dự án (Forecasting) bằng phương pháp quản lý giá trị thu được (Earned value management), cập nhập sản phẩm Lịch trình dự án của nhóm. </a:t>
-            </a:r>
-            <a:endParaRPr lang="en-US" dirty="0">
-              <a:latin typeface="Times New Roman" panose="02020603050405020304" pitchFamily="18" charset="0"/>
-              <a:cs typeface="Times New Roman" panose="02020603050405020304" pitchFamily="18" charset="0"/>
-            </a:endParaRPr>
-          </a:p>
-        </p:txBody>
-      </p:sp>
-    </p:spTree>
-    <p:extLst>
-      <p:ext uri="{BB962C8B-B14F-4D97-AF65-F5344CB8AC3E}">
-        <p14:creationId xmlns:p14="http://schemas.microsoft.com/office/powerpoint/2010/main" val="1855299757"/>
-      </p:ext>
-    </p:extLst>
-  </p:cSld>
-  <p:clrMapOvr>
-    <a:masterClrMapping/>
-  </p:clrMapOvr>
-</p:sld>
-</file>
-
-<file path=ppt/slides/slide16.xml><?xml version="1.0" encoding="utf-8"?>
+<file path=ppt/slides/slide17.xml><?xml version="1.0" encoding="utf-8"?>
 <p:sld xmlns:a="http://schemas.openxmlformats.org/drawingml/2006/main" xmlns:r="http://schemas.openxmlformats.org/officeDocument/2006/relationships" xmlns:p="http://schemas.openxmlformats.org/presentationml/2006/main">
   <p:cSld>
     <p:spTree>
@@ -10038,18 +10964,25 @@
               <a:t>ư</a:t>
             </a:r>
             <a:r>
-              <a:rPr lang="en-US" dirty="0" err="1">
-                <a:latin typeface="Times New Roman" panose="02020603050405020304" pitchFamily="18" charset="0"/>
-                <a:cs typeface="Times New Roman" panose="02020603050405020304" pitchFamily="18" charset="0"/>
-              </a:rPr>
-              <a:t>ợc</a:t>
-            </a:r>
-            <a:r>
               <a:rPr lang="en-US" dirty="0">
                 <a:latin typeface="Times New Roman" panose="02020603050405020304" pitchFamily="18" charset="0"/>
                 <a:cs typeface="Times New Roman" panose="02020603050405020304" pitchFamily="18" charset="0"/>
               </a:rPr>
-              <a:t> 7/52 point</a:t>
+              <a:t>ợc </a:t>
+            </a:r>
+            <a:r>
+              <a:rPr lang="en-US" dirty="0" smtClean="0">
+                <a:latin typeface="Times New Roman" panose="02020603050405020304" pitchFamily="18" charset="0"/>
+                <a:cs typeface="Times New Roman" panose="02020603050405020304" pitchFamily="18" charset="0"/>
+              </a:rPr>
+              <a:t>18/52 </a:t>
+            </a:r>
+            <a:r>
+              <a:rPr lang="en-US" dirty="0">
+                <a:latin typeface="Times New Roman" panose="02020603050405020304" pitchFamily="18" charset="0"/>
+                <a:cs typeface="Times New Roman" panose="02020603050405020304" pitchFamily="18" charset="0"/>
+              </a:rPr>
+              <a:t>point</a:t>
             </a:r>
           </a:p>
           <a:p>
@@ -10911,7 +11844,7 @@
     </p:spTree>
     <p:extLst>
       <p:ext uri="{BB962C8B-B14F-4D97-AF65-F5344CB8AC3E}">
-        <p14:creationId xmlns:p14="http://schemas.microsoft.com/office/powerpoint/2010/main" val="1687052069"/>
+        <p14:creationId xmlns:p14="http://schemas.microsoft.com/office/powerpoint/2010/main" val="762518623"/>
       </p:ext>
     </p:extLst>
   </p:cSld>
@@ -10921,7 +11854,7 @@
 </p:sld>
 </file>
 
-<file path=ppt/slides/slide17.xml><?xml version="1.0" encoding="utf-8"?>
+<file path=ppt/slides/slide18.xml><?xml version="1.0" encoding="utf-8"?>
 <p:sld xmlns:a="http://schemas.openxmlformats.org/drawingml/2006/main" xmlns:r="http://schemas.openxmlformats.org/officeDocument/2006/relationships" xmlns:p="http://schemas.openxmlformats.org/presentationml/2006/main">
   <p:cSld>
     <p:bg>
@@ -13001,8 +13934,19 @@
                 <a:latin typeface="Times New Roman" panose="02020603050405020304" pitchFamily="18" charset="0"/>
                 <a:cs typeface="Times New Roman" panose="02020603050405020304" pitchFamily="18" charset="0"/>
               </a:rPr>
-              <a:t>Tình trang dự án hiện tại vẫn diễn ra bình thường</a:t>
-            </a:r>
+              <a:t>Tình trang dự án hiện tại </a:t>
+            </a:r>
+            <a:r>
+              <a:rPr lang="en-US" dirty="0" smtClean="0">
+                <a:latin typeface="Times New Roman" panose="02020603050405020304" pitchFamily="18" charset="0"/>
+                <a:cs typeface="Times New Roman" panose="02020603050405020304" pitchFamily="18" charset="0"/>
+              </a:rPr>
+              <a:t>đang ở mức thủ thách</a:t>
+            </a:r>
+            <a:endParaRPr lang="en-US" dirty="0" smtClean="0">
+              <a:latin typeface="Times New Roman" panose="02020603050405020304" pitchFamily="18" charset="0"/>
+              <a:cs typeface="Times New Roman" panose="02020603050405020304" pitchFamily="18" charset="0"/>
+            </a:endParaRPr>
           </a:p>
           <a:p>
             <a:r>
